--- a/images/record/ODROID-H2_Cluster_Build/ODROID-H2_Cluster_Build.pptx
+++ b/images/record/ODROID-H2_Cluster_Build/ODROID-H2_Cluster_Build.pptx
@@ -5,13 +5,14 @@
     <p:sldMasterId id="2147483648" r:id="rId1"/>
   </p:sldMasterIdLst>
   <p:notesMasterIdLst>
-    <p:notesMasterId r:id="rId6"/>
+    <p:notesMasterId r:id="rId7"/>
   </p:notesMasterIdLst>
   <p:sldIdLst>
     <p:sldId id="390" r:id="rId2"/>
     <p:sldId id="393" r:id="rId3"/>
-    <p:sldId id="392" r:id="rId4"/>
-    <p:sldId id="391" r:id="rId5"/>
+    <p:sldId id="394" r:id="rId4"/>
+    <p:sldId id="392" r:id="rId5"/>
+    <p:sldId id="391" r:id="rId6"/>
   </p:sldIdLst>
   <p:sldSz cx="9144000" cy="5143500" type="screen16x9"/>
   <p:notesSz cx="6858000" cy="9144000"/>
@@ -216,7 +217,7 @@
           <a:p>
             <a:fld id="{6CD5550B-26C4-49A9-A5BA-636EF7BE6CE9}" type="datetimeFigureOut">
               <a:rPr lang="ko-KR" altLang="en-US" smtClean="0"/>
-              <a:t>2019-07-02</a:t>
+              <a:t>2019-07-03</a:t>
             </a:fld>
             <a:endParaRPr lang="ko-KR" altLang="en-US"/>
           </a:p>
@@ -716,7 +717,91 @@
           <a:p>
             <a:fld id="{BA5DFA43-8D57-47FB-BC46-057616015C3B}" type="slidenum">
               <a:rPr lang="ko-KR" altLang="en-US" smtClean="0"/>
-              <a:t>4</a:t>
+              <a:t>3</a:t>
+            </a:fld>
+            <a:endParaRPr lang="ko-KR" altLang="en-US"/>
+          </a:p>
+        </p:txBody>
+      </p:sp>
+    </p:spTree>
+    <p:extLst>
+      <p:ext uri="{BB962C8B-B14F-4D97-AF65-F5344CB8AC3E}">
+        <p14:creationId xmlns:p14="http://schemas.microsoft.com/office/powerpoint/2010/main" val="695024075"/>
+      </p:ext>
+    </p:extLst>
+  </p:cSld>
+  <p:clrMapOvr>
+    <a:masterClrMapping/>
+  </p:clrMapOvr>
+</p:notes>
+</file>
+
+<file path=ppt/notesSlides/notesSlide4.xml><?xml version="1.0" encoding="utf-8"?>
+<p:notes xmlns:a="http://schemas.openxmlformats.org/drawingml/2006/main" xmlns:r="http://schemas.openxmlformats.org/officeDocument/2006/relationships" xmlns:p="http://schemas.openxmlformats.org/presentationml/2006/main">
+  <p:cSld>
+    <p:spTree>
+      <p:nvGrpSpPr>
+        <p:cNvPr id="1" name=""/>
+        <p:cNvGrpSpPr/>
+        <p:nvPr/>
+      </p:nvGrpSpPr>
+      <p:grpSpPr>
+        <a:xfrm>
+          <a:off x="0" y="0"/>
+          <a:ext cx="0" cy="0"/>
+          <a:chOff x="0" y="0"/>
+          <a:chExt cx="0" cy="0"/>
+        </a:xfrm>
+      </p:grpSpPr>
+      <p:sp>
+        <p:nvSpPr>
+          <p:cNvPr id="2" name="슬라이드 이미지 개체 틀 1"/>
+          <p:cNvSpPr>
+            <a:spLocks noGrp="1" noRot="1" noChangeAspect="1"/>
+          </p:cNvSpPr>
+          <p:nvPr>
+            <p:ph type="sldImg"/>
+          </p:nvPr>
+        </p:nvSpPr>
+        <p:spPr/>
+      </p:sp>
+      <p:sp>
+        <p:nvSpPr>
+          <p:cNvPr id="3" name="슬라이드 노트 개체 틀 2"/>
+          <p:cNvSpPr>
+            <a:spLocks noGrp="1"/>
+          </p:cNvSpPr>
+          <p:nvPr>
+            <p:ph type="body" idx="1"/>
+          </p:nvPr>
+        </p:nvSpPr>
+        <p:spPr/>
+        <p:txBody>
+          <a:bodyPr/>
+          <a:lstStyle/>
+          <a:p>
+            <a:endParaRPr lang="ko-KR" altLang="en-US" dirty="0"/>
+          </a:p>
+        </p:txBody>
+      </p:sp>
+      <p:sp>
+        <p:nvSpPr>
+          <p:cNvPr id="4" name="슬라이드 번호 개체 틀 3"/>
+          <p:cNvSpPr>
+            <a:spLocks noGrp="1"/>
+          </p:cNvSpPr>
+          <p:nvPr>
+            <p:ph type="sldNum" sz="quarter" idx="10"/>
+          </p:nvPr>
+        </p:nvSpPr>
+        <p:spPr/>
+        <p:txBody>
+          <a:bodyPr/>
+          <a:lstStyle/>
+          <a:p>
+            <a:fld id="{BA5DFA43-8D57-47FB-BC46-057616015C3B}" type="slidenum">
+              <a:rPr lang="ko-KR" altLang="en-US" smtClean="0"/>
+              <a:t>5</a:t>
             </a:fld>
             <a:endParaRPr lang="ko-KR" altLang="en-US"/>
           </a:p>
@@ -914,7 +999,7 @@
           <a:p>
             <a:fld id="{FB30EDBD-1C2D-4C1E-B459-B60219FAB484}" type="datetimeFigureOut">
               <a:rPr lang="ko-KR" altLang="en-US" smtClean="0"/>
-              <a:t>2019-07-02</a:t>
+              <a:t>2019-07-03</a:t>
             </a:fld>
             <a:endParaRPr lang="ko-KR" altLang="en-US"/>
           </a:p>
@@ -1077,7 +1162,7 @@
           <a:p>
             <a:fld id="{FB30EDBD-1C2D-4C1E-B459-B60219FAB484}" type="datetimeFigureOut">
               <a:rPr lang="ko-KR" altLang="en-US" smtClean="0"/>
-              <a:t>2019-07-02</a:t>
+              <a:t>2019-07-03</a:t>
             </a:fld>
             <a:endParaRPr lang="ko-KR" altLang="en-US"/>
           </a:p>
@@ -1250,7 +1335,7 @@
           <a:p>
             <a:fld id="{FB30EDBD-1C2D-4C1E-B459-B60219FAB484}" type="datetimeFigureOut">
               <a:rPr lang="ko-KR" altLang="en-US" smtClean="0"/>
-              <a:t>2019-07-02</a:t>
+              <a:t>2019-07-03</a:t>
             </a:fld>
             <a:endParaRPr lang="ko-KR" altLang="en-US"/>
           </a:p>
@@ -1413,7 +1498,7 @@
           <a:p>
             <a:fld id="{FB30EDBD-1C2D-4C1E-B459-B60219FAB484}" type="datetimeFigureOut">
               <a:rPr lang="ko-KR" altLang="en-US" smtClean="0"/>
-              <a:t>2019-07-02</a:t>
+              <a:t>2019-07-03</a:t>
             </a:fld>
             <a:endParaRPr lang="ko-KR" altLang="en-US"/>
           </a:p>
@@ -1653,7 +1738,7 @@
           <a:p>
             <a:fld id="{FB30EDBD-1C2D-4C1E-B459-B60219FAB484}" type="datetimeFigureOut">
               <a:rPr lang="ko-KR" altLang="en-US" smtClean="0"/>
-              <a:t>2019-07-02</a:t>
+              <a:t>2019-07-03</a:t>
             </a:fld>
             <a:endParaRPr lang="ko-KR" altLang="en-US"/>
           </a:p>
@@ -1933,7 +2018,7 @@
           <a:p>
             <a:fld id="{FB30EDBD-1C2D-4C1E-B459-B60219FAB484}" type="datetimeFigureOut">
               <a:rPr lang="ko-KR" altLang="en-US" smtClean="0"/>
-              <a:t>2019-07-02</a:t>
+              <a:t>2019-07-03</a:t>
             </a:fld>
             <a:endParaRPr lang="ko-KR" altLang="en-US"/>
           </a:p>
@@ -2347,7 +2432,7 @@
           <a:p>
             <a:fld id="{FB30EDBD-1C2D-4C1E-B459-B60219FAB484}" type="datetimeFigureOut">
               <a:rPr lang="ko-KR" altLang="en-US" smtClean="0"/>
-              <a:t>2019-07-02</a:t>
+              <a:t>2019-07-03</a:t>
             </a:fld>
             <a:endParaRPr lang="ko-KR" altLang="en-US"/>
           </a:p>
@@ -2459,7 +2544,7 @@
           <a:p>
             <a:fld id="{FB30EDBD-1C2D-4C1E-B459-B60219FAB484}" type="datetimeFigureOut">
               <a:rPr lang="ko-KR" altLang="en-US" smtClean="0"/>
-              <a:t>2019-07-02</a:t>
+              <a:t>2019-07-03</a:t>
             </a:fld>
             <a:endParaRPr lang="ko-KR" altLang="en-US"/>
           </a:p>
@@ -2549,7 +2634,7 @@
           <a:p>
             <a:fld id="{FB30EDBD-1C2D-4C1E-B459-B60219FAB484}" type="datetimeFigureOut">
               <a:rPr lang="ko-KR" altLang="en-US" smtClean="0"/>
-              <a:t>2019-07-02</a:t>
+              <a:t>2019-07-03</a:t>
             </a:fld>
             <a:endParaRPr lang="ko-KR" altLang="en-US"/>
           </a:p>
@@ -2819,7 +2904,7 @@
           <a:p>
             <a:fld id="{FB30EDBD-1C2D-4C1E-B459-B60219FAB484}" type="datetimeFigureOut">
               <a:rPr lang="ko-KR" altLang="en-US" smtClean="0"/>
-              <a:t>2019-07-02</a:t>
+              <a:t>2019-07-03</a:t>
             </a:fld>
             <a:endParaRPr lang="ko-KR" altLang="en-US"/>
           </a:p>
@@ -3066,7 +3151,7 @@
           <a:p>
             <a:fld id="{FB30EDBD-1C2D-4C1E-B459-B60219FAB484}" type="datetimeFigureOut">
               <a:rPr lang="ko-KR" altLang="en-US" smtClean="0"/>
-              <a:t>2019-07-02</a:t>
+              <a:t>2019-07-03</a:t>
             </a:fld>
             <a:endParaRPr lang="ko-KR" altLang="en-US"/>
           </a:p>
@@ -3272,7 +3357,7 @@
           <a:p>
             <a:fld id="{FB30EDBD-1C2D-4C1E-B459-B60219FAB484}" type="datetimeFigureOut">
               <a:rPr lang="ko-KR" altLang="en-US" smtClean="0"/>
-              <a:t>2019-07-02</a:t>
+              <a:t>2019-07-03</a:t>
             </a:fld>
             <a:endParaRPr lang="ko-KR" altLang="en-US"/>
           </a:p>
@@ -5801,6 +5886,1054 @@
           <a:chExt cx="0" cy="0"/>
         </a:xfrm>
       </p:grpSpPr>
+      <p:sp>
+        <p:nvSpPr>
+          <p:cNvPr id="6" name="제목 1"/>
+          <p:cNvSpPr>
+            <a:spLocks noGrp="1"/>
+          </p:cNvSpPr>
+          <p:nvPr>
+            <p:ph type="title"/>
+          </p:nvPr>
+        </p:nvSpPr>
+        <p:spPr>
+          <a:xfrm>
+            <a:off x="457200" y="-20538"/>
+            <a:ext cx="8229600" cy="857250"/>
+          </a:xfrm>
+        </p:spPr>
+        <p:txBody>
+          <a:bodyPr>
+            <a:normAutofit/>
+          </a:bodyPr>
+          <a:lstStyle/>
+          <a:p>
+            <a:r>
+              <a:rPr lang="en-US" altLang="ko-KR"/>
+              <a:t>OpenStack</a:t>
+            </a:r>
+            <a:endParaRPr lang="ko-KR" altLang="en-US" dirty="0"/>
+          </a:p>
+        </p:txBody>
+      </p:sp>
+      <p:sp>
+        <p:nvSpPr>
+          <p:cNvPr id="14" name="모서리가 둥근 직사각형 13"/>
+          <p:cNvSpPr/>
+          <p:nvPr/>
+        </p:nvSpPr>
+        <p:spPr>
+          <a:xfrm>
+            <a:off x="107504" y="1340768"/>
+            <a:ext cx="2880320" cy="1411001"/>
+          </a:xfrm>
+          <a:prstGeom prst="roundRect">
+            <a:avLst>
+              <a:gd name="adj" fmla="val 6281"/>
+            </a:avLst>
+          </a:prstGeom>
+          <a:noFill/>
+        </p:spPr>
+        <p:style>
+          <a:lnRef idx="2">
+            <a:schemeClr val="dk1"/>
+          </a:lnRef>
+          <a:fillRef idx="1">
+            <a:schemeClr val="lt1"/>
+          </a:fillRef>
+          <a:effectRef idx="0">
+            <a:schemeClr val="dk1"/>
+          </a:effectRef>
+          <a:fontRef idx="minor">
+            <a:schemeClr val="dk1"/>
+          </a:fontRef>
+        </p:style>
+        <p:txBody>
+          <a:bodyPr rtlCol="0" anchor="t"/>
+          <a:lstStyle/>
+          <a:p>
+            <a:pPr algn="ctr"/>
+            <a:r>
+              <a:rPr lang="en-US" altLang="ko-KR" sz="1600" b="1"/>
+              <a:t>Node 01 : Monitor, OSD</a:t>
+            </a:r>
+            <a:endParaRPr lang="ko-KR" altLang="en-US" sz="1600" dirty="0"/>
+          </a:p>
+        </p:txBody>
+      </p:sp>
+      <p:sp>
+        <p:nvSpPr>
+          <p:cNvPr id="19" name="모서리가 둥근 직사각형 18"/>
+          <p:cNvSpPr/>
+          <p:nvPr/>
+        </p:nvSpPr>
+        <p:spPr>
+          <a:xfrm>
+            <a:off x="179512" y="2175706"/>
+            <a:ext cx="1328914" cy="504056"/>
+          </a:xfrm>
+          <a:prstGeom prst="roundRect">
+            <a:avLst>
+              <a:gd name="adj" fmla="val 11578"/>
+            </a:avLst>
+          </a:prstGeom>
+          <a:noFill/>
+        </p:spPr>
+        <p:style>
+          <a:lnRef idx="2">
+            <a:schemeClr val="dk1"/>
+          </a:lnRef>
+          <a:fillRef idx="1">
+            <a:schemeClr val="lt1"/>
+          </a:fillRef>
+          <a:effectRef idx="0">
+            <a:schemeClr val="dk1"/>
+          </a:effectRef>
+          <a:fontRef idx="minor">
+            <a:schemeClr val="dk1"/>
+          </a:fontRef>
+        </p:style>
+        <p:txBody>
+          <a:bodyPr rtlCol="0" anchor="t"/>
+          <a:lstStyle/>
+          <a:p>
+            <a:pPr algn="ctr"/>
+            <a:r>
+              <a:rPr lang="en-US" altLang="ko-KR" sz="1200"/>
+              <a:t>enp0s2</a:t>
+            </a:r>
+            <a:endParaRPr lang="en-US" altLang="ko-KR" sz="1200" dirty="0"/>
+          </a:p>
+          <a:p>
+            <a:pPr algn="ctr"/>
+            <a:r>
+              <a:rPr lang="en-US" altLang="ko-KR" sz="1200"/>
+              <a:t>192.168.0.30</a:t>
+            </a:r>
+            <a:endParaRPr lang="en-US" altLang="ko-KR" sz="1200" dirty="0"/>
+          </a:p>
+          <a:p>
+            <a:pPr algn="ctr"/>
+            <a:endParaRPr lang="ko-KR" altLang="en-US" sz="1100" dirty="0"/>
+          </a:p>
+        </p:txBody>
+      </p:sp>
+      <p:sp>
+        <p:nvSpPr>
+          <p:cNvPr id="24" name="모서리가 둥근 직사각형 23"/>
+          <p:cNvSpPr/>
+          <p:nvPr/>
+        </p:nvSpPr>
+        <p:spPr>
+          <a:xfrm>
+            <a:off x="1595194" y="2175706"/>
+            <a:ext cx="1320622" cy="504056"/>
+          </a:xfrm>
+          <a:prstGeom prst="roundRect">
+            <a:avLst>
+              <a:gd name="adj" fmla="val 11578"/>
+            </a:avLst>
+          </a:prstGeom>
+          <a:noFill/>
+        </p:spPr>
+        <p:style>
+          <a:lnRef idx="2">
+            <a:schemeClr val="dk1"/>
+          </a:lnRef>
+          <a:fillRef idx="1">
+            <a:schemeClr val="lt1"/>
+          </a:fillRef>
+          <a:effectRef idx="0">
+            <a:schemeClr val="dk1"/>
+          </a:effectRef>
+          <a:fontRef idx="minor">
+            <a:schemeClr val="dk1"/>
+          </a:fontRef>
+        </p:style>
+        <p:txBody>
+          <a:bodyPr rtlCol="0" anchor="t"/>
+          <a:lstStyle/>
+          <a:p>
+            <a:pPr algn="ctr"/>
+            <a:r>
+              <a:rPr lang="en-US" altLang="ko-KR" sz="1200"/>
+              <a:t>enp0s3</a:t>
+            </a:r>
+            <a:endParaRPr lang="en-US" altLang="ko-KR" sz="1200" dirty="0"/>
+          </a:p>
+          <a:p>
+            <a:pPr algn="ctr"/>
+            <a:r>
+              <a:rPr lang="en-US" altLang="ko-KR" sz="1200"/>
+              <a:t>10.0.0.10</a:t>
+            </a:r>
+            <a:endParaRPr lang="en-US" altLang="ko-KR" sz="1200" dirty="0"/>
+          </a:p>
+          <a:p>
+            <a:pPr algn="ctr"/>
+            <a:endParaRPr lang="ko-KR" altLang="en-US" sz="1100" dirty="0"/>
+          </a:p>
+        </p:txBody>
+      </p:sp>
+      <p:sp>
+        <p:nvSpPr>
+          <p:cNvPr id="47" name="모서리가 둥근 직사각형 46"/>
+          <p:cNvSpPr/>
+          <p:nvPr/>
+        </p:nvSpPr>
+        <p:spPr>
+          <a:xfrm>
+            <a:off x="2267743" y="3075806"/>
+            <a:ext cx="1584178" cy="504056"/>
+          </a:xfrm>
+          <a:prstGeom prst="roundRect">
+            <a:avLst>
+              <a:gd name="adj" fmla="val 11578"/>
+            </a:avLst>
+          </a:prstGeom>
+          <a:noFill/>
+        </p:spPr>
+        <p:style>
+          <a:lnRef idx="2">
+            <a:schemeClr val="dk1"/>
+          </a:lnRef>
+          <a:fillRef idx="1">
+            <a:schemeClr val="lt1"/>
+          </a:fillRef>
+          <a:effectRef idx="0">
+            <a:schemeClr val="dk1"/>
+          </a:effectRef>
+          <a:fontRef idx="minor">
+            <a:schemeClr val="dk1"/>
+          </a:fontRef>
+        </p:style>
+        <p:txBody>
+          <a:bodyPr rtlCol="0" anchor="ctr"/>
+          <a:lstStyle/>
+          <a:p>
+            <a:pPr algn="ctr"/>
+            <a:r>
+              <a:rPr lang="en-US" altLang="ko-KR" sz="1200"/>
+              <a:t>NAT Network</a:t>
+            </a:r>
+          </a:p>
+          <a:p>
+            <a:pPr algn="ctr"/>
+            <a:r>
+              <a:rPr lang="en-US" altLang="ko-KR" sz="1200"/>
+              <a:t>192.168.0.0/24</a:t>
+            </a:r>
+            <a:endParaRPr lang="en-US" altLang="ko-KR" sz="1200" dirty="0"/>
+          </a:p>
+        </p:txBody>
+      </p:sp>
+      <p:sp>
+        <p:nvSpPr>
+          <p:cNvPr id="48" name="모서리가 둥근 직사각형 47"/>
+          <p:cNvSpPr/>
+          <p:nvPr/>
+        </p:nvSpPr>
+        <p:spPr>
+          <a:xfrm>
+            <a:off x="5292080" y="3075806"/>
+            <a:ext cx="1584176" cy="504056"/>
+          </a:xfrm>
+          <a:prstGeom prst="roundRect">
+            <a:avLst>
+              <a:gd name="adj" fmla="val 11578"/>
+            </a:avLst>
+          </a:prstGeom>
+          <a:noFill/>
+        </p:spPr>
+        <p:style>
+          <a:lnRef idx="2">
+            <a:schemeClr val="dk1"/>
+          </a:lnRef>
+          <a:fillRef idx="1">
+            <a:schemeClr val="lt1"/>
+          </a:fillRef>
+          <a:effectRef idx="0">
+            <a:schemeClr val="dk1"/>
+          </a:effectRef>
+          <a:fontRef idx="minor">
+            <a:schemeClr val="dk1"/>
+          </a:fontRef>
+        </p:style>
+        <p:txBody>
+          <a:bodyPr rtlCol="0" anchor="ctr"/>
+          <a:lstStyle/>
+          <a:p>
+            <a:pPr algn="ctr"/>
+            <a:r>
+              <a:rPr lang="en-US" altLang="ko-KR" sz="1200"/>
+              <a:t>Private Network</a:t>
+            </a:r>
+            <a:endParaRPr lang="en-US" altLang="ko-KR" sz="1200" dirty="0"/>
+          </a:p>
+          <a:p>
+            <a:pPr algn="ctr"/>
+            <a:r>
+              <a:rPr lang="en-US" altLang="ko-KR" sz="1200"/>
+              <a:t>10.0.0.0/24</a:t>
+            </a:r>
+            <a:endParaRPr lang="en-US" altLang="ko-KR" sz="1200" dirty="0"/>
+          </a:p>
+        </p:txBody>
+      </p:sp>
+      <p:sp>
+        <p:nvSpPr>
+          <p:cNvPr id="29" name="모서리가 둥근 직사각형 13">
+            <a:extLst>
+              <a:ext uri="{FF2B5EF4-FFF2-40B4-BE49-F238E27FC236}">
+                <a16:creationId xmlns:a16="http://schemas.microsoft.com/office/drawing/2014/main" id="{CFF9E658-23F6-45A0-B280-5F33ABC9AAF8}"/>
+              </a:ext>
+            </a:extLst>
+          </p:cNvPr>
+          <p:cNvSpPr/>
+          <p:nvPr/>
+        </p:nvSpPr>
+        <p:spPr>
+          <a:xfrm>
+            <a:off x="3131840" y="1340768"/>
+            <a:ext cx="2880320" cy="1411001"/>
+          </a:xfrm>
+          <a:prstGeom prst="roundRect">
+            <a:avLst>
+              <a:gd name="adj" fmla="val 6281"/>
+            </a:avLst>
+          </a:prstGeom>
+          <a:noFill/>
+        </p:spPr>
+        <p:style>
+          <a:lnRef idx="2">
+            <a:schemeClr val="dk1"/>
+          </a:lnRef>
+          <a:fillRef idx="1">
+            <a:schemeClr val="lt1"/>
+          </a:fillRef>
+          <a:effectRef idx="0">
+            <a:schemeClr val="dk1"/>
+          </a:effectRef>
+          <a:fontRef idx="minor">
+            <a:schemeClr val="dk1"/>
+          </a:fontRef>
+        </p:style>
+        <p:txBody>
+          <a:bodyPr rtlCol="0" anchor="t"/>
+          <a:lstStyle/>
+          <a:p>
+            <a:pPr algn="ctr"/>
+            <a:r>
+              <a:rPr lang="en-US" altLang="ko-KR" sz="1600" b="1"/>
+              <a:t>Node 02 : Monitor, OSD</a:t>
+            </a:r>
+            <a:endParaRPr lang="ko-KR" altLang="en-US" sz="1600" dirty="0"/>
+          </a:p>
+        </p:txBody>
+      </p:sp>
+      <p:sp>
+        <p:nvSpPr>
+          <p:cNvPr id="30" name="모서리가 둥근 직사각형 18">
+            <a:extLst>
+              <a:ext uri="{FF2B5EF4-FFF2-40B4-BE49-F238E27FC236}">
+                <a16:creationId xmlns:a16="http://schemas.microsoft.com/office/drawing/2014/main" id="{179755E0-978F-410D-B265-06B3F3BB3500}"/>
+              </a:ext>
+            </a:extLst>
+          </p:cNvPr>
+          <p:cNvSpPr/>
+          <p:nvPr/>
+        </p:nvSpPr>
+        <p:spPr>
+          <a:xfrm>
+            <a:off x="3203848" y="2175706"/>
+            <a:ext cx="1328914" cy="504056"/>
+          </a:xfrm>
+          <a:prstGeom prst="roundRect">
+            <a:avLst>
+              <a:gd name="adj" fmla="val 11578"/>
+            </a:avLst>
+          </a:prstGeom>
+          <a:noFill/>
+        </p:spPr>
+        <p:style>
+          <a:lnRef idx="2">
+            <a:schemeClr val="dk1"/>
+          </a:lnRef>
+          <a:fillRef idx="1">
+            <a:schemeClr val="lt1"/>
+          </a:fillRef>
+          <a:effectRef idx="0">
+            <a:schemeClr val="dk1"/>
+          </a:effectRef>
+          <a:fontRef idx="minor">
+            <a:schemeClr val="dk1"/>
+          </a:fontRef>
+        </p:style>
+        <p:txBody>
+          <a:bodyPr rtlCol="0" anchor="t"/>
+          <a:lstStyle/>
+          <a:p>
+            <a:pPr algn="ctr"/>
+            <a:r>
+              <a:rPr lang="en-US" altLang="ko-KR" sz="1200"/>
+              <a:t>enp0s2</a:t>
+            </a:r>
+            <a:endParaRPr lang="en-US" altLang="ko-KR" sz="1200" dirty="0"/>
+          </a:p>
+          <a:p>
+            <a:pPr algn="ctr"/>
+            <a:r>
+              <a:rPr lang="en-US" altLang="ko-KR" sz="1200"/>
+              <a:t>192.168.0.31</a:t>
+            </a:r>
+            <a:endParaRPr lang="en-US" altLang="ko-KR" sz="1200" dirty="0"/>
+          </a:p>
+          <a:p>
+            <a:pPr algn="ctr"/>
+            <a:endParaRPr lang="ko-KR" altLang="en-US" sz="1100" dirty="0"/>
+          </a:p>
+        </p:txBody>
+      </p:sp>
+      <p:sp>
+        <p:nvSpPr>
+          <p:cNvPr id="31" name="모서리가 둥근 직사각형 23">
+            <a:extLst>
+              <a:ext uri="{FF2B5EF4-FFF2-40B4-BE49-F238E27FC236}">
+                <a16:creationId xmlns:a16="http://schemas.microsoft.com/office/drawing/2014/main" id="{2B20CA45-E30B-4D1D-9B5C-7B5DF80E979E}"/>
+              </a:ext>
+            </a:extLst>
+          </p:cNvPr>
+          <p:cNvSpPr/>
+          <p:nvPr/>
+        </p:nvSpPr>
+        <p:spPr>
+          <a:xfrm>
+            <a:off x="4619530" y="2175706"/>
+            <a:ext cx="1320622" cy="504056"/>
+          </a:xfrm>
+          <a:prstGeom prst="roundRect">
+            <a:avLst>
+              <a:gd name="adj" fmla="val 11578"/>
+            </a:avLst>
+          </a:prstGeom>
+          <a:noFill/>
+        </p:spPr>
+        <p:style>
+          <a:lnRef idx="2">
+            <a:schemeClr val="dk1"/>
+          </a:lnRef>
+          <a:fillRef idx="1">
+            <a:schemeClr val="lt1"/>
+          </a:fillRef>
+          <a:effectRef idx="0">
+            <a:schemeClr val="dk1"/>
+          </a:effectRef>
+          <a:fontRef idx="minor">
+            <a:schemeClr val="dk1"/>
+          </a:fontRef>
+        </p:style>
+        <p:txBody>
+          <a:bodyPr rtlCol="0" anchor="t"/>
+          <a:lstStyle/>
+          <a:p>
+            <a:pPr algn="ctr"/>
+            <a:r>
+              <a:rPr lang="en-US" altLang="ko-KR" sz="1200"/>
+              <a:t>enp0s3</a:t>
+            </a:r>
+            <a:endParaRPr lang="en-US" altLang="ko-KR" sz="1200" dirty="0"/>
+          </a:p>
+          <a:p>
+            <a:pPr algn="ctr"/>
+            <a:r>
+              <a:rPr lang="en-US" altLang="ko-KR" sz="1200"/>
+              <a:t>10.0.0.11</a:t>
+            </a:r>
+            <a:endParaRPr lang="en-US" altLang="ko-KR" sz="1200" dirty="0"/>
+          </a:p>
+          <a:p>
+            <a:pPr algn="ctr"/>
+            <a:endParaRPr lang="ko-KR" altLang="en-US" sz="1100" dirty="0"/>
+          </a:p>
+        </p:txBody>
+      </p:sp>
+      <p:sp>
+        <p:nvSpPr>
+          <p:cNvPr id="33" name="모서리가 둥근 직사각형 13">
+            <a:extLst>
+              <a:ext uri="{FF2B5EF4-FFF2-40B4-BE49-F238E27FC236}">
+                <a16:creationId xmlns:a16="http://schemas.microsoft.com/office/drawing/2014/main" id="{32FA0D84-1649-4E93-99C7-CC8C09DE9F40}"/>
+              </a:ext>
+            </a:extLst>
+          </p:cNvPr>
+          <p:cNvSpPr/>
+          <p:nvPr/>
+        </p:nvSpPr>
+        <p:spPr>
+          <a:xfrm>
+            <a:off x="6156176" y="1340768"/>
+            <a:ext cx="2880320" cy="1411001"/>
+          </a:xfrm>
+          <a:prstGeom prst="roundRect">
+            <a:avLst>
+              <a:gd name="adj" fmla="val 6281"/>
+            </a:avLst>
+          </a:prstGeom>
+          <a:noFill/>
+        </p:spPr>
+        <p:style>
+          <a:lnRef idx="2">
+            <a:schemeClr val="dk1"/>
+          </a:lnRef>
+          <a:fillRef idx="1">
+            <a:schemeClr val="lt1"/>
+          </a:fillRef>
+          <a:effectRef idx="0">
+            <a:schemeClr val="dk1"/>
+          </a:effectRef>
+          <a:fontRef idx="minor">
+            <a:schemeClr val="dk1"/>
+          </a:fontRef>
+        </p:style>
+        <p:txBody>
+          <a:bodyPr rtlCol="0" anchor="t"/>
+          <a:lstStyle/>
+          <a:p>
+            <a:pPr algn="ctr"/>
+            <a:r>
+              <a:rPr lang="en-US" altLang="ko-KR" sz="1600" b="1"/>
+              <a:t>Node 03 : Monitor, OSD</a:t>
+            </a:r>
+            <a:endParaRPr lang="ko-KR" altLang="en-US" sz="1600" dirty="0"/>
+          </a:p>
+        </p:txBody>
+      </p:sp>
+      <p:sp>
+        <p:nvSpPr>
+          <p:cNvPr id="34" name="모서리가 둥근 직사각형 18">
+            <a:extLst>
+              <a:ext uri="{FF2B5EF4-FFF2-40B4-BE49-F238E27FC236}">
+                <a16:creationId xmlns:a16="http://schemas.microsoft.com/office/drawing/2014/main" id="{26F7F766-C795-40E1-8025-59E338CADCB8}"/>
+              </a:ext>
+            </a:extLst>
+          </p:cNvPr>
+          <p:cNvSpPr/>
+          <p:nvPr/>
+        </p:nvSpPr>
+        <p:spPr>
+          <a:xfrm>
+            <a:off x="6228184" y="2175706"/>
+            <a:ext cx="1328914" cy="504056"/>
+          </a:xfrm>
+          <a:prstGeom prst="roundRect">
+            <a:avLst>
+              <a:gd name="adj" fmla="val 11578"/>
+            </a:avLst>
+          </a:prstGeom>
+          <a:noFill/>
+        </p:spPr>
+        <p:style>
+          <a:lnRef idx="2">
+            <a:schemeClr val="dk1"/>
+          </a:lnRef>
+          <a:fillRef idx="1">
+            <a:schemeClr val="lt1"/>
+          </a:fillRef>
+          <a:effectRef idx="0">
+            <a:schemeClr val="dk1"/>
+          </a:effectRef>
+          <a:fontRef idx="minor">
+            <a:schemeClr val="dk1"/>
+          </a:fontRef>
+        </p:style>
+        <p:txBody>
+          <a:bodyPr rtlCol="0" anchor="t"/>
+          <a:lstStyle/>
+          <a:p>
+            <a:pPr algn="ctr"/>
+            <a:r>
+              <a:rPr lang="en-US" altLang="ko-KR" sz="1200"/>
+              <a:t>enp0s2</a:t>
+            </a:r>
+            <a:endParaRPr lang="en-US" altLang="ko-KR" sz="1200" dirty="0"/>
+          </a:p>
+          <a:p>
+            <a:pPr algn="ctr"/>
+            <a:r>
+              <a:rPr lang="en-US" altLang="ko-KR" sz="1200"/>
+              <a:t>192.168.0.32</a:t>
+            </a:r>
+            <a:endParaRPr lang="en-US" altLang="ko-KR" sz="1200" dirty="0"/>
+          </a:p>
+          <a:p>
+            <a:pPr algn="ctr"/>
+            <a:endParaRPr lang="ko-KR" altLang="en-US" sz="1100" dirty="0"/>
+          </a:p>
+        </p:txBody>
+      </p:sp>
+      <p:sp>
+        <p:nvSpPr>
+          <p:cNvPr id="35" name="모서리가 둥근 직사각형 23">
+            <a:extLst>
+              <a:ext uri="{FF2B5EF4-FFF2-40B4-BE49-F238E27FC236}">
+                <a16:creationId xmlns:a16="http://schemas.microsoft.com/office/drawing/2014/main" id="{CE133425-A3DF-4724-8339-5CFA6C4E0415}"/>
+              </a:ext>
+            </a:extLst>
+          </p:cNvPr>
+          <p:cNvSpPr/>
+          <p:nvPr/>
+        </p:nvSpPr>
+        <p:spPr>
+          <a:xfrm>
+            <a:off x="7643866" y="2175706"/>
+            <a:ext cx="1320622" cy="504056"/>
+          </a:xfrm>
+          <a:prstGeom prst="roundRect">
+            <a:avLst>
+              <a:gd name="adj" fmla="val 11578"/>
+            </a:avLst>
+          </a:prstGeom>
+          <a:noFill/>
+        </p:spPr>
+        <p:style>
+          <a:lnRef idx="2">
+            <a:schemeClr val="dk1"/>
+          </a:lnRef>
+          <a:fillRef idx="1">
+            <a:schemeClr val="lt1"/>
+          </a:fillRef>
+          <a:effectRef idx="0">
+            <a:schemeClr val="dk1"/>
+          </a:effectRef>
+          <a:fontRef idx="minor">
+            <a:schemeClr val="dk1"/>
+          </a:fontRef>
+        </p:style>
+        <p:txBody>
+          <a:bodyPr rtlCol="0" anchor="t"/>
+          <a:lstStyle/>
+          <a:p>
+            <a:pPr algn="ctr"/>
+            <a:r>
+              <a:rPr lang="en-US" altLang="ko-KR" sz="1200"/>
+              <a:t>enp0s3</a:t>
+            </a:r>
+            <a:endParaRPr lang="en-US" altLang="ko-KR" sz="1200" dirty="0"/>
+          </a:p>
+          <a:p>
+            <a:pPr algn="ctr"/>
+            <a:r>
+              <a:rPr lang="en-US" altLang="ko-KR" sz="1200"/>
+              <a:t>10.0.0.12</a:t>
+            </a:r>
+            <a:endParaRPr lang="en-US" altLang="ko-KR" sz="1200" dirty="0"/>
+          </a:p>
+          <a:p>
+            <a:pPr algn="ctr"/>
+            <a:endParaRPr lang="ko-KR" altLang="en-US" sz="1100" dirty="0"/>
+          </a:p>
+        </p:txBody>
+      </p:sp>
+      <p:cxnSp>
+        <p:nvCxnSpPr>
+          <p:cNvPr id="37" name="직선 연결선 36">
+            <a:extLst>
+              <a:ext uri="{FF2B5EF4-FFF2-40B4-BE49-F238E27FC236}">
+                <a16:creationId xmlns:a16="http://schemas.microsoft.com/office/drawing/2014/main" id="{B51BA3EC-5B06-4C3F-84DA-6012337062A5}"/>
+              </a:ext>
+            </a:extLst>
+          </p:cNvPr>
+          <p:cNvCxnSpPr>
+            <a:cxnSpLocks/>
+            <a:stCxn id="19" idx="2"/>
+            <a:endCxn id="47" idx="0"/>
+          </p:cNvCxnSpPr>
+          <p:nvPr/>
+        </p:nvCxnSpPr>
+        <p:spPr>
+          <a:xfrm>
+            <a:off x="843969" y="2679762"/>
+            <a:ext cx="2215863" cy="396044"/>
+          </a:xfrm>
+          <a:prstGeom prst="line">
+            <a:avLst/>
+          </a:prstGeom>
+          <a:ln w="28575">
+            <a:solidFill>
+              <a:schemeClr val="tx1"/>
+            </a:solidFill>
+          </a:ln>
+        </p:spPr>
+        <p:style>
+          <a:lnRef idx="1">
+            <a:schemeClr val="accent1"/>
+          </a:lnRef>
+          <a:fillRef idx="0">
+            <a:schemeClr val="accent1"/>
+          </a:fillRef>
+          <a:effectRef idx="0">
+            <a:schemeClr val="accent1"/>
+          </a:effectRef>
+          <a:fontRef idx="minor">
+            <a:schemeClr val="tx1"/>
+          </a:fontRef>
+        </p:style>
+      </p:cxnSp>
+      <p:cxnSp>
+        <p:nvCxnSpPr>
+          <p:cNvPr id="43" name="직선 연결선 42">
+            <a:extLst>
+              <a:ext uri="{FF2B5EF4-FFF2-40B4-BE49-F238E27FC236}">
+                <a16:creationId xmlns:a16="http://schemas.microsoft.com/office/drawing/2014/main" id="{D166F931-E4AF-47A5-8E66-DA86BB53BAEF}"/>
+              </a:ext>
+            </a:extLst>
+          </p:cNvPr>
+          <p:cNvCxnSpPr>
+            <a:cxnSpLocks/>
+            <a:stCxn id="30" idx="2"/>
+            <a:endCxn id="47" idx="0"/>
+          </p:cNvCxnSpPr>
+          <p:nvPr/>
+        </p:nvCxnSpPr>
+        <p:spPr>
+          <a:xfrm flipH="1">
+            <a:off x="3059832" y="2679762"/>
+            <a:ext cx="808473" cy="396044"/>
+          </a:xfrm>
+          <a:prstGeom prst="line">
+            <a:avLst/>
+          </a:prstGeom>
+          <a:ln w="28575">
+            <a:solidFill>
+              <a:schemeClr val="tx1"/>
+            </a:solidFill>
+          </a:ln>
+        </p:spPr>
+        <p:style>
+          <a:lnRef idx="1">
+            <a:schemeClr val="accent1"/>
+          </a:lnRef>
+          <a:fillRef idx="0">
+            <a:schemeClr val="accent1"/>
+          </a:fillRef>
+          <a:effectRef idx="0">
+            <a:schemeClr val="accent1"/>
+          </a:effectRef>
+          <a:fontRef idx="minor">
+            <a:schemeClr val="tx1"/>
+          </a:fontRef>
+        </p:style>
+      </p:cxnSp>
+      <p:cxnSp>
+        <p:nvCxnSpPr>
+          <p:cNvPr id="44" name="직선 연결선 43">
+            <a:extLst>
+              <a:ext uri="{FF2B5EF4-FFF2-40B4-BE49-F238E27FC236}">
+                <a16:creationId xmlns:a16="http://schemas.microsoft.com/office/drawing/2014/main" id="{795051FC-8211-4660-970C-D8907CA0FFF5}"/>
+              </a:ext>
+            </a:extLst>
+          </p:cNvPr>
+          <p:cNvCxnSpPr>
+            <a:cxnSpLocks/>
+            <a:stCxn id="34" idx="2"/>
+            <a:endCxn id="47" idx="0"/>
+          </p:cNvCxnSpPr>
+          <p:nvPr/>
+        </p:nvCxnSpPr>
+        <p:spPr>
+          <a:xfrm flipH="1">
+            <a:off x="3059832" y="2679762"/>
+            <a:ext cx="3832809" cy="396044"/>
+          </a:xfrm>
+          <a:prstGeom prst="line">
+            <a:avLst/>
+          </a:prstGeom>
+          <a:ln w="28575">
+            <a:solidFill>
+              <a:schemeClr val="tx1"/>
+            </a:solidFill>
+          </a:ln>
+        </p:spPr>
+        <p:style>
+          <a:lnRef idx="1">
+            <a:schemeClr val="accent1"/>
+          </a:lnRef>
+          <a:fillRef idx="0">
+            <a:schemeClr val="accent1"/>
+          </a:fillRef>
+          <a:effectRef idx="0">
+            <a:schemeClr val="accent1"/>
+          </a:effectRef>
+          <a:fontRef idx="minor">
+            <a:schemeClr val="tx1"/>
+          </a:fontRef>
+        </p:style>
+      </p:cxnSp>
+      <p:cxnSp>
+        <p:nvCxnSpPr>
+          <p:cNvPr id="53" name="직선 연결선 52">
+            <a:extLst>
+              <a:ext uri="{FF2B5EF4-FFF2-40B4-BE49-F238E27FC236}">
+                <a16:creationId xmlns:a16="http://schemas.microsoft.com/office/drawing/2014/main" id="{149959EF-465C-4A3D-AA34-BE750A1217A8}"/>
+              </a:ext>
+            </a:extLst>
+          </p:cNvPr>
+          <p:cNvCxnSpPr>
+            <a:cxnSpLocks/>
+            <a:stCxn id="24" idx="2"/>
+            <a:endCxn id="48" idx="0"/>
+          </p:cNvCxnSpPr>
+          <p:nvPr/>
+        </p:nvCxnSpPr>
+        <p:spPr>
+          <a:xfrm>
+            <a:off x="2255505" y="2679762"/>
+            <a:ext cx="3828663" cy="396044"/>
+          </a:xfrm>
+          <a:prstGeom prst="line">
+            <a:avLst/>
+          </a:prstGeom>
+          <a:ln w="28575">
+            <a:solidFill>
+              <a:schemeClr val="tx1"/>
+            </a:solidFill>
+          </a:ln>
+        </p:spPr>
+        <p:style>
+          <a:lnRef idx="1">
+            <a:schemeClr val="accent1"/>
+          </a:lnRef>
+          <a:fillRef idx="0">
+            <a:schemeClr val="accent1"/>
+          </a:fillRef>
+          <a:effectRef idx="0">
+            <a:schemeClr val="accent1"/>
+          </a:effectRef>
+          <a:fontRef idx="minor">
+            <a:schemeClr val="tx1"/>
+          </a:fontRef>
+        </p:style>
+      </p:cxnSp>
+      <p:cxnSp>
+        <p:nvCxnSpPr>
+          <p:cNvPr id="57" name="직선 연결선 56">
+            <a:extLst>
+              <a:ext uri="{FF2B5EF4-FFF2-40B4-BE49-F238E27FC236}">
+                <a16:creationId xmlns:a16="http://schemas.microsoft.com/office/drawing/2014/main" id="{FB84C5C8-CE0D-4A5D-AF70-ED0B71A99464}"/>
+              </a:ext>
+            </a:extLst>
+          </p:cNvPr>
+          <p:cNvCxnSpPr>
+            <a:cxnSpLocks/>
+            <a:stCxn id="31" idx="2"/>
+            <a:endCxn id="48" idx="0"/>
+          </p:cNvCxnSpPr>
+          <p:nvPr/>
+        </p:nvCxnSpPr>
+        <p:spPr>
+          <a:xfrm>
+            <a:off x="5279841" y="2679762"/>
+            <a:ext cx="804327" cy="396044"/>
+          </a:xfrm>
+          <a:prstGeom prst="line">
+            <a:avLst/>
+          </a:prstGeom>
+          <a:ln w="28575">
+            <a:solidFill>
+              <a:schemeClr val="tx1"/>
+            </a:solidFill>
+          </a:ln>
+        </p:spPr>
+        <p:style>
+          <a:lnRef idx="1">
+            <a:schemeClr val="accent1"/>
+          </a:lnRef>
+          <a:fillRef idx="0">
+            <a:schemeClr val="accent1"/>
+          </a:fillRef>
+          <a:effectRef idx="0">
+            <a:schemeClr val="accent1"/>
+          </a:effectRef>
+          <a:fontRef idx="minor">
+            <a:schemeClr val="tx1"/>
+          </a:fontRef>
+        </p:style>
+      </p:cxnSp>
+      <p:cxnSp>
+        <p:nvCxnSpPr>
+          <p:cNvPr id="59" name="직선 연결선 58">
+            <a:extLst>
+              <a:ext uri="{FF2B5EF4-FFF2-40B4-BE49-F238E27FC236}">
+                <a16:creationId xmlns:a16="http://schemas.microsoft.com/office/drawing/2014/main" id="{ECE875A0-34CB-48AA-9E79-A1F9FE7DCD3B}"/>
+              </a:ext>
+            </a:extLst>
+          </p:cNvPr>
+          <p:cNvCxnSpPr>
+            <a:cxnSpLocks/>
+            <a:stCxn id="35" idx="2"/>
+            <a:endCxn id="48" idx="0"/>
+          </p:cNvCxnSpPr>
+          <p:nvPr/>
+        </p:nvCxnSpPr>
+        <p:spPr>
+          <a:xfrm flipH="1">
+            <a:off x="6084168" y="2679762"/>
+            <a:ext cx="2220009" cy="396044"/>
+          </a:xfrm>
+          <a:prstGeom prst="line">
+            <a:avLst/>
+          </a:prstGeom>
+          <a:ln w="28575">
+            <a:solidFill>
+              <a:schemeClr val="tx1"/>
+            </a:solidFill>
+          </a:ln>
+        </p:spPr>
+        <p:style>
+          <a:lnRef idx="1">
+            <a:schemeClr val="accent1"/>
+          </a:lnRef>
+          <a:fillRef idx="0">
+            <a:schemeClr val="accent1"/>
+          </a:fillRef>
+          <a:effectRef idx="0">
+            <a:schemeClr val="accent1"/>
+          </a:effectRef>
+          <a:fontRef idx="minor">
+            <a:schemeClr val="tx1"/>
+          </a:fontRef>
+        </p:style>
+      </p:cxnSp>
+      <p:cxnSp>
+        <p:nvCxnSpPr>
+          <p:cNvPr id="61" name="직선 연결선 60">
+            <a:extLst>
+              <a:ext uri="{FF2B5EF4-FFF2-40B4-BE49-F238E27FC236}">
+                <a16:creationId xmlns:a16="http://schemas.microsoft.com/office/drawing/2014/main" id="{22CE2104-8D93-4E45-986A-BF7565E4A746}"/>
+              </a:ext>
+            </a:extLst>
+          </p:cNvPr>
+          <p:cNvCxnSpPr>
+            <a:cxnSpLocks/>
+            <a:stCxn id="47" idx="2"/>
+            <a:endCxn id="22" idx="3"/>
+          </p:cNvCxnSpPr>
+          <p:nvPr/>
+        </p:nvCxnSpPr>
+        <p:spPr>
+          <a:xfrm>
+            <a:off x="3059832" y="3579862"/>
+            <a:ext cx="0" cy="177344"/>
+          </a:xfrm>
+          <a:prstGeom prst="line">
+            <a:avLst/>
+          </a:prstGeom>
+          <a:ln w="28575">
+            <a:solidFill>
+              <a:schemeClr val="tx1"/>
+            </a:solidFill>
+          </a:ln>
+        </p:spPr>
+        <p:style>
+          <a:lnRef idx="1">
+            <a:schemeClr val="accent1"/>
+          </a:lnRef>
+          <a:fillRef idx="0">
+            <a:schemeClr val="accent1"/>
+          </a:fillRef>
+          <a:effectRef idx="0">
+            <a:schemeClr val="accent1"/>
+          </a:effectRef>
+          <a:fontRef idx="minor">
+            <a:schemeClr val="tx1"/>
+          </a:fontRef>
+        </p:style>
+      </p:cxnSp>
+      <p:sp>
+        <p:nvSpPr>
+          <p:cNvPr id="22" name="구름 21">
+            <a:extLst>
+              <a:ext uri="{FF2B5EF4-FFF2-40B4-BE49-F238E27FC236}">
+                <a16:creationId xmlns:a16="http://schemas.microsoft.com/office/drawing/2014/main" id="{984A4AF2-1077-4A0B-8B0B-A9B19F37D383}"/>
+              </a:ext>
+            </a:extLst>
+          </p:cNvPr>
+          <p:cNvSpPr/>
+          <p:nvPr/>
+        </p:nvSpPr>
+        <p:spPr>
+          <a:xfrm>
+            <a:off x="2411766" y="3723878"/>
+            <a:ext cx="1296132" cy="582910"/>
+          </a:xfrm>
+          <a:prstGeom prst="cloud">
+            <a:avLst/>
+          </a:prstGeom>
+        </p:spPr>
+        <p:style>
+          <a:lnRef idx="2">
+            <a:schemeClr val="dk1"/>
+          </a:lnRef>
+          <a:fillRef idx="1">
+            <a:schemeClr val="lt1"/>
+          </a:fillRef>
+          <a:effectRef idx="0">
+            <a:schemeClr val="dk1"/>
+          </a:effectRef>
+          <a:fontRef idx="minor">
+            <a:schemeClr val="dk1"/>
+          </a:fontRef>
+        </p:style>
+        <p:txBody>
+          <a:bodyPr rtlCol="0" anchor="ctr"/>
+          <a:lstStyle/>
+          <a:p>
+            <a:pPr algn="ctr"/>
+            <a:r>
+              <a:rPr lang="en-US" altLang="ko-KR" sz="1200"/>
+              <a:t>Public</a:t>
+            </a:r>
+          </a:p>
+          <a:p>
+            <a:pPr algn="ctr"/>
+            <a:r>
+              <a:rPr lang="en-US" altLang="ko-KR" sz="1200"/>
+              <a:t>Network</a:t>
+            </a:r>
+            <a:endParaRPr lang="ko-KR" altLang="en-US" sz="1200"/>
+          </a:p>
+        </p:txBody>
+      </p:sp>
+    </p:spTree>
+    <p:extLst>
+      <p:ext uri="{BB962C8B-B14F-4D97-AF65-F5344CB8AC3E}">
+        <p14:creationId xmlns:p14="http://schemas.microsoft.com/office/powerpoint/2010/main" val="3846002544"/>
+      </p:ext>
+    </p:extLst>
+  </p:cSld>
+  <p:clrMapOvr>
+    <a:masterClrMapping/>
+  </p:clrMapOvr>
+</p:sld>
+</file>
+
+<file path=ppt/slides/slide4.xml><?xml version="1.0" encoding="utf-8"?>
+<p:sld xmlns:a="http://schemas.openxmlformats.org/drawingml/2006/main" xmlns:r="http://schemas.openxmlformats.org/officeDocument/2006/relationships" xmlns:p="http://schemas.openxmlformats.org/presentationml/2006/main">
+  <p:cSld>
+    <p:spTree>
+      <p:nvGrpSpPr>
+        <p:cNvPr id="1" name=""/>
+        <p:cNvGrpSpPr/>
+        <p:nvPr/>
+      </p:nvGrpSpPr>
+      <p:grpSpPr>
+        <a:xfrm>
+          <a:off x="0" y="0"/>
+          <a:ext cx="0" cy="0"/>
+          <a:chOff x="0" y="0"/>
+          <a:chExt cx="0" cy="0"/>
+        </a:xfrm>
+      </p:grpSpPr>
     </p:spTree>
     <p:extLst>
       <p:ext uri="{BB962C8B-B14F-4D97-AF65-F5344CB8AC3E}">
@@ -5814,7 +6947,7 @@
 </p:sld>
 </file>
 
-<file path=ppt/slides/slide4.xml><?xml version="1.0" encoding="utf-8"?>
+<file path=ppt/slides/slide5.xml><?xml version="1.0" encoding="utf-8"?>
 <p:sld xmlns:a="http://schemas.openxmlformats.org/drawingml/2006/main" xmlns:r="http://schemas.openxmlformats.org/officeDocument/2006/relationships" xmlns:p="http://schemas.openxmlformats.org/presentationml/2006/main">
   <p:cSld>
     <p:spTree>

--- a/images/record/ODROID-H2_Cluster_Build/ODROID-H2_Cluster_Build.pptx
+++ b/images/record/ODROID-H2_Cluster_Build/ODROID-H2_Cluster_Build.pptx
@@ -5,14 +5,16 @@
     <p:sldMasterId id="2147483648" r:id="rId1"/>
   </p:sldMasterIdLst>
   <p:notesMasterIdLst>
-    <p:notesMasterId r:id="rId7"/>
+    <p:notesMasterId r:id="rId9"/>
   </p:notesMasterIdLst>
   <p:sldIdLst>
     <p:sldId id="390" r:id="rId2"/>
-    <p:sldId id="393" r:id="rId3"/>
-    <p:sldId id="394" r:id="rId4"/>
-    <p:sldId id="392" r:id="rId5"/>
-    <p:sldId id="391" r:id="rId6"/>
+    <p:sldId id="395" r:id="rId3"/>
+    <p:sldId id="397" r:id="rId4"/>
+    <p:sldId id="396" r:id="rId5"/>
+    <p:sldId id="393" r:id="rId6"/>
+    <p:sldId id="394" r:id="rId7"/>
+    <p:sldId id="391" r:id="rId8"/>
   </p:sldIdLst>
   <p:sldSz cx="9144000" cy="5143500" type="screen16x9"/>
   <p:notesSz cx="6858000" cy="9144000"/>
@@ -642,7 +644,7 @@
     </p:spTree>
     <p:extLst>
       <p:ext uri="{BB962C8B-B14F-4D97-AF65-F5344CB8AC3E}">
-        <p14:creationId xmlns:p14="http://schemas.microsoft.com/office/powerpoint/2010/main" val="1133963287"/>
+        <p14:creationId xmlns:p14="http://schemas.microsoft.com/office/powerpoint/2010/main" val="3097836995"/>
       </p:ext>
     </p:extLst>
   </p:cSld>
@@ -726,7 +728,7 @@
     </p:spTree>
     <p:extLst>
       <p:ext uri="{BB962C8B-B14F-4D97-AF65-F5344CB8AC3E}">
-        <p14:creationId xmlns:p14="http://schemas.microsoft.com/office/powerpoint/2010/main" val="695024075"/>
+        <p14:creationId xmlns:p14="http://schemas.microsoft.com/office/powerpoint/2010/main" val="2805018982"/>
       </p:ext>
     </p:extLst>
   </p:cSld>
@@ -802,6 +804,174 @@
             <a:fld id="{BA5DFA43-8D57-47FB-BC46-057616015C3B}" type="slidenum">
               <a:rPr lang="ko-KR" altLang="en-US" smtClean="0"/>
               <a:t>5</a:t>
+            </a:fld>
+            <a:endParaRPr lang="ko-KR" altLang="en-US"/>
+          </a:p>
+        </p:txBody>
+      </p:sp>
+    </p:spTree>
+    <p:extLst>
+      <p:ext uri="{BB962C8B-B14F-4D97-AF65-F5344CB8AC3E}">
+        <p14:creationId xmlns:p14="http://schemas.microsoft.com/office/powerpoint/2010/main" val="1133963287"/>
+      </p:ext>
+    </p:extLst>
+  </p:cSld>
+  <p:clrMapOvr>
+    <a:masterClrMapping/>
+  </p:clrMapOvr>
+</p:notes>
+</file>
+
+<file path=ppt/notesSlides/notesSlide5.xml><?xml version="1.0" encoding="utf-8"?>
+<p:notes xmlns:a="http://schemas.openxmlformats.org/drawingml/2006/main" xmlns:r="http://schemas.openxmlformats.org/officeDocument/2006/relationships" xmlns:p="http://schemas.openxmlformats.org/presentationml/2006/main">
+  <p:cSld>
+    <p:spTree>
+      <p:nvGrpSpPr>
+        <p:cNvPr id="1" name=""/>
+        <p:cNvGrpSpPr/>
+        <p:nvPr/>
+      </p:nvGrpSpPr>
+      <p:grpSpPr>
+        <a:xfrm>
+          <a:off x="0" y="0"/>
+          <a:ext cx="0" cy="0"/>
+          <a:chOff x="0" y="0"/>
+          <a:chExt cx="0" cy="0"/>
+        </a:xfrm>
+      </p:grpSpPr>
+      <p:sp>
+        <p:nvSpPr>
+          <p:cNvPr id="2" name="슬라이드 이미지 개체 틀 1"/>
+          <p:cNvSpPr>
+            <a:spLocks noGrp="1" noRot="1" noChangeAspect="1"/>
+          </p:cNvSpPr>
+          <p:nvPr>
+            <p:ph type="sldImg"/>
+          </p:nvPr>
+        </p:nvSpPr>
+        <p:spPr/>
+      </p:sp>
+      <p:sp>
+        <p:nvSpPr>
+          <p:cNvPr id="3" name="슬라이드 노트 개체 틀 2"/>
+          <p:cNvSpPr>
+            <a:spLocks noGrp="1"/>
+          </p:cNvSpPr>
+          <p:nvPr>
+            <p:ph type="body" idx="1"/>
+          </p:nvPr>
+        </p:nvSpPr>
+        <p:spPr/>
+        <p:txBody>
+          <a:bodyPr/>
+          <a:lstStyle/>
+          <a:p>
+            <a:endParaRPr lang="ko-KR" altLang="en-US" dirty="0"/>
+          </a:p>
+        </p:txBody>
+      </p:sp>
+      <p:sp>
+        <p:nvSpPr>
+          <p:cNvPr id="4" name="슬라이드 번호 개체 틀 3"/>
+          <p:cNvSpPr>
+            <a:spLocks noGrp="1"/>
+          </p:cNvSpPr>
+          <p:nvPr>
+            <p:ph type="sldNum" sz="quarter" idx="10"/>
+          </p:nvPr>
+        </p:nvSpPr>
+        <p:spPr/>
+        <p:txBody>
+          <a:bodyPr/>
+          <a:lstStyle/>
+          <a:p>
+            <a:fld id="{BA5DFA43-8D57-47FB-BC46-057616015C3B}" type="slidenum">
+              <a:rPr lang="ko-KR" altLang="en-US" smtClean="0"/>
+              <a:t>6</a:t>
+            </a:fld>
+            <a:endParaRPr lang="ko-KR" altLang="en-US"/>
+          </a:p>
+        </p:txBody>
+      </p:sp>
+    </p:spTree>
+    <p:extLst>
+      <p:ext uri="{BB962C8B-B14F-4D97-AF65-F5344CB8AC3E}">
+        <p14:creationId xmlns:p14="http://schemas.microsoft.com/office/powerpoint/2010/main" val="695024075"/>
+      </p:ext>
+    </p:extLst>
+  </p:cSld>
+  <p:clrMapOvr>
+    <a:masterClrMapping/>
+  </p:clrMapOvr>
+</p:notes>
+</file>
+
+<file path=ppt/notesSlides/notesSlide6.xml><?xml version="1.0" encoding="utf-8"?>
+<p:notes xmlns:a="http://schemas.openxmlformats.org/drawingml/2006/main" xmlns:r="http://schemas.openxmlformats.org/officeDocument/2006/relationships" xmlns:p="http://schemas.openxmlformats.org/presentationml/2006/main">
+  <p:cSld>
+    <p:spTree>
+      <p:nvGrpSpPr>
+        <p:cNvPr id="1" name=""/>
+        <p:cNvGrpSpPr/>
+        <p:nvPr/>
+      </p:nvGrpSpPr>
+      <p:grpSpPr>
+        <a:xfrm>
+          <a:off x="0" y="0"/>
+          <a:ext cx="0" cy="0"/>
+          <a:chOff x="0" y="0"/>
+          <a:chExt cx="0" cy="0"/>
+        </a:xfrm>
+      </p:grpSpPr>
+      <p:sp>
+        <p:nvSpPr>
+          <p:cNvPr id="2" name="슬라이드 이미지 개체 틀 1"/>
+          <p:cNvSpPr>
+            <a:spLocks noGrp="1" noRot="1" noChangeAspect="1"/>
+          </p:cNvSpPr>
+          <p:nvPr>
+            <p:ph type="sldImg"/>
+          </p:nvPr>
+        </p:nvSpPr>
+        <p:spPr/>
+      </p:sp>
+      <p:sp>
+        <p:nvSpPr>
+          <p:cNvPr id="3" name="슬라이드 노트 개체 틀 2"/>
+          <p:cNvSpPr>
+            <a:spLocks noGrp="1"/>
+          </p:cNvSpPr>
+          <p:nvPr>
+            <p:ph type="body" idx="1"/>
+          </p:nvPr>
+        </p:nvSpPr>
+        <p:spPr/>
+        <p:txBody>
+          <a:bodyPr/>
+          <a:lstStyle/>
+          <a:p>
+            <a:endParaRPr lang="ko-KR" altLang="en-US" dirty="0"/>
+          </a:p>
+        </p:txBody>
+      </p:sp>
+      <p:sp>
+        <p:nvSpPr>
+          <p:cNvPr id="4" name="슬라이드 번호 개체 틀 3"/>
+          <p:cNvSpPr>
+            <a:spLocks noGrp="1"/>
+          </p:cNvSpPr>
+          <p:nvPr>
+            <p:ph type="sldNum" sz="quarter" idx="10"/>
+          </p:nvPr>
+        </p:nvSpPr>
+        <p:spPr/>
+        <p:txBody>
+          <a:bodyPr/>
+          <a:lstStyle/>
+          <a:p>
+            <a:fld id="{BA5DFA43-8D57-47FB-BC46-057616015C3B}" type="slidenum">
+              <a:rPr lang="ko-KR" altLang="en-US" smtClean="0"/>
+              <a:t>7</a:t>
             </a:fld>
             <a:endParaRPr lang="ko-KR" altLang="en-US"/>
           </a:p>
@@ -3751,7 +3921,7 @@
           <a:p>
             <a:r>
               <a:rPr lang="en-US" altLang="ko-KR"/>
-              <a:t>Network</a:t>
+              <a:t>Cluster</a:t>
             </a:r>
             <a:endParaRPr lang="ko-KR" altLang="en-US" dirty="0"/>
           </a:p>
@@ -3759,10 +3929,10 @@
       </p:sp>
       <p:grpSp>
         <p:nvGrpSpPr>
-          <p:cNvPr id="2" name="그룹 1">
+          <p:cNvPr id="20" name="그룹 19">
             <a:extLst>
               <a:ext uri="{FF2B5EF4-FFF2-40B4-BE49-F238E27FC236}">
-                <a16:creationId xmlns:a16="http://schemas.microsoft.com/office/drawing/2014/main" id="{EC23415F-82C9-4549-80EF-6F051507FDB3}"/>
+                <a16:creationId xmlns:a16="http://schemas.microsoft.com/office/drawing/2014/main" id="{1A01D1BA-71BB-4665-BFB6-A96E3A03CF04}"/>
               </a:ext>
             </a:extLst>
           </p:cNvPr>
@@ -3771,10 +3941,10 @@
         </p:nvGrpSpPr>
         <p:grpSpPr>
           <a:xfrm>
-            <a:off x="107504" y="1779662"/>
-            <a:ext cx="2880320" cy="972107"/>
-            <a:chOff x="107504" y="1275606"/>
-            <a:chExt cx="2880320" cy="972107"/>
+            <a:off x="35496" y="1317496"/>
+            <a:ext cx="9073008" cy="2838430"/>
+            <a:chOff x="107504" y="1317496"/>
+            <a:chExt cx="8928992" cy="2838430"/>
           </a:xfrm>
         </p:grpSpPr>
         <p:sp>
@@ -3785,8 +3955,8 @@
           </p:nvSpPr>
           <p:spPr>
             <a:xfrm>
-              <a:off x="107504" y="1275606"/>
-              <a:ext cx="2880320" cy="972107"/>
+              <a:off x="107504" y="1317496"/>
+              <a:ext cx="2880320" cy="1794313"/>
             </a:xfrm>
             <a:prstGeom prst="roundRect">
               <a:avLst>
@@ -3818,7 +3988,14 @@
                 <a:rPr lang="en-US" altLang="ko-KR" sz="1600" b="1"/>
                 <a:t>Node 01</a:t>
               </a:r>
-              <a:endParaRPr lang="ko-KR" altLang="en-US" sz="1600" dirty="0"/>
+            </a:p>
+            <a:p>
+              <a:pPr algn="ctr"/>
+              <a:r>
+                <a:rPr lang="en-US" altLang="ko-KR" sz="1400"/>
+                <a:t>CPU : 4 Core / Memory : 16GB</a:t>
+              </a:r>
+              <a:endParaRPr lang="ko-KR" altLang="en-US" sz="1400" dirty="0"/>
             </a:p>
           </p:txBody>
         </p:sp>
@@ -3830,7 +4007,7 @@
           </p:nvSpPr>
           <p:spPr>
             <a:xfrm>
-              <a:off x="179512" y="1671650"/>
+              <a:off x="179512" y="2535746"/>
               <a:ext cx="1328914" cy="504056"/>
             </a:xfrm>
             <a:prstGeom prst="roundRect">
@@ -3861,7 +4038,7 @@
               <a:pPr algn="ctr"/>
               <a:r>
                 <a:rPr lang="en-US" altLang="ko-KR" sz="1200"/>
-                <a:t>enp0s2</a:t>
+                <a:t>enp0s2 1Gbps</a:t>
               </a:r>
               <a:endParaRPr lang="en-US" altLang="ko-KR" sz="1200" dirty="0"/>
             </a:p>
@@ -3887,7 +4064,7 @@
           </p:nvSpPr>
           <p:spPr>
             <a:xfrm>
-              <a:off x="1595194" y="1671650"/>
+              <a:off x="1595194" y="2535746"/>
               <a:ext cx="1320622" cy="504056"/>
             </a:xfrm>
             <a:prstGeom prst="roundRect">
@@ -3918,7 +4095,7 @@
               <a:pPr algn="ctr"/>
               <a:r>
                 <a:rPr lang="en-US" altLang="ko-KR" sz="1200"/>
-                <a:t>enp0s3</a:t>
+                <a:t>enp0s3 1Gbps</a:t>
               </a:r>
               <a:endParaRPr lang="en-US" altLang="ko-KR" sz="1200" dirty="0"/>
             </a:p>
@@ -3936,132 +4113,111 @@
             </a:p>
           </p:txBody>
         </p:sp>
-      </p:grpSp>
-      <p:sp>
-        <p:nvSpPr>
-          <p:cNvPr id="47" name="모서리가 둥근 직사각형 46"/>
-          <p:cNvSpPr/>
-          <p:nvPr/>
-        </p:nvSpPr>
-        <p:spPr>
-          <a:xfrm>
-            <a:off x="2267743" y="3075806"/>
-            <a:ext cx="1584178" cy="504056"/>
-          </a:xfrm>
-          <a:prstGeom prst="roundRect">
-            <a:avLst>
-              <a:gd name="adj" fmla="val 11578"/>
-            </a:avLst>
-          </a:prstGeom>
-          <a:noFill/>
-        </p:spPr>
-        <p:style>
-          <a:lnRef idx="2">
-            <a:schemeClr val="dk1"/>
-          </a:lnRef>
-          <a:fillRef idx="1">
-            <a:schemeClr val="lt1"/>
-          </a:fillRef>
-          <a:effectRef idx="0">
-            <a:schemeClr val="dk1"/>
-          </a:effectRef>
-          <a:fontRef idx="minor">
-            <a:schemeClr val="dk1"/>
-          </a:fontRef>
-        </p:style>
-        <p:txBody>
-          <a:bodyPr rtlCol="0" anchor="ctr"/>
-          <a:lstStyle/>
-          <a:p>
-            <a:pPr algn="ctr"/>
-            <a:r>
-              <a:rPr lang="en-US" altLang="ko-KR" sz="1200"/>
-              <a:t>NAT Network</a:t>
-            </a:r>
-          </a:p>
-          <a:p>
-            <a:pPr algn="ctr"/>
-            <a:r>
-              <a:rPr lang="en-US" altLang="ko-KR" sz="1200"/>
-              <a:t>192.168.0.0/24</a:t>
-            </a:r>
-            <a:endParaRPr lang="en-US" altLang="ko-KR" sz="1200" dirty="0"/>
-          </a:p>
-        </p:txBody>
-      </p:sp>
-      <p:sp>
-        <p:nvSpPr>
-          <p:cNvPr id="48" name="모서리가 둥근 직사각형 47"/>
-          <p:cNvSpPr/>
-          <p:nvPr/>
-        </p:nvSpPr>
-        <p:spPr>
-          <a:xfrm>
-            <a:off x="5292080" y="3075806"/>
-            <a:ext cx="1584176" cy="504056"/>
-          </a:xfrm>
-          <a:prstGeom prst="roundRect">
-            <a:avLst>
-              <a:gd name="adj" fmla="val 11578"/>
-            </a:avLst>
-          </a:prstGeom>
-          <a:noFill/>
-        </p:spPr>
-        <p:style>
-          <a:lnRef idx="2">
-            <a:schemeClr val="dk1"/>
-          </a:lnRef>
-          <a:fillRef idx="1">
-            <a:schemeClr val="lt1"/>
-          </a:fillRef>
-          <a:effectRef idx="0">
-            <a:schemeClr val="dk1"/>
-          </a:effectRef>
-          <a:fontRef idx="minor">
-            <a:schemeClr val="dk1"/>
-          </a:fontRef>
-        </p:style>
-        <p:txBody>
-          <a:bodyPr rtlCol="0" anchor="ctr"/>
-          <a:lstStyle/>
-          <a:p>
-            <a:pPr algn="ctr"/>
-            <a:r>
-              <a:rPr lang="en-US" altLang="ko-KR" sz="1200"/>
-              <a:t>Private Network</a:t>
-            </a:r>
-            <a:endParaRPr lang="en-US" altLang="ko-KR" sz="1200" dirty="0"/>
-          </a:p>
-          <a:p>
-            <a:pPr algn="ctr"/>
-            <a:r>
-              <a:rPr lang="en-US" altLang="ko-KR" sz="1200"/>
-              <a:t>10.0.0.0/24</a:t>
-            </a:r>
-            <a:endParaRPr lang="en-US" altLang="ko-KR" sz="1200" dirty="0"/>
-          </a:p>
-        </p:txBody>
-      </p:sp>
-      <p:grpSp>
-        <p:nvGrpSpPr>
-          <p:cNvPr id="28" name="그룹 27">
-            <a:extLst>
-              <a:ext uri="{FF2B5EF4-FFF2-40B4-BE49-F238E27FC236}">
-                <a16:creationId xmlns:a16="http://schemas.microsoft.com/office/drawing/2014/main" id="{33E38C18-16EB-43DE-9F7A-33C2A6D2BB15}"/>
-              </a:ext>
-            </a:extLst>
-          </p:cNvPr>
-          <p:cNvGrpSpPr/>
-          <p:nvPr/>
-        </p:nvGrpSpPr>
-        <p:grpSpPr>
-          <a:xfrm>
-            <a:off x="3131840" y="1779662"/>
-            <a:ext cx="2880320" cy="972107"/>
-            <a:chOff x="107504" y="1275606"/>
-            <a:chExt cx="2880320" cy="972107"/>
-          </a:xfrm>
-        </p:grpSpPr>
+        <p:sp>
+          <p:nvSpPr>
+            <p:cNvPr id="47" name="모서리가 둥근 직사각형 46"/>
+            <p:cNvSpPr/>
+            <p:nvPr/>
+          </p:nvSpPr>
+          <p:spPr>
+            <a:xfrm>
+              <a:off x="2267743" y="3435846"/>
+              <a:ext cx="1584178" cy="720080"/>
+            </a:xfrm>
+            <a:prstGeom prst="roundRect">
+              <a:avLst>
+                <a:gd name="adj" fmla="val 11578"/>
+              </a:avLst>
+            </a:prstGeom>
+            <a:noFill/>
+          </p:spPr>
+          <p:style>
+            <a:lnRef idx="2">
+              <a:schemeClr val="dk1"/>
+            </a:lnRef>
+            <a:fillRef idx="1">
+              <a:schemeClr val="lt1"/>
+            </a:fillRef>
+            <a:effectRef idx="0">
+              <a:schemeClr val="dk1"/>
+            </a:effectRef>
+            <a:fontRef idx="minor">
+              <a:schemeClr val="dk1"/>
+            </a:fontRef>
+          </p:style>
+          <p:txBody>
+            <a:bodyPr rtlCol="0" anchor="ctr"/>
+            <a:lstStyle/>
+            <a:p>
+              <a:pPr algn="ctr"/>
+              <a:r>
+                <a:rPr lang="en-US" altLang="ko-KR" sz="1200"/>
+                <a:t>NAT Network</a:t>
+              </a:r>
+            </a:p>
+            <a:p>
+              <a:pPr algn="ctr"/>
+              <a:r>
+                <a:rPr lang="en-US" altLang="ko-KR" sz="1200"/>
+                <a:t>192.168.0.0/24</a:t>
+              </a:r>
+              <a:endParaRPr lang="en-US" altLang="ko-KR" sz="1200" dirty="0"/>
+            </a:p>
+          </p:txBody>
+        </p:sp>
+        <p:sp>
+          <p:nvSpPr>
+            <p:cNvPr id="48" name="모서리가 둥근 직사각형 47"/>
+            <p:cNvSpPr/>
+            <p:nvPr/>
+          </p:nvSpPr>
+          <p:spPr>
+            <a:xfrm>
+              <a:off x="5292080" y="3435846"/>
+              <a:ext cx="1584176" cy="720080"/>
+            </a:xfrm>
+            <a:prstGeom prst="roundRect">
+              <a:avLst>
+                <a:gd name="adj" fmla="val 11578"/>
+              </a:avLst>
+            </a:prstGeom>
+            <a:noFill/>
+          </p:spPr>
+          <p:style>
+            <a:lnRef idx="2">
+              <a:schemeClr val="dk1"/>
+            </a:lnRef>
+            <a:fillRef idx="1">
+              <a:schemeClr val="lt1"/>
+            </a:fillRef>
+            <a:effectRef idx="0">
+              <a:schemeClr val="dk1"/>
+            </a:effectRef>
+            <a:fontRef idx="minor">
+              <a:schemeClr val="dk1"/>
+            </a:fontRef>
+          </p:style>
+          <p:txBody>
+            <a:bodyPr rtlCol="0" anchor="ctr"/>
+            <a:lstStyle/>
+            <a:p>
+              <a:pPr algn="ctr"/>
+              <a:r>
+                <a:rPr lang="en-US" altLang="ko-KR" sz="1200"/>
+                <a:t>Private Network</a:t>
+              </a:r>
+              <a:endParaRPr lang="en-US" altLang="ko-KR" sz="1200" dirty="0"/>
+            </a:p>
+            <a:p>
+              <a:pPr algn="ctr"/>
+              <a:r>
+                <a:rPr lang="en-US" altLang="ko-KR" sz="1200"/>
+                <a:t>10.0.0.0/24</a:t>
+              </a:r>
+              <a:endParaRPr lang="en-US" altLang="ko-KR" sz="1200" dirty="0"/>
+            </a:p>
+          </p:txBody>
+        </p:sp>
         <p:sp>
           <p:nvSpPr>
             <p:cNvPr id="29" name="모서리가 둥근 직사각형 13">
@@ -4076,8 +4232,8 @@
           </p:nvSpPr>
           <p:spPr>
             <a:xfrm>
-              <a:off x="107504" y="1275606"/>
-              <a:ext cx="2880320" cy="972107"/>
+              <a:off x="3131840" y="1317496"/>
+              <a:ext cx="2880320" cy="1794313"/>
             </a:xfrm>
             <a:prstGeom prst="roundRect">
               <a:avLst>
@@ -4109,6 +4265,17 @@
                 <a:rPr lang="en-US" altLang="ko-KR" sz="1600" b="1"/>
                 <a:t>Node 02</a:t>
               </a:r>
+            </a:p>
+            <a:p>
+              <a:pPr algn="ctr"/>
+              <a:r>
+                <a:rPr lang="en-US" altLang="ko-KR" sz="1400"/>
+                <a:t>CPU : 4 Core / Memory : 16GB</a:t>
+              </a:r>
+              <a:endParaRPr lang="ko-KR" altLang="en-US" sz="1400"/>
+            </a:p>
+            <a:p>
+              <a:pPr algn="ctr"/>
               <a:endParaRPr lang="ko-KR" altLang="en-US" sz="1600" dirty="0"/>
             </a:p>
           </p:txBody>
@@ -4127,7 +4294,7 @@
           </p:nvSpPr>
           <p:spPr>
             <a:xfrm>
-              <a:off x="179512" y="1671650"/>
+              <a:off x="3203848" y="2535746"/>
               <a:ext cx="1328914" cy="504056"/>
             </a:xfrm>
             <a:prstGeom prst="roundRect">
@@ -4158,7 +4325,7 @@
               <a:pPr algn="ctr"/>
               <a:r>
                 <a:rPr lang="en-US" altLang="ko-KR" sz="1200"/>
-                <a:t>enp0s2</a:t>
+                <a:t>enp0s2 1Gbps</a:t>
               </a:r>
               <a:endParaRPr lang="en-US" altLang="ko-KR" sz="1200" dirty="0"/>
             </a:p>
@@ -4190,7 +4357,7 @@
           </p:nvSpPr>
           <p:spPr>
             <a:xfrm>
-              <a:off x="1595194" y="1671650"/>
+              <a:off x="4619530" y="2535746"/>
               <a:ext cx="1320622" cy="504056"/>
             </a:xfrm>
             <a:prstGeom prst="roundRect">
@@ -4221,7 +4388,7 @@
               <a:pPr algn="ctr"/>
               <a:r>
                 <a:rPr lang="en-US" altLang="ko-KR" sz="1200"/>
-                <a:t>enp0s3</a:t>
+                <a:t>enp0s3 1Gbps</a:t>
               </a:r>
               <a:endParaRPr lang="en-US" altLang="ko-KR" sz="1200" dirty="0"/>
             </a:p>
@@ -4239,27 +4406,6 @@
             </a:p>
           </p:txBody>
         </p:sp>
-      </p:grpSp>
-      <p:grpSp>
-        <p:nvGrpSpPr>
-          <p:cNvPr id="32" name="그룹 31">
-            <a:extLst>
-              <a:ext uri="{FF2B5EF4-FFF2-40B4-BE49-F238E27FC236}">
-                <a16:creationId xmlns:a16="http://schemas.microsoft.com/office/drawing/2014/main" id="{5C076C0A-688D-47C8-BFEE-CFD53F08EC3B}"/>
-              </a:ext>
-            </a:extLst>
-          </p:cNvPr>
-          <p:cNvGrpSpPr/>
-          <p:nvPr/>
-        </p:nvGrpSpPr>
-        <p:grpSpPr>
-          <a:xfrm>
-            <a:off x="6156176" y="1779662"/>
-            <a:ext cx="2880320" cy="972107"/>
-            <a:chOff x="107504" y="1275606"/>
-            <a:chExt cx="2880320" cy="972107"/>
-          </a:xfrm>
-        </p:grpSpPr>
         <p:sp>
           <p:nvSpPr>
             <p:cNvPr id="33" name="모서리가 둥근 직사각형 13">
@@ -4274,8 +4420,8 @@
           </p:nvSpPr>
           <p:spPr>
             <a:xfrm>
-              <a:off x="107504" y="1275606"/>
-              <a:ext cx="2880320" cy="972107"/>
+              <a:off x="6156176" y="1317496"/>
+              <a:ext cx="2880320" cy="1794313"/>
             </a:xfrm>
             <a:prstGeom prst="roundRect">
               <a:avLst>
@@ -4307,6 +4453,17 @@
                 <a:rPr lang="en-US" altLang="ko-KR" sz="1600" b="1"/>
                 <a:t>Node 03</a:t>
               </a:r>
+            </a:p>
+            <a:p>
+              <a:pPr algn="ctr"/>
+              <a:r>
+                <a:rPr lang="en-US" altLang="ko-KR" sz="1400"/>
+                <a:t>CPU : 4 Core / Memory : 16GB</a:t>
+              </a:r>
+              <a:endParaRPr lang="ko-KR" altLang="en-US" sz="1400"/>
+            </a:p>
+            <a:p>
+              <a:pPr algn="ctr"/>
               <a:endParaRPr lang="ko-KR" altLang="en-US" sz="1600" dirty="0"/>
             </a:p>
           </p:txBody>
@@ -4325,7 +4482,7 @@
           </p:nvSpPr>
           <p:spPr>
             <a:xfrm>
-              <a:off x="179512" y="1671650"/>
+              <a:off x="6228184" y="2535746"/>
               <a:ext cx="1328914" cy="504056"/>
             </a:xfrm>
             <a:prstGeom prst="roundRect">
@@ -4388,7 +4545,7 @@
           </p:nvSpPr>
           <p:spPr>
             <a:xfrm>
-              <a:off x="1595194" y="1671650"/>
+              <a:off x="7643866" y="2535746"/>
               <a:ext cx="1320622" cy="504056"/>
             </a:xfrm>
             <a:prstGeom prst="roundRect">
@@ -4419,7 +4576,7 @@
               <a:pPr algn="ctr"/>
               <a:r>
                 <a:rPr lang="en-US" altLang="ko-KR" sz="1200"/>
-                <a:t>enp0s3</a:t>
+                <a:t>enp0s3 1Gbps</a:t>
               </a:r>
               <a:endParaRPr lang="en-US" altLang="ko-KR" sz="1200" dirty="0"/>
             </a:p>
@@ -4437,7 +4594,2578 @@
             </a:p>
           </p:txBody>
         </p:sp>
+        <p:cxnSp>
+          <p:nvCxnSpPr>
+            <p:cNvPr id="37" name="직선 연결선 36">
+              <a:extLst>
+                <a:ext uri="{FF2B5EF4-FFF2-40B4-BE49-F238E27FC236}">
+                  <a16:creationId xmlns:a16="http://schemas.microsoft.com/office/drawing/2014/main" id="{B51BA3EC-5B06-4C3F-84DA-6012337062A5}"/>
+                </a:ext>
+              </a:extLst>
+            </p:cNvPr>
+            <p:cNvCxnSpPr>
+              <a:cxnSpLocks/>
+              <a:stCxn id="19" idx="2"/>
+              <a:endCxn id="47" idx="0"/>
+            </p:cNvCxnSpPr>
+            <p:nvPr/>
+          </p:nvCxnSpPr>
+          <p:spPr>
+            <a:xfrm>
+              <a:off x="843969" y="3039802"/>
+              <a:ext cx="2215863" cy="396044"/>
+            </a:xfrm>
+            <a:prstGeom prst="line">
+              <a:avLst/>
+            </a:prstGeom>
+            <a:ln w="28575">
+              <a:solidFill>
+                <a:schemeClr val="tx1"/>
+              </a:solidFill>
+            </a:ln>
+          </p:spPr>
+          <p:style>
+            <a:lnRef idx="1">
+              <a:schemeClr val="accent1"/>
+            </a:lnRef>
+            <a:fillRef idx="0">
+              <a:schemeClr val="accent1"/>
+            </a:fillRef>
+            <a:effectRef idx="0">
+              <a:schemeClr val="accent1"/>
+            </a:effectRef>
+            <a:fontRef idx="minor">
+              <a:schemeClr val="tx1"/>
+            </a:fontRef>
+          </p:style>
+        </p:cxnSp>
+        <p:cxnSp>
+          <p:nvCxnSpPr>
+            <p:cNvPr id="43" name="직선 연결선 42">
+              <a:extLst>
+                <a:ext uri="{FF2B5EF4-FFF2-40B4-BE49-F238E27FC236}">
+                  <a16:creationId xmlns:a16="http://schemas.microsoft.com/office/drawing/2014/main" id="{D166F931-E4AF-47A5-8E66-DA86BB53BAEF}"/>
+                </a:ext>
+              </a:extLst>
+            </p:cNvPr>
+            <p:cNvCxnSpPr>
+              <a:cxnSpLocks/>
+              <a:stCxn id="30" idx="2"/>
+              <a:endCxn id="47" idx="0"/>
+            </p:cNvCxnSpPr>
+            <p:nvPr/>
+          </p:nvCxnSpPr>
+          <p:spPr>
+            <a:xfrm flipH="1">
+              <a:off x="3059832" y="3039802"/>
+              <a:ext cx="808473" cy="396044"/>
+            </a:xfrm>
+            <a:prstGeom prst="line">
+              <a:avLst/>
+            </a:prstGeom>
+            <a:ln w="28575">
+              <a:solidFill>
+                <a:schemeClr val="tx1"/>
+              </a:solidFill>
+            </a:ln>
+          </p:spPr>
+          <p:style>
+            <a:lnRef idx="1">
+              <a:schemeClr val="accent1"/>
+            </a:lnRef>
+            <a:fillRef idx="0">
+              <a:schemeClr val="accent1"/>
+            </a:fillRef>
+            <a:effectRef idx="0">
+              <a:schemeClr val="accent1"/>
+            </a:effectRef>
+            <a:fontRef idx="minor">
+              <a:schemeClr val="tx1"/>
+            </a:fontRef>
+          </p:style>
+        </p:cxnSp>
+        <p:cxnSp>
+          <p:nvCxnSpPr>
+            <p:cNvPr id="44" name="직선 연결선 43">
+              <a:extLst>
+                <a:ext uri="{FF2B5EF4-FFF2-40B4-BE49-F238E27FC236}">
+                  <a16:creationId xmlns:a16="http://schemas.microsoft.com/office/drawing/2014/main" id="{795051FC-8211-4660-970C-D8907CA0FFF5}"/>
+                </a:ext>
+              </a:extLst>
+            </p:cNvPr>
+            <p:cNvCxnSpPr>
+              <a:cxnSpLocks/>
+              <a:stCxn id="34" idx="2"/>
+              <a:endCxn id="47" idx="0"/>
+            </p:cNvCxnSpPr>
+            <p:nvPr/>
+          </p:nvCxnSpPr>
+          <p:spPr>
+            <a:xfrm flipH="1">
+              <a:off x="3059832" y="3039802"/>
+              <a:ext cx="3832809" cy="396044"/>
+            </a:xfrm>
+            <a:prstGeom prst="line">
+              <a:avLst/>
+            </a:prstGeom>
+            <a:ln w="28575">
+              <a:solidFill>
+                <a:schemeClr val="tx1"/>
+              </a:solidFill>
+            </a:ln>
+          </p:spPr>
+          <p:style>
+            <a:lnRef idx="1">
+              <a:schemeClr val="accent1"/>
+            </a:lnRef>
+            <a:fillRef idx="0">
+              <a:schemeClr val="accent1"/>
+            </a:fillRef>
+            <a:effectRef idx="0">
+              <a:schemeClr val="accent1"/>
+            </a:effectRef>
+            <a:fontRef idx="minor">
+              <a:schemeClr val="tx1"/>
+            </a:fontRef>
+          </p:style>
+        </p:cxnSp>
+        <p:cxnSp>
+          <p:nvCxnSpPr>
+            <p:cNvPr id="53" name="직선 연결선 52">
+              <a:extLst>
+                <a:ext uri="{FF2B5EF4-FFF2-40B4-BE49-F238E27FC236}">
+                  <a16:creationId xmlns:a16="http://schemas.microsoft.com/office/drawing/2014/main" id="{149959EF-465C-4A3D-AA34-BE750A1217A8}"/>
+                </a:ext>
+              </a:extLst>
+            </p:cNvPr>
+            <p:cNvCxnSpPr>
+              <a:cxnSpLocks/>
+              <a:stCxn id="24" idx="2"/>
+              <a:endCxn id="48" idx="0"/>
+            </p:cNvCxnSpPr>
+            <p:nvPr/>
+          </p:nvCxnSpPr>
+          <p:spPr>
+            <a:xfrm>
+              <a:off x="2255505" y="3039802"/>
+              <a:ext cx="3828663" cy="396044"/>
+            </a:xfrm>
+            <a:prstGeom prst="line">
+              <a:avLst/>
+            </a:prstGeom>
+            <a:ln w="28575">
+              <a:solidFill>
+                <a:schemeClr val="tx1"/>
+              </a:solidFill>
+            </a:ln>
+          </p:spPr>
+          <p:style>
+            <a:lnRef idx="1">
+              <a:schemeClr val="accent1"/>
+            </a:lnRef>
+            <a:fillRef idx="0">
+              <a:schemeClr val="accent1"/>
+            </a:fillRef>
+            <a:effectRef idx="0">
+              <a:schemeClr val="accent1"/>
+            </a:effectRef>
+            <a:fontRef idx="minor">
+              <a:schemeClr val="tx1"/>
+            </a:fontRef>
+          </p:style>
+        </p:cxnSp>
+        <p:cxnSp>
+          <p:nvCxnSpPr>
+            <p:cNvPr id="57" name="직선 연결선 56">
+              <a:extLst>
+                <a:ext uri="{FF2B5EF4-FFF2-40B4-BE49-F238E27FC236}">
+                  <a16:creationId xmlns:a16="http://schemas.microsoft.com/office/drawing/2014/main" id="{FB84C5C8-CE0D-4A5D-AF70-ED0B71A99464}"/>
+                </a:ext>
+              </a:extLst>
+            </p:cNvPr>
+            <p:cNvCxnSpPr>
+              <a:cxnSpLocks/>
+              <a:stCxn id="31" idx="2"/>
+              <a:endCxn id="48" idx="0"/>
+            </p:cNvCxnSpPr>
+            <p:nvPr/>
+          </p:nvCxnSpPr>
+          <p:spPr>
+            <a:xfrm>
+              <a:off x="5279841" y="3039802"/>
+              <a:ext cx="804327" cy="396044"/>
+            </a:xfrm>
+            <a:prstGeom prst="line">
+              <a:avLst/>
+            </a:prstGeom>
+            <a:ln w="28575">
+              <a:solidFill>
+                <a:schemeClr val="tx1"/>
+              </a:solidFill>
+            </a:ln>
+          </p:spPr>
+          <p:style>
+            <a:lnRef idx="1">
+              <a:schemeClr val="accent1"/>
+            </a:lnRef>
+            <a:fillRef idx="0">
+              <a:schemeClr val="accent1"/>
+            </a:fillRef>
+            <a:effectRef idx="0">
+              <a:schemeClr val="accent1"/>
+            </a:effectRef>
+            <a:fontRef idx="minor">
+              <a:schemeClr val="tx1"/>
+            </a:fontRef>
+          </p:style>
+        </p:cxnSp>
+        <p:cxnSp>
+          <p:nvCxnSpPr>
+            <p:cNvPr id="59" name="직선 연결선 58">
+              <a:extLst>
+                <a:ext uri="{FF2B5EF4-FFF2-40B4-BE49-F238E27FC236}">
+                  <a16:creationId xmlns:a16="http://schemas.microsoft.com/office/drawing/2014/main" id="{ECE875A0-34CB-48AA-9E79-A1F9FE7DCD3B}"/>
+                </a:ext>
+              </a:extLst>
+            </p:cNvPr>
+            <p:cNvCxnSpPr>
+              <a:cxnSpLocks/>
+              <a:stCxn id="35" idx="2"/>
+              <a:endCxn id="48" idx="0"/>
+            </p:cNvCxnSpPr>
+            <p:nvPr/>
+          </p:nvCxnSpPr>
+          <p:spPr>
+            <a:xfrm flipH="1">
+              <a:off x="6084168" y="3039802"/>
+              <a:ext cx="2220009" cy="396044"/>
+            </a:xfrm>
+            <a:prstGeom prst="line">
+              <a:avLst/>
+            </a:prstGeom>
+            <a:ln w="28575">
+              <a:solidFill>
+                <a:schemeClr val="tx1"/>
+              </a:solidFill>
+            </a:ln>
+          </p:spPr>
+          <p:style>
+            <a:lnRef idx="1">
+              <a:schemeClr val="accent1"/>
+            </a:lnRef>
+            <a:fillRef idx="0">
+              <a:schemeClr val="accent1"/>
+            </a:fillRef>
+            <a:effectRef idx="0">
+              <a:schemeClr val="accent1"/>
+            </a:effectRef>
+            <a:fontRef idx="minor">
+              <a:schemeClr val="tx1"/>
+            </a:fontRef>
+          </p:style>
+        </p:cxnSp>
+        <p:cxnSp>
+          <p:nvCxnSpPr>
+            <p:cNvPr id="61" name="직선 연결선 60">
+              <a:extLst>
+                <a:ext uri="{FF2B5EF4-FFF2-40B4-BE49-F238E27FC236}">
+                  <a16:creationId xmlns:a16="http://schemas.microsoft.com/office/drawing/2014/main" id="{22CE2104-8D93-4E45-986A-BF7565E4A746}"/>
+                </a:ext>
+              </a:extLst>
+            </p:cNvPr>
+            <p:cNvCxnSpPr>
+              <a:cxnSpLocks/>
+              <a:stCxn id="47" idx="1"/>
+              <a:endCxn id="22" idx="0"/>
+            </p:cNvCxnSpPr>
+            <p:nvPr/>
+          </p:nvCxnSpPr>
+          <p:spPr>
+            <a:xfrm flipH="1">
+              <a:off x="1950820" y="3795886"/>
+              <a:ext cx="316923" cy="0"/>
+            </a:xfrm>
+            <a:prstGeom prst="line">
+              <a:avLst/>
+            </a:prstGeom>
+            <a:ln w="28575">
+              <a:solidFill>
+                <a:schemeClr val="tx1"/>
+              </a:solidFill>
+            </a:ln>
+          </p:spPr>
+          <p:style>
+            <a:lnRef idx="1">
+              <a:schemeClr val="accent1"/>
+            </a:lnRef>
+            <a:fillRef idx="0">
+              <a:schemeClr val="accent1"/>
+            </a:fillRef>
+            <a:effectRef idx="0">
+              <a:schemeClr val="accent1"/>
+            </a:effectRef>
+            <a:fontRef idx="minor">
+              <a:schemeClr val="tx1"/>
+            </a:fontRef>
+          </p:style>
+        </p:cxnSp>
+        <p:sp>
+          <p:nvSpPr>
+            <p:cNvPr id="22" name="구름 21">
+              <a:extLst>
+                <a:ext uri="{FF2B5EF4-FFF2-40B4-BE49-F238E27FC236}">
+                  <a16:creationId xmlns:a16="http://schemas.microsoft.com/office/drawing/2014/main" id="{984A4AF2-1077-4A0B-8B0B-A9B19F37D383}"/>
+                </a:ext>
+              </a:extLst>
+            </p:cNvPr>
+            <p:cNvSpPr/>
+            <p:nvPr/>
+          </p:nvSpPr>
+          <p:spPr>
+            <a:xfrm>
+              <a:off x="655768" y="3504431"/>
+              <a:ext cx="1296132" cy="582910"/>
+            </a:xfrm>
+            <a:prstGeom prst="cloud">
+              <a:avLst/>
+            </a:prstGeom>
+          </p:spPr>
+          <p:style>
+            <a:lnRef idx="2">
+              <a:schemeClr val="dk1"/>
+            </a:lnRef>
+            <a:fillRef idx="1">
+              <a:schemeClr val="lt1"/>
+            </a:fillRef>
+            <a:effectRef idx="0">
+              <a:schemeClr val="dk1"/>
+            </a:effectRef>
+            <a:fontRef idx="minor">
+              <a:schemeClr val="dk1"/>
+            </a:fontRef>
+          </p:style>
+          <p:txBody>
+            <a:bodyPr rtlCol="0" anchor="ctr"/>
+            <a:lstStyle/>
+            <a:p>
+              <a:pPr algn="ctr"/>
+              <a:r>
+                <a:rPr lang="en-US" altLang="ko-KR" sz="1200"/>
+                <a:t>Public</a:t>
+              </a:r>
+            </a:p>
+            <a:p>
+              <a:pPr algn="ctr"/>
+              <a:r>
+                <a:rPr lang="en-US" altLang="ko-KR" sz="1200"/>
+                <a:t>Network</a:t>
+              </a:r>
+              <a:endParaRPr lang="ko-KR" altLang="en-US" sz="1200"/>
+            </a:p>
+          </p:txBody>
+        </p:sp>
+        <p:sp>
+          <p:nvSpPr>
+            <p:cNvPr id="40" name="모서리가 둥근 직사각형 18">
+              <a:extLst>
+                <a:ext uri="{FF2B5EF4-FFF2-40B4-BE49-F238E27FC236}">
+                  <a16:creationId xmlns:a16="http://schemas.microsoft.com/office/drawing/2014/main" id="{A4C7A769-F8F5-41EA-AA53-E7FA68E5D857}"/>
+                </a:ext>
+              </a:extLst>
+            </p:cNvPr>
+            <p:cNvSpPr/>
+            <p:nvPr/>
+          </p:nvSpPr>
+          <p:spPr>
+            <a:xfrm>
+              <a:off x="6228184" y="1959681"/>
+              <a:ext cx="1328914" cy="504056"/>
+            </a:xfrm>
+            <a:prstGeom prst="roundRect">
+              <a:avLst>
+                <a:gd name="adj" fmla="val 11578"/>
+              </a:avLst>
+            </a:prstGeom>
+            <a:noFill/>
+          </p:spPr>
+          <p:style>
+            <a:lnRef idx="2">
+              <a:schemeClr val="dk1"/>
+            </a:lnRef>
+            <a:fillRef idx="1">
+              <a:schemeClr val="lt1"/>
+            </a:fillRef>
+            <a:effectRef idx="0">
+              <a:schemeClr val="dk1"/>
+            </a:effectRef>
+            <a:fontRef idx="minor">
+              <a:schemeClr val="dk1"/>
+            </a:fontRef>
+          </p:style>
+          <p:txBody>
+            <a:bodyPr rtlCol="0" anchor="t"/>
+            <a:lstStyle/>
+            <a:p>
+              <a:pPr algn="ctr"/>
+              <a:r>
+                <a:rPr lang="en-US" altLang="ko-KR" sz="1200"/>
+                <a:t>/dev/mmcblk0</a:t>
+              </a:r>
+            </a:p>
+            <a:p>
+              <a:pPr algn="ctr"/>
+              <a:r>
+                <a:rPr lang="en-US" altLang="ko-KR" sz="1200"/>
+                <a:t>64G eMMC</a:t>
+              </a:r>
+            </a:p>
+            <a:p>
+              <a:pPr algn="ctr"/>
+              <a:endParaRPr lang="ko-KR" altLang="en-US" sz="1100" dirty="0"/>
+            </a:p>
+          </p:txBody>
+        </p:sp>
+        <p:sp>
+          <p:nvSpPr>
+            <p:cNvPr id="41" name="모서리가 둥근 직사각형 23">
+              <a:extLst>
+                <a:ext uri="{FF2B5EF4-FFF2-40B4-BE49-F238E27FC236}">
+                  <a16:creationId xmlns:a16="http://schemas.microsoft.com/office/drawing/2014/main" id="{0554A4A6-08A0-46EB-A2DF-10EBAF0C01DF}"/>
+                </a:ext>
+              </a:extLst>
+            </p:cNvPr>
+            <p:cNvSpPr/>
+            <p:nvPr/>
+          </p:nvSpPr>
+          <p:spPr>
+            <a:xfrm>
+              <a:off x="7643866" y="1959681"/>
+              <a:ext cx="1320622" cy="504056"/>
+            </a:xfrm>
+            <a:prstGeom prst="roundRect">
+              <a:avLst>
+                <a:gd name="adj" fmla="val 11578"/>
+              </a:avLst>
+            </a:prstGeom>
+            <a:noFill/>
+          </p:spPr>
+          <p:style>
+            <a:lnRef idx="2">
+              <a:schemeClr val="dk1"/>
+            </a:lnRef>
+            <a:fillRef idx="1">
+              <a:schemeClr val="lt1"/>
+            </a:fillRef>
+            <a:effectRef idx="0">
+              <a:schemeClr val="dk1"/>
+            </a:effectRef>
+            <a:fontRef idx="minor">
+              <a:schemeClr val="dk1"/>
+            </a:fontRef>
+          </p:style>
+          <p:txBody>
+            <a:bodyPr rtlCol="0" anchor="t"/>
+            <a:lstStyle/>
+            <a:p>
+              <a:pPr algn="ctr"/>
+              <a:r>
+                <a:rPr lang="en-US" altLang="ko-KR" sz="1200"/>
+                <a:t>/dev/nvme0n1</a:t>
+              </a:r>
+            </a:p>
+            <a:p>
+              <a:pPr algn="ctr"/>
+              <a:r>
+                <a:rPr lang="en-US" altLang="ko-KR" sz="1200"/>
+                <a:t>256GB M.2</a:t>
+              </a:r>
+            </a:p>
+            <a:p>
+              <a:pPr algn="ctr"/>
+              <a:endParaRPr lang="ko-KR" altLang="en-US" sz="1100" dirty="0"/>
+            </a:p>
+          </p:txBody>
+        </p:sp>
+        <p:sp>
+          <p:nvSpPr>
+            <p:cNvPr id="42" name="모서리가 둥근 직사각형 18">
+              <a:extLst>
+                <a:ext uri="{FF2B5EF4-FFF2-40B4-BE49-F238E27FC236}">
+                  <a16:creationId xmlns:a16="http://schemas.microsoft.com/office/drawing/2014/main" id="{C250A369-E0E6-4B01-92E5-0D3662E0D8E2}"/>
+                </a:ext>
+              </a:extLst>
+            </p:cNvPr>
+            <p:cNvSpPr/>
+            <p:nvPr/>
+          </p:nvSpPr>
+          <p:spPr>
+            <a:xfrm>
+              <a:off x="3203848" y="1959681"/>
+              <a:ext cx="1328914" cy="504056"/>
+            </a:xfrm>
+            <a:prstGeom prst="roundRect">
+              <a:avLst>
+                <a:gd name="adj" fmla="val 11578"/>
+              </a:avLst>
+            </a:prstGeom>
+            <a:noFill/>
+          </p:spPr>
+          <p:style>
+            <a:lnRef idx="2">
+              <a:schemeClr val="dk1"/>
+            </a:lnRef>
+            <a:fillRef idx="1">
+              <a:schemeClr val="lt1"/>
+            </a:fillRef>
+            <a:effectRef idx="0">
+              <a:schemeClr val="dk1"/>
+            </a:effectRef>
+            <a:fontRef idx="minor">
+              <a:schemeClr val="dk1"/>
+            </a:fontRef>
+          </p:style>
+          <p:txBody>
+            <a:bodyPr rtlCol="0" anchor="t"/>
+            <a:lstStyle/>
+            <a:p>
+              <a:pPr algn="ctr"/>
+              <a:r>
+                <a:rPr lang="en-US" altLang="ko-KR" sz="1200"/>
+                <a:t>/dev/mmcblk0</a:t>
+              </a:r>
+            </a:p>
+            <a:p>
+              <a:pPr algn="ctr"/>
+              <a:r>
+                <a:rPr lang="en-US" altLang="ko-KR" sz="1200"/>
+                <a:t>64G eMMC</a:t>
+              </a:r>
+            </a:p>
+            <a:p>
+              <a:pPr algn="ctr"/>
+              <a:endParaRPr lang="ko-KR" altLang="en-US" sz="1100" dirty="0"/>
+            </a:p>
+          </p:txBody>
+        </p:sp>
+        <p:sp>
+          <p:nvSpPr>
+            <p:cNvPr id="45" name="모서리가 둥근 직사각형 23">
+              <a:extLst>
+                <a:ext uri="{FF2B5EF4-FFF2-40B4-BE49-F238E27FC236}">
+                  <a16:creationId xmlns:a16="http://schemas.microsoft.com/office/drawing/2014/main" id="{366E2794-AB86-4D32-B8BD-F79CFCCF70F6}"/>
+                </a:ext>
+              </a:extLst>
+            </p:cNvPr>
+            <p:cNvSpPr/>
+            <p:nvPr/>
+          </p:nvSpPr>
+          <p:spPr>
+            <a:xfrm>
+              <a:off x="4619530" y="1959681"/>
+              <a:ext cx="1320622" cy="504056"/>
+            </a:xfrm>
+            <a:prstGeom prst="roundRect">
+              <a:avLst>
+                <a:gd name="adj" fmla="val 11578"/>
+              </a:avLst>
+            </a:prstGeom>
+            <a:noFill/>
+          </p:spPr>
+          <p:style>
+            <a:lnRef idx="2">
+              <a:schemeClr val="dk1"/>
+            </a:lnRef>
+            <a:fillRef idx="1">
+              <a:schemeClr val="lt1"/>
+            </a:fillRef>
+            <a:effectRef idx="0">
+              <a:schemeClr val="dk1"/>
+            </a:effectRef>
+            <a:fontRef idx="minor">
+              <a:schemeClr val="dk1"/>
+            </a:fontRef>
+          </p:style>
+          <p:txBody>
+            <a:bodyPr rtlCol="0" anchor="t"/>
+            <a:lstStyle/>
+            <a:p>
+              <a:pPr algn="ctr"/>
+              <a:r>
+                <a:rPr lang="en-US" altLang="ko-KR" sz="1200"/>
+                <a:t>/dev/nvme0n1</a:t>
+              </a:r>
+            </a:p>
+            <a:p>
+              <a:pPr algn="ctr"/>
+              <a:r>
+                <a:rPr lang="en-US" altLang="ko-KR" sz="1200"/>
+                <a:t>256GB M.2</a:t>
+              </a:r>
+            </a:p>
+            <a:p>
+              <a:pPr algn="ctr"/>
+              <a:endParaRPr lang="ko-KR" altLang="en-US" sz="1100" dirty="0"/>
+            </a:p>
+          </p:txBody>
+        </p:sp>
+        <p:sp>
+          <p:nvSpPr>
+            <p:cNvPr id="46" name="모서리가 둥근 직사각형 18">
+              <a:extLst>
+                <a:ext uri="{FF2B5EF4-FFF2-40B4-BE49-F238E27FC236}">
+                  <a16:creationId xmlns:a16="http://schemas.microsoft.com/office/drawing/2014/main" id="{BF18FE6C-5AF5-4459-ACB3-BFF0A64AEFA8}"/>
+                </a:ext>
+              </a:extLst>
+            </p:cNvPr>
+            <p:cNvSpPr/>
+            <p:nvPr/>
+          </p:nvSpPr>
+          <p:spPr>
+            <a:xfrm>
+              <a:off x="179512" y="1959681"/>
+              <a:ext cx="1328914" cy="504056"/>
+            </a:xfrm>
+            <a:prstGeom prst="roundRect">
+              <a:avLst>
+                <a:gd name="adj" fmla="val 11578"/>
+              </a:avLst>
+            </a:prstGeom>
+            <a:noFill/>
+          </p:spPr>
+          <p:style>
+            <a:lnRef idx="2">
+              <a:schemeClr val="dk1"/>
+            </a:lnRef>
+            <a:fillRef idx="1">
+              <a:schemeClr val="lt1"/>
+            </a:fillRef>
+            <a:effectRef idx="0">
+              <a:schemeClr val="dk1"/>
+            </a:effectRef>
+            <a:fontRef idx="minor">
+              <a:schemeClr val="dk1"/>
+            </a:fontRef>
+          </p:style>
+          <p:txBody>
+            <a:bodyPr rtlCol="0" anchor="t"/>
+            <a:lstStyle/>
+            <a:p>
+              <a:pPr algn="ctr"/>
+              <a:r>
+                <a:rPr lang="en-US" altLang="ko-KR" sz="1200"/>
+                <a:t>/dev/mmcblk0</a:t>
+              </a:r>
+            </a:p>
+            <a:p>
+              <a:pPr algn="ctr"/>
+              <a:r>
+                <a:rPr lang="en-US" altLang="ko-KR" sz="1200"/>
+                <a:t>64G eMMC</a:t>
+              </a:r>
+            </a:p>
+            <a:p>
+              <a:pPr algn="ctr"/>
+              <a:endParaRPr lang="ko-KR" altLang="en-US" sz="1100" dirty="0"/>
+            </a:p>
+          </p:txBody>
+        </p:sp>
+        <p:sp>
+          <p:nvSpPr>
+            <p:cNvPr id="49" name="모서리가 둥근 직사각형 23">
+              <a:extLst>
+                <a:ext uri="{FF2B5EF4-FFF2-40B4-BE49-F238E27FC236}">
+                  <a16:creationId xmlns:a16="http://schemas.microsoft.com/office/drawing/2014/main" id="{762D90EE-E713-4118-B404-274184F0C85B}"/>
+                </a:ext>
+              </a:extLst>
+            </p:cNvPr>
+            <p:cNvSpPr/>
+            <p:nvPr/>
+          </p:nvSpPr>
+          <p:spPr>
+            <a:xfrm>
+              <a:off x="1595194" y="1959681"/>
+              <a:ext cx="1320622" cy="504056"/>
+            </a:xfrm>
+            <a:prstGeom prst="roundRect">
+              <a:avLst>
+                <a:gd name="adj" fmla="val 11578"/>
+              </a:avLst>
+            </a:prstGeom>
+            <a:noFill/>
+          </p:spPr>
+          <p:style>
+            <a:lnRef idx="2">
+              <a:schemeClr val="dk1"/>
+            </a:lnRef>
+            <a:fillRef idx="1">
+              <a:schemeClr val="lt1"/>
+            </a:fillRef>
+            <a:effectRef idx="0">
+              <a:schemeClr val="dk1"/>
+            </a:effectRef>
+            <a:fontRef idx="minor">
+              <a:schemeClr val="dk1"/>
+            </a:fontRef>
+          </p:style>
+          <p:txBody>
+            <a:bodyPr rtlCol="0" anchor="t"/>
+            <a:lstStyle/>
+            <a:p>
+              <a:pPr algn="ctr"/>
+              <a:r>
+                <a:rPr lang="en-US" altLang="ko-KR" sz="1200"/>
+                <a:t>/dev/nvme0n1</a:t>
+              </a:r>
+            </a:p>
+            <a:p>
+              <a:pPr algn="ctr"/>
+              <a:r>
+                <a:rPr lang="en-US" altLang="ko-KR" sz="1200"/>
+                <a:t>256GB M.2</a:t>
+              </a:r>
+              <a:endParaRPr lang="en-US" altLang="ko-KR" sz="1200" dirty="0"/>
+            </a:p>
+            <a:p>
+              <a:pPr algn="ctr"/>
+              <a:endParaRPr lang="ko-KR" altLang="en-US" sz="1100" dirty="0"/>
+            </a:p>
+          </p:txBody>
+        </p:sp>
       </p:grpSp>
+    </p:spTree>
+    <p:extLst>
+      <p:ext uri="{BB962C8B-B14F-4D97-AF65-F5344CB8AC3E}">
+        <p14:creationId xmlns:p14="http://schemas.microsoft.com/office/powerpoint/2010/main" val="3627583906"/>
+      </p:ext>
+    </p:extLst>
+  </p:cSld>
+  <p:clrMapOvr>
+    <a:masterClrMapping/>
+  </p:clrMapOvr>
+</p:sld>
+</file>
+
+<file path=ppt/slides/slide2.xml><?xml version="1.0" encoding="utf-8"?>
+<p:sld xmlns:a="http://schemas.openxmlformats.org/drawingml/2006/main" xmlns:r="http://schemas.openxmlformats.org/officeDocument/2006/relationships" xmlns:p="http://schemas.openxmlformats.org/presentationml/2006/main">
+  <p:cSld>
+    <p:spTree>
+      <p:nvGrpSpPr>
+        <p:cNvPr id="1" name=""/>
+        <p:cNvGrpSpPr/>
+        <p:nvPr/>
+      </p:nvGrpSpPr>
+      <p:grpSpPr>
+        <a:xfrm>
+          <a:off x="0" y="0"/>
+          <a:ext cx="0" cy="0"/>
+          <a:chOff x="0" y="0"/>
+          <a:chExt cx="0" cy="0"/>
+        </a:xfrm>
+      </p:grpSpPr>
+      <p:sp>
+        <p:nvSpPr>
+          <p:cNvPr id="6" name="제목 1"/>
+          <p:cNvSpPr>
+            <a:spLocks noGrp="1"/>
+          </p:cNvSpPr>
+          <p:nvPr>
+            <p:ph type="title"/>
+          </p:nvPr>
+        </p:nvSpPr>
+        <p:spPr>
+          <a:xfrm>
+            <a:off x="457200" y="-20538"/>
+            <a:ext cx="8229600" cy="857250"/>
+          </a:xfrm>
+        </p:spPr>
+        <p:txBody>
+          <a:bodyPr>
+            <a:normAutofit/>
+          </a:bodyPr>
+          <a:lstStyle/>
+          <a:p>
+            <a:r>
+              <a:rPr lang="en-US" altLang="ko-KR"/>
+              <a:t>Ceph</a:t>
+            </a:r>
+            <a:endParaRPr lang="ko-KR" altLang="en-US" dirty="0"/>
+          </a:p>
+        </p:txBody>
+      </p:sp>
+      <p:sp>
+        <p:nvSpPr>
+          <p:cNvPr id="14" name="모서리가 둥근 직사각형 13"/>
+          <p:cNvSpPr/>
+          <p:nvPr/>
+        </p:nvSpPr>
+        <p:spPr>
+          <a:xfrm>
+            <a:off x="35496" y="1563638"/>
+            <a:ext cx="2926777" cy="1548171"/>
+          </a:xfrm>
+          <a:prstGeom prst="roundRect">
+            <a:avLst>
+              <a:gd name="adj" fmla="val 6281"/>
+            </a:avLst>
+          </a:prstGeom>
+          <a:noFill/>
+        </p:spPr>
+        <p:style>
+          <a:lnRef idx="2">
+            <a:schemeClr val="dk1"/>
+          </a:lnRef>
+          <a:fillRef idx="1">
+            <a:schemeClr val="lt1"/>
+          </a:fillRef>
+          <a:effectRef idx="0">
+            <a:schemeClr val="dk1"/>
+          </a:effectRef>
+          <a:fontRef idx="minor">
+            <a:schemeClr val="dk1"/>
+          </a:fontRef>
+        </p:style>
+        <p:txBody>
+          <a:bodyPr rtlCol="0" anchor="t"/>
+          <a:lstStyle/>
+          <a:p>
+            <a:pPr algn="ctr"/>
+            <a:r>
+              <a:rPr lang="en-US" altLang="ko-KR" sz="1600" b="1"/>
+              <a:t>Node 01 : Monitor, OSD</a:t>
+            </a:r>
+          </a:p>
+        </p:txBody>
+      </p:sp>
+      <p:sp>
+        <p:nvSpPr>
+          <p:cNvPr id="19" name="모서리가 둥근 직사각형 18"/>
+          <p:cNvSpPr/>
+          <p:nvPr/>
+        </p:nvSpPr>
+        <p:spPr>
+          <a:xfrm>
+            <a:off x="108665" y="2535746"/>
+            <a:ext cx="1350348" cy="504056"/>
+          </a:xfrm>
+          <a:prstGeom prst="roundRect">
+            <a:avLst>
+              <a:gd name="adj" fmla="val 11578"/>
+            </a:avLst>
+          </a:prstGeom>
+          <a:noFill/>
+        </p:spPr>
+        <p:style>
+          <a:lnRef idx="2">
+            <a:schemeClr val="dk1"/>
+          </a:lnRef>
+          <a:fillRef idx="1">
+            <a:schemeClr val="lt1"/>
+          </a:fillRef>
+          <a:effectRef idx="0">
+            <a:schemeClr val="dk1"/>
+          </a:effectRef>
+          <a:fontRef idx="minor">
+            <a:schemeClr val="dk1"/>
+          </a:fontRef>
+        </p:style>
+        <p:txBody>
+          <a:bodyPr rtlCol="0" anchor="t"/>
+          <a:lstStyle/>
+          <a:p>
+            <a:pPr algn="ctr"/>
+            <a:r>
+              <a:rPr lang="en-US" altLang="ko-KR" sz="1200"/>
+              <a:t>enp0s2</a:t>
+            </a:r>
+            <a:endParaRPr lang="en-US" altLang="ko-KR" sz="1200" dirty="0"/>
+          </a:p>
+          <a:p>
+            <a:pPr algn="ctr"/>
+            <a:r>
+              <a:rPr lang="en-US" altLang="ko-KR" sz="1200"/>
+              <a:t>192.168.0.30</a:t>
+            </a:r>
+            <a:endParaRPr lang="en-US" altLang="ko-KR" sz="1200" dirty="0"/>
+          </a:p>
+          <a:p>
+            <a:pPr algn="ctr"/>
+            <a:endParaRPr lang="ko-KR" altLang="en-US" sz="1100" dirty="0"/>
+          </a:p>
+        </p:txBody>
+      </p:sp>
+      <p:sp>
+        <p:nvSpPr>
+          <p:cNvPr id="24" name="모서리가 둥근 직사각형 23"/>
+          <p:cNvSpPr/>
+          <p:nvPr/>
+        </p:nvSpPr>
+        <p:spPr>
+          <a:xfrm>
+            <a:off x="1547181" y="2535746"/>
+            <a:ext cx="1341922" cy="504056"/>
+          </a:xfrm>
+          <a:prstGeom prst="roundRect">
+            <a:avLst>
+              <a:gd name="adj" fmla="val 11578"/>
+            </a:avLst>
+          </a:prstGeom>
+          <a:noFill/>
+        </p:spPr>
+        <p:style>
+          <a:lnRef idx="2">
+            <a:schemeClr val="dk1"/>
+          </a:lnRef>
+          <a:fillRef idx="1">
+            <a:schemeClr val="lt1"/>
+          </a:fillRef>
+          <a:effectRef idx="0">
+            <a:schemeClr val="dk1"/>
+          </a:effectRef>
+          <a:fontRef idx="minor">
+            <a:schemeClr val="dk1"/>
+          </a:fontRef>
+        </p:style>
+        <p:txBody>
+          <a:bodyPr rtlCol="0" anchor="t"/>
+          <a:lstStyle/>
+          <a:p>
+            <a:pPr algn="ctr"/>
+            <a:r>
+              <a:rPr lang="en-US" altLang="ko-KR" sz="1200"/>
+              <a:t>enp0s3</a:t>
+            </a:r>
+            <a:endParaRPr lang="en-US" altLang="ko-KR" sz="1200" dirty="0"/>
+          </a:p>
+          <a:p>
+            <a:pPr algn="ctr"/>
+            <a:r>
+              <a:rPr lang="en-US" altLang="ko-KR" sz="1200"/>
+              <a:t>10.0.0.10</a:t>
+            </a:r>
+            <a:endParaRPr lang="en-US" altLang="ko-KR" sz="1200" dirty="0"/>
+          </a:p>
+          <a:p>
+            <a:pPr algn="ctr"/>
+            <a:endParaRPr lang="ko-KR" altLang="en-US" sz="1100" dirty="0"/>
+          </a:p>
+        </p:txBody>
+      </p:sp>
+      <p:sp>
+        <p:nvSpPr>
+          <p:cNvPr id="48" name="모서리가 둥근 직사각형 47"/>
+          <p:cNvSpPr/>
+          <p:nvPr/>
+        </p:nvSpPr>
+        <p:spPr>
+          <a:xfrm>
+            <a:off x="5303694" y="3435846"/>
+            <a:ext cx="1609727" cy="720080"/>
+          </a:xfrm>
+          <a:prstGeom prst="roundRect">
+            <a:avLst>
+              <a:gd name="adj" fmla="val 11578"/>
+            </a:avLst>
+          </a:prstGeom>
+          <a:noFill/>
+        </p:spPr>
+        <p:style>
+          <a:lnRef idx="2">
+            <a:schemeClr val="dk1"/>
+          </a:lnRef>
+          <a:fillRef idx="1">
+            <a:schemeClr val="lt1"/>
+          </a:fillRef>
+          <a:effectRef idx="0">
+            <a:schemeClr val="dk1"/>
+          </a:effectRef>
+          <a:fontRef idx="minor">
+            <a:schemeClr val="dk1"/>
+          </a:fontRef>
+        </p:style>
+        <p:txBody>
+          <a:bodyPr rtlCol="0" anchor="ctr"/>
+          <a:lstStyle/>
+          <a:p>
+            <a:pPr algn="ctr"/>
+            <a:r>
+              <a:rPr lang="en-US" altLang="ko-KR" sz="1200"/>
+              <a:t>Private Network</a:t>
+            </a:r>
+            <a:endParaRPr lang="en-US" altLang="ko-KR" sz="1200" dirty="0"/>
+          </a:p>
+          <a:p>
+            <a:pPr algn="ctr"/>
+            <a:r>
+              <a:rPr lang="en-US" altLang="ko-KR" sz="1200"/>
+              <a:t>10.0.0.0/24</a:t>
+            </a:r>
+          </a:p>
+          <a:p>
+            <a:pPr algn="ctr"/>
+            <a:r>
+              <a:rPr lang="en-US" altLang="ko-KR" sz="1200" b="1"/>
+              <a:t>Ceph Network</a:t>
+            </a:r>
+          </a:p>
+        </p:txBody>
+      </p:sp>
+      <p:sp>
+        <p:nvSpPr>
+          <p:cNvPr id="29" name="모서리가 둥근 직사각형 13">
+            <a:extLst>
+              <a:ext uri="{FF2B5EF4-FFF2-40B4-BE49-F238E27FC236}">
+                <a16:creationId xmlns:a16="http://schemas.microsoft.com/office/drawing/2014/main" id="{CFF9E658-23F6-45A0-B280-5F33ABC9AAF8}"/>
+              </a:ext>
+            </a:extLst>
+          </p:cNvPr>
+          <p:cNvSpPr/>
+          <p:nvPr/>
+        </p:nvSpPr>
+        <p:spPr>
+          <a:xfrm>
+            <a:off x="3108612" y="1563638"/>
+            <a:ext cx="2926777" cy="1548171"/>
+          </a:xfrm>
+          <a:prstGeom prst="roundRect">
+            <a:avLst>
+              <a:gd name="adj" fmla="val 6281"/>
+            </a:avLst>
+          </a:prstGeom>
+          <a:noFill/>
+        </p:spPr>
+        <p:style>
+          <a:lnRef idx="2">
+            <a:schemeClr val="dk1"/>
+          </a:lnRef>
+          <a:fillRef idx="1">
+            <a:schemeClr val="lt1"/>
+          </a:fillRef>
+          <a:effectRef idx="0">
+            <a:schemeClr val="dk1"/>
+          </a:effectRef>
+          <a:fontRef idx="minor">
+            <a:schemeClr val="dk1"/>
+          </a:fontRef>
+        </p:style>
+        <p:txBody>
+          <a:bodyPr rtlCol="0" anchor="t"/>
+          <a:lstStyle/>
+          <a:p>
+            <a:pPr algn="ctr"/>
+            <a:r>
+              <a:rPr lang="en-US" altLang="ko-KR" sz="1600" b="1"/>
+              <a:t>Node 02 : Monitor, OSD</a:t>
+            </a:r>
+          </a:p>
+          <a:p>
+            <a:pPr algn="ctr"/>
+            <a:endParaRPr lang="ko-KR" altLang="en-US" sz="1600" dirty="0"/>
+          </a:p>
+        </p:txBody>
+      </p:sp>
+      <p:sp>
+        <p:nvSpPr>
+          <p:cNvPr id="30" name="모서리가 둥근 직사각형 18">
+            <a:extLst>
+              <a:ext uri="{FF2B5EF4-FFF2-40B4-BE49-F238E27FC236}">
+                <a16:creationId xmlns:a16="http://schemas.microsoft.com/office/drawing/2014/main" id="{179755E0-978F-410D-B265-06B3F3BB3500}"/>
+              </a:ext>
+            </a:extLst>
+          </p:cNvPr>
+          <p:cNvSpPr/>
+          <p:nvPr/>
+        </p:nvSpPr>
+        <p:spPr>
+          <a:xfrm>
+            <a:off x="3181781" y="2535746"/>
+            <a:ext cx="1350348" cy="504056"/>
+          </a:xfrm>
+          <a:prstGeom prst="roundRect">
+            <a:avLst>
+              <a:gd name="adj" fmla="val 11578"/>
+            </a:avLst>
+          </a:prstGeom>
+          <a:noFill/>
+        </p:spPr>
+        <p:style>
+          <a:lnRef idx="2">
+            <a:schemeClr val="dk1"/>
+          </a:lnRef>
+          <a:fillRef idx="1">
+            <a:schemeClr val="lt1"/>
+          </a:fillRef>
+          <a:effectRef idx="0">
+            <a:schemeClr val="dk1"/>
+          </a:effectRef>
+          <a:fontRef idx="minor">
+            <a:schemeClr val="dk1"/>
+          </a:fontRef>
+        </p:style>
+        <p:txBody>
+          <a:bodyPr rtlCol="0" anchor="t"/>
+          <a:lstStyle/>
+          <a:p>
+            <a:pPr algn="ctr"/>
+            <a:r>
+              <a:rPr lang="en-US" altLang="ko-KR" sz="1200"/>
+              <a:t>enp0s2</a:t>
+            </a:r>
+            <a:endParaRPr lang="en-US" altLang="ko-KR" sz="1200" dirty="0"/>
+          </a:p>
+          <a:p>
+            <a:pPr algn="ctr"/>
+            <a:r>
+              <a:rPr lang="en-US" altLang="ko-KR" sz="1200"/>
+              <a:t>192.168.0.31</a:t>
+            </a:r>
+            <a:endParaRPr lang="en-US" altLang="ko-KR" sz="1200" dirty="0"/>
+          </a:p>
+          <a:p>
+            <a:pPr algn="ctr"/>
+            <a:endParaRPr lang="ko-KR" altLang="en-US" sz="1100" dirty="0"/>
+          </a:p>
+        </p:txBody>
+      </p:sp>
+      <p:sp>
+        <p:nvSpPr>
+          <p:cNvPr id="31" name="모서리가 둥근 직사각형 23">
+            <a:extLst>
+              <a:ext uri="{FF2B5EF4-FFF2-40B4-BE49-F238E27FC236}">
+                <a16:creationId xmlns:a16="http://schemas.microsoft.com/office/drawing/2014/main" id="{2B20CA45-E30B-4D1D-9B5C-7B5DF80E979E}"/>
+              </a:ext>
+            </a:extLst>
+          </p:cNvPr>
+          <p:cNvSpPr/>
+          <p:nvPr/>
+        </p:nvSpPr>
+        <p:spPr>
+          <a:xfrm>
+            <a:off x="4620297" y="2535746"/>
+            <a:ext cx="1341922" cy="504056"/>
+          </a:xfrm>
+          <a:prstGeom prst="roundRect">
+            <a:avLst>
+              <a:gd name="adj" fmla="val 11578"/>
+            </a:avLst>
+          </a:prstGeom>
+          <a:noFill/>
+        </p:spPr>
+        <p:style>
+          <a:lnRef idx="2">
+            <a:schemeClr val="dk1"/>
+          </a:lnRef>
+          <a:fillRef idx="1">
+            <a:schemeClr val="lt1"/>
+          </a:fillRef>
+          <a:effectRef idx="0">
+            <a:schemeClr val="dk1"/>
+          </a:effectRef>
+          <a:fontRef idx="minor">
+            <a:schemeClr val="dk1"/>
+          </a:fontRef>
+        </p:style>
+        <p:txBody>
+          <a:bodyPr rtlCol="0" anchor="t"/>
+          <a:lstStyle/>
+          <a:p>
+            <a:pPr algn="ctr"/>
+            <a:r>
+              <a:rPr lang="en-US" altLang="ko-KR" sz="1200"/>
+              <a:t>enp0s3</a:t>
+            </a:r>
+            <a:endParaRPr lang="en-US" altLang="ko-KR" sz="1200" dirty="0"/>
+          </a:p>
+          <a:p>
+            <a:pPr algn="ctr"/>
+            <a:r>
+              <a:rPr lang="en-US" altLang="ko-KR" sz="1200"/>
+              <a:t>10.0.0.11</a:t>
+            </a:r>
+            <a:endParaRPr lang="en-US" altLang="ko-KR" sz="1200" dirty="0"/>
+          </a:p>
+          <a:p>
+            <a:pPr algn="ctr"/>
+            <a:endParaRPr lang="ko-KR" altLang="en-US" sz="1100" dirty="0"/>
+          </a:p>
+        </p:txBody>
+      </p:sp>
+      <p:sp>
+        <p:nvSpPr>
+          <p:cNvPr id="33" name="모서리가 둥근 직사각형 13">
+            <a:extLst>
+              <a:ext uri="{FF2B5EF4-FFF2-40B4-BE49-F238E27FC236}">
+                <a16:creationId xmlns:a16="http://schemas.microsoft.com/office/drawing/2014/main" id="{32FA0D84-1649-4E93-99C7-CC8C09DE9F40}"/>
+              </a:ext>
+            </a:extLst>
+          </p:cNvPr>
+          <p:cNvSpPr/>
+          <p:nvPr/>
+        </p:nvSpPr>
+        <p:spPr>
+          <a:xfrm>
+            <a:off x="6181727" y="1563638"/>
+            <a:ext cx="2926777" cy="1548171"/>
+          </a:xfrm>
+          <a:prstGeom prst="roundRect">
+            <a:avLst>
+              <a:gd name="adj" fmla="val 6281"/>
+            </a:avLst>
+          </a:prstGeom>
+          <a:noFill/>
+        </p:spPr>
+        <p:style>
+          <a:lnRef idx="2">
+            <a:schemeClr val="dk1"/>
+          </a:lnRef>
+          <a:fillRef idx="1">
+            <a:schemeClr val="lt1"/>
+          </a:fillRef>
+          <a:effectRef idx="0">
+            <a:schemeClr val="dk1"/>
+          </a:effectRef>
+          <a:fontRef idx="minor">
+            <a:schemeClr val="dk1"/>
+          </a:fontRef>
+        </p:style>
+        <p:txBody>
+          <a:bodyPr rtlCol="0" anchor="t"/>
+          <a:lstStyle/>
+          <a:p>
+            <a:pPr algn="ctr"/>
+            <a:r>
+              <a:rPr lang="en-US" altLang="ko-KR" sz="1600" b="1"/>
+              <a:t>Node 03 : Monitor, OSD</a:t>
+            </a:r>
+          </a:p>
+          <a:p>
+            <a:pPr algn="ctr"/>
+            <a:endParaRPr lang="ko-KR" altLang="en-US" sz="1600" dirty="0"/>
+          </a:p>
+        </p:txBody>
+      </p:sp>
+      <p:sp>
+        <p:nvSpPr>
+          <p:cNvPr id="34" name="모서리가 둥근 직사각형 18">
+            <a:extLst>
+              <a:ext uri="{FF2B5EF4-FFF2-40B4-BE49-F238E27FC236}">
+                <a16:creationId xmlns:a16="http://schemas.microsoft.com/office/drawing/2014/main" id="{26F7F766-C795-40E1-8025-59E338CADCB8}"/>
+              </a:ext>
+            </a:extLst>
+          </p:cNvPr>
+          <p:cNvSpPr/>
+          <p:nvPr/>
+        </p:nvSpPr>
+        <p:spPr>
+          <a:xfrm>
+            <a:off x="6254897" y="2535746"/>
+            <a:ext cx="1350348" cy="504056"/>
+          </a:xfrm>
+          <a:prstGeom prst="roundRect">
+            <a:avLst>
+              <a:gd name="adj" fmla="val 11578"/>
+            </a:avLst>
+          </a:prstGeom>
+          <a:noFill/>
+        </p:spPr>
+        <p:style>
+          <a:lnRef idx="2">
+            <a:schemeClr val="dk1"/>
+          </a:lnRef>
+          <a:fillRef idx="1">
+            <a:schemeClr val="lt1"/>
+          </a:fillRef>
+          <a:effectRef idx="0">
+            <a:schemeClr val="dk1"/>
+          </a:effectRef>
+          <a:fontRef idx="minor">
+            <a:schemeClr val="dk1"/>
+          </a:fontRef>
+        </p:style>
+        <p:txBody>
+          <a:bodyPr rtlCol="0" anchor="t"/>
+          <a:lstStyle/>
+          <a:p>
+            <a:pPr algn="ctr"/>
+            <a:r>
+              <a:rPr lang="en-US" altLang="ko-KR" sz="1200"/>
+              <a:t>enp0s2</a:t>
+            </a:r>
+            <a:endParaRPr lang="en-US" altLang="ko-KR" sz="1200" dirty="0"/>
+          </a:p>
+          <a:p>
+            <a:pPr algn="ctr"/>
+            <a:r>
+              <a:rPr lang="en-US" altLang="ko-KR" sz="1200"/>
+              <a:t>192.168.0.32</a:t>
+            </a:r>
+            <a:endParaRPr lang="en-US" altLang="ko-KR" sz="1200" dirty="0"/>
+          </a:p>
+          <a:p>
+            <a:pPr algn="ctr"/>
+            <a:endParaRPr lang="ko-KR" altLang="en-US" sz="1100" dirty="0"/>
+          </a:p>
+        </p:txBody>
+      </p:sp>
+      <p:sp>
+        <p:nvSpPr>
+          <p:cNvPr id="35" name="모서리가 둥근 직사각형 23">
+            <a:extLst>
+              <a:ext uri="{FF2B5EF4-FFF2-40B4-BE49-F238E27FC236}">
+                <a16:creationId xmlns:a16="http://schemas.microsoft.com/office/drawing/2014/main" id="{CE133425-A3DF-4724-8339-5CFA6C4E0415}"/>
+              </a:ext>
+            </a:extLst>
+          </p:cNvPr>
+          <p:cNvSpPr/>
+          <p:nvPr/>
+        </p:nvSpPr>
+        <p:spPr>
+          <a:xfrm>
+            <a:off x="7693412" y="2535746"/>
+            <a:ext cx="1341922" cy="504056"/>
+          </a:xfrm>
+          <a:prstGeom prst="roundRect">
+            <a:avLst>
+              <a:gd name="adj" fmla="val 11578"/>
+            </a:avLst>
+          </a:prstGeom>
+          <a:noFill/>
+        </p:spPr>
+        <p:style>
+          <a:lnRef idx="2">
+            <a:schemeClr val="dk1"/>
+          </a:lnRef>
+          <a:fillRef idx="1">
+            <a:schemeClr val="lt1"/>
+          </a:fillRef>
+          <a:effectRef idx="0">
+            <a:schemeClr val="dk1"/>
+          </a:effectRef>
+          <a:fontRef idx="minor">
+            <a:schemeClr val="dk1"/>
+          </a:fontRef>
+        </p:style>
+        <p:txBody>
+          <a:bodyPr rtlCol="0" anchor="t"/>
+          <a:lstStyle/>
+          <a:p>
+            <a:pPr algn="ctr"/>
+            <a:r>
+              <a:rPr lang="en-US" altLang="ko-KR" sz="1200"/>
+              <a:t>enp0s3</a:t>
+            </a:r>
+            <a:endParaRPr lang="en-US" altLang="ko-KR" sz="1200" dirty="0"/>
+          </a:p>
+          <a:p>
+            <a:pPr algn="ctr"/>
+            <a:r>
+              <a:rPr lang="en-US" altLang="ko-KR" sz="1200"/>
+              <a:t>10.0.0.12</a:t>
+            </a:r>
+            <a:endParaRPr lang="en-US" altLang="ko-KR" sz="1200" dirty="0"/>
+          </a:p>
+          <a:p>
+            <a:pPr algn="ctr"/>
+            <a:endParaRPr lang="ko-KR" altLang="en-US" sz="1100" dirty="0"/>
+          </a:p>
+        </p:txBody>
+      </p:sp>
+      <p:cxnSp>
+        <p:nvCxnSpPr>
+          <p:cNvPr id="53" name="직선 연결선 52">
+            <a:extLst>
+              <a:ext uri="{FF2B5EF4-FFF2-40B4-BE49-F238E27FC236}">
+                <a16:creationId xmlns:a16="http://schemas.microsoft.com/office/drawing/2014/main" id="{149959EF-465C-4A3D-AA34-BE750A1217A8}"/>
+              </a:ext>
+            </a:extLst>
+          </p:cNvPr>
+          <p:cNvCxnSpPr>
+            <a:cxnSpLocks/>
+            <a:stCxn id="24" idx="2"/>
+            <a:endCxn id="48" idx="0"/>
+          </p:cNvCxnSpPr>
+          <p:nvPr/>
+        </p:nvCxnSpPr>
+        <p:spPr>
+          <a:xfrm>
+            <a:off x="2218142" y="3039802"/>
+            <a:ext cx="3890416" cy="396044"/>
+          </a:xfrm>
+          <a:prstGeom prst="line">
+            <a:avLst/>
+          </a:prstGeom>
+          <a:ln w="28575">
+            <a:solidFill>
+              <a:schemeClr val="tx1"/>
+            </a:solidFill>
+          </a:ln>
+        </p:spPr>
+        <p:style>
+          <a:lnRef idx="1">
+            <a:schemeClr val="accent1"/>
+          </a:lnRef>
+          <a:fillRef idx="0">
+            <a:schemeClr val="accent1"/>
+          </a:fillRef>
+          <a:effectRef idx="0">
+            <a:schemeClr val="accent1"/>
+          </a:effectRef>
+          <a:fontRef idx="minor">
+            <a:schemeClr val="tx1"/>
+          </a:fontRef>
+        </p:style>
+      </p:cxnSp>
+      <p:cxnSp>
+        <p:nvCxnSpPr>
+          <p:cNvPr id="57" name="직선 연결선 56">
+            <a:extLst>
+              <a:ext uri="{FF2B5EF4-FFF2-40B4-BE49-F238E27FC236}">
+                <a16:creationId xmlns:a16="http://schemas.microsoft.com/office/drawing/2014/main" id="{FB84C5C8-CE0D-4A5D-AF70-ED0B71A99464}"/>
+              </a:ext>
+            </a:extLst>
+          </p:cNvPr>
+          <p:cNvCxnSpPr>
+            <a:cxnSpLocks/>
+            <a:stCxn id="31" idx="2"/>
+            <a:endCxn id="48" idx="0"/>
+          </p:cNvCxnSpPr>
+          <p:nvPr/>
+        </p:nvCxnSpPr>
+        <p:spPr>
+          <a:xfrm>
+            <a:off x="5291258" y="3039802"/>
+            <a:ext cx="817300" cy="396044"/>
+          </a:xfrm>
+          <a:prstGeom prst="line">
+            <a:avLst/>
+          </a:prstGeom>
+          <a:ln w="28575">
+            <a:solidFill>
+              <a:schemeClr val="tx1"/>
+            </a:solidFill>
+          </a:ln>
+        </p:spPr>
+        <p:style>
+          <a:lnRef idx="1">
+            <a:schemeClr val="accent1"/>
+          </a:lnRef>
+          <a:fillRef idx="0">
+            <a:schemeClr val="accent1"/>
+          </a:fillRef>
+          <a:effectRef idx="0">
+            <a:schemeClr val="accent1"/>
+          </a:effectRef>
+          <a:fontRef idx="minor">
+            <a:schemeClr val="tx1"/>
+          </a:fontRef>
+        </p:style>
+      </p:cxnSp>
+      <p:cxnSp>
+        <p:nvCxnSpPr>
+          <p:cNvPr id="59" name="직선 연결선 58">
+            <a:extLst>
+              <a:ext uri="{FF2B5EF4-FFF2-40B4-BE49-F238E27FC236}">
+                <a16:creationId xmlns:a16="http://schemas.microsoft.com/office/drawing/2014/main" id="{ECE875A0-34CB-48AA-9E79-A1F9FE7DCD3B}"/>
+              </a:ext>
+            </a:extLst>
+          </p:cNvPr>
+          <p:cNvCxnSpPr>
+            <a:cxnSpLocks/>
+            <a:stCxn id="35" idx="2"/>
+            <a:endCxn id="48" idx="0"/>
+          </p:cNvCxnSpPr>
+          <p:nvPr/>
+        </p:nvCxnSpPr>
+        <p:spPr>
+          <a:xfrm flipH="1">
+            <a:off x="6108558" y="3039802"/>
+            <a:ext cx="2255816" cy="396044"/>
+          </a:xfrm>
+          <a:prstGeom prst="line">
+            <a:avLst/>
+          </a:prstGeom>
+          <a:ln w="28575">
+            <a:solidFill>
+              <a:schemeClr val="tx1"/>
+            </a:solidFill>
+          </a:ln>
+        </p:spPr>
+        <p:style>
+          <a:lnRef idx="1">
+            <a:schemeClr val="accent1"/>
+          </a:lnRef>
+          <a:fillRef idx="0">
+            <a:schemeClr val="accent1"/>
+          </a:fillRef>
+          <a:effectRef idx="0">
+            <a:schemeClr val="accent1"/>
+          </a:effectRef>
+          <a:fontRef idx="minor">
+            <a:schemeClr val="tx1"/>
+          </a:fontRef>
+        </p:style>
+      </p:cxnSp>
+      <p:sp>
+        <p:nvSpPr>
+          <p:cNvPr id="40" name="모서리가 둥근 직사각형 18">
+            <a:extLst>
+              <a:ext uri="{FF2B5EF4-FFF2-40B4-BE49-F238E27FC236}">
+                <a16:creationId xmlns:a16="http://schemas.microsoft.com/office/drawing/2014/main" id="{A4C7A769-F8F5-41EA-AA53-E7FA68E5D857}"/>
+              </a:ext>
+            </a:extLst>
+          </p:cNvPr>
+          <p:cNvSpPr/>
+          <p:nvPr/>
+        </p:nvSpPr>
+        <p:spPr>
+          <a:xfrm>
+            <a:off x="6254897" y="1959681"/>
+            <a:ext cx="1350348" cy="504056"/>
+          </a:xfrm>
+          <a:prstGeom prst="roundRect">
+            <a:avLst>
+              <a:gd name="adj" fmla="val 11578"/>
+            </a:avLst>
+          </a:prstGeom>
+          <a:noFill/>
+        </p:spPr>
+        <p:style>
+          <a:lnRef idx="2">
+            <a:schemeClr val="dk1"/>
+          </a:lnRef>
+          <a:fillRef idx="1">
+            <a:schemeClr val="lt1"/>
+          </a:fillRef>
+          <a:effectRef idx="0">
+            <a:schemeClr val="dk1"/>
+          </a:effectRef>
+          <a:fontRef idx="minor">
+            <a:schemeClr val="dk1"/>
+          </a:fontRef>
+        </p:style>
+        <p:txBody>
+          <a:bodyPr rtlCol="0" anchor="t"/>
+          <a:lstStyle/>
+          <a:p>
+            <a:pPr algn="ctr"/>
+            <a:r>
+              <a:rPr lang="en-US" altLang="ko-KR" sz="1200"/>
+              <a:t>/dev/mmcblk0</a:t>
+            </a:r>
+          </a:p>
+          <a:p>
+            <a:pPr algn="ctr"/>
+            <a:r>
+              <a:rPr lang="en-US" altLang="ko-KR" sz="1200"/>
+              <a:t>rootfs</a:t>
+            </a:r>
+          </a:p>
+          <a:p>
+            <a:pPr algn="ctr"/>
+            <a:endParaRPr lang="ko-KR" altLang="en-US" sz="1100" dirty="0"/>
+          </a:p>
+        </p:txBody>
+      </p:sp>
+      <p:sp>
+        <p:nvSpPr>
+          <p:cNvPr id="41" name="모서리가 둥근 직사각형 23">
+            <a:extLst>
+              <a:ext uri="{FF2B5EF4-FFF2-40B4-BE49-F238E27FC236}">
+                <a16:creationId xmlns:a16="http://schemas.microsoft.com/office/drawing/2014/main" id="{0554A4A6-08A0-46EB-A2DF-10EBAF0C01DF}"/>
+              </a:ext>
+            </a:extLst>
+          </p:cNvPr>
+          <p:cNvSpPr/>
+          <p:nvPr/>
+        </p:nvSpPr>
+        <p:spPr>
+          <a:xfrm>
+            <a:off x="7693412" y="1959681"/>
+            <a:ext cx="1341922" cy="504056"/>
+          </a:xfrm>
+          <a:prstGeom prst="roundRect">
+            <a:avLst>
+              <a:gd name="adj" fmla="val 11578"/>
+            </a:avLst>
+          </a:prstGeom>
+          <a:noFill/>
+        </p:spPr>
+        <p:style>
+          <a:lnRef idx="2">
+            <a:schemeClr val="dk1"/>
+          </a:lnRef>
+          <a:fillRef idx="1">
+            <a:schemeClr val="lt1"/>
+          </a:fillRef>
+          <a:effectRef idx="0">
+            <a:schemeClr val="dk1"/>
+          </a:effectRef>
+          <a:fontRef idx="minor">
+            <a:schemeClr val="dk1"/>
+          </a:fontRef>
+        </p:style>
+        <p:txBody>
+          <a:bodyPr rtlCol="0" anchor="t"/>
+          <a:lstStyle/>
+          <a:p>
+            <a:pPr algn="ctr"/>
+            <a:r>
+              <a:rPr lang="en-US" altLang="ko-KR" sz="1200"/>
+              <a:t>/dev/nvme0n1</a:t>
+            </a:r>
+          </a:p>
+          <a:p>
+            <a:pPr algn="ctr"/>
+            <a:r>
+              <a:rPr lang="en-US" altLang="ko-KR" sz="1200" b="1"/>
+              <a:t>Ceph Storage</a:t>
+            </a:r>
+          </a:p>
+          <a:p>
+            <a:pPr algn="ctr"/>
+            <a:endParaRPr lang="ko-KR" altLang="en-US" sz="1100" dirty="0"/>
+          </a:p>
+        </p:txBody>
+      </p:sp>
+      <p:sp>
+        <p:nvSpPr>
+          <p:cNvPr id="42" name="모서리가 둥근 직사각형 18">
+            <a:extLst>
+              <a:ext uri="{FF2B5EF4-FFF2-40B4-BE49-F238E27FC236}">
+                <a16:creationId xmlns:a16="http://schemas.microsoft.com/office/drawing/2014/main" id="{C250A369-E0E6-4B01-92E5-0D3662E0D8E2}"/>
+              </a:ext>
+            </a:extLst>
+          </p:cNvPr>
+          <p:cNvSpPr/>
+          <p:nvPr/>
+        </p:nvSpPr>
+        <p:spPr>
+          <a:xfrm>
+            <a:off x="3181781" y="1959681"/>
+            <a:ext cx="1350348" cy="504056"/>
+          </a:xfrm>
+          <a:prstGeom prst="roundRect">
+            <a:avLst>
+              <a:gd name="adj" fmla="val 11578"/>
+            </a:avLst>
+          </a:prstGeom>
+          <a:noFill/>
+        </p:spPr>
+        <p:style>
+          <a:lnRef idx="2">
+            <a:schemeClr val="dk1"/>
+          </a:lnRef>
+          <a:fillRef idx="1">
+            <a:schemeClr val="lt1"/>
+          </a:fillRef>
+          <a:effectRef idx="0">
+            <a:schemeClr val="dk1"/>
+          </a:effectRef>
+          <a:fontRef idx="minor">
+            <a:schemeClr val="dk1"/>
+          </a:fontRef>
+        </p:style>
+        <p:txBody>
+          <a:bodyPr rtlCol="0" anchor="t"/>
+          <a:lstStyle/>
+          <a:p>
+            <a:pPr algn="ctr"/>
+            <a:r>
+              <a:rPr lang="en-US" altLang="ko-KR" sz="1200"/>
+              <a:t>/dev/mmcblk0</a:t>
+            </a:r>
+          </a:p>
+          <a:p>
+            <a:pPr algn="ctr"/>
+            <a:r>
+              <a:rPr lang="en-US" altLang="ko-KR" sz="1200"/>
+              <a:t>rootfs</a:t>
+            </a:r>
+          </a:p>
+          <a:p>
+            <a:pPr algn="ctr"/>
+            <a:endParaRPr lang="ko-KR" altLang="en-US" sz="1100" dirty="0"/>
+          </a:p>
+        </p:txBody>
+      </p:sp>
+      <p:sp>
+        <p:nvSpPr>
+          <p:cNvPr id="45" name="모서리가 둥근 직사각형 23">
+            <a:extLst>
+              <a:ext uri="{FF2B5EF4-FFF2-40B4-BE49-F238E27FC236}">
+                <a16:creationId xmlns:a16="http://schemas.microsoft.com/office/drawing/2014/main" id="{366E2794-AB86-4D32-B8BD-F79CFCCF70F6}"/>
+              </a:ext>
+            </a:extLst>
+          </p:cNvPr>
+          <p:cNvSpPr/>
+          <p:nvPr/>
+        </p:nvSpPr>
+        <p:spPr>
+          <a:xfrm>
+            <a:off x="4620297" y="1959681"/>
+            <a:ext cx="1341922" cy="504056"/>
+          </a:xfrm>
+          <a:prstGeom prst="roundRect">
+            <a:avLst>
+              <a:gd name="adj" fmla="val 11578"/>
+            </a:avLst>
+          </a:prstGeom>
+          <a:noFill/>
+        </p:spPr>
+        <p:style>
+          <a:lnRef idx="2">
+            <a:schemeClr val="dk1"/>
+          </a:lnRef>
+          <a:fillRef idx="1">
+            <a:schemeClr val="lt1"/>
+          </a:fillRef>
+          <a:effectRef idx="0">
+            <a:schemeClr val="dk1"/>
+          </a:effectRef>
+          <a:fontRef idx="minor">
+            <a:schemeClr val="dk1"/>
+          </a:fontRef>
+        </p:style>
+        <p:txBody>
+          <a:bodyPr rtlCol="0" anchor="t"/>
+          <a:lstStyle/>
+          <a:p>
+            <a:pPr algn="ctr"/>
+            <a:r>
+              <a:rPr lang="en-US" altLang="ko-KR" sz="1200"/>
+              <a:t>/dev/nvme0n1</a:t>
+            </a:r>
+          </a:p>
+          <a:p>
+            <a:pPr algn="ctr"/>
+            <a:r>
+              <a:rPr lang="en-US" altLang="ko-KR" sz="1200" b="1"/>
+              <a:t>Ceph Storage</a:t>
+            </a:r>
+          </a:p>
+          <a:p>
+            <a:pPr algn="ctr"/>
+            <a:endParaRPr lang="ko-KR" altLang="en-US" sz="1100" dirty="0"/>
+          </a:p>
+        </p:txBody>
+      </p:sp>
+      <p:sp>
+        <p:nvSpPr>
+          <p:cNvPr id="46" name="모서리가 둥근 직사각형 18">
+            <a:extLst>
+              <a:ext uri="{FF2B5EF4-FFF2-40B4-BE49-F238E27FC236}">
+                <a16:creationId xmlns:a16="http://schemas.microsoft.com/office/drawing/2014/main" id="{BF18FE6C-5AF5-4459-ACB3-BFF0A64AEFA8}"/>
+              </a:ext>
+            </a:extLst>
+          </p:cNvPr>
+          <p:cNvSpPr/>
+          <p:nvPr/>
+        </p:nvSpPr>
+        <p:spPr>
+          <a:xfrm>
+            <a:off x="108665" y="1959681"/>
+            <a:ext cx="1350348" cy="504056"/>
+          </a:xfrm>
+          <a:prstGeom prst="roundRect">
+            <a:avLst>
+              <a:gd name="adj" fmla="val 11578"/>
+            </a:avLst>
+          </a:prstGeom>
+          <a:noFill/>
+        </p:spPr>
+        <p:style>
+          <a:lnRef idx="2">
+            <a:schemeClr val="dk1"/>
+          </a:lnRef>
+          <a:fillRef idx="1">
+            <a:schemeClr val="lt1"/>
+          </a:fillRef>
+          <a:effectRef idx="0">
+            <a:schemeClr val="dk1"/>
+          </a:effectRef>
+          <a:fontRef idx="minor">
+            <a:schemeClr val="dk1"/>
+          </a:fontRef>
+        </p:style>
+        <p:txBody>
+          <a:bodyPr rtlCol="0" anchor="t"/>
+          <a:lstStyle/>
+          <a:p>
+            <a:pPr algn="ctr"/>
+            <a:r>
+              <a:rPr lang="en-US" altLang="ko-KR" sz="1200"/>
+              <a:t>/dev/mmcblk0</a:t>
+            </a:r>
+          </a:p>
+          <a:p>
+            <a:pPr algn="ctr"/>
+            <a:r>
+              <a:rPr lang="en-US" altLang="ko-KR" sz="1200"/>
+              <a:t>rootfs</a:t>
+            </a:r>
+          </a:p>
+          <a:p>
+            <a:pPr algn="ctr"/>
+            <a:endParaRPr lang="ko-KR" altLang="en-US" sz="1100" dirty="0"/>
+          </a:p>
+        </p:txBody>
+      </p:sp>
+      <p:sp>
+        <p:nvSpPr>
+          <p:cNvPr id="49" name="모서리가 둥근 직사각형 23">
+            <a:extLst>
+              <a:ext uri="{FF2B5EF4-FFF2-40B4-BE49-F238E27FC236}">
+                <a16:creationId xmlns:a16="http://schemas.microsoft.com/office/drawing/2014/main" id="{762D90EE-E713-4118-B404-274184F0C85B}"/>
+              </a:ext>
+            </a:extLst>
+          </p:cNvPr>
+          <p:cNvSpPr/>
+          <p:nvPr/>
+        </p:nvSpPr>
+        <p:spPr>
+          <a:xfrm>
+            <a:off x="1547181" y="1959681"/>
+            <a:ext cx="1341922" cy="504056"/>
+          </a:xfrm>
+          <a:prstGeom prst="roundRect">
+            <a:avLst>
+              <a:gd name="adj" fmla="val 11578"/>
+            </a:avLst>
+          </a:prstGeom>
+          <a:noFill/>
+        </p:spPr>
+        <p:style>
+          <a:lnRef idx="2">
+            <a:schemeClr val="dk1"/>
+          </a:lnRef>
+          <a:fillRef idx="1">
+            <a:schemeClr val="lt1"/>
+          </a:fillRef>
+          <a:effectRef idx="0">
+            <a:schemeClr val="dk1"/>
+          </a:effectRef>
+          <a:fontRef idx="minor">
+            <a:schemeClr val="dk1"/>
+          </a:fontRef>
+        </p:style>
+        <p:txBody>
+          <a:bodyPr rtlCol="0" anchor="t"/>
+          <a:lstStyle/>
+          <a:p>
+            <a:pPr algn="ctr"/>
+            <a:r>
+              <a:rPr lang="en-US" altLang="ko-KR" sz="1200"/>
+              <a:t>/dev/nvme0n1</a:t>
+            </a:r>
+          </a:p>
+          <a:p>
+            <a:pPr algn="ctr"/>
+            <a:r>
+              <a:rPr lang="en-US" altLang="ko-KR" sz="1200" b="1"/>
+              <a:t>Ceph Storage</a:t>
+            </a:r>
+            <a:endParaRPr lang="en-US" altLang="ko-KR" sz="1200" b="1" dirty="0"/>
+          </a:p>
+          <a:p>
+            <a:pPr algn="ctr"/>
+            <a:endParaRPr lang="ko-KR" altLang="en-US" sz="1100" dirty="0"/>
+          </a:p>
+        </p:txBody>
+      </p:sp>
+    </p:spTree>
+    <p:extLst>
+      <p:ext uri="{BB962C8B-B14F-4D97-AF65-F5344CB8AC3E}">
+        <p14:creationId xmlns:p14="http://schemas.microsoft.com/office/powerpoint/2010/main" val="2666651336"/>
+      </p:ext>
+    </p:extLst>
+  </p:cSld>
+  <p:clrMapOvr>
+    <a:masterClrMapping/>
+  </p:clrMapOvr>
+</p:sld>
+</file>
+
+<file path=ppt/slides/slide3.xml><?xml version="1.0" encoding="utf-8"?>
+<p:sld xmlns:a="http://schemas.openxmlformats.org/drawingml/2006/main" xmlns:r="http://schemas.openxmlformats.org/officeDocument/2006/relationships" xmlns:p="http://schemas.openxmlformats.org/presentationml/2006/main">
+  <p:cSld>
+    <p:spTree>
+      <p:nvGrpSpPr>
+        <p:cNvPr id="1" name=""/>
+        <p:cNvGrpSpPr/>
+        <p:nvPr/>
+      </p:nvGrpSpPr>
+      <p:grpSpPr>
+        <a:xfrm>
+          <a:off x="0" y="0"/>
+          <a:ext cx="0" cy="0"/>
+          <a:chOff x="0" y="0"/>
+          <a:chExt cx="0" cy="0"/>
+        </a:xfrm>
+      </p:grpSpPr>
+      <p:sp>
+        <p:nvSpPr>
+          <p:cNvPr id="6" name="제목 1"/>
+          <p:cNvSpPr>
+            <a:spLocks noGrp="1"/>
+          </p:cNvSpPr>
+          <p:nvPr>
+            <p:ph type="title"/>
+          </p:nvPr>
+        </p:nvSpPr>
+        <p:spPr>
+          <a:xfrm>
+            <a:off x="457200" y="-20538"/>
+            <a:ext cx="8229600" cy="857250"/>
+          </a:xfrm>
+        </p:spPr>
+        <p:txBody>
+          <a:bodyPr>
+            <a:normAutofit/>
+          </a:bodyPr>
+          <a:lstStyle/>
+          <a:p>
+            <a:r>
+              <a:rPr lang="en-US" altLang="ko-KR"/>
+              <a:t>OpenStack</a:t>
+            </a:r>
+            <a:endParaRPr lang="ko-KR" altLang="en-US" dirty="0"/>
+          </a:p>
+        </p:txBody>
+      </p:sp>
+      <p:sp>
+        <p:nvSpPr>
+          <p:cNvPr id="14" name="모서리가 둥근 직사각형 13"/>
+          <p:cNvSpPr/>
+          <p:nvPr/>
+        </p:nvSpPr>
+        <p:spPr>
+          <a:xfrm>
+            <a:off x="35496" y="1563638"/>
+            <a:ext cx="2926777" cy="1548171"/>
+          </a:xfrm>
+          <a:prstGeom prst="roundRect">
+            <a:avLst>
+              <a:gd name="adj" fmla="val 6281"/>
+            </a:avLst>
+          </a:prstGeom>
+          <a:noFill/>
+        </p:spPr>
+        <p:style>
+          <a:lnRef idx="2">
+            <a:schemeClr val="dk1"/>
+          </a:lnRef>
+          <a:fillRef idx="1">
+            <a:schemeClr val="lt1"/>
+          </a:fillRef>
+          <a:effectRef idx="0">
+            <a:schemeClr val="dk1"/>
+          </a:effectRef>
+          <a:fontRef idx="minor">
+            <a:schemeClr val="dk1"/>
+          </a:fontRef>
+        </p:style>
+        <p:txBody>
+          <a:bodyPr rtlCol="0" anchor="t"/>
+          <a:lstStyle/>
+          <a:p>
+            <a:pPr algn="ctr"/>
+            <a:r>
+              <a:rPr lang="en-US" altLang="ko-KR" sz="1600" b="1"/>
+              <a:t>Node 01 : Controller, 	Network</a:t>
+            </a:r>
+          </a:p>
+        </p:txBody>
+      </p:sp>
+      <p:sp>
+        <p:nvSpPr>
+          <p:cNvPr id="19" name="모서리가 둥근 직사각형 18"/>
+          <p:cNvSpPr/>
+          <p:nvPr/>
+        </p:nvSpPr>
+        <p:spPr>
+          <a:xfrm>
+            <a:off x="108665" y="2535746"/>
+            <a:ext cx="1350348" cy="504056"/>
+          </a:xfrm>
+          <a:prstGeom prst="roundRect">
+            <a:avLst>
+              <a:gd name="adj" fmla="val 11578"/>
+            </a:avLst>
+          </a:prstGeom>
+          <a:noFill/>
+        </p:spPr>
+        <p:style>
+          <a:lnRef idx="2">
+            <a:schemeClr val="dk1"/>
+          </a:lnRef>
+          <a:fillRef idx="1">
+            <a:schemeClr val="lt1"/>
+          </a:fillRef>
+          <a:effectRef idx="0">
+            <a:schemeClr val="dk1"/>
+          </a:effectRef>
+          <a:fontRef idx="minor">
+            <a:schemeClr val="dk1"/>
+          </a:fontRef>
+        </p:style>
+        <p:txBody>
+          <a:bodyPr rtlCol="0" anchor="t"/>
+          <a:lstStyle/>
+          <a:p>
+            <a:pPr algn="ctr"/>
+            <a:r>
+              <a:rPr lang="en-US" altLang="ko-KR" sz="1200"/>
+              <a:t>enp0s2</a:t>
+            </a:r>
+            <a:endParaRPr lang="en-US" altLang="ko-KR" sz="1200" dirty="0"/>
+          </a:p>
+          <a:p>
+            <a:pPr algn="ctr"/>
+            <a:r>
+              <a:rPr lang="en-US" altLang="ko-KR" sz="1200"/>
+              <a:t>192.168.0.30</a:t>
+            </a:r>
+            <a:endParaRPr lang="en-US" altLang="ko-KR" sz="1200" dirty="0"/>
+          </a:p>
+          <a:p>
+            <a:pPr algn="ctr"/>
+            <a:endParaRPr lang="ko-KR" altLang="en-US" sz="1100" dirty="0"/>
+          </a:p>
+        </p:txBody>
+      </p:sp>
+      <p:sp>
+        <p:nvSpPr>
+          <p:cNvPr id="24" name="모서리가 둥근 직사각형 23"/>
+          <p:cNvSpPr/>
+          <p:nvPr/>
+        </p:nvSpPr>
+        <p:spPr>
+          <a:xfrm>
+            <a:off x="1547181" y="2535746"/>
+            <a:ext cx="1341922" cy="504056"/>
+          </a:xfrm>
+          <a:prstGeom prst="roundRect">
+            <a:avLst>
+              <a:gd name="adj" fmla="val 11578"/>
+            </a:avLst>
+          </a:prstGeom>
+          <a:noFill/>
+        </p:spPr>
+        <p:style>
+          <a:lnRef idx="2">
+            <a:schemeClr val="dk1"/>
+          </a:lnRef>
+          <a:fillRef idx="1">
+            <a:schemeClr val="lt1"/>
+          </a:fillRef>
+          <a:effectRef idx="0">
+            <a:schemeClr val="dk1"/>
+          </a:effectRef>
+          <a:fontRef idx="minor">
+            <a:schemeClr val="dk1"/>
+          </a:fontRef>
+        </p:style>
+        <p:txBody>
+          <a:bodyPr rtlCol="0" anchor="t"/>
+          <a:lstStyle/>
+          <a:p>
+            <a:pPr algn="ctr"/>
+            <a:r>
+              <a:rPr lang="en-US" altLang="ko-KR" sz="1200"/>
+              <a:t>enp0s3</a:t>
+            </a:r>
+            <a:endParaRPr lang="en-US" altLang="ko-KR" sz="1200" dirty="0"/>
+          </a:p>
+          <a:p>
+            <a:pPr algn="ctr"/>
+            <a:r>
+              <a:rPr lang="en-US" altLang="ko-KR" sz="1200"/>
+              <a:t>10.0.0.10</a:t>
+            </a:r>
+            <a:endParaRPr lang="en-US" altLang="ko-KR" sz="1200" dirty="0"/>
+          </a:p>
+          <a:p>
+            <a:pPr algn="ctr"/>
+            <a:endParaRPr lang="ko-KR" altLang="en-US" sz="1100" dirty="0"/>
+          </a:p>
+        </p:txBody>
+      </p:sp>
+      <p:sp>
+        <p:nvSpPr>
+          <p:cNvPr id="47" name="모서리가 둥근 직사각형 46"/>
+          <p:cNvSpPr/>
+          <p:nvPr/>
+        </p:nvSpPr>
+        <p:spPr>
+          <a:xfrm>
+            <a:off x="2230578" y="3435846"/>
+            <a:ext cx="1609729" cy="720080"/>
+          </a:xfrm>
+          <a:prstGeom prst="roundRect">
+            <a:avLst>
+              <a:gd name="adj" fmla="val 11578"/>
+            </a:avLst>
+          </a:prstGeom>
+          <a:noFill/>
+        </p:spPr>
+        <p:style>
+          <a:lnRef idx="2">
+            <a:schemeClr val="dk1"/>
+          </a:lnRef>
+          <a:fillRef idx="1">
+            <a:schemeClr val="lt1"/>
+          </a:fillRef>
+          <a:effectRef idx="0">
+            <a:schemeClr val="dk1"/>
+          </a:effectRef>
+          <a:fontRef idx="minor">
+            <a:schemeClr val="dk1"/>
+          </a:fontRef>
+        </p:style>
+        <p:txBody>
+          <a:bodyPr rtlCol="0" anchor="ctr"/>
+          <a:lstStyle/>
+          <a:p>
+            <a:pPr algn="ctr"/>
+            <a:r>
+              <a:rPr lang="en-US" altLang="ko-KR" sz="1200"/>
+              <a:t>NAT Network</a:t>
+            </a:r>
+          </a:p>
+          <a:p>
+            <a:pPr algn="ctr"/>
+            <a:r>
+              <a:rPr lang="en-US" altLang="ko-KR" sz="1200"/>
+              <a:t>192.168.0.0/24</a:t>
+            </a:r>
+          </a:p>
+          <a:p>
+            <a:pPr algn="ctr"/>
+            <a:r>
+              <a:rPr lang="en-US" altLang="ko-KR" sz="1200" b="1"/>
+              <a:t>External Network</a:t>
+            </a:r>
+          </a:p>
+        </p:txBody>
+      </p:sp>
+      <p:sp>
+        <p:nvSpPr>
+          <p:cNvPr id="48" name="모서리가 둥근 직사각형 47"/>
+          <p:cNvSpPr/>
+          <p:nvPr/>
+        </p:nvSpPr>
+        <p:spPr>
+          <a:xfrm>
+            <a:off x="5303694" y="3435846"/>
+            <a:ext cx="1609727" cy="720080"/>
+          </a:xfrm>
+          <a:prstGeom prst="roundRect">
+            <a:avLst>
+              <a:gd name="adj" fmla="val 11578"/>
+            </a:avLst>
+          </a:prstGeom>
+          <a:noFill/>
+        </p:spPr>
+        <p:style>
+          <a:lnRef idx="2">
+            <a:schemeClr val="dk1"/>
+          </a:lnRef>
+          <a:fillRef idx="1">
+            <a:schemeClr val="lt1"/>
+          </a:fillRef>
+          <a:effectRef idx="0">
+            <a:schemeClr val="dk1"/>
+          </a:effectRef>
+          <a:fontRef idx="minor">
+            <a:schemeClr val="dk1"/>
+          </a:fontRef>
+        </p:style>
+        <p:txBody>
+          <a:bodyPr rtlCol="0" anchor="ctr"/>
+          <a:lstStyle/>
+          <a:p>
+            <a:pPr algn="ctr"/>
+            <a:r>
+              <a:rPr lang="en-US" altLang="ko-KR" sz="1200"/>
+              <a:t>Private Network</a:t>
+            </a:r>
+            <a:endParaRPr lang="en-US" altLang="ko-KR" sz="1200" dirty="0"/>
+          </a:p>
+          <a:p>
+            <a:pPr algn="ctr"/>
+            <a:r>
+              <a:rPr lang="en-US" altLang="ko-KR" sz="1200"/>
+              <a:t>10.0.0.0/24</a:t>
+            </a:r>
+          </a:p>
+          <a:p>
+            <a:pPr algn="ctr"/>
+            <a:r>
+              <a:rPr lang="en-US" altLang="ko-KR" sz="1200" b="1"/>
+              <a:t>Guest/Mgmt Network</a:t>
+            </a:r>
+          </a:p>
+        </p:txBody>
+      </p:sp>
+      <p:sp>
+        <p:nvSpPr>
+          <p:cNvPr id="29" name="모서리가 둥근 직사각형 13">
+            <a:extLst>
+              <a:ext uri="{FF2B5EF4-FFF2-40B4-BE49-F238E27FC236}">
+                <a16:creationId xmlns:a16="http://schemas.microsoft.com/office/drawing/2014/main" id="{CFF9E658-23F6-45A0-B280-5F33ABC9AAF8}"/>
+              </a:ext>
+            </a:extLst>
+          </p:cNvPr>
+          <p:cNvSpPr/>
+          <p:nvPr/>
+        </p:nvSpPr>
+        <p:spPr>
+          <a:xfrm>
+            <a:off x="3108612" y="1563638"/>
+            <a:ext cx="2926777" cy="1548171"/>
+          </a:xfrm>
+          <a:prstGeom prst="roundRect">
+            <a:avLst>
+              <a:gd name="adj" fmla="val 6281"/>
+            </a:avLst>
+          </a:prstGeom>
+          <a:noFill/>
+        </p:spPr>
+        <p:style>
+          <a:lnRef idx="2">
+            <a:schemeClr val="dk1"/>
+          </a:lnRef>
+          <a:fillRef idx="1">
+            <a:schemeClr val="lt1"/>
+          </a:fillRef>
+          <a:effectRef idx="0">
+            <a:schemeClr val="dk1"/>
+          </a:effectRef>
+          <a:fontRef idx="minor">
+            <a:schemeClr val="dk1"/>
+          </a:fontRef>
+        </p:style>
+        <p:txBody>
+          <a:bodyPr rtlCol="0" anchor="t"/>
+          <a:lstStyle/>
+          <a:p>
+            <a:pPr algn="ctr"/>
+            <a:r>
+              <a:rPr lang="en-US" altLang="ko-KR" sz="1600" b="1"/>
+              <a:t>Node 02 : Compute</a:t>
+            </a:r>
+          </a:p>
+          <a:p>
+            <a:pPr algn="ctr"/>
+            <a:endParaRPr lang="ko-KR" altLang="en-US" sz="1600" dirty="0"/>
+          </a:p>
+        </p:txBody>
+      </p:sp>
+      <p:sp>
+        <p:nvSpPr>
+          <p:cNvPr id="30" name="모서리가 둥근 직사각형 18">
+            <a:extLst>
+              <a:ext uri="{FF2B5EF4-FFF2-40B4-BE49-F238E27FC236}">
+                <a16:creationId xmlns:a16="http://schemas.microsoft.com/office/drawing/2014/main" id="{179755E0-978F-410D-B265-06B3F3BB3500}"/>
+              </a:ext>
+            </a:extLst>
+          </p:cNvPr>
+          <p:cNvSpPr/>
+          <p:nvPr/>
+        </p:nvSpPr>
+        <p:spPr>
+          <a:xfrm>
+            <a:off x="3181781" y="2535746"/>
+            <a:ext cx="1350348" cy="504056"/>
+          </a:xfrm>
+          <a:prstGeom prst="roundRect">
+            <a:avLst>
+              <a:gd name="adj" fmla="val 11578"/>
+            </a:avLst>
+          </a:prstGeom>
+          <a:noFill/>
+        </p:spPr>
+        <p:style>
+          <a:lnRef idx="2">
+            <a:schemeClr val="dk1"/>
+          </a:lnRef>
+          <a:fillRef idx="1">
+            <a:schemeClr val="lt1"/>
+          </a:fillRef>
+          <a:effectRef idx="0">
+            <a:schemeClr val="dk1"/>
+          </a:effectRef>
+          <a:fontRef idx="minor">
+            <a:schemeClr val="dk1"/>
+          </a:fontRef>
+        </p:style>
+        <p:txBody>
+          <a:bodyPr rtlCol="0" anchor="t"/>
+          <a:lstStyle/>
+          <a:p>
+            <a:pPr algn="ctr"/>
+            <a:r>
+              <a:rPr lang="en-US" altLang="ko-KR" sz="1200"/>
+              <a:t>enp0s2</a:t>
+            </a:r>
+            <a:endParaRPr lang="en-US" altLang="ko-KR" sz="1200" dirty="0"/>
+          </a:p>
+          <a:p>
+            <a:pPr algn="ctr"/>
+            <a:r>
+              <a:rPr lang="en-US" altLang="ko-KR" sz="1200"/>
+              <a:t>192.168.0.31</a:t>
+            </a:r>
+            <a:endParaRPr lang="en-US" altLang="ko-KR" sz="1200" dirty="0"/>
+          </a:p>
+          <a:p>
+            <a:pPr algn="ctr"/>
+            <a:endParaRPr lang="ko-KR" altLang="en-US" sz="1100" dirty="0"/>
+          </a:p>
+        </p:txBody>
+      </p:sp>
+      <p:sp>
+        <p:nvSpPr>
+          <p:cNvPr id="31" name="모서리가 둥근 직사각형 23">
+            <a:extLst>
+              <a:ext uri="{FF2B5EF4-FFF2-40B4-BE49-F238E27FC236}">
+                <a16:creationId xmlns:a16="http://schemas.microsoft.com/office/drawing/2014/main" id="{2B20CA45-E30B-4D1D-9B5C-7B5DF80E979E}"/>
+              </a:ext>
+            </a:extLst>
+          </p:cNvPr>
+          <p:cNvSpPr/>
+          <p:nvPr/>
+        </p:nvSpPr>
+        <p:spPr>
+          <a:xfrm>
+            <a:off x="4620297" y="2535746"/>
+            <a:ext cx="1341922" cy="504056"/>
+          </a:xfrm>
+          <a:prstGeom prst="roundRect">
+            <a:avLst>
+              <a:gd name="adj" fmla="val 11578"/>
+            </a:avLst>
+          </a:prstGeom>
+          <a:noFill/>
+        </p:spPr>
+        <p:style>
+          <a:lnRef idx="2">
+            <a:schemeClr val="dk1"/>
+          </a:lnRef>
+          <a:fillRef idx="1">
+            <a:schemeClr val="lt1"/>
+          </a:fillRef>
+          <a:effectRef idx="0">
+            <a:schemeClr val="dk1"/>
+          </a:effectRef>
+          <a:fontRef idx="minor">
+            <a:schemeClr val="dk1"/>
+          </a:fontRef>
+        </p:style>
+        <p:txBody>
+          <a:bodyPr rtlCol="0" anchor="t"/>
+          <a:lstStyle/>
+          <a:p>
+            <a:pPr algn="ctr"/>
+            <a:r>
+              <a:rPr lang="en-US" altLang="ko-KR" sz="1200"/>
+              <a:t>enp0s3</a:t>
+            </a:r>
+            <a:endParaRPr lang="en-US" altLang="ko-KR" sz="1200" dirty="0"/>
+          </a:p>
+          <a:p>
+            <a:pPr algn="ctr"/>
+            <a:r>
+              <a:rPr lang="en-US" altLang="ko-KR" sz="1200"/>
+              <a:t>10.0.0.11</a:t>
+            </a:r>
+            <a:endParaRPr lang="en-US" altLang="ko-KR" sz="1200" dirty="0"/>
+          </a:p>
+          <a:p>
+            <a:pPr algn="ctr"/>
+            <a:endParaRPr lang="ko-KR" altLang="en-US" sz="1100" dirty="0"/>
+          </a:p>
+        </p:txBody>
+      </p:sp>
+      <p:sp>
+        <p:nvSpPr>
+          <p:cNvPr id="33" name="모서리가 둥근 직사각형 13">
+            <a:extLst>
+              <a:ext uri="{FF2B5EF4-FFF2-40B4-BE49-F238E27FC236}">
+                <a16:creationId xmlns:a16="http://schemas.microsoft.com/office/drawing/2014/main" id="{32FA0D84-1649-4E93-99C7-CC8C09DE9F40}"/>
+              </a:ext>
+            </a:extLst>
+          </p:cNvPr>
+          <p:cNvSpPr/>
+          <p:nvPr/>
+        </p:nvSpPr>
+        <p:spPr>
+          <a:xfrm>
+            <a:off x="6181727" y="1563638"/>
+            <a:ext cx="2926777" cy="1548171"/>
+          </a:xfrm>
+          <a:prstGeom prst="roundRect">
+            <a:avLst>
+              <a:gd name="adj" fmla="val 6281"/>
+            </a:avLst>
+          </a:prstGeom>
+          <a:noFill/>
+        </p:spPr>
+        <p:style>
+          <a:lnRef idx="2">
+            <a:schemeClr val="dk1"/>
+          </a:lnRef>
+          <a:fillRef idx="1">
+            <a:schemeClr val="lt1"/>
+          </a:fillRef>
+          <a:effectRef idx="0">
+            <a:schemeClr val="dk1"/>
+          </a:effectRef>
+          <a:fontRef idx="minor">
+            <a:schemeClr val="dk1"/>
+          </a:fontRef>
+        </p:style>
+        <p:txBody>
+          <a:bodyPr rtlCol="0" anchor="t"/>
+          <a:lstStyle/>
+          <a:p>
+            <a:pPr algn="ctr"/>
+            <a:r>
+              <a:rPr lang="en-US" altLang="ko-KR" sz="1600" b="1"/>
+              <a:t>Node 03 : Compute</a:t>
+            </a:r>
+          </a:p>
+          <a:p>
+            <a:pPr algn="ctr"/>
+            <a:endParaRPr lang="ko-KR" altLang="en-US" sz="1600" dirty="0"/>
+          </a:p>
+        </p:txBody>
+      </p:sp>
+      <p:sp>
+        <p:nvSpPr>
+          <p:cNvPr id="34" name="모서리가 둥근 직사각형 18">
+            <a:extLst>
+              <a:ext uri="{FF2B5EF4-FFF2-40B4-BE49-F238E27FC236}">
+                <a16:creationId xmlns:a16="http://schemas.microsoft.com/office/drawing/2014/main" id="{26F7F766-C795-40E1-8025-59E338CADCB8}"/>
+              </a:ext>
+            </a:extLst>
+          </p:cNvPr>
+          <p:cNvSpPr/>
+          <p:nvPr/>
+        </p:nvSpPr>
+        <p:spPr>
+          <a:xfrm>
+            <a:off x="6254897" y="2535746"/>
+            <a:ext cx="1350348" cy="504056"/>
+          </a:xfrm>
+          <a:prstGeom prst="roundRect">
+            <a:avLst>
+              <a:gd name="adj" fmla="val 11578"/>
+            </a:avLst>
+          </a:prstGeom>
+          <a:noFill/>
+        </p:spPr>
+        <p:style>
+          <a:lnRef idx="2">
+            <a:schemeClr val="dk1"/>
+          </a:lnRef>
+          <a:fillRef idx="1">
+            <a:schemeClr val="lt1"/>
+          </a:fillRef>
+          <a:effectRef idx="0">
+            <a:schemeClr val="dk1"/>
+          </a:effectRef>
+          <a:fontRef idx="minor">
+            <a:schemeClr val="dk1"/>
+          </a:fontRef>
+        </p:style>
+        <p:txBody>
+          <a:bodyPr rtlCol="0" anchor="t"/>
+          <a:lstStyle/>
+          <a:p>
+            <a:pPr algn="ctr"/>
+            <a:r>
+              <a:rPr lang="en-US" altLang="ko-KR" sz="1200"/>
+              <a:t>enp0s2</a:t>
+            </a:r>
+            <a:endParaRPr lang="en-US" altLang="ko-KR" sz="1200" dirty="0"/>
+          </a:p>
+          <a:p>
+            <a:pPr algn="ctr"/>
+            <a:r>
+              <a:rPr lang="en-US" altLang="ko-KR" sz="1200"/>
+              <a:t>192.168.0.32</a:t>
+            </a:r>
+            <a:endParaRPr lang="en-US" altLang="ko-KR" sz="1200" dirty="0"/>
+          </a:p>
+          <a:p>
+            <a:pPr algn="ctr"/>
+            <a:endParaRPr lang="ko-KR" altLang="en-US" sz="1100" dirty="0"/>
+          </a:p>
+        </p:txBody>
+      </p:sp>
+      <p:sp>
+        <p:nvSpPr>
+          <p:cNvPr id="35" name="모서리가 둥근 직사각형 23">
+            <a:extLst>
+              <a:ext uri="{FF2B5EF4-FFF2-40B4-BE49-F238E27FC236}">
+                <a16:creationId xmlns:a16="http://schemas.microsoft.com/office/drawing/2014/main" id="{CE133425-A3DF-4724-8339-5CFA6C4E0415}"/>
+              </a:ext>
+            </a:extLst>
+          </p:cNvPr>
+          <p:cNvSpPr/>
+          <p:nvPr/>
+        </p:nvSpPr>
+        <p:spPr>
+          <a:xfrm>
+            <a:off x="7693412" y="2535746"/>
+            <a:ext cx="1341922" cy="504056"/>
+          </a:xfrm>
+          <a:prstGeom prst="roundRect">
+            <a:avLst>
+              <a:gd name="adj" fmla="val 11578"/>
+            </a:avLst>
+          </a:prstGeom>
+          <a:noFill/>
+        </p:spPr>
+        <p:style>
+          <a:lnRef idx="2">
+            <a:schemeClr val="dk1"/>
+          </a:lnRef>
+          <a:fillRef idx="1">
+            <a:schemeClr val="lt1"/>
+          </a:fillRef>
+          <a:effectRef idx="0">
+            <a:schemeClr val="dk1"/>
+          </a:effectRef>
+          <a:fontRef idx="minor">
+            <a:schemeClr val="dk1"/>
+          </a:fontRef>
+        </p:style>
+        <p:txBody>
+          <a:bodyPr rtlCol="0" anchor="t"/>
+          <a:lstStyle/>
+          <a:p>
+            <a:pPr algn="ctr"/>
+            <a:r>
+              <a:rPr lang="en-US" altLang="ko-KR" sz="1200"/>
+              <a:t>enp0s3</a:t>
+            </a:r>
+            <a:endParaRPr lang="en-US" altLang="ko-KR" sz="1200" dirty="0"/>
+          </a:p>
+          <a:p>
+            <a:pPr algn="ctr"/>
+            <a:r>
+              <a:rPr lang="en-US" altLang="ko-KR" sz="1200"/>
+              <a:t>10.0.0.12</a:t>
+            </a:r>
+            <a:endParaRPr lang="en-US" altLang="ko-KR" sz="1200" dirty="0"/>
+          </a:p>
+          <a:p>
+            <a:pPr algn="ctr"/>
+            <a:endParaRPr lang="ko-KR" altLang="en-US" sz="1100" dirty="0"/>
+          </a:p>
+        </p:txBody>
+      </p:sp>
       <p:cxnSp>
         <p:nvCxnSpPr>
           <p:cNvPr id="37" name="직선 연결선 36">
@@ -4456,8 +7184,8 @@
         </p:nvCxnSpPr>
         <p:spPr>
           <a:xfrm>
-            <a:off x="843969" y="2679762"/>
-            <a:ext cx="2215863" cy="396044"/>
+            <a:off x="783839" y="3039802"/>
+            <a:ext cx="2251603" cy="396044"/>
           </a:xfrm>
           <a:prstGeom prst="line">
             <a:avLst/>
@@ -4501,8 +7229,8 @@
         </p:nvCxnSpPr>
         <p:spPr>
           <a:xfrm flipH="1">
-            <a:off x="3059832" y="2679762"/>
-            <a:ext cx="808473" cy="396044"/>
+            <a:off x="3035442" y="3039802"/>
+            <a:ext cx="821513" cy="396044"/>
           </a:xfrm>
           <a:prstGeom prst="line">
             <a:avLst/>
@@ -4546,8 +7274,8 @@
         </p:nvCxnSpPr>
         <p:spPr>
           <a:xfrm flipH="1">
-            <a:off x="3059832" y="2679762"/>
-            <a:ext cx="3832809" cy="396044"/>
+            <a:off x="3035442" y="3039802"/>
+            <a:ext cx="3894629" cy="396044"/>
           </a:xfrm>
           <a:prstGeom prst="line">
             <a:avLst/>
@@ -4591,8 +7319,8 @@
         </p:nvCxnSpPr>
         <p:spPr>
           <a:xfrm>
-            <a:off x="2255505" y="2679762"/>
-            <a:ext cx="3828663" cy="396044"/>
+            <a:off x="2218142" y="3039802"/>
+            <a:ext cx="3890416" cy="396044"/>
           </a:xfrm>
           <a:prstGeom prst="line">
             <a:avLst/>
@@ -4636,8 +7364,8 @@
         </p:nvCxnSpPr>
         <p:spPr>
           <a:xfrm>
-            <a:off x="5279841" y="2679762"/>
-            <a:ext cx="804327" cy="396044"/>
+            <a:off x="5291258" y="3039802"/>
+            <a:ext cx="817300" cy="396044"/>
           </a:xfrm>
           <a:prstGeom prst="line">
             <a:avLst/>
@@ -4681,6 +7409,1377 @@
         </p:nvCxnSpPr>
         <p:spPr>
           <a:xfrm flipH="1">
+            <a:off x="6108558" y="3039802"/>
+            <a:ext cx="2255816" cy="396044"/>
+          </a:xfrm>
+          <a:prstGeom prst="line">
+            <a:avLst/>
+          </a:prstGeom>
+          <a:ln w="28575">
+            <a:solidFill>
+              <a:schemeClr val="tx1"/>
+            </a:solidFill>
+          </a:ln>
+        </p:spPr>
+        <p:style>
+          <a:lnRef idx="1">
+            <a:schemeClr val="accent1"/>
+          </a:lnRef>
+          <a:fillRef idx="0">
+            <a:schemeClr val="accent1"/>
+          </a:fillRef>
+          <a:effectRef idx="0">
+            <a:schemeClr val="accent1"/>
+          </a:effectRef>
+          <a:fontRef idx="minor">
+            <a:schemeClr val="tx1"/>
+          </a:fontRef>
+        </p:style>
+      </p:cxnSp>
+      <p:cxnSp>
+        <p:nvCxnSpPr>
+          <p:cNvPr id="61" name="직선 연결선 60">
+            <a:extLst>
+              <a:ext uri="{FF2B5EF4-FFF2-40B4-BE49-F238E27FC236}">
+                <a16:creationId xmlns:a16="http://schemas.microsoft.com/office/drawing/2014/main" id="{22CE2104-8D93-4E45-986A-BF7565E4A746}"/>
+              </a:ext>
+            </a:extLst>
+          </p:cNvPr>
+          <p:cNvCxnSpPr>
+            <a:cxnSpLocks/>
+            <a:stCxn id="47" idx="1"/>
+            <a:endCxn id="22" idx="0"/>
+          </p:cNvCxnSpPr>
+          <p:nvPr/>
+        </p:nvCxnSpPr>
+        <p:spPr>
+          <a:xfrm flipH="1">
+            <a:off x="1908543" y="3795886"/>
+            <a:ext cx="322035" cy="0"/>
+          </a:xfrm>
+          <a:prstGeom prst="line">
+            <a:avLst/>
+          </a:prstGeom>
+          <a:ln w="28575">
+            <a:solidFill>
+              <a:schemeClr val="tx1"/>
+            </a:solidFill>
+          </a:ln>
+        </p:spPr>
+        <p:style>
+          <a:lnRef idx="1">
+            <a:schemeClr val="accent1"/>
+          </a:lnRef>
+          <a:fillRef idx="0">
+            <a:schemeClr val="accent1"/>
+          </a:fillRef>
+          <a:effectRef idx="0">
+            <a:schemeClr val="accent1"/>
+          </a:effectRef>
+          <a:fontRef idx="minor">
+            <a:schemeClr val="tx1"/>
+          </a:fontRef>
+        </p:style>
+      </p:cxnSp>
+      <p:sp>
+        <p:nvSpPr>
+          <p:cNvPr id="22" name="구름 21">
+            <a:extLst>
+              <a:ext uri="{FF2B5EF4-FFF2-40B4-BE49-F238E27FC236}">
+                <a16:creationId xmlns:a16="http://schemas.microsoft.com/office/drawing/2014/main" id="{984A4AF2-1077-4A0B-8B0B-A9B19F37D383}"/>
+              </a:ext>
+            </a:extLst>
+          </p:cNvPr>
+          <p:cNvSpPr/>
+          <p:nvPr/>
+        </p:nvSpPr>
+        <p:spPr>
+          <a:xfrm>
+            <a:off x="592603" y="3504431"/>
+            <a:ext cx="1317037" cy="582910"/>
+          </a:xfrm>
+          <a:prstGeom prst="cloud">
+            <a:avLst/>
+          </a:prstGeom>
+        </p:spPr>
+        <p:style>
+          <a:lnRef idx="2">
+            <a:schemeClr val="dk1"/>
+          </a:lnRef>
+          <a:fillRef idx="1">
+            <a:schemeClr val="lt1"/>
+          </a:fillRef>
+          <a:effectRef idx="0">
+            <a:schemeClr val="dk1"/>
+          </a:effectRef>
+          <a:fontRef idx="minor">
+            <a:schemeClr val="dk1"/>
+          </a:fontRef>
+        </p:style>
+        <p:txBody>
+          <a:bodyPr rtlCol="0" anchor="ctr"/>
+          <a:lstStyle/>
+          <a:p>
+            <a:pPr algn="ctr"/>
+            <a:r>
+              <a:rPr lang="en-US" altLang="ko-KR" sz="1200"/>
+              <a:t>Public</a:t>
+            </a:r>
+          </a:p>
+          <a:p>
+            <a:pPr algn="ctr"/>
+            <a:r>
+              <a:rPr lang="en-US" altLang="ko-KR" sz="1200"/>
+              <a:t>Network</a:t>
+            </a:r>
+            <a:endParaRPr lang="ko-KR" altLang="en-US" sz="1200"/>
+          </a:p>
+        </p:txBody>
+      </p:sp>
+      <p:sp>
+        <p:nvSpPr>
+          <p:cNvPr id="40" name="모서리가 둥근 직사각형 18">
+            <a:extLst>
+              <a:ext uri="{FF2B5EF4-FFF2-40B4-BE49-F238E27FC236}">
+                <a16:creationId xmlns:a16="http://schemas.microsoft.com/office/drawing/2014/main" id="{A4C7A769-F8F5-41EA-AA53-E7FA68E5D857}"/>
+              </a:ext>
+            </a:extLst>
+          </p:cNvPr>
+          <p:cNvSpPr/>
+          <p:nvPr/>
+        </p:nvSpPr>
+        <p:spPr>
+          <a:xfrm>
+            <a:off x="6254897" y="1959681"/>
+            <a:ext cx="1350348" cy="504056"/>
+          </a:xfrm>
+          <a:prstGeom prst="roundRect">
+            <a:avLst>
+              <a:gd name="adj" fmla="val 11578"/>
+            </a:avLst>
+          </a:prstGeom>
+          <a:noFill/>
+        </p:spPr>
+        <p:style>
+          <a:lnRef idx="2">
+            <a:schemeClr val="dk1"/>
+          </a:lnRef>
+          <a:fillRef idx="1">
+            <a:schemeClr val="lt1"/>
+          </a:fillRef>
+          <a:effectRef idx="0">
+            <a:schemeClr val="dk1"/>
+          </a:effectRef>
+          <a:fontRef idx="minor">
+            <a:schemeClr val="dk1"/>
+          </a:fontRef>
+        </p:style>
+        <p:txBody>
+          <a:bodyPr rtlCol="0" anchor="t"/>
+          <a:lstStyle/>
+          <a:p>
+            <a:pPr algn="ctr"/>
+            <a:r>
+              <a:rPr lang="en-US" altLang="ko-KR" sz="1200"/>
+              <a:t>/dev/mmcblk0</a:t>
+            </a:r>
+          </a:p>
+          <a:p>
+            <a:pPr algn="ctr"/>
+            <a:r>
+              <a:rPr lang="en-US" altLang="ko-KR" sz="1200"/>
+              <a:t>rootfs</a:t>
+            </a:r>
+          </a:p>
+          <a:p>
+            <a:pPr algn="ctr"/>
+            <a:endParaRPr lang="ko-KR" altLang="en-US" sz="1100" dirty="0"/>
+          </a:p>
+        </p:txBody>
+      </p:sp>
+      <p:sp>
+        <p:nvSpPr>
+          <p:cNvPr id="42" name="모서리가 둥근 직사각형 18">
+            <a:extLst>
+              <a:ext uri="{FF2B5EF4-FFF2-40B4-BE49-F238E27FC236}">
+                <a16:creationId xmlns:a16="http://schemas.microsoft.com/office/drawing/2014/main" id="{C250A369-E0E6-4B01-92E5-0D3662E0D8E2}"/>
+              </a:ext>
+            </a:extLst>
+          </p:cNvPr>
+          <p:cNvSpPr/>
+          <p:nvPr/>
+        </p:nvSpPr>
+        <p:spPr>
+          <a:xfrm>
+            <a:off x="3181781" y="1959681"/>
+            <a:ext cx="1350348" cy="504056"/>
+          </a:xfrm>
+          <a:prstGeom prst="roundRect">
+            <a:avLst>
+              <a:gd name="adj" fmla="val 11578"/>
+            </a:avLst>
+          </a:prstGeom>
+          <a:noFill/>
+        </p:spPr>
+        <p:style>
+          <a:lnRef idx="2">
+            <a:schemeClr val="dk1"/>
+          </a:lnRef>
+          <a:fillRef idx="1">
+            <a:schemeClr val="lt1"/>
+          </a:fillRef>
+          <a:effectRef idx="0">
+            <a:schemeClr val="dk1"/>
+          </a:effectRef>
+          <a:fontRef idx="minor">
+            <a:schemeClr val="dk1"/>
+          </a:fontRef>
+        </p:style>
+        <p:txBody>
+          <a:bodyPr rtlCol="0" anchor="t"/>
+          <a:lstStyle/>
+          <a:p>
+            <a:pPr algn="ctr"/>
+            <a:r>
+              <a:rPr lang="en-US" altLang="ko-KR" sz="1200"/>
+              <a:t>/dev/mmcblk0</a:t>
+            </a:r>
+          </a:p>
+          <a:p>
+            <a:pPr algn="ctr"/>
+            <a:r>
+              <a:rPr lang="en-US" altLang="ko-KR" sz="1200"/>
+              <a:t>rootfs</a:t>
+            </a:r>
+          </a:p>
+          <a:p>
+            <a:pPr algn="ctr"/>
+            <a:endParaRPr lang="ko-KR" altLang="en-US" sz="1100" dirty="0"/>
+          </a:p>
+        </p:txBody>
+      </p:sp>
+      <p:sp>
+        <p:nvSpPr>
+          <p:cNvPr id="46" name="모서리가 둥근 직사각형 18">
+            <a:extLst>
+              <a:ext uri="{FF2B5EF4-FFF2-40B4-BE49-F238E27FC236}">
+                <a16:creationId xmlns:a16="http://schemas.microsoft.com/office/drawing/2014/main" id="{BF18FE6C-5AF5-4459-ACB3-BFF0A64AEFA8}"/>
+              </a:ext>
+            </a:extLst>
+          </p:cNvPr>
+          <p:cNvSpPr/>
+          <p:nvPr/>
+        </p:nvSpPr>
+        <p:spPr>
+          <a:xfrm>
+            <a:off x="108665" y="1959681"/>
+            <a:ext cx="1350348" cy="504056"/>
+          </a:xfrm>
+          <a:prstGeom prst="roundRect">
+            <a:avLst>
+              <a:gd name="adj" fmla="val 11578"/>
+            </a:avLst>
+          </a:prstGeom>
+          <a:noFill/>
+        </p:spPr>
+        <p:style>
+          <a:lnRef idx="2">
+            <a:schemeClr val="dk1"/>
+          </a:lnRef>
+          <a:fillRef idx="1">
+            <a:schemeClr val="lt1"/>
+          </a:fillRef>
+          <a:effectRef idx="0">
+            <a:schemeClr val="dk1"/>
+          </a:effectRef>
+          <a:fontRef idx="minor">
+            <a:schemeClr val="dk1"/>
+          </a:fontRef>
+        </p:style>
+        <p:txBody>
+          <a:bodyPr rtlCol="0" anchor="t"/>
+          <a:lstStyle/>
+          <a:p>
+            <a:pPr algn="ctr"/>
+            <a:r>
+              <a:rPr lang="en-US" altLang="ko-KR" sz="1200"/>
+              <a:t>/dev/mmcblk0</a:t>
+            </a:r>
+          </a:p>
+          <a:p>
+            <a:pPr algn="ctr"/>
+            <a:r>
+              <a:rPr lang="en-US" altLang="ko-KR" sz="1200"/>
+              <a:t>rootfs</a:t>
+            </a:r>
+          </a:p>
+          <a:p>
+            <a:pPr algn="ctr"/>
+            <a:endParaRPr lang="ko-KR" altLang="en-US" sz="1100" dirty="0"/>
+          </a:p>
+        </p:txBody>
+      </p:sp>
+      <p:sp>
+        <p:nvSpPr>
+          <p:cNvPr id="38" name="모서리가 둥근 직사각형 46">
+            <a:extLst>
+              <a:ext uri="{FF2B5EF4-FFF2-40B4-BE49-F238E27FC236}">
+                <a16:creationId xmlns:a16="http://schemas.microsoft.com/office/drawing/2014/main" id="{72FA5914-F31F-4A88-8110-B9A4A5AE7253}"/>
+              </a:ext>
+            </a:extLst>
+          </p:cNvPr>
+          <p:cNvSpPr/>
+          <p:nvPr/>
+        </p:nvSpPr>
+        <p:spPr>
+          <a:xfrm>
+            <a:off x="2113829" y="4000016"/>
+            <a:ext cx="1843225" cy="720080"/>
+          </a:xfrm>
+          <a:prstGeom prst="roundRect">
+            <a:avLst>
+              <a:gd name="adj" fmla="val 11578"/>
+            </a:avLst>
+          </a:prstGeom>
+          <a:noFill/>
+          <a:ln>
+            <a:noFill/>
+          </a:ln>
+        </p:spPr>
+        <p:style>
+          <a:lnRef idx="2">
+            <a:schemeClr val="dk1"/>
+          </a:lnRef>
+          <a:fillRef idx="1">
+            <a:schemeClr val="lt1"/>
+          </a:fillRef>
+          <a:effectRef idx="0">
+            <a:schemeClr val="dk1"/>
+          </a:effectRef>
+          <a:fontRef idx="minor">
+            <a:schemeClr val="dk1"/>
+          </a:fontRef>
+        </p:style>
+        <p:txBody>
+          <a:bodyPr rtlCol="0" anchor="ctr"/>
+          <a:lstStyle/>
+          <a:p>
+            <a:pPr algn="ctr"/>
+            <a:r>
+              <a:rPr lang="en-US" altLang="ko-KR" sz="1200" b="1"/>
+              <a:t>Floating IP Range</a:t>
+            </a:r>
+          </a:p>
+          <a:p>
+            <a:pPr algn="ctr"/>
+            <a:r>
+              <a:rPr lang="en-US" altLang="ko-KR" sz="1200"/>
+              <a:t>192.168.0.200 ~ 224</a:t>
+            </a:r>
+          </a:p>
+        </p:txBody>
+      </p:sp>
+    </p:spTree>
+    <p:extLst>
+      <p:ext uri="{BB962C8B-B14F-4D97-AF65-F5344CB8AC3E}">
+        <p14:creationId xmlns:p14="http://schemas.microsoft.com/office/powerpoint/2010/main" val="3735113562"/>
+      </p:ext>
+    </p:extLst>
+  </p:cSld>
+  <p:clrMapOvr>
+    <a:masterClrMapping/>
+  </p:clrMapOvr>
+</p:sld>
+</file>
+
+<file path=ppt/slides/slide4.xml><?xml version="1.0" encoding="utf-8"?>
+<p:sld xmlns:a="http://schemas.openxmlformats.org/drawingml/2006/main" xmlns:r="http://schemas.openxmlformats.org/officeDocument/2006/relationships" xmlns:p="http://schemas.openxmlformats.org/presentationml/2006/main">
+  <p:cSld>
+    <p:spTree>
+      <p:nvGrpSpPr>
+        <p:cNvPr id="1" name=""/>
+        <p:cNvGrpSpPr/>
+        <p:nvPr/>
+      </p:nvGrpSpPr>
+      <p:grpSpPr>
+        <a:xfrm>
+          <a:off x="0" y="0"/>
+          <a:ext cx="0" cy="0"/>
+          <a:chOff x="0" y="0"/>
+          <a:chExt cx="0" cy="0"/>
+        </a:xfrm>
+      </p:grpSpPr>
+      <p:sp>
+        <p:nvSpPr>
+          <p:cNvPr id="2" name="제목 1">
+            <a:extLst>
+              <a:ext uri="{FF2B5EF4-FFF2-40B4-BE49-F238E27FC236}">
+                <a16:creationId xmlns:a16="http://schemas.microsoft.com/office/drawing/2014/main" id="{34A4947E-ED35-400B-A070-F5C82E717EBC}"/>
+              </a:ext>
+            </a:extLst>
+          </p:cNvPr>
+          <p:cNvSpPr>
+            <a:spLocks noGrp="1"/>
+          </p:cNvSpPr>
+          <p:nvPr>
+            <p:ph type="title"/>
+          </p:nvPr>
+        </p:nvSpPr>
+        <p:spPr/>
+        <p:txBody>
+          <a:bodyPr/>
+          <a:lstStyle/>
+          <a:p>
+            <a:endParaRPr lang="ko-KR" altLang="en-US"/>
+          </a:p>
+        </p:txBody>
+      </p:sp>
+      <p:sp>
+        <p:nvSpPr>
+          <p:cNvPr id="3" name="내용 개체 틀 2">
+            <a:extLst>
+              <a:ext uri="{FF2B5EF4-FFF2-40B4-BE49-F238E27FC236}">
+                <a16:creationId xmlns:a16="http://schemas.microsoft.com/office/drawing/2014/main" id="{D65BCA73-BAFB-463B-8961-D3E290BC1484}"/>
+              </a:ext>
+            </a:extLst>
+          </p:cNvPr>
+          <p:cNvSpPr>
+            <a:spLocks noGrp="1"/>
+          </p:cNvSpPr>
+          <p:nvPr>
+            <p:ph idx="1"/>
+          </p:nvPr>
+        </p:nvSpPr>
+        <p:spPr/>
+        <p:txBody>
+          <a:bodyPr/>
+          <a:lstStyle/>
+          <a:p>
+            <a:endParaRPr lang="ko-KR" altLang="en-US"/>
+          </a:p>
+        </p:txBody>
+      </p:sp>
+    </p:spTree>
+    <p:extLst>
+      <p:ext uri="{BB962C8B-B14F-4D97-AF65-F5344CB8AC3E}">
+        <p14:creationId xmlns:p14="http://schemas.microsoft.com/office/powerpoint/2010/main" val="3336938459"/>
+      </p:ext>
+    </p:extLst>
+  </p:cSld>
+  <p:clrMapOvr>
+    <a:masterClrMapping/>
+  </p:clrMapOvr>
+</p:sld>
+</file>
+
+<file path=ppt/slides/slide5.xml><?xml version="1.0" encoding="utf-8"?>
+<p:sld xmlns:a="http://schemas.openxmlformats.org/drawingml/2006/main" xmlns:r="http://schemas.openxmlformats.org/officeDocument/2006/relationships" xmlns:p="http://schemas.openxmlformats.org/presentationml/2006/main">
+  <p:cSld>
+    <p:spTree>
+      <p:nvGrpSpPr>
+        <p:cNvPr id="1" name=""/>
+        <p:cNvGrpSpPr/>
+        <p:nvPr/>
+      </p:nvGrpSpPr>
+      <p:grpSpPr>
+        <a:xfrm>
+          <a:off x="0" y="0"/>
+          <a:ext cx="0" cy="0"/>
+          <a:chOff x="0" y="0"/>
+          <a:chExt cx="0" cy="0"/>
+        </a:xfrm>
+      </p:grpSpPr>
+      <p:sp>
+        <p:nvSpPr>
+          <p:cNvPr id="6" name="제목 1"/>
+          <p:cNvSpPr>
+            <a:spLocks noGrp="1"/>
+          </p:cNvSpPr>
+          <p:nvPr>
+            <p:ph type="title"/>
+          </p:nvPr>
+        </p:nvSpPr>
+        <p:spPr>
+          <a:xfrm>
+            <a:off x="457200" y="-20538"/>
+            <a:ext cx="8229600" cy="857250"/>
+          </a:xfrm>
+        </p:spPr>
+        <p:txBody>
+          <a:bodyPr>
+            <a:normAutofit/>
+          </a:bodyPr>
+          <a:lstStyle/>
+          <a:p>
+            <a:r>
+              <a:rPr lang="en-US" altLang="ko-KR"/>
+              <a:t>Ceph</a:t>
+            </a:r>
+            <a:endParaRPr lang="ko-KR" altLang="en-US" dirty="0"/>
+          </a:p>
+        </p:txBody>
+      </p:sp>
+      <p:sp>
+        <p:nvSpPr>
+          <p:cNvPr id="14" name="모서리가 둥근 직사각형 13"/>
+          <p:cNvSpPr/>
+          <p:nvPr/>
+        </p:nvSpPr>
+        <p:spPr>
+          <a:xfrm>
+            <a:off x="107504" y="1340768"/>
+            <a:ext cx="2880320" cy="1411001"/>
+          </a:xfrm>
+          <a:prstGeom prst="roundRect">
+            <a:avLst>
+              <a:gd name="adj" fmla="val 6281"/>
+            </a:avLst>
+          </a:prstGeom>
+          <a:noFill/>
+        </p:spPr>
+        <p:style>
+          <a:lnRef idx="2">
+            <a:schemeClr val="dk1"/>
+          </a:lnRef>
+          <a:fillRef idx="1">
+            <a:schemeClr val="lt1"/>
+          </a:fillRef>
+          <a:effectRef idx="0">
+            <a:schemeClr val="dk1"/>
+          </a:effectRef>
+          <a:fontRef idx="minor">
+            <a:schemeClr val="dk1"/>
+          </a:fontRef>
+        </p:style>
+        <p:txBody>
+          <a:bodyPr rtlCol="0" anchor="t"/>
+          <a:lstStyle/>
+          <a:p>
+            <a:pPr algn="ctr"/>
+            <a:r>
+              <a:rPr lang="en-US" altLang="ko-KR" sz="1600" b="1"/>
+              <a:t>Node 01 : Monitor, OSD</a:t>
+            </a:r>
+            <a:endParaRPr lang="ko-KR" altLang="en-US" sz="1600" dirty="0"/>
+          </a:p>
+        </p:txBody>
+      </p:sp>
+      <p:sp>
+        <p:nvSpPr>
+          <p:cNvPr id="19" name="모서리가 둥근 직사각형 18"/>
+          <p:cNvSpPr/>
+          <p:nvPr/>
+        </p:nvSpPr>
+        <p:spPr>
+          <a:xfrm>
+            <a:off x="179512" y="2175706"/>
+            <a:ext cx="1328914" cy="504056"/>
+          </a:xfrm>
+          <a:prstGeom prst="roundRect">
+            <a:avLst>
+              <a:gd name="adj" fmla="val 11578"/>
+            </a:avLst>
+          </a:prstGeom>
+          <a:noFill/>
+        </p:spPr>
+        <p:style>
+          <a:lnRef idx="2">
+            <a:schemeClr val="dk1"/>
+          </a:lnRef>
+          <a:fillRef idx="1">
+            <a:schemeClr val="lt1"/>
+          </a:fillRef>
+          <a:effectRef idx="0">
+            <a:schemeClr val="dk1"/>
+          </a:effectRef>
+          <a:fontRef idx="minor">
+            <a:schemeClr val="dk1"/>
+          </a:fontRef>
+        </p:style>
+        <p:txBody>
+          <a:bodyPr rtlCol="0" anchor="t"/>
+          <a:lstStyle/>
+          <a:p>
+            <a:pPr algn="ctr"/>
+            <a:r>
+              <a:rPr lang="en-US" altLang="ko-KR" sz="1200"/>
+              <a:t>enp0s2</a:t>
+            </a:r>
+            <a:endParaRPr lang="en-US" altLang="ko-KR" sz="1200" dirty="0"/>
+          </a:p>
+          <a:p>
+            <a:pPr algn="ctr"/>
+            <a:r>
+              <a:rPr lang="en-US" altLang="ko-KR" sz="1200"/>
+              <a:t>192.168.0.30</a:t>
+            </a:r>
+            <a:endParaRPr lang="en-US" altLang="ko-KR" sz="1200" dirty="0"/>
+          </a:p>
+          <a:p>
+            <a:pPr algn="ctr"/>
+            <a:endParaRPr lang="ko-KR" altLang="en-US" sz="1100" dirty="0"/>
+          </a:p>
+        </p:txBody>
+      </p:sp>
+      <p:sp>
+        <p:nvSpPr>
+          <p:cNvPr id="24" name="모서리가 둥근 직사각형 23"/>
+          <p:cNvSpPr/>
+          <p:nvPr/>
+        </p:nvSpPr>
+        <p:spPr>
+          <a:xfrm>
+            <a:off x="1595194" y="2175706"/>
+            <a:ext cx="1320622" cy="504056"/>
+          </a:xfrm>
+          <a:prstGeom prst="roundRect">
+            <a:avLst>
+              <a:gd name="adj" fmla="val 11578"/>
+            </a:avLst>
+          </a:prstGeom>
+          <a:noFill/>
+        </p:spPr>
+        <p:style>
+          <a:lnRef idx="2">
+            <a:schemeClr val="dk1"/>
+          </a:lnRef>
+          <a:fillRef idx="1">
+            <a:schemeClr val="lt1"/>
+          </a:fillRef>
+          <a:effectRef idx="0">
+            <a:schemeClr val="dk1"/>
+          </a:effectRef>
+          <a:fontRef idx="minor">
+            <a:schemeClr val="dk1"/>
+          </a:fontRef>
+        </p:style>
+        <p:txBody>
+          <a:bodyPr rtlCol="0" anchor="t"/>
+          <a:lstStyle/>
+          <a:p>
+            <a:pPr algn="ctr"/>
+            <a:r>
+              <a:rPr lang="en-US" altLang="ko-KR" sz="1200"/>
+              <a:t>enp0s3</a:t>
+            </a:r>
+            <a:endParaRPr lang="en-US" altLang="ko-KR" sz="1200" dirty="0"/>
+          </a:p>
+          <a:p>
+            <a:pPr algn="ctr"/>
+            <a:r>
+              <a:rPr lang="en-US" altLang="ko-KR" sz="1200"/>
+              <a:t>10.0.0.10</a:t>
+            </a:r>
+            <a:endParaRPr lang="en-US" altLang="ko-KR" sz="1200" dirty="0"/>
+          </a:p>
+          <a:p>
+            <a:pPr algn="ctr"/>
+            <a:endParaRPr lang="ko-KR" altLang="en-US" sz="1100" dirty="0"/>
+          </a:p>
+        </p:txBody>
+      </p:sp>
+      <p:sp>
+        <p:nvSpPr>
+          <p:cNvPr id="47" name="모서리가 둥근 직사각형 46"/>
+          <p:cNvSpPr/>
+          <p:nvPr/>
+        </p:nvSpPr>
+        <p:spPr>
+          <a:xfrm>
+            <a:off x="2267743" y="3075806"/>
+            <a:ext cx="1584178" cy="504056"/>
+          </a:xfrm>
+          <a:prstGeom prst="roundRect">
+            <a:avLst>
+              <a:gd name="adj" fmla="val 11578"/>
+            </a:avLst>
+          </a:prstGeom>
+          <a:noFill/>
+        </p:spPr>
+        <p:style>
+          <a:lnRef idx="2">
+            <a:schemeClr val="dk1"/>
+          </a:lnRef>
+          <a:fillRef idx="1">
+            <a:schemeClr val="lt1"/>
+          </a:fillRef>
+          <a:effectRef idx="0">
+            <a:schemeClr val="dk1"/>
+          </a:effectRef>
+          <a:fontRef idx="minor">
+            <a:schemeClr val="dk1"/>
+          </a:fontRef>
+        </p:style>
+        <p:txBody>
+          <a:bodyPr rtlCol="0" anchor="ctr"/>
+          <a:lstStyle/>
+          <a:p>
+            <a:pPr algn="ctr"/>
+            <a:r>
+              <a:rPr lang="en-US" altLang="ko-KR" sz="1200"/>
+              <a:t>NAT Network</a:t>
+            </a:r>
+          </a:p>
+          <a:p>
+            <a:pPr algn="ctr"/>
+            <a:r>
+              <a:rPr lang="en-US" altLang="ko-KR" sz="1200"/>
+              <a:t>192.168.0.0/24</a:t>
+            </a:r>
+            <a:endParaRPr lang="en-US" altLang="ko-KR" sz="1200" dirty="0"/>
+          </a:p>
+        </p:txBody>
+      </p:sp>
+      <p:sp>
+        <p:nvSpPr>
+          <p:cNvPr id="48" name="모서리가 둥근 직사각형 47"/>
+          <p:cNvSpPr/>
+          <p:nvPr/>
+        </p:nvSpPr>
+        <p:spPr>
+          <a:xfrm>
+            <a:off x="5292080" y="3075806"/>
+            <a:ext cx="1584176" cy="504056"/>
+          </a:xfrm>
+          <a:prstGeom prst="roundRect">
+            <a:avLst>
+              <a:gd name="adj" fmla="val 11578"/>
+            </a:avLst>
+          </a:prstGeom>
+          <a:noFill/>
+        </p:spPr>
+        <p:style>
+          <a:lnRef idx="2">
+            <a:schemeClr val="dk1"/>
+          </a:lnRef>
+          <a:fillRef idx="1">
+            <a:schemeClr val="lt1"/>
+          </a:fillRef>
+          <a:effectRef idx="0">
+            <a:schemeClr val="dk1"/>
+          </a:effectRef>
+          <a:fontRef idx="minor">
+            <a:schemeClr val="dk1"/>
+          </a:fontRef>
+        </p:style>
+        <p:txBody>
+          <a:bodyPr rtlCol="0" anchor="ctr"/>
+          <a:lstStyle/>
+          <a:p>
+            <a:pPr algn="ctr"/>
+            <a:r>
+              <a:rPr lang="en-US" altLang="ko-KR" sz="1200"/>
+              <a:t>Private Network</a:t>
+            </a:r>
+            <a:endParaRPr lang="en-US" altLang="ko-KR" sz="1200" dirty="0"/>
+          </a:p>
+          <a:p>
+            <a:pPr algn="ctr"/>
+            <a:r>
+              <a:rPr lang="en-US" altLang="ko-KR" sz="1200"/>
+              <a:t>10.0.0.0/24</a:t>
+            </a:r>
+            <a:endParaRPr lang="en-US" altLang="ko-KR" sz="1200" dirty="0"/>
+          </a:p>
+        </p:txBody>
+      </p:sp>
+      <p:sp>
+        <p:nvSpPr>
+          <p:cNvPr id="29" name="모서리가 둥근 직사각형 13">
+            <a:extLst>
+              <a:ext uri="{FF2B5EF4-FFF2-40B4-BE49-F238E27FC236}">
+                <a16:creationId xmlns:a16="http://schemas.microsoft.com/office/drawing/2014/main" id="{CFF9E658-23F6-45A0-B280-5F33ABC9AAF8}"/>
+              </a:ext>
+            </a:extLst>
+          </p:cNvPr>
+          <p:cNvSpPr/>
+          <p:nvPr/>
+        </p:nvSpPr>
+        <p:spPr>
+          <a:xfrm>
+            <a:off x="3131840" y="1340768"/>
+            <a:ext cx="2880320" cy="1411001"/>
+          </a:xfrm>
+          <a:prstGeom prst="roundRect">
+            <a:avLst>
+              <a:gd name="adj" fmla="val 6281"/>
+            </a:avLst>
+          </a:prstGeom>
+          <a:noFill/>
+        </p:spPr>
+        <p:style>
+          <a:lnRef idx="2">
+            <a:schemeClr val="dk1"/>
+          </a:lnRef>
+          <a:fillRef idx="1">
+            <a:schemeClr val="lt1"/>
+          </a:fillRef>
+          <a:effectRef idx="0">
+            <a:schemeClr val="dk1"/>
+          </a:effectRef>
+          <a:fontRef idx="minor">
+            <a:schemeClr val="dk1"/>
+          </a:fontRef>
+        </p:style>
+        <p:txBody>
+          <a:bodyPr rtlCol="0" anchor="t"/>
+          <a:lstStyle/>
+          <a:p>
+            <a:pPr algn="ctr"/>
+            <a:r>
+              <a:rPr lang="en-US" altLang="ko-KR" sz="1600" b="1"/>
+              <a:t>Node 02 : Monitor, OSD</a:t>
+            </a:r>
+            <a:endParaRPr lang="ko-KR" altLang="en-US" sz="1600" dirty="0"/>
+          </a:p>
+        </p:txBody>
+      </p:sp>
+      <p:sp>
+        <p:nvSpPr>
+          <p:cNvPr id="30" name="모서리가 둥근 직사각형 18">
+            <a:extLst>
+              <a:ext uri="{FF2B5EF4-FFF2-40B4-BE49-F238E27FC236}">
+                <a16:creationId xmlns:a16="http://schemas.microsoft.com/office/drawing/2014/main" id="{179755E0-978F-410D-B265-06B3F3BB3500}"/>
+              </a:ext>
+            </a:extLst>
+          </p:cNvPr>
+          <p:cNvSpPr/>
+          <p:nvPr/>
+        </p:nvSpPr>
+        <p:spPr>
+          <a:xfrm>
+            <a:off x="3203848" y="2175706"/>
+            <a:ext cx="1328914" cy="504056"/>
+          </a:xfrm>
+          <a:prstGeom prst="roundRect">
+            <a:avLst>
+              <a:gd name="adj" fmla="val 11578"/>
+            </a:avLst>
+          </a:prstGeom>
+          <a:noFill/>
+        </p:spPr>
+        <p:style>
+          <a:lnRef idx="2">
+            <a:schemeClr val="dk1"/>
+          </a:lnRef>
+          <a:fillRef idx="1">
+            <a:schemeClr val="lt1"/>
+          </a:fillRef>
+          <a:effectRef idx="0">
+            <a:schemeClr val="dk1"/>
+          </a:effectRef>
+          <a:fontRef idx="minor">
+            <a:schemeClr val="dk1"/>
+          </a:fontRef>
+        </p:style>
+        <p:txBody>
+          <a:bodyPr rtlCol="0" anchor="t"/>
+          <a:lstStyle/>
+          <a:p>
+            <a:pPr algn="ctr"/>
+            <a:r>
+              <a:rPr lang="en-US" altLang="ko-KR" sz="1200"/>
+              <a:t>enp0s2</a:t>
+            </a:r>
+            <a:endParaRPr lang="en-US" altLang="ko-KR" sz="1200" dirty="0"/>
+          </a:p>
+          <a:p>
+            <a:pPr algn="ctr"/>
+            <a:r>
+              <a:rPr lang="en-US" altLang="ko-KR" sz="1200"/>
+              <a:t>192.168.0.31</a:t>
+            </a:r>
+            <a:endParaRPr lang="en-US" altLang="ko-KR" sz="1200" dirty="0"/>
+          </a:p>
+          <a:p>
+            <a:pPr algn="ctr"/>
+            <a:endParaRPr lang="ko-KR" altLang="en-US" sz="1100" dirty="0"/>
+          </a:p>
+        </p:txBody>
+      </p:sp>
+      <p:sp>
+        <p:nvSpPr>
+          <p:cNvPr id="31" name="모서리가 둥근 직사각형 23">
+            <a:extLst>
+              <a:ext uri="{FF2B5EF4-FFF2-40B4-BE49-F238E27FC236}">
+                <a16:creationId xmlns:a16="http://schemas.microsoft.com/office/drawing/2014/main" id="{2B20CA45-E30B-4D1D-9B5C-7B5DF80E979E}"/>
+              </a:ext>
+            </a:extLst>
+          </p:cNvPr>
+          <p:cNvSpPr/>
+          <p:nvPr/>
+        </p:nvSpPr>
+        <p:spPr>
+          <a:xfrm>
+            <a:off x="4619530" y="2175706"/>
+            <a:ext cx="1320622" cy="504056"/>
+          </a:xfrm>
+          <a:prstGeom prst="roundRect">
+            <a:avLst>
+              <a:gd name="adj" fmla="val 11578"/>
+            </a:avLst>
+          </a:prstGeom>
+          <a:noFill/>
+        </p:spPr>
+        <p:style>
+          <a:lnRef idx="2">
+            <a:schemeClr val="dk1"/>
+          </a:lnRef>
+          <a:fillRef idx="1">
+            <a:schemeClr val="lt1"/>
+          </a:fillRef>
+          <a:effectRef idx="0">
+            <a:schemeClr val="dk1"/>
+          </a:effectRef>
+          <a:fontRef idx="minor">
+            <a:schemeClr val="dk1"/>
+          </a:fontRef>
+        </p:style>
+        <p:txBody>
+          <a:bodyPr rtlCol="0" anchor="t"/>
+          <a:lstStyle/>
+          <a:p>
+            <a:pPr algn="ctr"/>
+            <a:r>
+              <a:rPr lang="en-US" altLang="ko-KR" sz="1200"/>
+              <a:t>enp0s3</a:t>
+            </a:r>
+            <a:endParaRPr lang="en-US" altLang="ko-KR" sz="1200" dirty="0"/>
+          </a:p>
+          <a:p>
+            <a:pPr algn="ctr"/>
+            <a:r>
+              <a:rPr lang="en-US" altLang="ko-KR" sz="1200"/>
+              <a:t>10.0.0.11</a:t>
+            </a:r>
+            <a:endParaRPr lang="en-US" altLang="ko-KR" sz="1200" dirty="0"/>
+          </a:p>
+          <a:p>
+            <a:pPr algn="ctr"/>
+            <a:endParaRPr lang="ko-KR" altLang="en-US" sz="1100" dirty="0"/>
+          </a:p>
+        </p:txBody>
+      </p:sp>
+      <p:sp>
+        <p:nvSpPr>
+          <p:cNvPr id="33" name="모서리가 둥근 직사각형 13">
+            <a:extLst>
+              <a:ext uri="{FF2B5EF4-FFF2-40B4-BE49-F238E27FC236}">
+                <a16:creationId xmlns:a16="http://schemas.microsoft.com/office/drawing/2014/main" id="{32FA0D84-1649-4E93-99C7-CC8C09DE9F40}"/>
+              </a:ext>
+            </a:extLst>
+          </p:cNvPr>
+          <p:cNvSpPr/>
+          <p:nvPr/>
+        </p:nvSpPr>
+        <p:spPr>
+          <a:xfrm>
+            <a:off x="6156176" y="1340768"/>
+            <a:ext cx="2880320" cy="1411001"/>
+          </a:xfrm>
+          <a:prstGeom prst="roundRect">
+            <a:avLst>
+              <a:gd name="adj" fmla="val 6281"/>
+            </a:avLst>
+          </a:prstGeom>
+          <a:noFill/>
+        </p:spPr>
+        <p:style>
+          <a:lnRef idx="2">
+            <a:schemeClr val="dk1"/>
+          </a:lnRef>
+          <a:fillRef idx="1">
+            <a:schemeClr val="lt1"/>
+          </a:fillRef>
+          <a:effectRef idx="0">
+            <a:schemeClr val="dk1"/>
+          </a:effectRef>
+          <a:fontRef idx="minor">
+            <a:schemeClr val="dk1"/>
+          </a:fontRef>
+        </p:style>
+        <p:txBody>
+          <a:bodyPr rtlCol="0" anchor="t"/>
+          <a:lstStyle/>
+          <a:p>
+            <a:pPr algn="ctr"/>
+            <a:r>
+              <a:rPr lang="en-US" altLang="ko-KR" sz="1600" b="1"/>
+              <a:t>Node 03 : Monitor, OSD</a:t>
+            </a:r>
+            <a:endParaRPr lang="ko-KR" altLang="en-US" sz="1600" dirty="0"/>
+          </a:p>
+        </p:txBody>
+      </p:sp>
+      <p:sp>
+        <p:nvSpPr>
+          <p:cNvPr id="34" name="모서리가 둥근 직사각형 18">
+            <a:extLst>
+              <a:ext uri="{FF2B5EF4-FFF2-40B4-BE49-F238E27FC236}">
+                <a16:creationId xmlns:a16="http://schemas.microsoft.com/office/drawing/2014/main" id="{26F7F766-C795-40E1-8025-59E338CADCB8}"/>
+              </a:ext>
+            </a:extLst>
+          </p:cNvPr>
+          <p:cNvSpPr/>
+          <p:nvPr/>
+        </p:nvSpPr>
+        <p:spPr>
+          <a:xfrm>
+            <a:off x="6228184" y="2175706"/>
+            <a:ext cx="1328914" cy="504056"/>
+          </a:xfrm>
+          <a:prstGeom prst="roundRect">
+            <a:avLst>
+              <a:gd name="adj" fmla="val 11578"/>
+            </a:avLst>
+          </a:prstGeom>
+          <a:noFill/>
+        </p:spPr>
+        <p:style>
+          <a:lnRef idx="2">
+            <a:schemeClr val="dk1"/>
+          </a:lnRef>
+          <a:fillRef idx="1">
+            <a:schemeClr val="lt1"/>
+          </a:fillRef>
+          <a:effectRef idx="0">
+            <a:schemeClr val="dk1"/>
+          </a:effectRef>
+          <a:fontRef idx="minor">
+            <a:schemeClr val="dk1"/>
+          </a:fontRef>
+        </p:style>
+        <p:txBody>
+          <a:bodyPr rtlCol="0" anchor="t"/>
+          <a:lstStyle/>
+          <a:p>
+            <a:pPr algn="ctr"/>
+            <a:r>
+              <a:rPr lang="en-US" altLang="ko-KR" sz="1200"/>
+              <a:t>enp0s2</a:t>
+            </a:r>
+            <a:endParaRPr lang="en-US" altLang="ko-KR" sz="1200" dirty="0"/>
+          </a:p>
+          <a:p>
+            <a:pPr algn="ctr"/>
+            <a:r>
+              <a:rPr lang="en-US" altLang="ko-KR" sz="1200"/>
+              <a:t>192.168.0.32</a:t>
+            </a:r>
+            <a:endParaRPr lang="en-US" altLang="ko-KR" sz="1200" dirty="0"/>
+          </a:p>
+          <a:p>
+            <a:pPr algn="ctr"/>
+            <a:endParaRPr lang="ko-KR" altLang="en-US" sz="1100" dirty="0"/>
+          </a:p>
+        </p:txBody>
+      </p:sp>
+      <p:sp>
+        <p:nvSpPr>
+          <p:cNvPr id="35" name="모서리가 둥근 직사각형 23">
+            <a:extLst>
+              <a:ext uri="{FF2B5EF4-FFF2-40B4-BE49-F238E27FC236}">
+                <a16:creationId xmlns:a16="http://schemas.microsoft.com/office/drawing/2014/main" id="{CE133425-A3DF-4724-8339-5CFA6C4E0415}"/>
+              </a:ext>
+            </a:extLst>
+          </p:cNvPr>
+          <p:cNvSpPr/>
+          <p:nvPr/>
+        </p:nvSpPr>
+        <p:spPr>
+          <a:xfrm>
+            <a:off x="7643866" y="2175706"/>
+            <a:ext cx="1320622" cy="504056"/>
+          </a:xfrm>
+          <a:prstGeom prst="roundRect">
+            <a:avLst>
+              <a:gd name="adj" fmla="val 11578"/>
+            </a:avLst>
+          </a:prstGeom>
+          <a:noFill/>
+        </p:spPr>
+        <p:style>
+          <a:lnRef idx="2">
+            <a:schemeClr val="dk1"/>
+          </a:lnRef>
+          <a:fillRef idx="1">
+            <a:schemeClr val="lt1"/>
+          </a:fillRef>
+          <a:effectRef idx="0">
+            <a:schemeClr val="dk1"/>
+          </a:effectRef>
+          <a:fontRef idx="minor">
+            <a:schemeClr val="dk1"/>
+          </a:fontRef>
+        </p:style>
+        <p:txBody>
+          <a:bodyPr rtlCol="0" anchor="t"/>
+          <a:lstStyle/>
+          <a:p>
+            <a:pPr algn="ctr"/>
+            <a:r>
+              <a:rPr lang="en-US" altLang="ko-KR" sz="1200"/>
+              <a:t>enp0s3</a:t>
+            </a:r>
+            <a:endParaRPr lang="en-US" altLang="ko-KR" sz="1200" dirty="0"/>
+          </a:p>
+          <a:p>
+            <a:pPr algn="ctr"/>
+            <a:r>
+              <a:rPr lang="en-US" altLang="ko-KR" sz="1200"/>
+              <a:t>10.0.0.12</a:t>
+            </a:r>
+            <a:endParaRPr lang="en-US" altLang="ko-KR" sz="1200" dirty="0"/>
+          </a:p>
+          <a:p>
+            <a:pPr algn="ctr"/>
+            <a:endParaRPr lang="ko-KR" altLang="en-US" sz="1100" dirty="0"/>
+          </a:p>
+        </p:txBody>
+      </p:sp>
+      <p:cxnSp>
+        <p:nvCxnSpPr>
+          <p:cNvPr id="37" name="직선 연결선 36">
+            <a:extLst>
+              <a:ext uri="{FF2B5EF4-FFF2-40B4-BE49-F238E27FC236}">
+                <a16:creationId xmlns:a16="http://schemas.microsoft.com/office/drawing/2014/main" id="{B51BA3EC-5B06-4C3F-84DA-6012337062A5}"/>
+              </a:ext>
+            </a:extLst>
+          </p:cNvPr>
+          <p:cNvCxnSpPr>
+            <a:cxnSpLocks/>
+            <a:stCxn id="19" idx="2"/>
+            <a:endCxn id="47" idx="0"/>
+          </p:cNvCxnSpPr>
+          <p:nvPr/>
+        </p:nvCxnSpPr>
+        <p:spPr>
+          <a:xfrm>
+            <a:off x="843969" y="2679762"/>
+            <a:ext cx="2215863" cy="396044"/>
+          </a:xfrm>
+          <a:prstGeom prst="line">
+            <a:avLst/>
+          </a:prstGeom>
+          <a:ln w="28575">
+            <a:solidFill>
+              <a:schemeClr val="tx1"/>
+            </a:solidFill>
+          </a:ln>
+        </p:spPr>
+        <p:style>
+          <a:lnRef idx="1">
+            <a:schemeClr val="accent1"/>
+          </a:lnRef>
+          <a:fillRef idx="0">
+            <a:schemeClr val="accent1"/>
+          </a:fillRef>
+          <a:effectRef idx="0">
+            <a:schemeClr val="accent1"/>
+          </a:effectRef>
+          <a:fontRef idx="minor">
+            <a:schemeClr val="tx1"/>
+          </a:fontRef>
+        </p:style>
+      </p:cxnSp>
+      <p:cxnSp>
+        <p:nvCxnSpPr>
+          <p:cNvPr id="43" name="직선 연결선 42">
+            <a:extLst>
+              <a:ext uri="{FF2B5EF4-FFF2-40B4-BE49-F238E27FC236}">
+                <a16:creationId xmlns:a16="http://schemas.microsoft.com/office/drawing/2014/main" id="{D166F931-E4AF-47A5-8E66-DA86BB53BAEF}"/>
+              </a:ext>
+            </a:extLst>
+          </p:cNvPr>
+          <p:cNvCxnSpPr>
+            <a:cxnSpLocks/>
+            <a:stCxn id="30" idx="2"/>
+            <a:endCxn id="47" idx="0"/>
+          </p:cNvCxnSpPr>
+          <p:nvPr/>
+        </p:nvCxnSpPr>
+        <p:spPr>
+          <a:xfrm flipH="1">
+            <a:off x="3059832" y="2679762"/>
+            <a:ext cx="808473" cy="396044"/>
+          </a:xfrm>
+          <a:prstGeom prst="line">
+            <a:avLst/>
+          </a:prstGeom>
+          <a:ln w="28575">
+            <a:solidFill>
+              <a:schemeClr val="tx1"/>
+            </a:solidFill>
+          </a:ln>
+        </p:spPr>
+        <p:style>
+          <a:lnRef idx="1">
+            <a:schemeClr val="accent1"/>
+          </a:lnRef>
+          <a:fillRef idx="0">
+            <a:schemeClr val="accent1"/>
+          </a:fillRef>
+          <a:effectRef idx="0">
+            <a:schemeClr val="accent1"/>
+          </a:effectRef>
+          <a:fontRef idx="minor">
+            <a:schemeClr val="tx1"/>
+          </a:fontRef>
+        </p:style>
+      </p:cxnSp>
+      <p:cxnSp>
+        <p:nvCxnSpPr>
+          <p:cNvPr id="44" name="직선 연결선 43">
+            <a:extLst>
+              <a:ext uri="{FF2B5EF4-FFF2-40B4-BE49-F238E27FC236}">
+                <a16:creationId xmlns:a16="http://schemas.microsoft.com/office/drawing/2014/main" id="{795051FC-8211-4660-970C-D8907CA0FFF5}"/>
+              </a:ext>
+            </a:extLst>
+          </p:cNvPr>
+          <p:cNvCxnSpPr>
+            <a:cxnSpLocks/>
+            <a:stCxn id="34" idx="2"/>
+            <a:endCxn id="47" idx="0"/>
+          </p:cNvCxnSpPr>
+          <p:nvPr/>
+        </p:nvCxnSpPr>
+        <p:spPr>
+          <a:xfrm flipH="1">
+            <a:off x="3059832" y="2679762"/>
+            <a:ext cx="3832809" cy="396044"/>
+          </a:xfrm>
+          <a:prstGeom prst="line">
+            <a:avLst/>
+          </a:prstGeom>
+          <a:ln w="28575">
+            <a:solidFill>
+              <a:schemeClr val="tx1"/>
+            </a:solidFill>
+          </a:ln>
+        </p:spPr>
+        <p:style>
+          <a:lnRef idx="1">
+            <a:schemeClr val="accent1"/>
+          </a:lnRef>
+          <a:fillRef idx="0">
+            <a:schemeClr val="accent1"/>
+          </a:fillRef>
+          <a:effectRef idx="0">
+            <a:schemeClr val="accent1"/>
+          </a:effectRef>
+          <a:fontRef idx="minor">
+            <a:schemeClr val="tx1"/>
+          </a:fontRef>
+        </p:style>
+      </p:cxnSp>
+      <p:cxnSp>
+        <p:nvCxnSpPr>
+          <p:cNvPr id="53" name="직선 연결선 52">
+            <a:extLst>
+              <a:ext uri="{FF2B5EF4-FFF2-40B4-BE49-F238E27FC236}">
+                <a16:creationId xmlns:a16="http://schemas.microsoft.com/office/drawing/2014/main" id="{149959EF-465C-4A3D-AA34-BE750A1217A8}"/>
+              </a:ext>
+            </a:extLst>
+          </p:cNvPr>
+          <p:cNvCxnSpPr>
+            <a:cxnSpLocks/>
+            <a:stCxn id="24" idx="2"/>
+            <a:endCxn id="48" idx="0"/>
+          </p:cNvCxnSpPr>
+          <p:nvPr/>
+        </p:nvCxnSpPr>
+        <p:spPr>
+          <a:xfrm>
+            <a:off x="2255505" y="2679762"/>
+            <a:ext cx="3828663" cy="396044"/>
+          </a:xfrm>
+          <a:prstGeom prst="line">
+            <a:avLst/>
+          </a:prstGeom>
+          <a:ln w="28575">
+            <a:solidFill>
+              <a:schemeClr val="tx1"/>
+            </a:solidFill>
+          </a:ln>
+        </p:spPr>
+        <p:style>
+          <a:lnRef idx="1">
+            <a:schemeClr val="accent1"/>
+          </a:lnRef>
+          <a:fillRef idx="0">
+            <a:schemeClr val="accent1"/>
+          </a:fillRef>
+          <a:effectRef idx="0">
+            <a:schemeClr val="accent1"/>
+          </a:effectRef>
+          <a:fontRef idx="minor">
+            <a:schemeClr val="tx1"/>
+          </a:fontRef>
+        </p:style>
+      </p:cxnSp>
+      <p:cxnSp>
+        <p:nvCxnSpPr>
+          <p:cNvPr id="57" name="직선 연결선 56">
+            <a:extLst>
+              <a:ext uri="{FF2B5EF4-FFF2-40B4-BE49-F238E27FC236}">
+                <a16:creationId xmlns:a16="http://schemas.microsoft.com/office/drawing/2014/main" id="{FB84C5C8-CE0D-4A5D-AF70-ED0B71A99464}"/>
+              </a:ext>
+            </a:extLst>
+          </p:cNvPr>
+          <p:cNvCxnSpPr>
+            <a:cxnSpLocks/>
+            <a:stCxn id="31" idx="2"/>
+            <a:endCxn id="48" idx="0"/>
+          </p:cNvCxnSpPr>
+          <p:nvPr/>
+        </p:nvCxnSpPr>
+        <p:spPr>
+          <a:xfrm>
+            <a:off x="5279841" y="2679762"/>
+            <a:ext cx="804327" cy="396044"/>
+          </a:xfrm>
+          <a:prstGeom prst="line">
+            <a:avLst/>
+          </a:prstGeom>
+          <a:ln w="28575">
+            <a:solidFill>
+              <a:schemeClr val="tx1"/>
+            </a:solidFill>
+          </a:ln>
+        </p:spPr>
+        <p:style>
+          <a:lnRef idx="1">
+            <a:schemeClr val="accent1"/>
+          </a:lnRef>
+          <a:fillRef idx="0">
+            <a:schemeClr val="accent1"/>
+          </a:fillRef>
+          <a:effectRef idx="0">
+            <a:schemeClr val="accent1"/>
+          </a:effectRef>
+          <a:fontRef idx="minor">
+            <a:schemeClr val="tx1"/>
+          </a:fontRef>
+        </p:style>
+      </p:cxnSp>
+      <p:cxnSp>
+        <p:nvCxnSpPr>
+          <p:cNvPr id="59" name="직선 연결선 58">
+            <a:extLst>
+              <a:ext uri="{FF2B5EF4-FFF2-40B4-BE49-F238E27FC236}">
+                <a16:creationId xmlns:a16="http://schemas.microsoft.com/office/drawing/2014/main" id="{ECE875A0-34CB-48AA-9E79-A1F9FE7DCD3B}"/>
+              </a:ext>
+            </a:extLst>
+          </p:cNvPr>
+          <p:cNvCxnSpPr>
+            <a:cxnSpLocks/>
+            <a:stCxn id="35" idx="2"/>
+            <a:endCxn id="48" idx="0"/>
+          </p:cNvCxnSpPr>
+          <p:nvPr/>
+        </p:nvCxnSpPr>
+        <p:spPr>
+          <a:xfrm flipH="1">
             <a:off x="6084168" y="2679762"/>
             <a:ext cx="2220009" cy="396044"/>
           </a:xfrm>
@@ -4811,7 +8910,7 @@
     </p:spTree>
     <p:extLst>
       <p:ext uri="{BB962C8B-B14F-4D97-AF65-F5344CB8AC3E}">
-        <p14:creationId xmlns:p14="http://schemas.microsoft.com/office/powerpoint/2010/main" val="3627583906"/>
+        <p14:creationId xmlns:p14="http://schemas.microsoft.com/office/powerpoint/2010/main" val="639758258"/>
       </p:ext>
     </p:extLst>
   </p:cSld>
@@ -4821,7 +8920,7 @@
 </p:sld>
 </file>
 
-<file path=ppt/slides/slide2.xml><?xml version="1.0" encoding="utf-8"?>
+<file path=ppt/slides/slide6.xml><?xml version="1.0" encoding="utf-8"?>
 <p:sld xmlns:a="http://schemas.openxmlformats.org/drawingml/2006/main" xmlns:r="http://schemas.openxmlformats.org/officeDocument/2006/relationships" xmlns:p="http://schemas.openxmlformats.org/presentationml/2006/main">
   <p:cSld>
     <p:spTree>
@@ -4862,7 +8961,7 @@
           <a:p>
             <a:r>
               <a:rPr lang="en-US" altLang="ko-KR"/>
-              <a:t>Ceph</a:t>
+              <a:t>OpenStack</a:t>
             </a:r>
             <a:endParaRPr lang="ko-KR" altLang="en-US" dirty="0"/>
           </a:p>
@@ -5859,1054 +9958,6 @@
     </p:spTree>
     <p:extLst>
       <p:ext uri="{BB962C8B-B14F-4D97-AF65-F5344CB8AC3E}">
-        <p14:creationId xmlns:p14="http://schemas.microsoft.com/office/powerpoint/2010/main" val="639758258"/>
-      </p:ext>
-    </p:extLst>
-  </p:cSld>
-  <p:clrMapOvr>
-    <a:masterClrMapping/>
-  </p:clrMapOvr>
-</p:sld>
-</file>
-
-<file path=ppt/slides/slide3.xml><?xml version="1.0" encoding="utf-8"?>
-<p:sld xmlns:a="http://schemas.openxmlformats.org/drawingml/2006/main" xmlns:r="http://schemas.openxmlformats.org/officeDocument/2006/relationships" xmlns:p="http://schemas.openxmlformats.org/presentationml/2006/main">
-  <p:cSld>
-    <p:spTree>
-      <p:nvGrpSpPr>
-        <p:cNvPr id="1" name=""/>
-        <p:cNvGrpSpPr/>
-        <p:nvPr/>
-      </p:nvGrpSpPr>
-      <p:grpSpPr>
-        <a:xfrm>
-          <a:off x="0" y="0"/>
-          <a:ext cx="0" cy="0"/>
-          <a:chOff x="0" y="0"/>
-          <a:chExt cx="0" cy="0"/>
-        </a:xfrm>
-      </p:grpSpPr>
-      <p:sp>
-        <p:nvSpPr>
-          <p:cNvPr id="6" name="제목 1"/>
-          <p:cNvSpPr>
-            <a:spLocks noGrp="1"/>
-          </p:cNvSpPr>
-          <p:nvPr>
-            <p:ph type="title"/>
-          </p:nvPr>
-        </p:nvSpPr>
-        <p:spPr>
-          <a:xfrm>
-            <a:off x="457200" y="-20538"/>
-            <a:ext cx="8229600" cy="857250"/>
-          </a:xfrm>
-        </p:spPr>
-        <p:txBody>
-          <a:bodyPr>
-            <a:normAutofit/>
-          </a:bodyPr>
-          <a:lstStyle/>
-          <a:p>
-            <a:r>
-              <a:rPr lang="en-US" altLang="ko-KR"/>
-              <a:t>OpenStack</a:t>
-            </a:r>
-            <a:endParaRPr lang="ko-KR" altLang="en-US" dirty="0"/>
-          </a:p>
-        </p:txBody>
-      </p:sp>
-      <p:sp>
-        <p:nvSpPr>
-          <p:cNvPr id="14" name="모서리가 둥근 직사각형 13"/>
-          <p:cNvSpPr/>
-          <p:nvPr/>
-        </p:nvSpPr>
-        <p:spPr>
-          <a:xfrm>
-            <a:off x="107504" y="1340768"/>
-            <a:ext cx="2880320" cy="1411001"/>
-          </a:xfrm>
-          <a:prstGeom prst="roundRect">
-            <a:avLst>
-              <a:gd name="adj" fmla="val 6281"/>
-            </a:avLst>
-          </a:prstGeom>
-          <a:noFill/>
-        </p:spPr>
-        <p:style>
-          <a:lnRef idx="2">
-            <a:schemeClr val="dk1"/>
-          </a:lnRef>
-          <a:fillRef idx="1">
-            <a:schemeClr val="lt1"/>
-          </a:fillRef>
-          <a:effectRef idx="0">
-            <a:schemeClr val="dk1"/>
-          </a:effectRef>
-          <a:fontRef idx="minor">
-            <a:schemeClr val="dk1"/>
-          </a:fontRef>
-        </p:style>
-        <p:txBody>
-          <a:bodyPr rtlCol="0" anchor="t"/>
-          <a:lstStyle/>
-          <a:p>
-            <a:pPr algn="ctr"/>
-            <a:r>
-              <a:rPr lang="en-US" altLang="ko-KR" sz="1600" b="1"/>
-              <a:t>Node 01 : Monitor, OSD</a:t>
-            </a:r>
-            <a:endParaRPr lang="ko-KR" altLang="en-US" sz="1600" dirty="0"/>
-          </a:p>
-        </p:txBody>
-      </p:sp>
-      <p:sp>
-        <p:nvSpPr>
-          <p:cNvPr id="19" name="모서리가 둥근 직사각형 18"/>
-          <p:cNvSpPr/>
-          <p:nvPr/>
-        </p:nvSpPr>
-        <p:spPr>
-          <a:xfrm>
-            <a:off x="179512" y="2175706"/>
-            <a:ext cx="1328914" cy="504056"/>
-          </a:xfrm>
-          <a:prstGeom prst="roundRect">
-            <a:avLst>
-              <a:gd name="adj" fmla="val 11578"/>
-            </a:avLst>
-          </a:prstGeom>
-          <a:noFill/>
-        </p:spPr>
-        <p:style>
-          <a:lnRef idx="2">
-            <a:schemeClr val="dk1"/>
-          </a:lnRef>
-          <a:fillRef idx="1">
-            <a:schemeClr val="lt1"/>
-          </a:fillRef>
-          <a:effectRef idx="0">
-            <a:schemeClr val="dk1"/>
-          </a:effectRef>
-          <a:fontRef idx="minor">
-            <a:schemeClr val="dk1"/>
-          </a:fontRef>
-        </p:style>
-        <p:txBody>
-          <a:bodyPr rtlCol="0" anchor="t"/>
-          <a:lstStyle/>
-          <a:p>
-            <a:pPr algn="ctr"/>
-            <a:r>
-              <a:rPr lang="en-US" altLang="ko-KR" sz="1200"/>
-              <a:t>enp0s2</a:t>
-            </a:r>
-            <a:endParaRPr lang="en-US" altLang="ko-KR" sz="1200" dirty="0"/>
-          </a:p>
-          <a:p>
-            <a:pPr algn="ctr"/>
-            <a:r>
-              <a:rPr lang="en-US" altLang="ko-KR" sz="1200"/>
-              <a:t>192.168.0.30</a:t>
-            </a:r>
-            <a:endParaRPr lang="en-US" altLang="ko-KR" sz="1200" dirty="0"/>
-          </a:p>
-          <a:p>
-            <a:pPr algn="ctr"/>
-            <a:endParaRPr lang="ko-KR" altLang="en-US" sz="1100" dirty="0"/>
-          </a:p>
-        </p:txBody>
-      </p:sp>
-      <p:sp>
-        <p:nvSpPr>
-          <p:cNvPr id="24" name="모서리가 둥근 직사각형 23"/>
-          <p:cNvSpPr/>
-          <p:nvPr/>
-        </p:nvSpPr>
-        <p:spPr>
-          <a:xfrm>
-            <a:off x="1595194" y="2175706"/>
-            <a:ext cx="1320622" cy="504056"/>
-          </a:xfrm>
-          <a:prstGeom prst="roundRect">
-            <a:avLst>
-              <a:gd name="adj" fmla="val 11578"/>
-            </a:avLst>
-          </a:prstGeom>
-          <a:noFill/>
-        </p:spPr>
-        <p:style>
-          <a:lnRef idx="2">
-            <a:schemeClr val="dk1"/>
-          </a:lnRef>
-          <a:fillRef idx="1">
-            <a:schemeClr val="lt1"/>
-          </a:fillRef>
-          <a:effectRef idx="0">
-            <a:schemeClr val="dk1"/>
-          </a:effectRef>
-          <a:fontRef idx="minor">
-            <a:schemeClr val="dk1"/>
-          </a:fontRef>
-        </p:style>
-        <p:txBody>
-          <a:bodyPr rtlCol="0" anchor="t"/>
-          <a:lstStyle/>
-          <a:p>
-            <a:pPr algn="ctr"/>
-            <a:r>
-              <a:rPr lang="en-US" altLang="ko-KR" sz="1200"/>
-              <a:t>enp0s3</a:t>
-            </a:r>
-            <a:endParaRPr lang="en-US" altLang="ko-KR" sz="1200" dirty="0"/>
-          </a:p>
-          <a:p>
-            <a:pPr algn="ctr"/>
-            <a:r>
-              <a:rPr lang="en-US" altLang="ko-KR" sz="1200"/>
-              <a:t>10.0.0.10</a:t>
-            </a:r>
-            <a:endParaRPr lang="en-US" altLang="ko-KR" sz="1200" dirty="0"/>
-          </a:p>
-          <a:p>
-            <a:pPr algn="ctr"/>
-            <a:endParaRPr lang="ko-KR" altLang="en-US" sz="1100" dirty="0"/>
-          </a:p>
-        </p:txBody>
-      </p:sp>
-      <p:sp>
-        <p:nvSpPr>
-          <p:cNvPr id="47" name="모서리가 둥근 직사각형 46"/>
-          <p:cNvSpPr/>
-          <p:nvPr/>
-        </p:nvSpPr>
-        <p:spPr>
-          <a:xfrm>
-            <a:off x="2267743" y="3075806"/>
-            <a:ext cx="1584178" cy="504056"/>
-          </a:xfrm>
-          <a:prstGeom prst="roundRect">
-            <a:avLst>
-              <a:gd name="adj" fmla="val 11578"/>
-            </a:avLst>
-          </a:prstGeom>
-          <a:noFill/>
-        </p:spPr>
-        <p:style>
-          <a:lnRef idx="2">
-            <a:schemeClr val="dk1"/>
-          </a:lnRef>
-          <a:fillRef idx="1">
-            <a:schemeClr val="lt1"/>
-          </a:fillRef>
-          <a:effectRef idx="0">
-            <a:schemeClr val="dk1"/>
-          </a:effectRef>
-          <a:fontRef idx="minor">
-            <a:schemeClr val="dk1"/>
-          </a:fontRef>
-        </p:style>
-        <p:txBody>
-          <a:bodyPr rtlCol="0" anchor="ctr"/>
-          <a:lstStyle/>
-          <a:p>
-            <a:pPr algn="ctr"/>
-            <a:r>
-              <a:rPr lang="en-US" altLang="ko-KR" sz="1200"/>
-              <a:t>NAT Network</a:t>
-            </a:r>
-          </a:p>
-          <a:p>
-            <a:pPr algn="ctr"/>
-            <a:r>
-              <a:rPr lang="en-US" altLang="ko-KR" sz="1200"/>
-              <a:t>192.168.0.0/24</a:t>
-            </a:r>
-            <a:endParaRPr lang="en-US" altLang="ko-KR" sz="1200" dirty="0"/>
-          </a:p>
-        </p:txBody>
-      </p:sp>
-      <p:sp>
-        <p:nvSpPr>
-          <p:cNvPr id="48" name="모서리가 둥근 직사각형 47"/>
-          <p:cNvSpPr/>
-          <p:nvPr/>
-        </p:nvSpPr>
-        <p:spPr>
-          <a:xfrm>
-            <a:off x="5292080" y="3075806"/>
-            <a:ext cx="1584176" cy="504056"/>
-          </a:xfrm>
-          <a:prstGeom prst="roundRect">
-            <a:avLst>
-              <a:gd name="adj" fmla="val 11578"/>
-            </a:avLst>
-          </a:prstGeom>
-          <a:noFill/>
-        </p:spPr>
-        <p:style>
-          <a:lnRef idx="2">
-            <a:schemeClr val="dk1"/>
-          </a:lnRef>
-          <a:fillRef idx="1">
-            <a:schemeClr val="lt1"/>
-          </a:fillRef>
-          <a:effectRef idx="0">
-            <a:schemeClr val="dk1"/>
-          </a:effectRef>
-          <a:fontRef idx="minor">
-            <a:schemeClr val="dk1"/>
-          </a:fontRef>
-        </p:style>
-        <p:txBody>
-          <a:bodyPr rtlCol="0" anchor="ctr"/>
-          <a:lstStyle/>
-          <a:p>
-            <a:pPr algn="ctr"/>
-            <a:r>
-              <a:rPr lang="en-US" altLang="ko-KR" sz="1200"/>
-              <a:t>Private Network</a:t>
-            </a:r>
-            <a:endParaRPr lang="en-US" altLang="ko-KR" sz="1200" dirty="0"/>
-          </a:p>
-          <a:p>
-            <a:pPr algn="ctr"/>
-            <a:r>
-              <a:rPr lang="en-US" altLang="ko-KR" sz="1200"/>
-              <a:t>10.0.0.0/24</a:t>
-            </a:r>
-            <a:endParaRPr lang="en-US" altLang="ko-KR" sz="1200" dirty="0"/>
-          </a:p>
-        </p:txBody>
-      </p:sp>
-      <p:sp>
-        <p:nvSpPr>
-          <p:cNvPr id="29" name="모서리가 둥근 직사각형 13">
-            <a:extLst>
-              <a:ext uri="{FF2B5EF4-FFF2-40B4-BE49-F238E27FC236}">
-                <a16:creationId xmlns:a16="http://schemas.microsoft.com/office/drawing/2014/main" id="{CFF9E658-23F6-45A0-B280-5F33ABC9AAF8}"/>
-              </a:ext>
-            </a:extLst>
-          </p:cNvPr>
-          <p:cNvSpPr/>
-          <p:nvPr/>
-        </p:nvSpPr>
-        <p:spPr>
-          <a:xfrm>
-            <a:off x="3131840" y="1340768"/>
-            <a:ext cx="2880320" cy="1411001"/>
-          </a:xfrm>
-          <a:prstGeom prst="roundRect">
-            <a:avLst>
-              <a:gd name="adj" fmla="val 6281"/>
-            </a:avLst>
-          </a:prstGeom>
-          <a:noFill/>
-        </p:spPr>
-        <p:style>
-          <a:lnRef idx="2">
-            <a:schemeClr val="dk1"/>
-          </a:lnRef>
-          <a:fillRef idx="1">
-            <a:schemeClr val="lt1"/>
-          </a:fillRef>
-          <a:effectRef idx="0">
-            <a:schemeClr val="dk1"/>
-          </a:effectRef>
-          <a:fontRef idx="minor">
-            <a:schemeClr val="dk1"/>
-          </a:fontRef>
-        </p:style>
-        <p:txBody>
-          <a:bodyPr rtlCol="0" anchor="t"/>
-          <a:lstStyle/>
-          <a:p>
-            <a:pPr algn="ctr"/>
-            <a:r>
-              <a:rPr lang="en-US" altLang="ko-KR" sz="1600" b="1"/>
-              <a:t>Node 02 : Monitor, OSD</a:t>
-            </a:r>
-            <a:endParaRPr lang="ko-KR" altLang="en-US" sz="1600" dirty="0"/>
-          </a:p>
-        </p:txBody>
-      </p:sp>
-      <p:sp>
-        <p:nvSpPr>
-          <p:cNvPr id="30" name="모서리가 둥근 직사각형 18">
-            <a:extLst>
-              <a:ext uri="{FF2B5EF4-FFF2-40B4-BE49-F238E27FC236}">
-                <a16:creationId xmlns:a16="http://schemas.microsoft.com/office/drawing/2014/main" id="{179755E0-978F-410D-B265-06B3F3BB3500}"/>
-              </a:ext>
-            </a:extLst>
-          </p:cNvPr>
-          <p:cNvSpPr/>
-          <p:nvPr/>
-        </p:nvSpPr>
-        <p:spPr>
-          <a:xfrm>
-            <a:off x="3203848" y="2175706"/>
-            <a:ext cx="1328914" cy="504056"/>
-          </a:xfrm>
-          <a:prstGeom prst="roundRect">
-            <a:avLst>
-              <a:gd name="adj" fmla="val 11578"/>
-            </a:avLst>
-          </a:prstGeom>
-          <a:noFill/>
-        </p:spPr>
-        <p:style>
-          <a:lnRef idx="2">
-            <a:schemeClr val="dk1"/>
-          </a:lnRef>
-          <a:fillRef idx="1">
-            <a:schemeClr val="lt1"/>
-          </a:fillRef>
-          <a:effectRef idx="0">
-            <a:schemeClr val="dk1"/>
-          </a:effectRef>
-          <a:fontRef idx="minor">
-            <a:schemeClr val="dk1"/>
-          </a:fontRef>
-        </p:style>
-        <p:txBody>
-          <a:bodyPr rtlCol="0" anchor="t"/>
-          <a:lstStyle/>
-          <a:p>
-            <a:pPr algn="ctr"/>
-            <a:r>
-              <a:rPr lang="en-US" altLang="ko-KR" sz="1200"/>
-              <a:t>enp0s2</a:t>
-            </a:r>
-            <a:endParaRPr lang="en-US" altLang="ko-KR" sz="1200" dirty="0"/>
-          </a:p>
-          <a:p>
-            <a:pPr algn="ctr"/>
-            <a:r>
-              <a:rPr lang="en-US" altLang="ko-KR" sz="1200"/>
-              <a:t>192.168.0.31</a:t>
-            </a:r>
-            <a:endParaRPr lang="en-US" altLang="ko-KR" sz="1200" dirty="0"/>
-          </a:p>
-          <a:p>
-            <a:pPr algn="ctr"/>
-            <a:endParaRPr lang="ko-KR" altLang="en-US" sz="1100" dirty="0"/>
-          </a:p>
-        </p:txBody>
-      </p:sp>
-      <p:sp>
-        <p:nvSpPr>
-          <p:cNvPr id="31" name="모서리가 둥근 직사각형 23">
-            <a:extLst>
-              <a:ext uri="{FF2B5EF4-FFF2-40B4-BE49-F238E27FC236}">
-                <a16:creationId xmlns:a16="http://schemas.microsoft.com/office/drawing/2014/main" id="{2B20CA45-E30B-4D1D-9B5C-7B5DF80E979E}"/>
-              </a:ext>
-            </a:extLst>
-          </p:cNvPr>
-          <p:cNvSpPr/>
-          <p:nvPr/>
-        </p:nvSpPr>
-        <p:spPr>
-          <a:xfrm>
-            <a:off x="4619530" y="2175706"/>
-            <a:ext cx="1320622" cy="504056"/>
-          </a:xfrm>
-          <a:prstGeom prst="roundRect">
-            <a:avLst>
-              <a:gd name="adj" fmla="val 11578"/>
-            </a:avLst>
-          </a:prstGeom>
-          <a:noFill/>
-        </p:spPr>
-        <p:style>
-          <a:lnRef idx="2">
-            <a:schemeClr val="dk1"/>
-          </a:lnRef>
-          <a:fillRef idx="1">
-            <a:schemeClr val="lt1"/>
-          </a:fillRef>
-          <a:effectRef idx="0">
-            <a:schemeClr val="dk1"/>
-          </a:effectRef>
-          <a:fontRef idx="minor">
-            <a:schemeClr val="dk1"/>
-          </a:fontRef>
-        </p:style>
-        <p:txBody>
-          <a:bodyPr rtlCol="0" anchor="t"/>
-          <a:lstStyle/>
-          <a:p>
-            <a:pPr algn="ctr"/>
-            <a:r>
-              <a:rPr lang="en-US" altLang="ko-KR" sz="1200"/>
-              <a:t>enp0s3</a:t>
-            </a:r>
-            <a:endParaRPr lang="en-US" altLang="ko-KR" sz="1200" dirty="0"/>
-          </a:p>
-          <a:p>
-            <a:pPr algn="ctr"/>
-            <a:r>
-              <a:rPr lang="en-US" altLang="ko-KR" sz="1200"/>
-              <a:t>10.0.0.11</a:t>
-            </a:r>
-            <a:endParaRPr lang="en-US" altLang="ko-KR" sz="1200" dirty="0"/>
-          </a:p>
-          <a:p>
-            <a:pPr algn="ctr"/>
-            <a:endParaRPr lang="ko-KR" altLang="en-US" sz="1100" dirty="0"/>
-          </a:p>
-        </p:txBody>
-      </p:sp>
-      <p:sp>
-        <p:nvSpPr>
-          <p:cNvPr id="33" name="모서리가 둥근 직사각형 13">
-            <a:extLst>
-              <a:ext uri="{FF2B5EF4-FFF2-40B4-BE49-F238E27FC236}">
-                <a16:creationId xmlns:a16="http://schemas.microsoft.com/office/drawing/2014/main" id="{32FA0D84-1649-4E93-99C7-CC8C09DE9F40}"/>
-              </a:ext>
-            </a:extLst>
-          </p:cNvPr>
-          <p:cNvSpPr/>
-          <p:nvPr/>
-        </p:nvSpPr>
-        <p:spPr>
-          <a:xfrm>
-            <a:off x="6156176" y="1340768"/>
-            <a:ext cx="2880320" cy="1411001"/>
-          </a:xfrm>
-          <a:prstGeom prst="roundRect">
-            <a:avLst>
-              <a:gd name="adj" fmla="val 6281"/>
-            </a:avLst>
-          </a:prstGeom>
-          <a:noFill/>
-        </p:spPr>
-        <p:style>
-          <a:lnRef idx="2">
-            <a:schemeClr val="dk1"/>
-          </a:lnRef>
-          <a:fillRef idx="1">
-            <a:schemeClr val="lt1"/>
-          </a:fillRef>
-          <a:effectRef idx="0">
-            <a:schemeClr val="dk1"/>
-          </a:effectRef>
-          <a:fontRef idx="minor">
-            <a:schemeClr val="dk1"/>
-          </a:fontRef>
-        </p:style>
-        <p:txBody>
-          <a:bodyPr rtlCol="0" anchor="t"/>
-          <a:lstStyle/>
-          <a:p>
-            <a:pPr algn="ctr"/>
-            <a:r>
-              <a:rPr lang="en-US" altLang="ko-KR" sz="1600" b="1"/>
-              <a:t>Node 03 : Monitor, OSD</a:t>
-            </a:r>
-            <a:endParaRPr lang="ko-KR" altLang="en-US" sz="1600" dirty="0"/>
-          </a:p>
-        </p:txBody>
-      </p:sp>
-      <p:sp>
-        <p:nvSpPr>
-          <p:cNvPr id="34" name="모서리가 둥근 직사각형 18">
-            <a:extLst>
-              <a:ext uri="{FF2B5EF4-FFF2-40B4-BE49-F238E27FC236}">
-                <a16:creationId xmlns:a16="http://schemas.microsoft.com/office/drawing/2014/main" id="{26F7F766-C795-40E1-8025-59E338CADCB8}"/>
-              </a:ext>
-            </a:extLst>
-          </p:cNvPr>
-          <p:cNvSpPr/>
-          <p:nvPr/>
-        </p:nvSpPr>
-        <p:spPr>
-          <a:xfrm>
-            <a:off x="6228184" y="2175706"/>
-            <a:ext cx="1328914" cy="504056"/>
-          </a:xfrm>
-          <a:prstGeom prst="roundRect">
-            <a:avLst>
-              <a:gd name="adj" fmla="val 11578"/>
-            </a:avLst>
-          </a:prstGeom>
-          <a:noFill/>
-        </p:spPr>
-        <p:style>
-          <a:lnRef idx="2">
-            <a:schemeClr val="dk1"/>
-          </a:lnRef>
-          <a:fillRef idx="1">
-            <a:schemeClr val="lt1"/>
-          </a:fillRef>
-          <a:effectRef idx="0">
-            <a:schemeClr val="dk1"/>
-          </a:effectRef>
-          <a:fontRef idx="minor">
-            <a:schemeClr val="dk1"/>
-          </a:fontRef>
-        </p:style>
-        <p:txBody>
-          <a:bodyPr rtlCol="0" anchor="t"/>
-          <a:lstStyle/>
-          <a:p>
-            <a:pPr algn="ctr"/>
-            <a:r>
-              <a:rPr lang="en-US" altLang="ko-KR" sz="1200"/>
-              <a:t>enp0s2</a:t>
-            </a:r>
-            <a:endParaRPr lang="en-US" altLang="ko-KR" sz="1200" dirty="0"/>
-          </a:p>
-          <a:p>
-            <a:pPr algn="ctr"/>
-            <a:r>
-              <a:rPr lang="en-US" altLang="ko-KR" sz="1200"/>
-              <a:t>192.168.0.32</a:t>
-            </a:r>
-            <a:endParaRPr lang="en-US" altLang="ko-KR" sz="1200" dirty="0"/>
-          </a:p>
-          <a:p>
-            <a:pPr algn="ctr"/>
-            <a:endParaRPr lang="ko-KR" altLang="en-US" sz="1100" dirty="0"/>
-          </a:p>
-        </p:txBody>
-      </p:sp>
-      <p:sp>
-        <p:nvSpPr>
-          <p:cNvPr id="35" name="모서리가 둥근 직사각형 23">
-            <a:extLst>
-              <a:ext uri="{FF2B5EF4-FFF2-40B4-BE49-F238E27FC236}">
-                <a16:creationId xmlns:a16="http://schemas.microsoft.com/office/drawing/2014/main" id="{CE133425-A3DF-4724-8339-5CFA6C4E0415}"/>
-              </a:ext>
-            </a:extLst>
-          </p:cNvPr>
-          <p:cNvSpPr/>
-          <p:nvPr/>
-        </p:nvSpPr>
-        <p:spPr>
-          <a:xfrm>
-            <a:off x="7643866" y="2175706"/>
-            <a:ext cx="1320622" cy="504056"/>
-          </a:xfrm>
-          <a:prstGeom prst="roundRect">
-            <a:avLst>
-              <a:gd name="adj" fmla="val 11578"/>
-            </a:avLst>
-          </a:prstGeom>
-          <a:noFill/>
-        </p:spPr>
-        <p:style>
-          <a:lnRef idx="2">
-            <a:schemeClr val="dk1"/>
-          </a:lnRef>
-          <a:fillRef idx="1">
-            <a:schemeClr val="lt1"/>
-          </a:fillRef>
-          <a:effectRef idx="0">
-            <a:schemeClr val="dk1"/>
-          </a:effectRef>
-          <a:fontRef idx="minor">
-            <a:schemeClr val="dk1"/>
-          </a:fontRef>
-        </p:style>
-        <p:txBody>
-          <a:bodyPr rtlCol="0" anchor="t"/>
-          <a:lstStyle/>
-          <a:p>
-            <a:pPr algn="ctr"/>
-            <a:r>
-              <a:rPr lang="en-US" altLang="ko-KR" sz="1200"/>
-              <a:t>enp0s3</a:t>
-            </a:r>
-            <a:endParaRPr lang="en-US" altLang="ko-KR" sz="1200" dirty="0"/>
-          </a:p>
-          <a:p>
-            <a:pPr algn="ctr"/>
-            <a:r>
-              <a:rPr lang="en-US" altLang="ko-KR" sz="1200"/>
-              <a:t>10.0.0.12</a:t>
-            </a:r>
-            <a:endParaRPr lang="en-US" altLang="ko-KR" sz="1200" dirty="0"/>
-          </a:p>
-          <a:p>
-            <a:pPr algn="ctr"/>
-            <a:endParaRPr lang="ko-KR" altLang="en-US" sz="1100" dirty="0"/>
-          </a:p>
-        </p:txBody>
-      </p:sp>
-      <p:cxnSp>
-        <p:nvCxnSpPr>
-          <p:cNvPr id="37" name="직선 연결선 36">
-            <a:extLst>
-              <a:ext uri="{FF2B5EF4-FFF2-40B4-BE49-F238E27FC236}">
-                <a16:creationId xmlns:a16="http://schemas.microsoft.com/office/drawing/2014/main" id="{B51BA3EC-5B06-4C3F-84DA-6012337062A5}"/>
-              </a:ext>
-            </a:extLst>
-          </p:cNvPr>
-          <p:cNvCxnSpPr>
-            <a:cxnSpLocks/>
-            <a:stCxn id="19" idx="2"/>
-            <a:endCxn id="47" idx="0"/>
-          </p:cNvCxnSpPr>
-          <p:nvPr/>
-        </p:nvCxnSpPr>
-        <p:spPr>
-          <a:xfrm>
-            <a:off x="843969" y="2679762"/>
-            <a:ext cx="2215863" cy="396044"/>
-          </a:xfrm>
-          <a:prstGeom prst="line">
-            <a:avLst/>
-          </a:prstGeom>
-          <a:ln w="28575">
-            <a:solidFill>
-              <a:schemeClr val="tx1"/>
-            </a:solidFill>
-          </a:ln>
-        </p:spPr>
-        <p:style>
-          <a:lnRef idx="1">
-            <a:schemeClr val="accent1"/>
-          </a:lnRef>
-          <a:fillRef idx="0">
-            <a:schemeClr val="accent1"/>
-          </a:fillRef>
-          <a:effectRef idx="0">
-            <a:schemeClr val="accent1"/>
-          </a:effectRef>
-          <a:fontRef idx="minor">
-            <a:schemeClr val="tx1"/>
-          </a:fontRef>
-        </p:style>
-      </p:cxnSp>
-      <p:cxnSp>
-        <p:nvCxnSpPr>
-          <p:cNvPr id="43" name="직선 연결선 42">
-            <a:extLst>
-              <a:ext uri="{FF2B5EF4-FFF2-40B4-BE49-F238E27FC236}">
-                <a16:creationId xmlns:a16="http://schemas.microsoft.com/office/drawing/2014/main" id="{D166F931-E4AF-47A5-8E66-DA86BB53BAEF}"/>
-              </a:ext>
-            </a:extLst>
-          </p:cNvPr>
-          <p:cNvCxnSpPr>
-            <a:cxnSpLocks/>
-            <a:stCxn id="30" idx="2"/>
-            <a:endCxn id="47" idx="0"/>
-          </p:cNvCxnSpPr>
-          <p:nvPr/>
-        </p:nvCxnSpPr>
-        <p:spPr>
-          <a:xfrm flipH="1">
-            <a:off x="3059832" y="2679762"/>
-            <a:ext cx="808473" cy="396044"/>
-          </a:xfrm>
-          <a:prstGeom prst="line">
-            <a:avLst/>
-          </a:prstGeom>
-          <a:ln w="28575">
-            <a:solidFill>
-              <a:schemeClr val="tx1"/>
-            </a:solidFill>
-          </a:ln>
-        </p:spPr>
-        <p:style>
-          <a:lnRef idx="1">
-            <a:schemeClr val="accent1"/>
-          </a:lnRef>
-          <a:fillRef idx="0">
-            <a:schemeClr val="accent1"/>
-          </a:fillRef>
-          <a:effectRef idx="0">
-            <a:schemeClr val="accent1"/>
-          </a:effectRef>
-          <a:fontRef idx="minor">
-            <a:schemeClr val="tx1"/>
-          </a:fontRef>
-        </p:style>
-      </p:cxnSp>
-      <p:cxnSp>
-        <p:nvCxnSpPr>
-          <p:cNvPr id="44" name="직선 연결선 43">
-            <a:extLst>
-              <a:ext uri="{FF2B5EF4-FFF2-40B4-BE49-F238E27FC236}">
-                <a16:creationId xmlns:a16="http://schemas.microsoft.com/office/drawing/2014/main" id="{795051FC-8211-4660-970C-D8907CA0FFF5}"/>
-              </a:ext>
-            </a:extLst>
-          </p:cNvPr>
-          <p:cNvCxnSpPr>
-            <a:cxnSpLocks/>
-            <a:stCxn id="34" idx="2"/>
-            <a:endCxn id="47" idx="0"/>
-          </p:cNvCxnSpPr>
-          <p:nvPr/>
-        </p:nvCxnSpPr>
-        <p:spPr>
-          <a:xfrm flipH="1">
-            <a:off x="3059832" y="2679762"/>
-            <a:ext cx="3832809" cy="396044"/>
-          </a:xfrm>
-          <a:prstGeom prst="line">
-            <a:avLst/>
-          </a:prstGeom>
-          <a:ln w="28575">
-            <a:solidFill>
-              <a:schemeClr val="tx1"/>
-            </a:solidFill>
-          </a:ln>
-        </p:spPr>
-        <p:style>
-          <a:lnRef idx="1">
-            <a:schemeClr val="accent1"/>
-          </a:lnRef>
-          <a:fillRef idx="0">
-            <a:schemeClr val="accent1"/>
-          </a:fillRef>
-          <a:effectRef idx="0">
-            <a:schemeClr val="accent1"/>
-          </a:effectRef>
-          <a:fontRef idx="minor">
-            <a:schemeClr val="tx1"/>
-          </a:fontRef>
-        </p:style>
-      </p:cxnSp>
-      <p:cxnSp>
-        <p:nvCxnSpPr>
-          <p:cNvPr id="53" name="직선 연결선 52">
-            <a:extLst>
-              <a:ext uri="{FF2B5EF4-FFF2-40B4-BE49-F238E27FC236}">
-                <a16:creationId xmlns:a16="http://schemas.microsoft.com/office/drawing/2014/main" id="{149959EF-465C-4A3D-AA34-BE750A1217A8}"/>
-              </a:ext>
-            </a:extLst>
-          </p:cNvPr>
-          <p:cNvCxnSpPr>
-            <a:cxnSpLocks/>
-            <a:stCxn id="24" idx="2"/>
-            <a:endCxn id="48" idx="0"/>
-          </p:cNvCxnSpPr>
-          <p:nvPr/>
-        </p:nvCxnSpPr>
-        <p:spPr>
-          <a:xfrm>
-            <a:off x="2255505" y="2679762"/>
-            <a:ext cx="3828663" cy="396044"/>
-          </a:xfrm>
-          <a:prstGeom prst="line">
-            <a:avLst/>
-          </a:prstGeom>
-          <a:ln w="28575">
-            <a:solidFill>
-              <a:schemeClr val="tx1"/>
-            </a:solidFill>
-          </a:ln>
-        </p:spPr>
-        <p:style>
-          <a:lnRef idx="1">
-            <a:schemeClr val="accent1"/>
-          </a:lnRef>
-          <a:fillRef idx="0">
-            <a:schemeClr val="accent1"/>
-          </a:fillRef>
-          <a:effectRef idx="0">
-            <a:schemeClr val="accent1"/>
-          </a:effectRef>
-          <a:fontRef idx="minor">
-            <a:schemeClr val="tx1"/>
-          </a:fontRef>
-        </p:style>
-      </p:cxnSp>
-      <p:cxnSp>
-        <p:nvCxnSpPr>
-          <p:cNvPr id="57" name="직선 연결선 56">
-            <a:extLst>
-              <a:ext uri="{FF2B5EF4-FFF2-40B4-BE49-F238E27FC236}">
-                <a16:creationId xmlns:a16="http://schemas.microsoft.com/office/drawing/2014/main" id="{FB84C5C8-CE0D-4A5D-AF70-ED0B71A99464}"/>
-              </a:ext>
-            </a:extLst>
-          </p:cNvPr>
-          <p:cNvCxnSpPr>
-            <a:cxnSpLocks/>
-            <a:stCxn id="31" idx="2"/>
-            <a:endCxn id="48" idx="0"/>
-          </p:cNvCxnSpPr>
-          <p:nvPr/>
-        </p:nvCxnSpPr>
-        <p:spPr>
-          <a:xfrm>
-            <a:off x="5279841" y="2679762"/>
-            <a:ext cx="804327" cy="396044"/>
-          </a:xfrm>
-          <a:prstGeom prst="line">
-            <a:avLst/>
-          </a:prstGeom>
-          <a:ln w="28575">
-            <a:solidFill>
-              <a:schemeClr val="tx1"/>
-            </a:solidFill>
-          </a:ln>
-        </p:spPr>
-        <p:style>
-          <a:lnRef idx="1">
-            <a:schemeClr val="accent1"/>
-          </a:lnRef>
-          <a:fillRef idx="0">
-            <a:schemeClr val="accent1"/>
-          </a:fillRef>
-          <a:effectRef idx="0">
-            <a:schemeClr val="accent1"/>
-          </a:effectRef>
-          <a:fontRef idx="minor">
-            <a:schemeClr val="tx1"/>
-          </a:fontRef>
-        </p:style>
-      </p:cxnSp>
-      <p:cxnSp>
-        <p:nvCxnSpPr>
-          <p:cNvPr id="59" name="직선 연결선 58">
-            <a:extLst>
-              <a:ext uri="{FF2B5EF4-FFF2-40B4-BE49-F238E27FC236}">
-                <a16:creationId xmlns:a16="http://schemas.microsoft.com/office/drawing/2014/main" id="{ECE875A0-34CB-48AA-9E79-A1F9FE7DCD3B}"/>
-              </a:ext>
-            </a:extLst>
-          </p:cNvPr>
-          <p:cNvCxnSpPr>
-            <a:cxnSpLocks/>
-            <a:stCxn id="35" idx="2"/>
-            <a:endCxn id="48" idx="0"/>
-          </p:cNvCxnSpPr>
-          <p:nvPr/>
-        </p:nvCxnSpPr>
-        <p:spPr>
-          <a:xfrm flipH="1">
-            <a:off x="6084168" y="2679762"/>
-            <a:ext cx="2220009" cy="396044"/>
-          </a:xfrm>
-          <a:prstGeom prst="line">
-            <a:avLst/>
-          </a:prstGeom>
-          <a:ln w="28575">
-            <a:solidFill>
-              <a:schemeClr val="tx1"/>
-            </a:solidFill>
-          </a:ln>
-        </p:spPr>
-        <p:style>
-          <a:lnRef idx="1">
-            <a:schemeClr val="accent1"/>
-          </a:lnRef>
-          <a:fillRef idx="0">
-            <a:schemeClr val="accent1"/>
-          </a:fillRef>
-          <a:effectRef idx="0">
-            <a:schemeClr val="accent1"/>
-          </a:effectRef>
-          <a:fontRef idx="minor">
-            <a:schemeClr val="tx1"/>
-          </a:fontRef>
-        </p:style>
-      </p:cxnSp>
-      <p:cxnSp>
-        <p:nvCxnSpPr>
-          <p:cNvPr id="61" name="직선 연결선 60">
-            <a:extLst>
-              <a:ext uri="{FF2B5EF4-FFF2-40B4-BE49-F238E27FC236}">
-                <a16:creationId xmlns:a16="http://schemas.microsoft.com/office/drawing/2014/main" id="{22CE2104-8D93-4E45-986A-BF7565E4A746}"/>
-              </a:ext>
-            </a:extLst>
-          </p:cNvPr>
-          <p:cNvCxnSpPr>
-            <a:cxnSpLocks/>
-            <a:stCxn id="47" idx="2"/>
-            <a:endCxn id="22" idx="3"/>
-          </p:cNvCxnSpPr>
-          <p:nvPr/>
-        </p:nvCxnSpPr>
-        <p:spPr>
-          <a:xfrm>
-            <a:off x="3059832" y="3579862"/>
-            <a:ext cx="0" cy="177344"/>
-          </a:xfrm>
-          <a:prstGeom prst="line">
-            <a:avLst/>
-          </a:prstGeom>
-          <a:ln w="28575">
-            <a:solidFill>
-              <a:schemeClr val="tx1"/>
-            </a:solidFill>
-          </a:ln>
-        </p:spPr>
-        <p:style>
-          <a:lnRef idx="1">
-            <a:schemeClr val="accent1"/>
-          </a:lnRef>
-          <a:fillRef idx="0">
-            <a:schemeClr val="accent1"/>
-          </a:fillRef>
-          <a:effectRef idx="0">
-            <a:schemeClr val="accent1"/>
-          </a:effectRef>
-          <a:fontRef idx="minor">
-            <a:schemeClr val="tx1"/>
-          </a:fontRef>
-        </p:style>
-      </p:cxnSp>
-      <p:sp>
-        <p:nvSpPr>
-          <p:cNvPr id="22" name="구름 21">
-            <a:extLst>
-              <a:ext uri="{FF2B5EF4-FFF2-40B4-BE49-F238E27FC236}">
-                <a16:creationId xmlns:a16="http://schemas.microsoft.com/office/drawing/2014/main" id="{984A4AF2-1077-4A0B-8B0B-A9B19F37D383}"/>
-              </a:ext>
-            </a:extLst>
-          </p:cNvPr>
-          <p:cNvSpPr/>
-          <p:nvPr/>
-        </p:nvSpPr>
-        <p:spPr>
-          <a:xfrm>
-            <a:off x="2411766" y="3723878"/>
-            <a:ext cx="1296132" cy="582910"/>
-          </a:xfrm>
-          <a:prstGeom prst="cloud">
-            <a:avLst/>
-          </a:prstGeom>
-        </p:spPr>
-        <p:style>
-          <a:lnRef idx="2">
-            <a:schemeClr val="dk1"/>
-          </a:lnRef>
-          <a:fillRef idx="1">
-            <a:schemeClr val="lt1"/>
-          </a:fillRef>
-          <a:effectRef idx="0">
-            <a:schemeClr val="dk1"/>
-          </a:effectRef>
-          <a:fontRef idx="minor">
-            <a:schemeClr val="dk1"/>
-          </a:fontRef>
-        </p:style>
-        <p:txBody>
-          <a:bodyPr rtlCol="0" anchor="ctr"/>
-          <a:lstStyle/>
-          <a:p>
-            <a:pPr algn="ctr"/>
-            <a:r>
-              <a:rPr lang="en-US" altLang="ko-KR" sz="1200"/>
-              <a:t>Public</a:t>
-            </a:r>
-          </a:p>
-          <a:p>
-            <a:pPr algn="ctr"/>
-            <a:r>
-              <a:rPr lang="en-US" altLang="ko-KR" sz="1200"/>
-              <a:t>Network</a:t>
-            </a:r>
-            <a:endParaRPr lang="ko-KR" altLang="en-US" sz="1200"/>
-          </a:p>
-        </p:txBody>
-      </p:sp>
-    </p:spTree>
-    <p:extLst>
-      <p:ext uri="{BB962C8B-B14F-4D97-AF65-F5344CB8AC3E}">
         <p14:creationId xmlns:p14="http://schemas.microsoft.com/office/powerpoint/2010/main" val="3846002544"/>
       </p:ext>
     </p:extLst>
@@ -6917,37 +9968,7 @@
 </p:sld>
 </file>
 
-<file path=ppt/slides/slide4.xml><?xml version="1.0" encoding="utf-8"?>
-<p:sld xmlns:a="http://schemas.openxmlformats.org/drawingml/2006/main" xmlns:r="http://schemas.openxmlformats.org/officeDocument/2006/relationships" xmlns:p="http://schemas.openxmlformats.org/presentationml/2006/main">
-  <p:cSld>
-    <p:spTree>
-      <p:nvGrpSpPr>
-        <p:cNvPr id="1" name=""/>
-        <p:cNvGrpSpPr/>
-        <p:nvPr/>
-      </p:nvGrpSpPr>
-      <p:grpSpPr>
-        <a:xfrm>
-          <a:off x="0" y="0"/>
-          <a:ext cx="0" cy="0"/>
-          <a:chOff x="0" y="0"/>
-          <a:chExt cx="0" cy="0"/>
-        </a:xfrm>
-      </p:grpSpPr>
-    </p:spTree>
-    <p:extLst>
-      <p:ext uri="{BB962C8B-B14F-4D97-AF65-F5344CB8AC3E}">
-        <p14:creationId xmlns:p14="http://schemas.microsoft.com/office/powerpoint/2010/main" val="2400061658"/>
-      </p:ext>
-    </p:extLst>
-  </p:cSld>
-  <p:clrMapOvr>
-    <a:masterClrMapping/>
-  </p:clrMapOvr>
-</p:sld>
-</file>
-
-<file path=ppt/slides/slide5.xml><?xml version="1.0" encoding="utf-8"?>
+<file path=ppt/slides/slide7.xml><?xml version="1.0" encoding="utf-8"?>
 <p:sld xmlns:a="http://schemas.openxmlformats.org/drawingml/2006/main" xmlns:r="http://schemas.openxmlformats.org/officeDocument/2006/relationships" xmlns:p="http://schemas.openxmlformats.org/presentationml/2006/main">
   <p:cSld>
     <p:spTree>

--- a/images/record/ODROID-H2_Cluster_Build/ODROID-H2_Cluster_Build.pptx
+++ b/images/record/ODROID-H2_Cluster_Build/ODROID-H2_Cluster_Build.pptx
@@ -219,7 +219,7 @@
           <a:p>
             <a:fld id="{6CD5550B-26C4-49A9-A5BA-636EF7BE6CE9}" type="datetimeFigureOut">
               <a:rPr lang="ko-KR" altLang="en-US" smtClean="0"/>
-              <a:t>2019-07-03</a:t>
+              <a:t>2019-07-06</a:t>
             </a:fld>
             <a:endParaRPr lang="ko-KR" altLang="en-US"/>
           </a:p>
@@ -1169,7 +1169,7 @@
           <a:p>
             <a:fld id="{FB30EDBD-1C2D-4C1E-B459-B60219FAB484}" type="datetimeFigureOut">
               <a:rPr lang="ko-KR" altLang="en-US" smtClean="0"/>
-              <a:t>2019-07-03</a:t>
+              <a:t>2019-07-06</a:t>
             </a:fld>
             <a:endParaRPr lang="ko-KR" altLang="en-US"/>
           </a:p>
@@ -1332,7 +1332,7 @@
           <a:p>
             <a:fld id="{FB30EDBD-1C2D-4C1E-B459-B60219FAB484}" type="datetimeFigureOut">
               <a:rPr lang="ko-KR" altLang="en-US" smtClean="0"/>
-              <a:t>2019-07-03</a:t>
+              <a:t>2019-07-06</a:t>
             </a:fld>
             <a:endParaRPr lang="ko-KR" altLang="en-US"/>
           </a:p>
@@ -1505,7 +1505,7 @@
           <a:p>
             <a:fld id="{FB30EDBD-1C2D-4C1E-B459-B60219FAB484}" type="datetimeFigureOut">
               <a:rPr lang="ko-KR" altLang="en-US" smtClean="0"/>
-              <a:t>2019-07-03</a:t>
+              <a:t>2019-07-06</a:t>
             </a:fld>
             <a:endParaRPr lang="ko-KR" altLang="en-US"/>
           </a:p>
@@ -1668,7 +1668,7 @@
           <a:p>
             <a:fld id="{FB30EDBD-1C2D-4C1E-B459-B60219FAB484}" type="datetimeFigureOut">
               <a:rPr lang="ko-KR" altLang="en-US" smtClean="0"/>
-              <a:t>2019-07-03</a:t>
+              <a:t>2019-07-06</a:t>
             </a:fld>
             <a:endParaRPr lang="ko-KR" altLang="en-US"/>
           </a:p>
@@ -1908,7 +1908,7 @@
           <a:p>
             <a:fld id="{FB30EDBD-1C2D-4C1E-B459-B60219FAB484}" type="datetimeFigureOut">
               <a:rPr lang="ko-KR" altLang="en-US" smtClean="0"/>
-              <a:t>2019-07-03</a:t>
+              <a:t>2019-07-06</a:t>
             </a:fld>
             <a:endParaRPr lang="ko-KR" altLang="en-US"/>
           </a:p>
@@ -2188,7 +2188,7 @@
           <a:p>
             <a:fld id="{FB30EDBD-1C2D-4C1E-B459-B60219FAB484}" type="datetimeFigureOut">
               <a:rPr lang="ko-KR" altLang="en-US" smtClean="0"/>
-              <a:t>2019-07-03</a:t>
+              <a:t>2019-07-06</a:t>
             </a:fld>
             <a:endParaRPr lang="ko-KR" altLang="en-US"/>
           </a:p>
@@ -2602,7 +2602,7 @@
           <a:p>
             <a:fld id="{FB30EDBD-1C2D-4C1E-B459-B60219FAB484}" type="datetimeFigureOut">
               <a:rPr lang="ko-KR" altLang="en-US" smtClean="0"/>
-              <a:t>2019-07-03</a:t>
+              <a:t>2019-07-06</a:t>
             </a:fld>
             <a:endParaRPr lang="ko-KR" altLang="en-US"/>
           </a:p>
@@ -2714,7 +2714,7 @@
           <a:p>
             <a:fld id="{FB30EDBD-1C2D-4C1E-B459-B60219FAB484}" type="datetimeFigureOut">
               <a:rPr lang="ko-KR" altLang="en-US" smtClean="0"/>
-              <a:t>2019-07-03</a:t>
+              <a:t>2019-07-06</a:t>
             </a:fld>
             <a:endParaRPr lang="ko-KR" altLang="en-US"/>
           </a:p>
@@ -2804,7 +2804,7 @@
           <a:p>
             <a:fld id="{FB30EDBD-1C2D-4C1E-B459-B60219FAB484}" type="datetimeFigureOut">
               <a:rPr lang="ko-KR" altLang="en-US" smtClean="0"/>
-              <a:t>2019-07-03</a:t>
+              <a:t>2019-07-06</a:t>
             </a:fld>
             <a:endParaRPr lang="ko-KR" altLang="en-US"/>
           </a:p>
@@ -3074,7 +3074,7 @@
           <a:p>
             <a:fld id="{FB30EDBD-1C2D-4C1E-B459-B60219FAB484}" type="datetimeFigureOut">
               <a:rPr lang="ko-KR" altLang="en-US" smtClean="0"/>
-              <a:t>2019-07-03</a:t>
+              <a:t>2019-07-06</a:t>
             </a:fld>
             <a:endParaRPr lang="ko-KR" altLang="en-US"/>
           </a:p>
@@ -3321,7 +3321,7 @@
           <a:p>
             <a:fld id="{FB30EDBD-1C2D-4C1E-B459-B60219FAB484}" type="datetimeFigureOut">
               <a:rPr lang="ko-KR" altLang="en-US" smtClean="0"/>
-              <a:t>2019-07-03</a:t>
+              <a:t>2019-07-06</a:t>
             </a:fld>
             <a:endParaRPr lang="ko-KR" altLang="en-US"/>
           </a:p>
@@ -3527,7 +3527,7 @@
           <a:p>
             <a:fld id="{FB30EDBD-1C2D-4C1E-B459-B60219FAB484}" type="datetimeFigureOut">
               <a:rPr lang="ko-KR" altLang="en-US" smtClean="0"/>
-              <a:t>2019-07-03</a:t>
+              <a:t>2019-07-06</a:t>
             </a:fld>
             <a:endParaRPr lang="ko-KR" altLang="en-US"/>
           </a:p>
@@ -5438,63 +5438,6 @@
       </p:sp>
       <p:sp>
         <p:nvSpPr>
-          <p:cNvPr id="19" name="모서리가 둥근 직사각형 18"/>
-          <p:cNvSpPr/>
-          <p:nvPr/>
-        </p:nvSpPr>
-        <p:spPr>
-          <a:xfrm>
-            <a:off x="108665" y="2535746"/>
-            <a:ext cx="1350348" cy="504056"/>
-          </a:xfrm>
-          <a:prstGeom prst="roundRect">
-            <a:avLst>
-              <a:gd name="adj" fmla="val 11578"/>
-            </a:avLst>
-          </a:prstGeom>
-          <a:noFill/>
-        </p:spPr>
-        <p:style>
-          <a:lnRef idx="2">
-            <a:schemeClr val="dk1"/>
-          </a:lnRef>
-          <a:fillRef idx="1">
-            <a:schemeClr val="lt1"/>
-          </a:fillRef>
-          <a:effectRef idx="0">
-            <a:schemeClr val="dk1"/>
-          </a:effectRef>
-          <a:fontRef idx="minor">
-            <a:schemeClr val="dk1"/>
-          </a:fontRef>
-        </p:style>
-        <p:txBody>
-          <a:bodyPr rtlCol="0" anchor="t"/>
-          <a:lstStyle/>
-          <a:p>
-            <a:pPr algn="ctr"/>
-            <a:r>
-              <a:rPr lang="en-US" altLang="ko-KR" sz="1200"/>
-              <a:t>enp0s2</a:t>
-            </a:r>
-            <a:endParaRPr lang="en-US" altLang="ko-KR" sz="1200" dirty="0"/>
-          </a:p>
-          <a:p>
-            <a:pPr algn="ctr"/>
-            <a:r>
-              <a:rPr lang="en-US" altLang="ko-KR" sz="1200"/>
-              <a:t>192.168.0.30</a:t>
-            </a:r>
-            <a:endParaRPr lang="en-US" altLang="ko-KR" sz="1200" dirty="0"/>
-          </a:p>
-          <a:p>
-            <a:pPr algn="ctr"/>
-            <a:endParaRPr lang="ko-KR" altLang="en-US" sz="1100" dirty="0"/>
-          </a:p>
-        </p:txBody>
-      </p:sp>
-      <p:sp>
-        <p:nvSpPr>
           <p:cNvPr id="24" name="모서리가 둥근 직사각형 23"/>
           <p:cNvSpPr/>
           <p:nvPr/>
@@ -5665,69 +5608,6 @@
       </p:sp>
       <p:sp>
         <p:nvSpPr>
-          <p:cNvPr id="30" name="모서리가 둥근 직사각형 18">
-            <a:extLst>
-              <a:ext uri="{FF2B5EF4-FFF2-40B4-BE49-F238E27FC236}">
-                <a16:creationId xmlns:a16="http://schemas.microsoft.com/office/drawing/2014/main" id="{179755E0-978F-410D-B265-06B3F3BB3500}"/>
-              </a:ext>
-            </a:extLst>
-          </p:cNvPr>
-          <p:cNvSpPr/>
-          <p:nvPr/>
-        </p:nvSpPr>
-        <p:spPr>
-          <a:xfrm>
-            <a:off x="3181781" y="2535746"/>
-            <a:ext cx="1350348" cy="504056"/>
-          </a:xfrm>
-          <a:prstGeom prst="roundRect">
-            <a:avLst>
-              <a:gd name="adj" fmla="val 11578"/>
-            </a:avLst>
-          </a:prstGeom>
-          <a:noFill/>
-        </p:spPr>
-        <p:style>
-          <a:lnRef idx="2">
-            <a:schemeClr val="dk1"/>
-          </a:lnRef>
-          <a:fillRef idx="1">
-            <a:schemeClr val="lt1"/>
-          </a:fillRef>
-          <a:effectRef idx="0">
-            <a:schemeClr val="dk1"/>
-          </a:effectRef>
-          <a:fontRef idx="minor">
-            <a:schemeClr val="dk1"/>
-          </a:fontRef>
-        </p:style>
-        <p:txBody>
-          <a:bodyPr rtlCol="0" anchor="t"/>
-          <a:lstStyle/>
-          <a:p>
-            <a:pPr algn="ctr"/>
-            <a:r>
-              <a:rPr lang="en-US" altLang="ko-KR" sz="1200"/>
-              <a:t>enp0s2</a:t>
-            </a:r>
-            <a:endParaRPr lang="en-US" altLang="ko-KR" sz="1200" dirty="0"/>
-          </a:p>
-          <a:p>
-            <a:pPr algn="ctr"/>
-            <a:r>
-              <a:rPr lang="en-US" altLang="ko-KR" sz="1200"/>
-              <a:t>192.168.0.31</a:t>
-            </a:r>
-            <a:endParaRPr lang="en-US" altLang="ko-KR" sz="1200" dirty="0"/>
-          </a:p>
-          <a:p>
-            <a:pPr algn="ctr"/>
-            <a:endParaRPr lang="ko-KR" altLang="en-US" sz="1100" dirty="0"/>
-          </a:p>
-        </p:txBody>
-      </p:sp>
-      <p:sp>
-        <p:nvSpPr>
           <p:cNvPr id="31" name="모서리가 둥근 직사각형 23">
             <a:extLst>
               <a:ext uri="{FF2B5EF4-FFF2-40B4-BE49-F238E27FC236}">
@@ -5840,69 +5720,6 @@
           <a:p>
             <a:pPr algn="ctr"/>
             <a:endParaRPr lang="ko-KR" altLang="en-US" sz="1600" dirty="0"/>
-          </a:p>
-        </p:txBody>
-      </p:sp>
-      <p:sp>
-        <p:nvSpPr>
-          <p:cNvPr id="34" name="모서리가 둥근 직사각형 18">
-            <a:extLst>
-              <a:ext uri="{FF2B5EF4-FFF2-40B4-BE49-F238E27FC236}">
-                <a16:creationId xmlns:a16="http://schemas.microsoft.com/office/drawing/2014/main" id="{26F7F766-C795-40E1-8025-59E338CADCB8}"/>
-              </a:ext>
-            </a:extLst>
-          </p:cNvPr>
-          <p:cNvSpPr/>
-          <p:nvPr/>
-        </p:nvSpPr>
-        <p:spPr>
-          <a:xfrm>
-            <a:off x="6254897" y="2535746"/>
-            <a:ext cx="1350348" cy="504056"/>
-          </a:xfrm>
-          <a:prstGeom prst="roundRect">
-            <a:avLst>
-              <a:gd name="adj" fmla="val 11578"/>
-            </a:avLst>
-          </a:prstGeom>
-          <a:noFill/>
-        </p:spPr>
-        <p:style>
-          <a:lnRef idx="2">
-            <a:schemeClr val="dk1"/>
-          </a:lnRef>
-          <a:fillRef idx="1">
-            <a:schemeClr val="lt1"/>
-          </a:fillRef>
-          <a:effectRef idx="0">
-            <a:schemeClr val="dk1"/>
-          </a:effectRef>
-          <a:fontRef idx="minor">
-            <a:schemeClr val="dk1"/>
-          </a:fontRef>
-        </p:style>
-        <p:txBody>
-          <a:bodyPr rtlCol="0" anchor="t"/>
-          <a:lstStyle/>
-          <a:p>
-            <a:pPr algn="ctr"/>
-            <a:r>
-              <a:rPr lang="en-US" altLang="ko-KR" sz="1200"/>
-              <a:t>enp0s2</a:t>
-            </a:r>
-            <a:endParaRPr lang="en-US" altLang="ko-KR" sz="1200" dirty="0"/>
-          </a:p>
-          <a:p>
-            <a:pPr algn="ctr"/>
-            <a:r>
-              <a:rPr lang="en-US" altLang="ko-KR" sz="1200"/>
-              <a:t>192.168.0.32</a:t>
-            </a:r>
-            <a:endParaRPr lang="en-US" altLang="ko-KR" sz="1200" dirty="0"/>
-          </a:p>
-          <a:p>
-            <a:pPr algn="ctr"/>
-            <a:endParaRPr lang="ko-KR" altLang="en-US" sz="1100" dirty="0"/>
           </a:p>
         </p:txBody>
       </p:sp>

--- a/images/record/ODROID-H2_Cluster_Build/ODROID-H2_Cluster_Build.pptx
+++ b/images/record/ODROID-H2_Cluster_Build/ODROID-H2_Cluster_Build.pptx
@@ -216,7 +216,7 @@
           <a:p>
             <a:fld id="{6CD5550B-26C4-49A9-A5BA-636EF7BE6CE9}" type="datetimeFigureOut">
               <a:rPr lang="ko-KR" altLang="en-US" smtClean="0"/>
-              <a:t>2019-07-07</a:t>
+              <a:t>2019-07-09</a:t>
             </a:fld>
             <a:endParaRPr lang="ko-KR" altLang="en-US"/>
           </a:p>
@@ -914,7 +914,7 @@
           <a:p>
             <a:fld id="{FB30EDBD-1C2D-4C1E-B459-B60219FAB484}" type="datetimeFigureOut">
               <a:rPr lang="ko-KR" altLang="en-US" smtClean="0"/>
-              <a:t>2019-07-07</a:t>
+              <a:t>2019-07-09</a:t>
             </a:fld>
             <a:endParaRPr lang="ko-KR" altLang="en-US"/>
           </a:p>
@@ -1077,7 +1077,7 @@
           <a:p>
             <a:fld id="{FB30EDBD-1C2D-4C1E-B459-B60219FAB484}" type="datetimeFigureOut">
               <a:rPr lang="ko-KR" altLang="en-US" smtClean="0"/>
-              <a:t>2019-07-07</a:t>
+              <a:t>2019-07-09</a:t>
             </a:fld>
             <a:endParaRPr lang="ko-KR" altLang="en-US"/>
           </a:p>
@@ -1250,7 +1250,7 @@
           <a:p>
             <a:fld id="{FB30EDBD-1C2D-4C1E-B459-B60219FAB484}" type="datetimeFigureOut">
               <a:rPr lang="ko-KR" altLang="en-US" smtClean="0"/>
-              <a:t>2019-07-07</a:t>
+              <a:t>2019-07-09</a:t>
             </a:fld>
             <a:endParaRPr lang="ko-KR" altLang="en-US"/>
           </a:p>
@@ -1413,7 +1413,7 @@
           <a:p>
             <a:fld id="{FB30EDBD-1C2D-4C1E-B459-B60219FAB484}" type="datetimeFigureOut">
               <a:rPr lang="ko-KR" altLang="en-US" smtClean="0"/>
-              <a:t>2019-07-07</a:t>
+              <a:t>2019-07-09</a:t>
             </a:fld>
             <a:endParaRPr lang="ko-KR" altLang="en-US"/>
           </a:p>
@@ -1653,7 +1653,7 @@
           <a:p>
             <a:fld id="{FB30EDBD-1C2D-4C1E-B459-B60219FAB484}" type="datetimeFigureOut">
               <a:rPr lang="ko-KR" altLang="en-US" smtClean="0"/>
-              <a:t>2019-07-07</a:t>
+              <a:t>2019-07-09</a:t>
             </a:fld>
             <a:endParaRPr lang="ko-KR" altLang="en-US"/>
           </a:p>
@@ -1933,7 +1933,7 @@
           <a:p>
             <a:fld id="{FB30EDBD-1C2D-4C1E-B459-B60219FAB484}" type="datetimeFigureOut">
               <a:rPr lang="ko-KR" altLang="en-US" smtClean="0"/>
-              <a:t>2019-07-07</a:t>
+              <a:t>2019-07-09</a:t>
             </a:fld>
             <a:endParaRPr lang="ko-KR" altLang="en-US"/>
           </a:p>
@@ -2347,7 +2347,7 @@
           <a:p>
             <a:fld id="{FB30EDBD-1C2D-4C1E-B459-B60219FAB484}" type="datetimeFigureOut">
               <a:rPr lang="ko-KR" altLang="en-US" smtClean="0"/>
-              <a:t>2019-07-07</a:t>
+              <a:t>2019-07-09</a:t>
             </a:fld>
             <a:endParaRPr lang="ko-KR" altLang="en-US"/>
           </a:p>
@@ -2459,7 +2459,7 @@
           <a:p>
             <a:fld id="{FB30EDBD-1C2D-4C1E-B459-B60219FAB484}" type="datetimeFigureOut">
               <a:rPr lang="ko-KR" altLang="en-US" smtClean="0"/>
-              <a:t>2019-07-07</a:t>
+              <a:t>2019-07-09</a:t>
             </a:fld>
             <a:endParaRPr lang="ko-KR" altLang="en-US"/>
           </a:p>
@@ -2549,7 +2549,7 @@
           <a:p>
             <a:fld id="{FB30EDBD-1C2D-4C1E-B459-B60219FAB484}" type="datetimeFigureOut">
               <a:rPr lang="ko-KR" altLang="en-US" smtClean="0"/>
-              <a:t>2019-07-07</a:t>
+              <a:t>2019-07-09</a:t>
             </a:fld>
             <a:endParaRPr lang="ko-KR" altLang="en-US"/>
           </a:p>
@@ -2819,7 +2819,7 @@
           <a:p>
             <a:fld id="{FB30EDBD-1C2D-4C1E-B459-B60219FAB484}" type="datetimeFigureOut">
               <a:rPr lang="ko-KR" altLang="en-US" smtClean="0"/>
-              <a:t>2019-07-07</a:t>
+              <a:t>2019-07-09</a:t>
             </a:fld>
             <a:endParaRPr lang="ko-KR" altLang="en-US"/>
           </a:p>
@@ -3066,7 +3066,7 @@
           <a:p>
             <a:fld id="{FB30EDBD-1C2D-4C1E-B459-B60219FAB484}" type="datetimeFigureOut">
               <a:rPr lang="ko-KR" altLang="en-US" smtClean="0"/>
-              <a:t>2019-07-07</a:t>
+              <a:t>2019-07-09</a:t>
             </a:fld>
             <a:endParaRPr lang="ko-KR" altLang="en-US"/>
           </a:p>
@@ -3272,7 +3272,7 @@
           <a:p>
             <a:fld id="{FB30EDBD-1C2D-4C1E-B459-B60219FAB484}" type="datetimeFigureOut">
               <a:rPr lang="ko-KR" altLang="en-US" smtClean="0"/>
-              <a:t>2019-07-07</a:t>
+              <a:t>2019-07-09</a:t>
             </a:fld>
             <a:endParaRPr lang="ko-KR" altLang="en-US"/>
           </a:p>
@@ -5071,7 +5071,7 @@
         <p:spPr>
           <a:xfrm>
             <a:off x="3108612" y="3429002"/>
-            <a:ext cx="2926777" cy="958700"/>
+            <a:ext cx="2926777" cy="1158972"/>
           </a:xfrm>
           <a:prstGeom prst="roundRect">
             <a:avLst>
@@ -5101,8 +5101,16 @@
             <a:pPr algn="ctr"/>
             <a:r>
               <a:rPr lang="en-US" altLang="ko-KR" sz="1600" b="1"/>
-              <a:t>Node 04 : VM</a:t>
-            </a:r>
+              <a:t>Node 09 : VM</a:t>
+            </a:r>
+          </a:p>
+          <a:p>
+            <a:pPr algn="ctr"/>
+            <a:r>
+              <a:rPr lang="en-US" altLang="ko-KR" sz="1400"/>
+              <a:t>CPU : 2 Core / Memory : 8GB</a:t>
+            </a:r>
+            <a:endParaRPr lang="ko-KR" altLang="en-US" sz="1400"/>
           </a:p>
           <a:p>
             <a:pPr algn="ctr"/>
@@ -5124,7 +5132,7 @@
         </p:nvSpPr>
         <p:spPr>
           <a:xfrm>
-            <a:off x="3181781" y="3799928"/>
+            <a:off x="3181781" y="4011910"/>
             <a:ext cx="1350348" cy="504056"/>
           </a:xfrm>
           <a:prstGeom prst="roundRect">
@@ -5185,7 +5193,7 @@
         </p:nvSpPr>
         <p:spPr>
           <a:xfrm>
-            <a:off x="4620297" y="3799928"/>
+            <a:off x="4620297" y="4011910"/>
             <a:ext cx="1341922" cy="504056"/>
           </a:xfrm>
           <a:prstGeom prst="roundRect">
@@ -5252,7 +5260,7 @@
         <p:spPr>
           <a:xfrm flipH="1" flipV="1">
             <a:off x="2355428" y="3795886"/>
-            <a:ext cx="826353" cy="256070"/>
+            <a:ext cx="826353" cy="468052"/>
           </a:xfrm>
           <a:prstGeom prst="line">
             <a:avLst/>
@@ -5297,7 +5305,7 @@
         <p:spPr>
           <a:xfrm flipV="1">
             <a:off x="5962219" y="3795886"/>
-            <a:ext cx="832300" cy="256070"/>
+            <a:ext cx="832300" cy="468052"/>
           </a:xfrm>
           <a:prstGeom prst="line">
             <a:avLst/>
@@ -5391,8 +5399,8 @@
         </p:nvSpPr>
         <p:spPr>
           <a:xfrm>
-            <a:off x="35496" y="1563638"/>
-            <a:ext cx="2926777" cy="1548171"/>
+            <a:off x="35496" y="1332614"/>
+            <a:ext cx="2926777" cy="1779195"/>
           </a:xfrm>
           <a:prstGeom prst="roundRect">
             <a:avLst>
@@ -5422,7 +5430,7 @@
             <a:pPr algn="ctr"/>
             <a:r>
               <a:rPr lang="en-US" altLang="ko-KR" sz="1600" b="1"/>
-              <a:t>Node 01 : Monitor, OSD</a:t>
+              <a:t>Node 01 : Monitor, OSD, Manager</a:t>
             </a:r>
           </a:p>
         </p:txBody>
@@ -5498,8 +5506,8 @@
         </p:nvSpPr>
         <p:spPr>
           <a:xfrm>
-            <a:off x="3108612" y="1563638"/>
-            <a:ext cx="2926777" cy="1548171"/>
+            <a:off x="3108612" y="1332614"/>
+            <a:ext cx="2926777" cy="1779195"/>
           </a:xfrm>
           <a:prstGeom prst="roundRect">
             <a:avLst>
@@ -5529,7 +5537,7 @@
             <a:pPr algn="ctr"/>
             <a:r>
               <a:rPr lang="en-US" altLang="ko-KR" sz="1600" b="1"/>
-              <a:t>Node 02 : Monitor, OSD</a:t>
+              <a:t>Node 02 : Monitor, OSD, Manager</a:t>
             </a:r>
           </a:p>
           <a:p>
@@ -5615,8 +5623,8 @@
         </p:nvSpPr>
         <p:spPr>
           <a:xfrm>
-            <a:off x="6181727" y="1563638"/>
-            <a:ext cx="2926777" cy="1548171"/>
+            <a:off x="6181727" y="1332614"/>
+            <a:ext cx="2926777" cy="1779195"/>
           </a:xfrm>
           <a:prstGeom prst="roundRect">
             <a:avLst>
@@ -5646,7 +5654,7 @@
             <a:pPr algn="ctr"/>
             <a:r>
               <a:rPr lang="en-US" altLang="ko-KR" sz="1600" b="1"/>
-              <a:t>Node 03 : Monitor, OSD</a:t>
+              <a:t>Node 03 : Monitor, OSD, Manager</a:t>
             </a:r>
           </a:p>
           <a:p>
@@ -6375,74 +6383,12 @@
             <a:pPr algn="ctr"/>
             <a:r>
               <a:rPr lang="en-US" altLang="ko-KR" sz="1600" b="1"/>
-              <a:t>Node 04 : Deploy</a:t>
+              <a:t>Node 09 : Deploy</a:t>
             </a:r>
           </a:p>
           <a:p>
             <a:pPr algn="ctr"/>
             <a:endParaRPr lang="ko-KR" altLang="en-US" sz="1600" dirty="0"/>
-          </a:p>
-        </p:txBody>
-      </p:sp>
-      <p:sp>
-        <p:nvSpPr>
-          <p:cNvPr id="44" name="모서리가 둥근 직사각형 18">
-            <a:extLst>
-              <a:ext uri="{FF2B5EF4-FFF2-40B4-BE49-F238E27FC236}">
-                <a16:creationId xmlns:a16="http://schemas.microsoft.com/office/drawing/2014/main" id="{407E5BFF-B06D-498C-BAF3-9E9F19C2F81C}"/>
-              </a:ext>
-            </a:extLst>
-          </p:cNvPr>
-          <p:cNvSpPr/>
-          <p:nvPr/>
-        </p:nvSpPr>
-        <p:spPr>
-          <a:xfrm>
-            <a:off x="3181781" y="3799928"/>
-            <a:ext cx="1350348" cy="504056"/>
-          </a:xfrm>
-          <a:prstGeom prst="roundRect">
-            <a:avLst>
-              <a:gd name="adj" fmla="val 11578"/>
-            </a:avLst>
-          </a:prstGeom>
-          <a:noFill/>
-        </p:spPr>
-        <p:style>
-          <a:lnRef idx="2">
-            <a:schemeClr val="dk1"/>
-          </a:lnRef>
-          <a:fillRef idx="1">
-            <a:schemeClr val="lt1"/>
-          </a:fillRef>
-          <a:effectRef idx="0">
-            <a:schemeClr val="dk1"/>
-          </a:effectRef>
-          <a:fontRef idx="minor">
-            <a:schemeClr val="dk1"/>
-          </a:fontRef>
-        </p:style>
-        <p:txBody>
-          <a:bodyPr rtlCol="0" anchor="t"/>
-          <a:lstStyle/>
-          <a:p>
-            <a:pPr algn="ctr"/>
-            <a:r>
-              <a:rPr lang="en-US" altLang="ko-KR" sz="1200"/>
-              <a:t>eth0</a:t>
-            </a:r>
-          </a:p>
-          <a:p>
-            <a:pPr algn="ctr"/>
-            <a:r>
-              <a:rPr lang="en-US" altLang="ko-KR" sz="1200"/>
-              <a:t>192.168.0.39</a:t>
-            </a:r>
-            <a:endParaRPr lang="en-US" altLang="ko-KR" sz="1200" dirty="0"/>
-          </a:p>
-          <a:p>
-            <a:pPr algn="ctr"/>
-            <a:endParaRPr lang="ko-KR" altLang="en-US" sz="1100" dirty="0"/>
           </a:p>
         </p:txBody>
       </p:sp>
@@ -7801,7 +7747,7 @@
         <p:spPr>
           <a:xfrm flipH="1" flipV="1">
             <a:off x="2355428" y="3939902"/>
-            <a:ext cx="826353" cy="112054"/>
+            <a:ext cx="826353" cy="366564"/>
           </a:xfrm>
           <a:prstGeom prst="line">
             <a:avLst/>
@@ -7846,7 +7792,7 @@
         <p:spPr>
           <a:xfrm flipV="1">
             <a:off x="5962219" y="3795886"/>
-            <a:ext cx="832300" cy="256070"/>
+            <a:ext cx="832300" cy="510580"/>
           </a:xfrm>
           <a:prstGeom prst="line">
             <a:avLst/>
@@ -7886,8 +7832,8 @@
         </p:nvSpPr>
         <p:spPr>
           <a:xfrm>
-            <a:off x="3108612" y="3429002"/>
-            <a:ext cx="2926777" cy="958700"/>
+            <a:off x="3108612" y="3429001"/>
+            <a:ext cx="2926777" cy="1206794"/>
           </a:xfrm>
           <a:prstGeom prst="roundRect">
             <a:avLst>
@@ -7917,7 +7863,7 @@
             <a:pPr algn="ctr"/>
             <a:r>
               <a:rPr lang="en-US" altLang="ko-KR" sz="1600" b="1"/>
-              <a:t>Node 04 : Deploy</a:t>
+              <a:t>Node 09 : Monitoring, Deploy</a:t>
             </a:r>
           </a:p>
           <a:p>
@@ -7940,7 +7886,7 @@
         </p:nvSpPr>
         <p:spPr>
           <a:xfrm>
-            <a:off x="3181781" y="3799928"/>
+            <a:off x="3181781" y="4054438"/>
             <a:ext cx="1350348" cy="504056"/>
           </a:xfrm>
           <a:prstGeom prst="roundRect">
@@ -8002,7 +7948,7 @@
         </p:nvSpPr>
         <p:spPr>
           <a:xfrm>
-            <a:off x="4620297" y="3799928"/>
+            <a:off x="4620297" y="4054438"/>
             <a:ext cx="1341922" cy="504056"/>
           </a:xfrm>
           <a:prstGeom prst="roundRect">

--- a/images/record/ODROID-H2_Cluster_Build/ODROID-H2_Cluster_Build.pptx
+++ b/images/record/ODROID-H2_Cluster_Build/ODROID-H2_Cluster_Build.pptx
@@ -216,7 +216,7 @@
           <a:p>
             <a:fld id="{6CD5550B-26C4-49A9-A5BA-636EF7BE6CE9}" type="datetimeFigureOut">
               <a:rPr lang="ko-KR" altLang="en-US" smtClean="0"/>
-              <a:t>2019-07-09</a:t>
+              <a:t>2019-07-14</a:t>
             </a:fld>
             <a:endParaRPr lang="ko-KR" altLang="en-US"/>
           </a:p>
@@ -914,7 +914,7 @@
           <a:p>
             <a:fld id="{FB30EDBD-1C2D-4C1E-B459-B60219FAB484}" type="datetimeFigureOut">
               <a:rPr lang="ko-KR" altLang="en-US" smtClean="0"/>
-              <a:t>2019-07-09</a:t>
+              <a:t>2019-07-14</a:t>
             </a:fld>
             <a:endParaRPr lang="ko-KR" altLang="en-US"/>
           </a:p>
@@ -1077,7 +1077,7 @@
           <a:p>
             <a:fld id="{FB30EDBD-1C2D-4C1E-B459-B60219FAB484}" type="datetimeFigureOut">
               <a:rPr lang="ko-KR" altLang="en-US" smtClean="0"/>
-              <a:t>2019-07-09</a:t>
+              <a:t>2019-07-14</a:t>
             </a:fld>
             <a:endParaRPr lang="ko-KR" altLang="en-US"/>
           </a:p>
@@ -1250,7 +1250,7 @@
           <a:p>
             <a:fld id="{FB30EDBD-1C2D-4C1E-B459-B60219FAB484}" type="datetimeFigureOut">
               <a:rPr lang="ko-KR" altLang="en-US" smtClean="0"/>
-              <a:t>2019-07-09</a:t>
+              <a:t>2019-07-14</a:t>
             </a:fld>
             <a:endParaRPr lang="ko-KR" altLang="en-US"/>
           </a:p>
@@ -1413,7 +1413,7 @@
           <a:p>
             <a:fld id="{FB30EDBD-1C2D-4C1E-B459-B60219FAB484}" type="datetimeFigureOut">
               <a:rPr lang="ko-KR" altLang="en-US" smtClean="0"/>
-              <a:t>2019-07-09</a:t>
+              <a:t>2019-07-14</a:t>
             </a:fld>
             <a:endParaRPr lang="ko-KR" altLang="en-US"/>
           </a:p>
@@ -1653,7 +1653,7 @@
           <a:p>
             <a:fld id="{FB30EDBD-1C2D-4C1E-B459-B60219FAB484}" type="datetimeFigureOut">
               <a:rPr lang="ko-KR" altLang="en-US" smtClean="0"/>
-              <a:t>2019-07-09</a:t>
+              <a:t>2019-07-14</a:t>
             </a:fld>
             <a:endParaRPr lang="ko-KR" altLang="en-US"/>
           </a:p>
@@ -1933,7 +1933,7 @@
           <a:p>
             <a:fld id="{FB30EDBD-1C2D-4C1E-B459-B60219FAB484}" type="datetimeFigureOut">
               <a:rPr lang="ko-KR" altLang="en-US" smtClean="0"/>
-              <a:t>2019-07-09</a:t>
+              <a:t>2019-07-14</a:t>
             </a:fld>
             <a:endParaRPr lang="ko-KR" altLang="en-US"/>
           </a:p>
@@ -2347,7 +2347,7 @@
           <a:p>
             <a:fld id="{FB30EDBD-1C2D-4C1E-B459-B60219FAB484}" type="datetimeFigureOut">
               <a:rPr lang="ko-KR" altLang="en-US" smtClean="0"/>
-              <a:t>2019-07-09</a:t>
+              <a:t>2019-07-14</a:t>
             </a:fld>
             <a:endParaRPr lang="ko-KR" altLang="en-US"/>
           </a:p>
@@ -2459,7 +2459,7 @@
           <a:p>
             <a:fld id="{FB30EDBD-1C2D-4C1E-B459-B60219FAB484}" type="datetimeFigureOut">
               <a:rPr lang="ko-KR" altLang="en-US" smtClean="0"/>
-              <a:t>2019-07-09</a:t>
+              <a:t>2019-07-14</a:t>
             </a:fld>
             <a:endParaRPr lang="ko-KR" altLang="en-US"/>
           </a:p>
@@ -2549,7 +2549,7 @@
           <a:p>
             <a:fld id="{FB30EDBD-1C2D-4C1E-B459-B60219FAB484}" type="datetimeFigureOut">
               <a:rPr lang="ko-KR" altLang="en-US" smtClean="0"/>
-              <a:t>2019-07-09</a:t>
+              <a:t>2019-07-14</a:t>
             </a:fld>
             <a:endParaRPr lang="ko-KR" altLang="en-US"/>
           </a:p>
@@ -2819,7 +2819,7 @@
           <a:p>
             <a:fld id="{FB30EDBD-1C2D-4C1E-B459-B60219FAB484}" type="datetimeFigureOut">
               <a:rPr lang="ko-KR" altLang="en-US" smtClean="0"/>
-              <a:t>2019-07-09</a:t>
+              <a:t>2019-07-14</a:t>
             </a:fld>
             <a:endParaRPr lang="ko-KR" altLang="en-US"/>
           </a:p>
@@ -3066,7 +3066,7 @@
           <a:p>
             <a:fld id="{FB30EDBD-1C2D-4C1E-B459-B60219FAB484}" type="datetimeFigureOut">
               <a:rPr lang="ko-KR" altLang="en-US" smtClean="0"/>
-              <a:t>2019-07-09</a:t>
+              <a:t>2019-07-14</a:t>
             </a:fld>
             <a:endParaRPr lang="ko-KR" altLang="en-US"/>
           </a:p>
@@ -3272,7 +3272,7 @@
           <a:p>
             <a:fld id="{FB30EDBD-1C2D-4C1E-B459-B60219FAB484}" type="datetimeFigureOut">
               <a:rPr lang="ko-KR" altLang="en-US" smtClean="0"/>
-              <a:t>2019-07-09</a:t>
+              <a:t>2019-07-14</a:t>
             </a:fld>
             <a:endParaRPr lang="ko-KR" altLang="en-US"/>
           </a:p>
@@ -3757,7 +3757,7 @@
           </a:fontRef>
         </p:style>
         <p:txBody>
-          <a:bodyPr rtlCol="0" anchor="t"/>
+          <a:bodyPr rtlCol="0" anchor="ctr"/>
           <a:lstStyle/>
           <a:p>
             <a:pPr algn="ctr"/>
@@ -3766,18 +3766,6 @@
               <a:t>enp0s2 1Gbps</a:t>
             </a:r>
             <a:endParaRPr lang="en-US" altLang="ko-KR" sz="1200" dirty="0"/>
-          </a:p>
-          <a:p>
-            <a:pPr algn="ctr"/>
-            <a:r>
-              <a:rPr lang="en-US" altLang="ko-KR" sz="1200"/>
-              <a:t>192.168.0.30</a:t>
-            </a:r>
-            <a:endParaRPr lang="en-US" altLang="ko-KR" sz="1200" dirty="0"/>
-          </a:p>
-          <a:p>
-            <a:pPr algn="ctr"/>
-            <a:endParaRPr lang="ko-KR" altLang="en-US" sz="1100" dirty="0"/>
           </a:p>
         </p:txBody>
       </p:sp>
@@ -3876,8 +3864,15 @@
           <a:p>
             <a:pPr algn="ctr"/>
             <a:r>
+              <a:rPr lang="en-US" altLang="ko-KR" sz="1200" b="1"/>
+              <a:t>Router</a:t>
+            </a:r>
+          </a:p>
+          <a:p>
+            <a:pPr algn="ctr"/>
+            <a:r>
               <a:rPr lang="en-US" altLang="ko-KR" sz="1200"/>
-              <a:t>NAT Network</a:t>
+              <a:t>Outter NAT Network</a:t>
             </a:r>
           </a:p>
           <a:p>
@@ -3928,10 +3923,16 @@
           <a:p>
             <a:pPr algn="ctr"/>
             <a:r>
+              <a:rPr lang="en-US" altLang="ko-KR" sz="1200" b="1"/>
+              <a:t>Router</a:t>
+            </a:r>
+          </a:p>
+          <a:p>
+            <a:pPr algn="ctr"/>
+            <a:r>
               <a:rPr lang="en-US" altLang="ko-KR" sz="1200"/>
-              <a:t>Private Network</a:t>
-            </a:r>
-            <a:endParaRPr lang="en-US" altLang="ko-KR" sz="1200" dirty="0"/>
+              <a:t>Inner NAT Network</a:t>
+            </a:r>
           </a:p>
           <a:p>
             <a:pPr algn="ctr"/>
@@ -4044,7 +4045,7 @@
           </a:fontRef>
         </p:style>
         <p:txBody>
-          <a:bodyPr rtlCol="0" anchor="t"/>
+          <a:bodyPr rtlCol="0" anchor="ctr"/>
           <a:lstStyle/>
           <a:p>
             <a:pPr algn="ctr"/>
@@ -4053,18 +4054,6 @@
               <a:t>enp0s2 1Gbps</a:t>
             </a:r>
             <a:endParaRPr lang="en-US" altLang="ko-KR" sz="1200" dirty="0"/>
-          </a:p>
-          <a:p>
-            <a:pPr algn="ctr"/>
-            <a:r>
-              <a:rPr lang="en-US" altLang="ko-KR" sz="1200"/>
-              <a:t>192.168.0.31</a:t>
-            </a:r>
-            <a:endParaRPr lang="en-US" altLang="ko-KR" sz="1200" dirty="0"/>
-          </a:p>
-          <a:p>
-            <a:pPr algn="ctr"/>
-            <a:endParaRPr lang="ko-KR" altLang="en-US" sz="1100" dirty="0"/>
           </a:p>
         </p:txBody>
       </p:sp>
@@ -4232,27 +4221,15 @@
           </a:fontRef>
         </p:style>
         <p:txBody>
-          <a:bodyPr rtlCol="0" anchor="t"/>
+          <a:bodyPr rtlCol="0" anchor="ctr"/>
           <a:lstStyle/>
           <a:p>
             <a:pPr algn="ctr"/>
             <a:r>
               <a:rPr lang="en-US" altLang="ko-KR" sz="1200"/>
-              <a:t>enp0s2</a:t>
+              <a:t>enp0s2 1Gbps</a:t>
             </a:r>
             <a:endParaRPr lang="en-US" altLang="ko-KR" sz="1200" dirty="0"/>
-          </a:p>
-          <a:p>
-            <a:pPr algn="ctr"/>
-            <a:r>
-              <a:rPr lang="en-US" altLang="ko-KR" sz="1200"/>
-              <a:t>192.168.0.32</a:t>
-            </a:r>
-            <a:endParaRPr lang="en-US" altLang="ko-KR" sz="1200" dirty="0"/>
-          </a:p>
-          <a:p>
-            <a:pPr algn="ctr"/>
-            <a:endParaRPr lang="ko-KR" altLang="en-US" sz="1100" dirty="0"/>
           </a:p>
         </p:txBody>
       </p:sp>
@@ -5070,7 +5047,7 @@
         </p:nvSpPr>
         <p:spPr>
           <a:xfrm>
-            <a:off x="3108612" y="3429002"/>
+            <a:off x="3108612" y="3717034"/>
             <a:ext cx="2926777" cy="1158972"/>
           </a:xfrm>
           <a:prstGeom prst="roundRect">
@@ -5132,7 +5109,7 @@
         </p:nvSpPr>
         <p:spPr>
           <a:xfrm>
-            <a:off x="3181781" y="4011910"/>
+            <a:off x="3181781" y="4299942"/>
             <a:ext cx="1350348" cy="504056"/>
           </a:xfrm>
           <a:prstGeom prst="roundRect">
@@ -5193,7 +5170,7 @@
         </p:nvSpPr>
         <p:spPr>
           <a:xfrm>
-            <a:off x="4620297" y="4011910"/>
+            <a:off x="4620297" y="4299942"/>
             <a:ext cx="1341922" cy="504056"/>
           </a:xfrm>
           <a:prstGeom prst="roundRect">
@@ -5260,7 +5237,7 @@
         <p:spPr>
           <a:xfrm flipH="1" flipV="1">
             <a:off x="2355428" y="3795886"/>
-            <a:ext cx="826353" cy="468052"/>
+            <a:ext cx="826353" cy="756084"/>
           </a:xfrm>
           <a:prstGeom prst="line">
             <a:avLst/>
@@ -5305,7 +5282,50 @@
         <p:spPr>
           <a:xfrm flipV="1">
             <a:off x="5962219" y="3795886"/>
-            <a:ext cx="832300" cy="468052"/>
+            <a:ext cx="832300" cy="756084"/>
+          </a:xfrm>
+          <a:prstGeom prst="line">
+            <a:avLst/>
+          </a:prstGeom>
+          <a:ln w="28575">
+            <a:solidFill>
+              <a:schemeClr val="tx1"/>
+            </a:solidFill>
+          </a:ln>
+        </p:spPr>
+        <p:style>
+          <a:lnRef idx="1">
+            <a:schemeClr val="accent1"/>
+          </a:lnRef>
+          <a:fillRef idx="0">
+            <a:schemeClr val="accent1"/>
+          </a:fillRef>
+          <a:effectRef idx="0">
+            <a:schemeClr val="accent1"/>
+          </a:effectRef>
+          <a:fontRef idx="minor">
+            <a:schemeClr val="tx1"/>
+          </a:fontRef>
+        </p:style>
+      </p:cxnSp>
+      <p:cxnSp>
+        <p:nvCxnSpPr>
+          <p:cNvPr id="36" name="직선 연결선 35">
+            <a:extLst>
+              <a:ext uri="{FF2B5EF4-FFF2-40B4-BE49-F238E27FC236}">
+                <a16:creationId xmlns:a16="http://schemas.microsoft.com/office/drawing/2014/main" id="{6D1C6FC5-3801-4BB6-98FA-86DD71276C53}"/>
+              </a:ext>
+            </a:extLst>
+          </p:cNvPr>
+          <p:cNvCxnSpPr>
+            <a:cxnSpLocks/>
+          </p:cNvCxnSpPr>
+          <p:nvPr/>
+        </p:nvCxnSpPr>
+        <p:spPr>
+          <a:xfrm flipH="1">
+            <a:off x="2355428" y="3592593"/>
+            <a:ext cx="4439092" cy="0"/>
           </a:xfrm>
           <a:prstGeom prst="line">
             <a:avLst/>
@@ -5537,7 +5557,7 @@
             <a:pPr algn="ctr"/>
             <a:r>
               <a:rPr lang="en-US" altLang="ko-KR" sz="1600" b="1"/>
-              <a:t>Node 02 : Monitor, OSD, Manager</a:t>
+              <a:t>Node 02 : OSD</a:t>
             </a:r>
           </a:p>
           <a:p>
@@ -5654,7 +5674,7 @@
             <a:pPr algn="ctr"/>
             <a:r>
               <a:rPr lang="en-US" altLang="ko-KR" sz="1600" b="1"/>
-              <a:t>Node 03 : Monitor, OSD, Manager</a:t>
+              <a:t>Node 03 : OSD</a:t>
             </a:r>
           </a:p>
           <a:p>
@@ -6273,9 +6293,8 @@
             <a:pPr algn="ctr"/>
             <a:r>
               <a:rPr lang="en-US" altLang="ko-KR" sz="1200"/>
-              <a:t>Private Network</a:t>
-            </a:r>
-            <a:endParaRPr lang="en-US" altLang="ko-KR" sz="1200" dirty="0"/>
+              <a:t>Inner NAT Network</a:t>
+            </a:r>
           </a:p>
           <a:p>
             <a:pPr algn="ctr"/>
@@ -6591,7 +6610,7 @@
           </a:fontRef>
         </p:style>
         <p:txBody>
-          <a:bodyPr rtlCol="0" anchor="t"/>
+          <a:bodyPr rtlCol="0" anchor="ctr"/>
           <a:lstStyle/>
           <a:p>
             <a:pPr algn="ctr"/>
@@ -6600,18 +6619,6 @@
               <a:t>enp0s2</a:t>
             </a:r>
             <a:endParaRPr lang="en-US" altLang="ko-KR" sz="1200" dirty="0"/>
-          </a:p>
-          <a:p>
-            <a:pPr algn="ctr"/>
-            <a:r>
-              <a:rPr lang="en-US" altLang="ko-KR" sz="1200"/>
-              <a:t>192.168.0.30</a:t>
-            </a:r>
-            <a:endParaRPr lang="en-US" altLang="ko-KR" sz="1200" dirty="0"/>
-          </a:p>
-          <a:p>
-            <a:pPr algn="ctr"/>
-            <a:endParaRPr lang="ko-KR" altLang="en-US" sz="1100" dirty="0"/>
           </a:p>
         </p:txBody>
       </p:sp>
@@ -6765,7 +6772,7 @@
           </a:fontRef>
         </p:style>
         <p:txBody>
-          <a:bodyPr rtlCol="0" anchor="t"/>
+          <a:bodyPr rtlCol="0" anchor="ctr"/>
           <a:lstStyle/>
           <a:p>
             <a:pPr algn="ctr"/>
@@ -6774,18 +6781,6 @@
               <a:t>enp0s2</a:t>
             </a:r>
             <a:endParaRPr lang="en-US" altLang="ko-KR" sz="1200" dirty="0"/>
-          </a:p>
-          <a:p>
-            <a:pPr algn="ctr"/>
-            <a:r>
-              <a:rPr lang="en-US" altLang="ko-KR" sz="1200"/>
-              <a:t>192.168.0.31</a:t>
-            </a:r>
-            <a:endParaRPr lang="en-US" altLang="ko-KR" sz="1200" dirty="0"/>
-          </a:p>
-          <a:p>
-            <a:pPr algn="ctr"/>
-            <a:endParaRPr lang="ko-KR" altLang="en-US" sz="1100" dirty="0"/>
           </a:p>
         </p:txBody>
       </p:sp>
@@ -6945,7 +6940,7 @@
           </a:fontRef>
         </p:style>
         <p:txBody>
-          <a:bodyPr rtlCol="0" anchor="t"/>
+          <a:bodyPr rtlCol="0" anchor="ctr"/>
           <a:lstStyle/>
           <a:p>
             <a:pPr algn="ctr"/>
@@ -6954,18 +6949,6 @@
               <a:t>enp0s2</a:t>
             </a:r>
             <a:endParaRPr lang="en-US" altLang="ko-KR" sz="1200" dirty="0"/>
-          </a:p>
-          <a:p>
-            <a:pPr algn="ctr"/>
-            <a:r>
-              <a:rPr lang="en-US" altLang="ko-KR" sz="1200"/>
-              <a:t>192.168.0.32</a:t>
-            </a:r>
-            <a:endParaRPr lang="en-US" altLang="ko-KR" sz="1200" dirty="0"/>
-          </a:p>
-          <a:p>
-            <a:pPr algn="ctr"/>
-            <a:endParaRPr lang="ko-KR" altLang="en-US" sz="1100" dirty="0"/>
           </a:p>
         </p:txBody>
       </p:sp>
@@ -7530,7 +7513,7 @@
             <a:pPr algn="ctr"/>
             <a:r>
               <a:rPr lang="en-US" altLang="ko-KR" sz="1200"/>
-              <a:t>NAT Network</a:t>
+              <a:t>Outter NAT Network</a:t>
             </a:r>
           </a:p>
           <a:p>
@@ -7608,9 +7591,8 @@
             <a:pPr algn="ctr"/>
             <a:r>
               <a:rPr lang="en-US" altLang="ko-KR" sz="1200"/>
-              <a:t>Private Network</a:t>
-            </a:r>
-            <a:endParaRPr lang="en-US" altLang="ko-KR" sz="1200" dirty="0"/>
+              <a:t>Inner NAT Network</a:t>
+            </a:r>
           </a:p>
           <a:p>
             <a:pPr algn="ctr"/>
@@ -7623,7 +7605,7 @@
             <a:pPr algn="ctr"/>
             <a:r>
               <a:rPr lang="en-US" altLang="ko-KR" sz="1200" b="1"/>
-              <a:t>Guest/Mgmt Network</a:t>
+              <a:t>Guest/Mgmt</a:t>
             </a:r>
           </a:p>
         </p:txBody>
@@ -7747,7 +7729,7 @@
         <p:spPr>
           <a:xfrm flipH="1" flipV="1">
             <a:off x="2355428" y="3939902"/>
-            <a:ext cx="826353" cy="366564"/>
+            <a:ext cx="826353" cy="661441"/>
           </a:xfrm>
           <a:prstGeom prst="line">
             <a:avLst/>
@@ -7792,7 +7774,7 @@
         <p:spPr>
           <a:xfrm flipV="1">
             <a:off x="5962219" y="3795886"/>
-            <a:ext cx="832300" cy="510580"/>
+            <a:ext cx="832300" cy="805457"/>
           </a:xfrm>
           <a:prstGeom prst="line">
             <a:avLst/>
@@ -7832,7 +7814,7 @@
         </p:nvSpPr>
         <p:spPr>
           <a:xfrm>
-            <a:off x="3108612" y="3429001"/>
+            <a:off x="3108612" y="3723878"/>
             <a:ext cx="2926777" cy="1206794"/>
           </a:xfrm>
           <a:prstGeom prst="roundRect">
@@ -7886,7 +7868,7 @@
         </p:nvSpPr>
         <p:spPr>
           <a:xfrm>
-            <a:off x="3181781" y="4054438"/>
+            <a:off x="3181781" y="4349315"/>
             <a:ext cx="1350348" cy="504056"/>
           </a:xfrm>
           <a:prstGeom prst="roundRect">
@@ -7948,7 +7930,7 @@
         </p:nvSpPr>
         <p:spPr>
           <a:xfrm>
-            <a:off x="4620297" y="4054438"/>
+            <a:off x="4620297" y="4349315"/>
             <a:ext cx="1341922" cy="504056"/>
           </a:xfrm>
           <a:prstGeom prst="roundRect">
@@ -7996,6 +7978,49 @@
           </a:p>
         </p:txBody>
       </p:sp>
+      <p:cxnSp>
+        <p:nvCxnSpPr>
+          <p:cNvPr id="36" name="직선 연결선 35">
+            <a:extLst>
+              <a:ext uri="{FF2B5EF4-FFF2-40B4-BE49-F238E27FC236}">
+                <a16:creationId xmlns:a16="http://schemas.microsoft.com/office/drawing/2014/main" id="{ED36DA6D-4BA9-4D56-8249-A6BA5AD3EC63}"/>
+              </a:ext>
+            </a:extLst>
+          </p:cNvPr>
+          <p:cNvCxnSpPr>
+            <a:cxnSpLocks/>
+          </p:cNvCxnSpPr>
+          <p:nvPr/>
+        </p:nvCxnSpPr>
+        <p:spPr>
+          <a:xfrm flipH="1">
+            <a:off x="2355428" y="3592593"/>
+            <a:ext cx="4439092" cy="0"/>
+          </a:xfrm>
+          <a:prstGeom prst="line">
+            <a:avLst/>
+          </a:prstGeom>
+          <a:ln w="28575">
+            <a:solidFill>
+              <a:schemeClr val="tx1"/>
+            </a:solidFill>
+          </a:ln>
+        </p:spPr>
+        <p:style>
+          <a:lnRef idx="1">
+            <a:schemeClr val="accent1"/>
+          </a:lnRef>
+          <a:fillRef idx="0">
+            <a:schemeClr val="accent1"/>
+          </a:fillRef>
+          <a:effectRef idx="0">
+            <a:schemeClr val="accent1"/>
+          </a:effectRef>
+          <a:fontRef idx="minor">
+            <a:schemeClr val="tx1"/>
+          </a:fontRef>
+        </p:style>
+      </p:cxnSp>
     </p:spTree>
     <p:extLst>
       <p:ext uri="{BB962C8B-B14F-4D97-AF65-F5344CB8AC3E}">

--- a/images/record/ODROID-H2_Cluster_Build/ODROID-H2_Cluster_Build.pptx
+++ b/images/record/ODROID-H2_Cluster_Build/ODROID-H2_Cluster_Build.pptx
@@ -5,13 +5,16 @@
     <p:sldMasterId id="2147483648" r:id="rId1"/>
   </p:sldMasterIdLst>
   <p:notesMasterIdLst>
-    <p:notesMasterId r:id="rId6"/>
+    <p:notesMasterId r:id="rId9"/>
   </p:notesMasterIdLst>
   <p:sldIdLst>
     <p:sldId id="390" r:id="rId2"/>
-    <p:sldId id="395" r:id="rId3"/>
-    <p:sldId id="397" r:id="rId4"/>
+    <p:sldId id="401" r:id="rId3"/>
+    <p:sldId id="402" r:id="rId4"/>
     <p:sldId id="396" r:id="rId5"/>
+    <p:sldId id="398" r:id="rId6"/>
+    <p:sldId id="399" r:id="rId7"/>
+    <p:sldId id="400" r:id="rId8"/>
   </p:sldIdLst>
   <p:sldSz cx="9144000" cy="5143500" type="screen16x9"/>
   <p:notesSz cx="6858000" cy="9144000"/>
@@ -216,7 +219,7 @@
           <a:p>
             <a:fld id="{6CD5550B-26C4-49A9-A5BA-636EF7BE6CE9}" type="datetimeFigureOut">
               <a:rPr lang="ko-KR" altLang="en-US" smtClean="0"/>
-              <a:t>2019-07-14</a:t>
+              <a:t>2019-07-15</a:t>
             </a:fld>
             <a:endParaRPr lang="ko-KR" altLang="en-US"/>
           </a:p>
@@ -641,7 +644,7 @@
     </p:spTree>
     <p:extLst>
       <p:ext uri="{BB962C8B-B14F-4D97-AF65-F5344CB8AC3E}">
-        <p14:creationId xmlns:p14="http://schemas.microsoft.com/office/powerpoint/2010/main" val="3097836995"/>
+        <p14:creationId xmlns:p14="http://schemas.microsoft.com/office/powerpoint/2010/main" val="2793775018"/>
       </p:ext>
     </p:extLst>
   </p:cSld>
@@ -725,7 +728,259 @@
     </p:spTree>
     <p:extLst>
       <p:ext uri="{BB962C8B-B14F-4D97-AF65-F5344CB8AC3E}">
-        <p14:creationId xmlns:p14="http://schemas.microsoft.com/office/powerpoint/2010/main" val="2805018982"/>
+        <p14:creationId xmlns:p14="http://schemas.microsoft.com/office/powerpoint/2010/main" val="33779689"/>
+      </p:ext>
+    </p:extLst>
+  </p:cSld>
+  <p:clrMapOvr>
+    <a:masterClrMapping/>
+  </p:clrMapOvr>
+</p:notes>
+</file>
+
+<file path=ppt/notesSlides/notesSlide4.xml><?xml version="1.0" encoding="utf-8"?>
+<p:notes xmlns:a="http://schemas.openxmlformats.org/drawingml/2006/main" xmlns:r="http://schemas.openxmlformats.org/officeDocument/2006/relationships" xmlns:p="http://schemas.openxmlformats.org/presentationml/2006/main">
+  <p:cSld>
+    <p:spTree>
+      <p:nvGrpSpPr>
+        <p:cNvPr id="1" name=""/>
+        <p:cNvGrpSpPr/>
+        <p:nvPr/>
+      </p:nvGrpSpPr>
+      <p:grpSpPr>
+        <a:xfrm>
+          <a:off x="0" y="0"/>
+          <a:ext cx="0" cy="0"/>
+          <a:chOff x="0" y="0"/>
+          <a:chExt cx="0" cy="0"/>
+        </a:xfrm>
+      </p:grpSpPr>
+      <p:sp>
+        <p:nvSpPr>
+          <p:cNvPr id="2" name="슬라이드 이미지 개체 틀 1"/>
+          <p:cNvSpPr>
+            <a:spLocks noGrp="1" noRot="1" noChangeAspect="1"/>
+          </p:cNvSpPr>
+          <p:nvPr>
+            <p:ph type="sldImg"/>
+          </p:nvPr>
+        </p:nvSpPr>
+        <p:spPr/>
+      </p:sp>
+      <p:sp>
+        <p:nvSpPr>
+          <p:cNvPr id="3" name="슬라이드 노트 개체 틀 2"/>
+          <p:cNvSpPr>
+            <a:spLocks noGrp="1"/>
+          </p:cNvSpPr>
+          <p:nvPr>
+            <p:ph type="body" idx="1"/>
+          </p:nvPr>
+        </p:nvSpPr>
+        <p:spPr/>
+        <p:txBody>
+          <a:bodyPr/>
+          <a:lstStyle/>
+          <a:p>
+            <a:endParaRPr lang="ko-KR" altLang="en-US" dirty="0"/>
+          </a:p>
+        </p:txBody>
+      </p:sp>
+      <p:sp>
+        <p:nvSpPr>
+          <p:cNvPr id="4" name="슬라이드 번호 개체 틀 3"/>
+          <p:cNvSpPr>
+            <a:spLocks noGrp="1"/>
+          </p:cNvSpPr>
+          <p:nvPr>
+            <p:ph type="sldNum" sz="quarter" idx="10"/>
+          </p:nvPr>
+        </p:nvSpPr>
+        <p:spPr/>
+        <p:txBody>
+          <a:bodyPr/>
+          <a:lstStyle/>
+          <a:p>
+            <a:fld id="{BA5DFA43-8D57-47FB-BC46-057616015C3B}" type="slidenum">
+              <a:rPr lang="ko-KR" altLang="en-US" smtClean="0"/>
+              <a:t>5</a:t>
+            </a:fld>
+            <a:endParaRPr lang="ko-KR" altLang="en-US"/>
+          </a:p>
+        </p:txBody>
+      </p:sp>
+    </p:spTree>
+    <p:extLst>
+      <p:ext uri="{BB962C8B-B14F-4D97-AF65-F5344CB8AC3E}">
+        <p14:creationId xmlns:p14="http://schemas.microsoft.com/office/powerpoint/2010/main" val="871324699"/>
+      </p:ext>
+    </p:extLst>
+  </p:cSld>
+  <p:clrMapOvr>
+    <a:masterClrMapping/>
+  </p:clrMapOvr>
+</p:notes>
+</file>
+
+<file path=ppt/notesSlides/notesSlide5.xml><?xml version="1.0" encoding="utf-8"?>
+<p:notes xmlns:a="http://schemas.openxmlformats.org/drawingml/2006/main" xmlns:r="http://schemas.openxmlformats.org/officeDocument/2006/relationships" xmlns:p="http://schemas.openxmlformats.org/presentationml/2006/main">
+  <p:cSld>
+    <p:spTree>
+      <p:nvGrpSpPr>
+        <p:cNvPr id="1" name=""/>
+        <p:cNvGrpSpPr/>
+        <p:nvPr/>
+      </p:nvGrpSpPr>
+      <p:grpSpPr>
+        <a:xfrm>
+          <a:off x="0" y="0"/>
+          <a:ext cx="0" cy="0"/>
+          <a:chOff x="0" y="0"/>
+          <a:chExt cx="0" cy="0"/>
+        </a:xfrm>
+      </p:grpSpPr>
+      <p:sp>
+        <p:nvSpPr>
+          <p:cNvPr id="2" name="슬라이드 이미지 개체 틀 1"/>
+          <p:cNvSpPr>
+            <a:spLocks noGrp="1" noRot="1" noChangeAspect="1"/>
+          </p:cNvSpPr>
+          <p:nvPr>
+            <p:ph type="sldImg"/>
+          </p:nvPr>
+        </p:nvSpPr>
+        <p:spPr/>
+      </p:sp>
+      <p:sp>
+        <p:nvSpPr>
+          <p:cNvPr id="3" name="슬라이드 노트 개체 틀 2"/>
+          <p:cNvSpPr>
+            <a:spLocks noGrp="1"/>
+          </p:cNvSpPr>
+          <p:nvPr>
+            <p:ph type="body" idx="1"/>
+          </p:nvPr>
+        </p:nvSpPr>
+        <p:spPr/>
+        <p:txBody>
+          <a:bodyPr/>
+          <a:lstStyle/>
+          <a:p>
+            <a:endParaRPr lang="ko-KR" altLang="en-US" dirty="0"/>
+          </a:p>
+        </p:txBody>
+      </p:sp>
+      <p:sp>
+        <p:nvSpPr>
+          <p:cNvPr id="4" name="슬라이드 번호 개체 틀 3"/>
+          <p:cNvSpPr>
+            <a:spLocks noGrp="1"/>
+          </p:cNvSpPr>
+          <p:nvPr>
+            <p:ph type="sldNum" sz="quarter" idx="10"/>
+          </p:nvPr>
+        </p:nvSpPr>
+        <p:spPr/>
+        <p:txBody>
+          <a:bodyPr/>
+          <a:lstStyle/>
+          <a:p>
+            <a:fld id="{BA5DFA43-8D57-47FB-BC46-057616015C3B}" type="slidenum">
+              <a:rPr lang="ko-KR" altLang="en-US" smtClean="0"/>
+              <a:t>6</a:t>
+            </a:fld>
+            <a:endParaRPr lang="ko-KR" altLang="en-US"/>
+          </a:p>
+        </p:txBody>
+      </p:sp>
+    </p:spTree>
+    <p:extLst>
+      <p:ext uri="{BB962C8B-B14F-4D97-AF65-F5344CB8AC3E}">
+        <p14:creationId xmlns:p14="http://schemas.microsoft.com/office/powerpoint/2010/main" val="403929368"/>
+      </p:ext>
+    </p:extLst>
+  </p:cSld>
+  <p:clrMapOvr>
+    <a:masterClrMapping/>
+  </p:clrMapOvr>
+</p:notes>
+</file>
+
+<file path=ppt/notesSlides/notesSlide6.xml><?xml version="1.0" encoding="utf-8"?>
+<p:notes xmlns:a="http://schemas.openxmlformats.org/drawingml/2006/main" xmlns:r="http://schemas.openxmlformats.org/officeDocument/2006/relationships" xmlns:p="http://schemas.openxmlformats.org/presentationml/2006/main">
+  <p:cSld>
+    <p:spTree>
+      <p:nvGrpSpPr>
+        <p:cNvPr id="1" name=""/>
+        <p:cNvGrpSpPr/>
+        <p:nvPr/>
+      </p:nvGrpSpPr>
+      <p:grpSpPr>
+        <a:xfrm>
+          <a:off x="0" y="0"/>
+          <a:ext cx="0" cy="0"/>
+          <a:chOff x="0" y="0"/>
+          <a:chExt cx="0" cy="0"/>
+        </a:xfrm>
+      </p:grpSpPr>
+      <p:sp>
+        <p:nvSpPr>
+          <p:cNvPr id="2" name="슬라이드 이미지 개체 틀 1"/>
+          <p:cNvSpPr>
+            <a:spLocks noGrp="1" noRot="1" noChangeAspect="1"/>
+          </p:cNvSpPr>
+          <p:nvPr>
+            <p:ph type="sldImg"/>
+          </p:nvPr>
+        </p:nvSpPr>
+        <p:spPr/>
+      </p:sp>
+      <p:sp>
+        <p:nvSpPr>
+          <p:cNvPr id="3" name="슬라이드 노트 개체 틀 2"/>
+          <p:cNvSpPr>
+            <a:spLocks noGrp="1"/>
+          </p:cNvSpPr>
+          <p:nvPr>
+            <p:ph type="body" idx="1"/>
+          </p:nvPr>
+        </p:nvSpPr>
+        <p:spPr/>
+        <p:txBody>
+          <a:bodyPr/>
+          <a:lstStyle/>
+          <a:p>
+            <a:endParaRPr lang="ko-KR" altLang="en-US" dirty="0"/>
+          </a:p>
+        </p:txBody>
+      </p:sp>
+      <p:sp>
+        <p:nvSpPr>
+          <p:cNvPr id="4" name="슬라이드 번호 개체 틀 3"/>
+          <p:cNvSpPr>
+            <a:spLocks noGrp="1"/>
+          </p:cNvSpPr>
+          <p:nvPr>
+            <p:ph type="sldNum" sz="quarter" idx="10"/>
+          </p:nvPr>
+        </p:nvSpPr>
+        <p:spPr/>
+        <p:txBody>
+          <a:bodyPr/>
+          <a:lstStyle/>
+          <a:p>
+            <a:fld id="{BA5DFA43-8D57-47FB-BC46-057616015C3B}" type="slidenum">
+              <a:rPr lang="ko-KR" altLang="en-US" smtClean="0"/>
+              <a:t>7</a:t>
+            </a:fld>
+            <a:endParaRPr lang="ko-KR" altLang="en-US"/>
+          </a:p>
+        </p:txBody>
+      </p:sp>
+    </p:spTree>
+    <p:extLst>
+      <p:ext uri="{BB962C8B-B14F-4D97-AF65-F5344CB8AC3E}">
+        <p14:creationId xmlns:p14="http://schemas.microsoft.com/office/powerpoint/2010/main" val="194631734"/>
       </p:ext>
     </p:extLst>
   </p:cSld>
@@ -914,7 +1169,7 @@
           <a:p>
             <a:fld id="{FB30EDBD-1C2D-4C1E-B459-B60219FAB484}" type="datetimeFigureOut">
               <a:rPr lang="ko-KR" altLang="en-US" smtClean="0"/>
-              <a:t>2019-07-14</a:t>
+              <a:t>2019-07-15</a:t>
             </a:fld>
             <a:endParaRPr lang="ko-KR" altLang="en-US"/>
           </a:p>
@@ -1077,7 +1332,7 @@
           <a:p>
             <a:fld id="{FB30EDBD-1C2D-4C1E-B459-B60219FAB484}" type="datetimeFigureOut">
               <a:rPr lang="ko-KR" altLang="en-US" smtClean="0"/>
-              <a:t>2019-07-14</a:t>
+              <a:t>2019-07-15</a:t>
             </a:fld>
             <a:endParaRPr lang="ko-KR" altLang="en-US"/>
           </a:p>
@@ -1250,7 +1505,7 @@
           <a:p>
             <a:fld id="{FB30EDBD-1C2D-4C1E-B459-B60219FAB484}" type="datetimeFigureOut">
               <a:rPr lang="ko-KR" altLang="en-US" smtClean="0"/>
-              <a:t>2019-07-14</a:t>
+              <a:t>2019-07-15</a:t>
             </a:fld>
             <a:endParaRPr lang="ko-KR" altLang="en-US"/>
           </a:p>
@@ -1413,7 +1668,7 @@
           <a:p>
             <a:fld id="{FB30EDBD-1C2D-4C1E-B459-B60219FAB484}" type="datetimeFigureOut">
               <a:rPr lang="ko-KR" altLang="en-US" smtClean="0"/>
-              <a:t>2019-07-14</a:t>
+              <a:t>2019-07-15</a:t>
             </a:fld>
             <a:endParaRPr lang="ko-KR" altLang="en-US"/>
           </a:p>
@@ -1653,7 +1908,7 @@
           <a:p>
             <a:fld id="{FB30EDBD-1C2D-4C1E-B459-B60219FAB484}" type="datetimeFigureOut">
               <a:rPr lang="ko-KR" altLang="en-US" smtClean="0"/>
-              <a:t>2019-07-14</a:t>
+              <a:t>2019-07-15</a:t>
             </a:fld>
             <a:endParaRPr lang="ko-KR" altLang="en-US"/>
           </a:p>
@@ -1933,7 +2188,7 @@
           <a:p>
             <a:fld id="{FB30EDBD-1C2D-4C1E-B459-B60219FAB484}" type="datetimeFigureOut">
               <a:rPr lang="ko-KR" altLang="en-US" smtClean="0"/>
-              <a:t>2019-07-14</a:t>
+              <a:t>2019-07-15</a:t>
             </a:fld>
             <a:endParaRPr lang="ko-KR" altLang="en-US"/>
           </a:p>
@@ -2347,7 +2602,7 @@
           <a:p>
             <a:fld id="{FB30EDBD-1C2D-4C1E-B459-B60219FAB484}" type="datetimeFigureOut">
               <a:rPr lang="ko-KR" altLang="en-US" smtClean="0"/>
-              <a:t>2019-07-14</a:t>
+              <a:t>2019-07-15</a:t>
             </a:fld>
             <a:endParaRPr lang="ko-KR" altLang="en-US"/>
           </a:p>
@@ -2459,7 +2714,7 @@
           <a:p>
             <a:fld id="{FB30EDBD-1C2D-4C1E-B459-B60219FAB484}" type="datetimeFigureOut">
               <a:rPr lang="ko-KR" altLang="en-US" smtClean="0"/>
-              <a:t>2019-07-14</a:t>
+              <a:t>2019-07-15</a:t>
             </a:fld>
             <a:endParaRPr lang="ko-KR" altLang="en-US"/>
           </a:p>
@@ -2549,7 +2804,7 @@
           <a:p>
             <a:fld id="{FB30EDBD-1C2D-4C1E-B459-B60219FAB484}" type="datetimeFigureOut">
               <a:rPr lang="ko-KR" altLang="en-US" smtClean="0"/>
-              <a:t>2019-07-14</a:t>
+              <a:t>2019-07-15</a:t>
             </a:fld>
             <a:endParaRPr lang="ko-KR" altLang="en-US"/>
           </a:p>
@@ -2819,7 +3074,7 @@
           <a:p>
             <a:fld id="{FB30EDBD-1C2D-4C1E-B459-B60219FAB484}" type="datetimeFigureOut">
               <a:rPr lang="ko-KR" altLang="en-US" smtClean="0"/>
-              <a:t>2019-07-14</a:t>
+              <a:t>2019-07-15</a:t>
             </a:fld>
             <a:endParaRPr lang="ko-KR" altLang="en-US"/>
           </a:p>
@@ -3066,7 +3321,7 @@
           <a:p>
             <a:fld id="{FB30EDBD-1C2D-4C1E-B459-B60219FAB484}" type="datetimeFigureOut">
               <a:rPr lang="ko-KR" altLang="en-US" smtClean="0"/>
-              <a:t>2019-07-14</a:t>
+              <a:t>2019-07-15</a:t>
             </a:fld>
             <a:endParaRPr lang="ko-KR" altLang="en-US"/>
           </a:p>
@@ -3272,7 +3527,7 @@
           <a:p>
             <a:fld id="{FB30EDBD-1C2D-4C1E-B459-B60219FAB484}" type="datetimeFigureOut">
               <a:rPr lang="ko-KR" altLang="en-US" smtClean="0"/>
-              <a:t>2019-07-14</a:t>
+              <a:t>2019-07-15</a:t>
             </a:fld>
             <a:endParaRPr lang="ko-KR" altLang="en-US"/>
           </a:p>
@@ -3680,8 +3935,8 @@
         </p:nvSpPr>
         <p:spPr>
           <a:xfrm>
-            <a:off x="35496" y="1317496"/>
-            <a:ext cx="2926777" cy="1794313"/>
+            <a:off x="113414" y="1412777"/>
+            <a:ext cx="3726891" cy="1699032"/>
           </a:xfrm>
           <a:prstGeom prst="roundRect">
             <a:avLst>
@@ -3710,17 +3965,17 @@
           <a:p>
             <a:pPr algn="ctr"/>
             <a:r>
-              <a:rPr lang="en-US" altLang="ko-KR" sz="1600" b="1"/>
+              <a:rPr lang="en-US" altLang="ko-KR" sz="1400" b="1"/>
               <a:t>Node 01 : ODROID-H2</a:t>
             </a:r>
           </a:p>
           <a:p>
             <a:pPr algn="ctr"/>
             <a:r>
-              <a:rPr lang="en-US" altLang="ko-KR" sz="1400"/>
+              <a:rPr lang="en-US" altLang="ko-KR" sz="1200"/>
               <a:t>CPU : 4 Core / Memory : 16GB</a:t>
             </a:r>
-            <a:endParaRPr lang="ko-KR" altLang="en-US" sz="1400" dirty="0"/>
+            <a:endParaRPr lang="ko-KR" altLang="en-US" sz="1200" dirty="0"/>
           </a:p>
         </p:txBody>
       </p:sp>
@@ -3732,8 +3987,8 @@
         </p:nvSpPr>
         <p:spPr>
           <a:xfrm>
-            <a:off x="108665" y="2535746"/>
-            <a:ext cx="1350348" cy="504056"/>
+            <a:off x="1394356" y="2535746"/>
+            <a:ext cx="1157442" cy="504056"/>
           </a:xfrm>
           <a:prstGeom prst="roundRect">
             <a:avLst>
@@ -3762,10 +4017,17 @@
           <a:p>
             <a:pPr algn="ctr"/>
             <a:r>
-              <a:rPr lang="en-US" altLang="ko-KR" sz="1200"/>
+              <a:rPr lang="en-US" altLang="ko-KR" sz="1100"/>
               <a:t>enp0s2 1Gbps</a:t>
             </a:r>
-            <a:endParaRPr lang="en-US" altLang="ko-KR" sz="1200" dirty="0"/>
+          </a:p>
+          <a:p>
+            <a:pPr algn="ctr"/>
+            <a:r>
+              <a:rPr lang="en-US" altLang="ko-KR" sz="1100"/>
+              <a:t>192.168.0.31</a:t>
+            </a:r>
+            <a:endParaRPr lang="en-US" altLang="ko-KR" sz="1100" dirty="0"/>
           </a:p>
         </p:txBody>
       </p:sp>
@@ -3777,8 +4039,8 @@
         </p:nvSpPr>
         <p:spPr>
           <a:xfrm>
-            <a:off x="1547181" y="2535746"/>
-            <a:ext cx="1341922" cy="504056"/>
+            <a:off x="2627371" y="2535746"/>
+            <a:ext cx="1150220" cy="504056"/>
           </a:xfrm>
           <a:prstGeom prst="roundRect">
             <a:avLst>
@@ -3802,27 +4064,23 @@
           </a:fontRef>
         </p:style>
         <p:txBody>
-          <a:bodyPr rtlCol="0" anchor="t"/>
-          <a:lstStyle/>
-          <a:p>
-            <a:pPr algn="ctr"/>
-            <a:r>
-              <a:rPr lang="en-US" altLang="ko-KR" sz="1200"/>
+          <a:bodyPr rtlCol="0" anchor="ctr"/>
+          <a:lstStyle/>
+          <a:p>
+            <a:pPr algn="ctr"/>
+            <a:r>
+              <a:rPr lang="en-US" altLang="ko-KR" sz="1100"/>
               <a:t>enp0s3 1Gbps</a:t>
             </a:r>
-            <a:endParaRPr lang="en-US" altLang="ko-KR" sz="1200" dirty="0"/>
-          </a:p>
-          <a:p>
-            <a:pPr algn="ctr"/>
-            <a:r>
-              <a:rPr lang="en-US" altLang="ko-KR" sz="1200"/>
-              <a:t>10.0.0.10</a:t>
-            </a:r>
-            <a:endParaRPr lang="en-US" altLang="ko-KR" sz="1200" dirty="0"/>
-          </a:p>
-          <a:p>
-            <a:pPr algn="ctr"/>
-            <a:endParaRPr lang="ko-KR" altLang="en-US" sz="1100" dirty="0"/>
+            <a:endParaRPr lang="en-US" altLang="ko-KR" sz="1100" dirty="0"/>
+          </a:p>
+          <a:p>
+            <a:pPr algn="ctr"/>
+            <a:r>
+              <a:rPr lang="en-US" altLang="ko-KR" sz="1100"/>
+              <a:t>10.0.0.11</a:t>
+            </a:r>
+            <a:endParaRPr lang="en-US" altLang="ko-KR" sz="1100" dirty="0"/>
           </a:p>
         </p:txBody>
       </p:sp>
@@ -3834,8 +4092,8 @@
         </p:nvSpPr>
         <p:spPr>
           <a:xfrm>
-            <a:off x="654234" y="3435846"/>
-            <a:ext cx="1701194" cy="720080"/>
+            <a:off x="1323033" y="3393953"/>
+            <a:ext cx="1301370" cy="768817"/>
           </a:xfrm>
           <a:prstGeom prst="roundRect">
             <a:avLst>
@@ -3864,24 +4122,24 @@
           <a:p>
             <a:pPr algn="ctr"/>
             <a:r>
-              <a:rPr lang="en-US" altLang="ko-KR" sz="1200" b="1"/>
+              <a:rPr lang="en-US" altLang="ko-KR" sz="1400" b="1"/>
               <a:t>Router</a:t>
             </a:r>
           </a:p>
           <a:p>
             <a:pPr algn="ctr"/>
             <a:r>
-              <a:rPr lang="en-US" altLang="ko-KR" sz="1200"/>
-              <a:t>Outter NAT Network</a:t>
-            </a:r>
-          </a:p>
-          <a:p>
-            <a:pPr algn="ctr"/>
-            <a:r>
-              <a:rPr lang="en-US" altLang="ko-KR" sz="1200"/>
+              <a:rPr lang="en-US" altLang="ko-KR" sz="1100"/>
+              <a:t>NAT Network</a:t>
+            </a:r>
+          </a:p>
+          <a:p>
+            <a:pPr algn="ctr"/>
+            <a:r>
+              <a:rPr lang="en-US" altLang="ko-KR" sz="1100"/>
               <a:t>192.168.0.0/24</a:t>
             </a:r>
-            <a:endParaRPr lang="en-US" altLang="ko-KR" sz="1200" dirty="0"/>
+            <a:endParaRPr lang="en-US" altLang="ko-KR" sz="1100" dirty="0"/>
           </a:p>
         </p:txBody>
       </p:sp>
@@ -3893,8 +4151,8 @@
         </p:nvSpPr>
         <p:spPr>
           <a:xfrm>
-            <a:off x="6794519" y="3435846"/>
-            <a:ext cx="1701192" cy="720080"/>
+            <a:off x="6586135" y="3393953"/>
+            <a:ext cx="1301368" cy="768817"/>
           </a:xfrm>
           <a:prstGeom prst="roundRect">
             <a:avLst>
@@ -3923,24 +4181,24 @@
           <a:p>
             <a:pPr algn="ctr"/>
             <a:r>
-              <a:rPr lang="en-US" altLang="ko-KR" sz="1200" b="1"/>
-              <a:t>Router</a:t>
-            </a:r>
-          </a:p>
-          <a:p>
-            <a:pPr algn="ctr"/>
-            <a:r>
-              <a:rPr lang="en-US" altLang="ko-KR" sz="1200"/>
-              <a:t>Inner NAT Network</a:t>
-            </a:r>
-          </a:p>
-          <a:p>
-            <a:pPr algn="ctr"/>
-            <a:r>
-              <a:rPr lang="en-US" altLang="ko-KR" sz="1200"/>
+              <a:rPr lang="en-US" altLang="ko-KR" sz="1400" b="1"/>
+              <a:t>Switch</a:t>
+            </a:r>
+          </a:p>
+          <a:p>
+            <a:pPr algn="ctr"/>
+            <a:r>
+              <a:rPr lang="en-US" altLang="ko-KR" sz="1100"/>
+              <a:t>Private Network</a:t>
+            </a:r>
+          </a:p>
+          <a:p>
+            <a:pPr algn="ctr"/>
+            <a:r>
+              <a:rPr lang="en-US" altLang="ko-KR" sz="1100"/>
               <a:t>10.0.0.0/24</a:t>
             </a:r>
-            <a:endParaRPr lang="en-US" altLang="ko-KR" sz="1200" dirty="0"/>
+            <a:endParaRPr lang="en-US" altLang="ko-KR" sz="1100" dirty="0"/>
           </a:p>
         </p:txBody>
       </p:sp>
@@ -3958,8 +4216,8 @@
         </p:nvSpPr>
         <p:spPr>
           <a:xfrm>
-            <a:off x="3108612" y="1317496"/>
-            <a:ext cx="2926777" cy="1794313"/>
+            <a:off x="3965739" y="1412777"/>
+            <a:ext cx="2508665" cy="1699032"/>
           </a:xfrm>
           <a:prstGeom prst="roundRect">
             <a:avLst>
@@ -3988,21 +4246,21 @@
           <a:p>
             <a:pPr algn="ctr"/>
             <a:r>
-              <a:rPr lang="en-US" altLang="ko-KR" sz="1600" b="1"/>
+              <a:rPr lang="en-US" altLang="ko-KR" sz="1400" b="1"/>
               <a:t>Node 02 : ODROID-H2</a:t>
             </a:r>
           </a:p>
           <a:p>
             <a:pPr algn="ctr"/>
             <a:r>
-              <a:rPr lang="en-US" altLang="ko-KR" sz="1400"/>
+              <a:rPr lang="en-US" altLang="ko-KR" sz="1200"/>
               <a:t>CPU : 4 Core / Memory : 16GB</a:t>
             </a:r>
-            <a:endParaRPr lang="ko-KR" altLang="en-US" sz="1400"/>
-          </a:p>
-          <a:p>
-            <a:pPr algn="ctr"/>
-            <a:endParaRPr lang="ko-KR" altLang="en-US" sz="1600" dirty="0"/>
+            <a:endParaRPr lang="ko-KR" altLang="en-US" sz="1200"/>
+          </a:p>
+          <a:p>
+            <a:pPr algn="ctr"/>
+            <a:endParaRPr lang="ko-KR" altLang="en-US" sz="1400" dirty="0"/>
           </a:p>
         </p:txBody>
       </p:sp>
@@ -4020,8 +4278,8 @@
         </p:nvSpPr>
         <p:spPr>
           <a:xfrm>
-            <a:off x="3181781" y="2535746"/>
-            <a:ext cx="1350348" cy="504056"/>
+            <a:off x="4028455" y="2535746"/>
+            <a:ext cx="1157442" cy="504056"/>
           </a:xfrm>
           <a:prstGeom prst="roundRect">
             <a:avLst>
@@ -4050,10 +4308,16 @@
           <a:p>
             <a:pPr algn="ctr"/>
             <a:r>
-              <a:rPr lang="en-US" altLang="ko-KR" sz="1200"/>
+              <a:rPr lang="en-US" altLang="ko-KR" sz="1100"/>
               <a:t>enp0s2 1Gbps</a:t>
             </a:r>
-            <a:endParaRPr lang="en-US" altLang="ko-KR" sz="1200" dirty="0"/>
+          </a:p>
+          <a:p>
+            <a:pPr algn="ctr"/>
+            <a:r>
+              <a:rPr lang="en-US" altLang="ko-KR" sz="1100"/>
+              <a:t>192.168.0.32</a:t>
+            </a:r>
           </a:p>
         </p:txBody>
       </p:sp>
@@ -4071,8 +4335,8 @@
         </p:nvSpPr>
         <p:spPr>
           <a:xfrm>
-            <a:off x="4620297" y="2535746"/>
-            <a:ext cx="1341922" cy="504056"/>
+            <a:off x="5261469" y="2535746"/>
+            <a:ext cx="1150220" cy="504056"/>
           </a:xfrm>
           <a:prstGeom prst="roundRect">
             <a:avLst>
@@ -4096,27 +4360,23 @@
           </a:fontRef>
         </p:style>
         <p:txBody>
-          <a:bodyPr rtlCol="0" anchor="t"/>
-          <a:lstStyle/>
-          <a:p>
-            <a:pPr algn="ctr"/>
-            <a:r>
-              <a:rPr lang="en-US" altLang="ko-KR" sz="1200"/>
+          <a:bodyPr rtlCol="0" anchor="ctr"/>
+          <a:lstStyle/>
+          <a:p>
+            <a:pPr algn="ctr"/>
+            <a:r>
+              <a:rPr lang="en-US" altLang="ko-KR" sz="1100"/>
               <a:t>enp0s3 1Gbps</a:t>
             </a:r>
-            <a:endParaRPr lang="en-US" altLang="ko-KR" sz="1200" dirty="0"/>
-          </a:p>
-          <a:p>
-            <a:pPr algn="ctr"/>
-            <a:r>
-              <a:rPr lang="en-US" altLang="ko-KR" sz="1200"/>
-              <a:t>10.0.0.11</a:t>
-            </a:r>
-            <a:endParaRPr lang="en-US" altLang="ko-KR" sz="1200" dirty="0"/>
-          </a:p>
-          <a:p>
-            <a:pPr algn="ctr"/>
-            <a:endParaRPr lang="ko-KR" altLang="en-US" sz="1100" dirty="0"/>
+            <a:endParaRPr lang="en-US" altLang="ko-KR" sz="1100" dirty="0"/>
+          </a:p>
+          <a:p>
+            <a:pPr algn="ctr"/>
+            <a:r>
+              <a:rPr lang="en-US" altLang="ko-KR" sz="1100"/>
+              <a:t>10.0.0.12</a:t>
+            </a:r>
+            <a:endParaRPr lang="en-US" altLang="ko-KR" sz="1100" dirty="0"/>
           </a:p>
         </p:txBody>
       </p:sp>
@@ -4134,8 +4394,8 @@
         </p:nvSpPr>
         <p:spPr>
           <a:xfrm>
-            <a:off x="6181727" y="1317496"/>
-            <a:ext cx="2926777" cy="1794313"/>
+            <a:off x="6599839" y="1412777"/>
+            <a:ext cx="2508665" cy="1699032"/>
           </a:xfrm>
           <a:prstGeom prst="roundRect">
             <a:avLst>
@@ -4164,21 +4424,21 @@
           <a:p>
             <a:pPr algn="ctr"/>
             <a:r>
-              <a:rPr lang="en-US" altLang="ko-KR" sz="1600" b="1"/>
+              <a:rPr lang="en-US" altLang="ko-KR" sz="1400" b="1"/>
               <a:t>Node 03 : ODROID-H2</a:t>
             </a:r>
           </a:p>
           <a:p>
             <a:pPr algn="ctr"/>
             <a:r>
-              <a:rPr lang="en-US" altLang="ko-KR" sz="1400"/>
+              <a:rPr lang="en-US" altLang="ko-KR" sz="1200"/>
               <a:t>CPU : 4 Core / Memory : 16GB</a:t>
             </a:r>
-            <a:endParaRPr lang="ko-KR" altLang="en-US" sz="1400"/>
-          </a:p>
-          <a:p>
-            <a:pPr algn="ctr"/>
-            <a:endParaRPr lang="ko-KR" altLang="en-US" sz="1600" dirty="0"/>
+            <a:endParaRPr lang="ko-KR" altLang="en-US" sz="1200"/>
+          </a:p>
+          <a:p>
+            <a:pPr algn="ctr"/>
+            <a:endParaRPr lang="ko-KR" altLang="en-US" sz="1400" dirty="0"/>
           </a:p>
         </p:txBody>
       </p:sp>
@@ -4196,8 +4456,8 @@
         </p:nvSpPr>
         <p:spPr>
           <a:xfrm>
-            <a:off x="6254897" y="2535746"/>
-            <a:ext cx="1350348" cy="504056"/>
+            <a:off x="6662556" y="2535746"/>
+            <a:ext cx="1157442" cy="504056"/>
           </a:xfrm>
           <a:prstGeom prst="roundRect">
             <a:avLst>
@@ -4226,10 +4486,16 @@
           <a:p>
             <a:pPr algn="ctr"/>
             <a:r>
-              <a:rPr lang="en-US" altLang="ko-KR" sz="1200"/>
+              <a:rPr lang="en-US" altLang="ko-KR" sz="1100"/>
               <a:t>enp0s2 1Gbps</a:t>
             </a:r>
-            <a:endParaRPr lang="en-US" altLang="ko-KR" sz="1200" dirty="0"/>
+          </a:p>
+          <a:p>
+            <a:pPr algn="ctr"/>
+            <a:r>
+              <a:rPr lang="en-US" altLang="ko-KR" sz="1100"/>
+              <a:t>192.168.0.33</a:t>
+            </a:r>
           </a:p>
         </p:txBody>
       </p:sp>
@@ -4247,8 +4513,8 @@
         </p:nvSpPr>
         <p:spPr>
           <a:xfrm>
-            <a:off x="7693412" y="2535746"/>
-            <a:ext cx="1341922" cy="504056"/>
+            <a:off x="7895567" y="2535746"/>
+            <a:ext cx="1150220" cy="504056"/>
           </a:xfrm>
           <a:prstGeom prst="roundRect">
             <a:avLst>
@@ -4272,27 +4538,23 @@
           </a:fontRef>
         </p:style>
         <p:txBody>
-          <a:bodyPr rtlCol="0" anchor="t"/>
-          <a:lstStyle/>
-          <a:p>
-            <a:pPr algn="ctr"/>
-            <a:r>
-              <a:rPr lang="en-US" altLang="ko-KR" sz="1200"/>
+          <a:bodyPr rtlCol="0" anchor="ctr"/>
+          <a:lstStyle/>
+          <a:p>
+            <a:pPr algn="ctr"/>
+            <a:r>
+              <a:rPr lang="en-US" altLang="ko-KR" sz="1100"/>
               <a:t>enp0s3 1Gbps</a:t>
             </a:r>
-            <a:endParaRPr lang="en-US" altLang="ko-KR" sz="1200" dirty="0"/>
-          </a:p>
-          <a:p>
-            <a:pPr algn="ctr"/>
-            <a:r>
-              <a:rPr lang="en-US" altLang="ko-KR" sz="1200"/>
-              <a:t>10.0.0.12</a:t>
-            </a:r>
-            <a:endParaRPr lang="en-US" altLang="ko-KR" sz="1200" dirty="0"/>
-          </a:p>
-          <a:p>
-            <a:pPr algn="ctr"/>
-            <a:endParaRPr lang="ko-KR" altLang="en-US" sz="1100" dirty="0"/>
+            <a:endParaRPr lang="en-US" altLang="ko-KR" sz="1100" dirty="0"/>
+          </a:p>
+          <a:p>
+            <a:pPr algn="ctr"/>
+            <a:r>
+              <a:rPr lang="en-US" altLang="ko-KR" sz="1100"/>
+              <a:t>10.0.0.13</a:t>
+            </a:r>
+            <a:endParaRPr lang="en-US" altLang="ko-KR" sz="1100" dirty="0"/>
           </a:p>
         </p:txBody>
       </p:sp>
@@ -4314,8 +4576,8 @@
         </p:nvCxnSpPr>
         <p:spPr>
           <a:xfrm>
-            <a:off x="783839" y="3039802"/>
-            <a:ext cx="720992" cy="396044"/>
+            <a:off x="1973077" y="3039802"/>
+            <a:ext cx="641" cy="354151"/>
           </a:xfrm>
           <a:prstGeom prst="line">
             <a:avLst/>
@@ -4359,8 +4621,8 @@
         </p:nvCxnSpPr>
         <p:spPr>
           <a:xfrm flipH="1">
-            <a:off x="1504831" y="3039802"/>
-            <a:ext cx="2352124" cy="396044"/>
+            <a:off x="1973718" y="3039802"/>
+            <a:ext cx="2633458" cy="354151"/>
           </a:xfrm>
           <a:prstGeom prst="line">
             <a:avLst/>
@@ -4404,8 +4666,8 @@
         </p:nvCxnSpPr>
         <p:spPr>
           <a:xfrm flipH="1">
-            <a:off x="1504831" y="3039802"/>
-            <a:ext cx="5425240" cy="396044"/>
+            <a:off x="1973718" y="3039802"/>
+            <a:ext cx="5267559" cy="354151"/>
           </a:xfrm>
           <a:prstGeom prst="line">
             <a:avLst/>
@@ -4449,8 +4711,8 @@
         </p:nvCxnSpPr>
         <p:spPr>
           <a:xfrm>
-            <a:off x="2218142" y="3039802"/>
-            <a:ext cx="5426973" cy="396044"/>
+            <a:off x="3202481" y="3039802"/>
+            <a:ext cx="4034338" cy="354151"/>
           </a:xfrm>
           <a:prstGeom prst="line">
             <a:avLst/>
@@ -4494,8 +4756,8 @@
         </p:nvCxnSpPr>
         <p:spPr>
           <a:xfrm>
-            <a:off x="5291258" y="3039802"/>
-            <a:ext cx="2353857" cy="396044"/>
+            <a:off x="5836579" y="3039802"/>
+            <a:ext cx="1400240" cy="354151"/>
           </a:xfrm>
           <a:prstGeom prst="line">
             <a:avLst/>
@@ -4539,8 +4801,8 @@
         </p:nvCxnSpPr>
         <p:spPr>
           <a:xfrm flipH="1">
-            <a:off x="7645115" y="3039802"/>
-            <a:ext cx="719258" cy="396044"/>
+            <a:off x="7236819" y="3039802"/>
+            <a:ext cx="1233858" cy="354151"/>
           </a:xfrm>
           <a:prstGeom prst="line">
             <a:avLst/>
@@ -4577,15 +4839,15 @@
           </p:cNvPr>
           <p:cNvCxnSpPr>
             <a:cxnSpLocks/>
-            <a:stCxn id="47" idx="2"/>
-            <a:endCxn id="22" idx="3"/>
+            <a:stCxn id="47" idx="1"/>
+            <a:endCxn id="22" idx="0"/>
           </p:cNvCxnSpPr>
           <p:nvPr/>
         </p:nvCxnSpPr>
         <p:spPr>
-          <a:xfrm flipH="1">
-            <a:off x="1498884" y="4155926"/>
-            <a:ext cx="5947" cy="170498"/>
+          <a:xfrm flipH="1" flipV="1">
+            <a:off x="1258707" y="3778361"/>
+            <a:ext cx="64326" cy="1"/>
           </a:xfrm>
           <a:prstGeom prst="line">
             <a:avLst/>
@@ -4625,8 +4887,8 @@
         </p:nvSpPr>
         <p:spPr>
           <a:xfrm>
-            <a:off x="840365" y="4293096"/>
-            <a:ext cx="1317037" cy="582910"/>
+            <a:off x="149304" y="3486906"/>
+            <a:ext cx="1110328" cy="582910"/>
           </a:xfrm>
           <a:prstGeom prst="cloud">
             <a:avLst/>
@@ -4652,17 +4914,17 @@
           <a:p>
             <a:pPr algn="ctr"/>
             <a:r>
-              <a:rPr lang="en-US" altLang="ko-KR" sz="1200"/>
+              <a:rPr lang="en-US" altLang="ko-KR" sz="1100"/>
               <a:t>Public</a:t>
             </a:r>
           </a:p>
           <a:p>
             <a:pPr algn="ctr"/>
             <a:r>
-              <a:rPr lang="en-US" altLang="ko-KR" sz="1200"/>
+              <a:rPr lang="en-US" altLang="ko-KR" sz="1100"/>
               <a:t>Network</a:t>
             </a:r>
-            <a:endParaRPr lang="ko-KR" altLang="en-US" sz="1200"/>
+            <a:endParaRPr lang="ko-KR" altLang="en-US" sz="1100"/>
           </a:p>
         </p:txBody>
       </p:sp>
@@ -4680,8 +4942,8 @@
         </p:nvSpPr>
         <p:spPr>
           <a:xfrm>
-            <a:off x="6254897" y="1959681"/>
-            <a:ext cx="1350348" cy="504056"/>
+            <a:off x="6662556" y="1959681"/>
+            <a:ext cx="1157442" cy="504056"/>
           </a:xfrm>
           <a:prstGeom prst="roundRect">
             <a:avLst>
@@ -4705,26 +4967,22 @@
           </a:fontRef>
         </p:style>
         <p:txBody>
-          <a:bodyPr rtlCol="0" anchor="t"/>
-          <a:lstStyle/>
-          <a:p>
-            <a:pPr algn="ctr"/>
-            <a:r>
-              <a:rPr lang="en-US" altLang="ko-KR" sz="1200"/>
+          <a:bodyPr rtlCol="0" anchor="ctr"/>
+          <a:lstStyle/>
+          <a:p>
+            <a:pPr algn="ctr"/>
+            <a:r>
+              <a:rPr lang="en-US" altLang="ko-KR" sz="1100"/>
               <a:t>/dev/mmcblk0</a:t>
             </a:r>
           </a:p>
           <a:p>
             <a:pPr algn="ctr"/>
             <a:r>
-              <a:rPr lang="en-US" altLang="ko-KR" sz="1200"/>
+              <a:rPr lang="en-US" altLang="ko-KR" sz="1100"/>
               <a:t>64G eMMC</a:t>
             </a:r>
           </a:p>
-          <a:p>
-            <a:pPr algn="ctr"/>
-            <a:endParaRPr lang="ko-KR" altLang="en-US" sz="1100" dirty="0"/>
-          </a:p>
         </p:txBody>
       </p:sp>
       <p:sp>
@@ -4741,8 +4999,8 @@
         </p:nvSpPr>
         <p:spPr>
           <a:xfrm>
-            <a:off x="7693412" y="1959681"/>
-            <a:ext cx="1341922" cy="504056"/>
+            <a:off x="7895568" y="1959681"/>
+            <a:ext cx="1150220" cy="504056"/>
           </a:xfrm>
           <a:prstGeom prst="roundRect">
             <a:avLst>
@@ -4766,26 +5024,22 @@
           </a:fontRef>
         </p:style>
         <p:txBody>
-          <a:bodyPr rtlCol="0" anchor="t"/>
-          <a:lstStyle/>
-          <a:p>
-            <a:pPr algn="ctr"/>
-            <a:r>
-              <a:rPr lang="en-US" altLang="ko-KR" sz="1200"/>
+          <a:bodyPr rtlCol="0" anchor="ctr"/>
+          <a:lstStyle/>
+          <a:p>
+            <a:pPr algn="ctr"/>
+            <a:r>
+              <a:rPr lang="en-US" altLang="ko-KR" sz="1100"/>
               <a:t>/dev/nvme0n1</a:t>
             </a:r>
           </a:p>
           <a:p>
             <a:pPr algn="ctr"/>
             <a:r>
-              <a:rPr lang="en-US" altLang="ko-KR" sz="1200"/>
+              <a:rPr lang="en-US" altLang="ko-KR" sz="1100"/>
               <a:t>256GB M.2</a:t>
             </a:r>
           </a:p>
-          <a:p>
-            <a:pPr algn="ctr"/>
-            <a:endParaRPr lang="ko-KR" altLang="en-US" sz="1100" dirty="0"/>
-          </a:p>
         </p:txBody>
       </p:sp>
       <p:sp>
@@ -4802,8 +5056,8 @@
         </p:nvSpPr>
         <p:spPr>
           <a:xfrm>
-            <a:off x="3181781" y="1959681"/>
-            <a:ext cx="1350348" cy="504056"/>
+            <a:off x="4028455" y="1959681"/>
+            <a:ext cx="1157442" cy="504056"/>
           </a:xfrm>
           <a:prstGeom prst="roundRect">
             <a:avLst>
@@ -4827,26 +5081,22 @@
           </a:fontRef>
         </p:style>
         <p:txBody>
-          <a:bodyPr rtlCol="0" anchor="t"/>
-          <a:lstStyle/>
-          <a:p>
-            <a:pPr algn="ctr"/>
-            <a:r>
-              <a:rPr lang="en-US" altLang="ko-KR" sz="1200"/>
+          <a:bodyPr rtlCol="0" anchor="ctr"/>
+          <a:lstStyle/>
+          <a:p>
+            <a:pPr algn="ctr"/>
+            <a:r>
+              <a:rPr lang="en-US" altLang="ko-KR" sz="1100"/>
               <a:t>/dev/mmcblk0</a:t>
             </a:r>
           </a:p>
           <a:p>
             <a:pPr algn="ctr"/>
             <a:r>
-              <a:rPr lang="en-US" altLang="ko-KR" sz="1200"/>
+              <a:rPr lang="en-US" altLang="ko-KR" sz="1100"/>
               <a:t>64G eMMC</a:t>
             </a:r>
           </a:p>
-          <a:p>
-            <a:pPr algn="ctr"/>
-            <a:endParaRPr lang="ko-KR" altLang="en-US" sz="1100" dirty="0"/>
-          </a:p>
         </p:txBody>
       </p:sp>
       <p:sp>
@@ -4863,8 +5113,8 @@
         </p:nvSpPr>
         <p:spPr>
           <a:xfrm>
-            <a:off x="4620297" y="1959681"/>
-            <a:ext cx="1341922" cy="504056"/>
+            <a:off x="5261469" y="1959681"/>
+            <a:ext cx="1150220" cy="504056"/>
           </a:xfrm>
           <a:prstGeom prst="roundRect">
             <a:avLst>
@@ -4888,26 +5138,22 @@
           </a:fontRef>
         </p:style>
         <p:txBody>
-          <a:bodyPr rtlCol="0" anchor="t"/>
-          <a:lstStyle/>
-          <a:p>
-            <a:pPr algn="ctr"/>
-            <a:r>
-              <a:rPr lang="en-US" altLang="ko-KR" sz="1200"/>
+          <a:bodyPr rtlCol="0" anchor="ctr"/>
+          <a:lstStyle/>
+          <a:p>
+            <a:pPr algn="ctr"/>
+            <a:r>
+              <a:rPr lang="en-US" altLang="ko-KR" sz="1100"/>
               <a:t>/dev/nvme0n1</a:t>
             </a:r>
           </a:p>
           <a:p>
             <a:pPr algn="ctr"/>
             <a:r>
-              <a:rPr lang="en-US" altLang="ko-KR" sz="1200"/>
+              <a:rPr lang="en-US" altLang="ko-KR" sz="1100"/>
               <a:t>256GB M.2</a:t>
             </a:r>
           </a:p>
-          <a:p>
-            <a:pPr algn="ctr"/>
-            <a:endParaRPr lang="ko-KR" altLang="en-US" sz="1100" dirty="0"/>
-          </a:p>
         </p:txBody>
       </p:sp>
       <p:sp>
@@ -4924,8 +5170,8 @@
         </p:nvSpPr>
         <p:spPr>
           <a:xfrm>
-            <a:off x="108665" y="1959681"/>
-            <a:ext cx="1350348" cy="504056"/>
+            <a:off x="769401" y="1959681"/>
+            <a:ext cx="1157442" cy="504056"/>
           </a:xfrm>
           <a:prstGeom prst="roundRect">
             <a:avLst>
@@ -4949,26 +5195,22 @@
           </a:fontRef>
         </p:style>
         <p:txBody>
-          <a:bodyPr rtlCol="0" anchor="t"/>
-          <a:lstStyle/>
-          <a:p>
-            <a:pPr algn="ctr"/>
-            <a:r>
-              <a:rPr lang="en-US" altLang="ko-KR" sz="1200"/>
+          <a:bodyPr rtlCol="0" anchor="ctr"/>
+          <a:lstStyle/>
+          <a:p>
+            <a:pPr algn="ctr"/>
+            <a:r>
+              <a:rPr lang="en-US" altLang="ko-KR" sz="1100"/>
               <a:t>/dev/mmcblk0</a:t>
             </a:r>
           </a:p>
           <a:p>
             <a:pPr algn="ctr"/>
             <a:r>
-              <a:rPr lang="en-US" altLang="ko-KR" sz="1200"/>
+              <a:rPr lang="en-US" altLang="ko-KR" sz="1100"/>
               <a:t>64G eMMC</a:t>
             </a:r>
           </a:p>
-          <a:p>
-            <a:pPr algn="ctr"/>
-            <a:endParaRPr lang="ko-KR" altLang="en-US" sz="1100" dirty="0"/>
-          </a:p>
         </p:txBody>
       </p:sp>
       <p:sp>
@@ -4985,8 +5227,8 @@
         </p:nvSpPr>
         <p:spPr>
           <a:xfrm>
-            <a:off x="1547181" y="1959681"/>
-            <a:ext cx="1341922" cy="504056"/>
+            <a:off x="2002416" y="1959681"/>
+            <a:ext cx="1150220" cy="504056"/>
           </a:xfrm>
           <a:prstGeom prst="roundRect">
             <a:avLst>
@@ -5010,26 +5252,22 @@
           </a:fontRef>
         </p:style>
         <p:txBody>
-          <a:bodyPr rtlCol="0" anchor="t"/>
-          <a:lstStyle/>
-          <a:p>
-            <a:pPr algn="ctr"/>
-            <a:r>
-              <a:rPr lang="en-US" altLang="ko-KR" sz="1200"/>
+          <a:bodyPr rtlCol="0" anchor="ctr"/>
+          <a:lstStyle/>
+          <a:p>
+            <a:pPr algn="ctr"/>
+            <a:r>
+              <a:rPr lang="en-US" altLang="ko-KR" sz="1100"/>
               <a:t>/dev/nvme0n1</a:t>
             </a:r>
           </a:p>
           <a:p>
             <a:pPr algn="ctr"/>
             <a:r>
-              <a:rPr lang="en-US" altLang="ko-KR" sz="1200"/>
+              <a:rPr lang="en-US" altLang="ko-KR" sz="1100"/>
               <a:t>256GB M.2</a:t>
             </a:r>
-            <a:endParaRPr lang="en-US" altLang="ko-KR" sz="1200" dirty="0"/>
-          </a:p>
-          <a:p>
-            <a:pPr algn="ctr"/>
-            <a:endParaRPr lang="ko-KR" altLang="en-US" sz="1100" dirty="0"/>
+            <a:endParaRPr lang="en-US" altLang="ko-KR" sz="1100" dirty="0"/>
           </a:p>
         </p:txBody>
       </p:sp>
@@ -5047,8 +5285,8 @@
         </p:nvSpPr>
         <p:spPr>
           <a:xfrm>
-            <a:off x="3108612" y="3717034"/>
-            <a:ext cx="2926777" cy="1158972"/>
+            <a:off x="3348386" y="3393954"/>
+            <a:ext cx="2508665" cy="1158972"/>
           </a:xfrm>
           <a:prstGeom prst="roundRect">
             <a:avLst>
@@ -5077,21 +5315,21 @@
           <a:p>
             <a:pPr algn="ctr"/>
             <a:r>
-              <a:rPr lang="en-US" altLang="ko-KR" sz="1600" b="1"/>
+              <a:rPr lang="en-US" altLang="ko-KR" sz="1400" b="1"/>
               <a:t>Node 09 : VM</a:t>
             </a:r>
           </a:p>
           <a:p>
             <a:pPr algn="ctr"/>
             <a:r>
-              <a:rPr lang="en-US" altLang="ko-KR" sz="1400"/>
+              <a:rPr lang="en-US" altLang="ko-KR" sz="1200"/>
               <a:t>CPU : 2 Core / Memory : 8GB</a:t>
             </a:r>
-            <a:endParaRPr lang="ko-KR" altLang="en-US" sz="1400"/>
-          </a:p>
-          <a:p>
-            <a:pPr algn="ctr"/>
-            <a:endParaRPr lang="ko-KR" altLang="en-US" sz="1600" dirty="0"/>
+            <a:endParaRPr lang="ko-KR" altLang="en-US" sz="1200"/>
+          </a:p>
+          <a:p>
+            <a:pPr algn="ctr"/>
+            <a:endParaRPr lang="ko-KR" altLang="en-US" sz="1400" dirty="0"/>
           </a:p>
         </p:txBody>
       </p:sp>
@@ -5109,8 +5347,8 @@
         </p:nvSpPr>
         <p:spPr>
           <a:xfrm>
-            <a:off x="3181781" y="4299942"/>
-            <a:ext cx="1350348" cy="504056"/>
+            <a:off x="3411103" y="3976862"/>
+            <a:ext cx="1157442" cy="504056"/>
           </a:xfrm>
           <a:prstGeom prst="roundRect">
             <a:avLst>
@@ -5134,26 +5372,22 @@
           </a:fontRef>
         </p:style>
         <p:txBody>
-          <a:bodyPr rtlCol="0" anchor="t"/>
-          <a:lstStyle/>
-          <a:p>
-            <a:pPr algn="ctr"/>
-            <a:r>
-              <a:rPr lang="en-US" altLang="ko-KR" sz="1200"/>
+          <a:bodyPr rtlCol="0" anchor="ctr"/>
+          <a:lstStyle/>
+          <a:p>
+            <a:pPr algn="ctr"/>
+            <a:r>
+              <a:rPr lang="en-US" altLang="ko-KR" sz="1100"/>
               <a:t>eth0</a:t>
             </a:r>
           </a:p>
           <a:p>
             <a:pPr algn="ctr"/>
             <a:r>
-              <a:rPr lang="en-US" altLang="ko-KR" sz="1200"/>
+              <a:rPr lang="en-US" altLang="ko-KR" sz="1100"/>
               <a:t>192.168.0.39</a:t>
             </a:r>
           </a:p>
-          <a:p>
-            <a:pPr algn="ctr"/>
-            <a:endParaRPr lang="ko-KR" altLang="en-US" sz="1100" dirty="0"/>
-          </a:p>
         </p:txBody>
       </p:sp>
       <p:sp>
@@ -5170,8 +5404,8 @@
         </p:nvSpPr>
         <p:spPr>
           <a:xfrm>
-            <a:off x="4620297" y="4299942"/>
-            <a:ext cx="1341922" cy="504056"/>
+            <a:off x="4644117" y="3976862"/>
+            <a:ext cx="1150220" cy="504056"/>
           </a:xfrm>
           <a:prstGeom prst="roundRect">
             <a:avLst>
@@ -5195,26 +5429,22 @@
           </a:fontRef>
         </p:style>
         <p:txBody>
-          <a:bodyPr rtlCol="0" anchor="t"/>
-          <a:lstStyle/>
-          <a:p>
-            <a:pPr algn="ctr"/>
-            <a:r>
-              <a:rPr lang="en-US" altLang="ko-KR" sz="1200"/>
+          <a:bodyPr rtlCol="0" anchor="ctr"/>
+          <a:lstStyle/>
+          <a:p>
+            <a:pPr algn="ctr"/>
+            <a:r>
+              <a:rPr lang="en-US" altLang="ko-KR" sz="1100"/>
               <a:t>eth1</a:t>
             </a:r>
           </a:p>
           <a:p>
             <a:pPr algn="ctr"/>
             <a:r>
-              <a:rPr lang="en-US" altLang="ko-KR" sz="1200"/>
+              <a:rPr lang="en-US" altLang="ko-KR" sz="1100"/>
               <a:t>10.0.0.19</a:t>
             </a:r>
-            <a:endParaRPr lang="en-US" altLang="ko-KR" sz="1200" dirty="0"/>
-          </a:p>
-          <a:p>
-            <a:pPr algn="ctr"/>
-            <a:endParaRPr lang="ko-KR" altLang="en-US" sz="1100" dirty="0"/>
+            <a:endParaRPr lang="en-US" altLang="ko-KR" sz="1100" dirty="0"/>
           </a:p>
         </p:txBody>
       </p:sp>
@@ -5236,8 +5466,8 @@
         </p:nvCxnSpPr>
         <p:spPr>
           <a:xfrm flipH="1" flipV="1">
-            <a:off x="2355428" y="3795886"/>
-            <a:ext cx="826353" cy="756084"/>
+            <a:off x="2624403" y="3778362"/>
+            <a:ext cx="786700" cy="450528"/>
           </a:xfrm>
           <a:prstGeom prst="line">
             <a:avLst/>
@@ -5281,8 +5511,8 @@
         </p:nvCxnSpPr>
         <p:spPr>
           <a:xfrm flipV="1">
-            <a:off x="5962219" y="3795886"/>
-            <a:ext cx="832300" cy="756084"/>
+            <a:off x="5794337" y="3778362"/>
+            <a:ext cx="791798" cy="450528"/>
           </a:xfrm>
           <a:prstGeom prst="line">
             <a:avLst/>
@@ -5308,24 +5538,83 @@
           </a:fontRef>
         </p:style>
       </p:cxnSp>
+      <p:sp>
+        <p:nvSpPr>
+          <p:cNvPr id="39" name="모서리가 둥근 직사각형 18">
+            <a:extLst>
+              <a:ext uri="{FF2B5EF4-FFF2-40B4-BE49-F238E27FC236}">
+                <a16:creationId xmlns:a16="http://schemas.microsoft.com/office/drawing/2014/main" id="{C7B2586A-E3BD-4764-B800-E49EA4331EC5}"/>
+              </a:ext>
+            </a:extLst>
+          </p:cNvPr>
+          <p:cNvSpPr/>
+          <p:nvPr/>
+        </p:nvSpPr>
+        <p:spPr>
+          <a:xfrm>
+            <a:off x="174197" y="2535746"/>
+            <a:ext cx="1157442" cy="504056"/>
+          </a:xfrm>
+          <a:prstGeom prst="roundRect">
+            <a:avLst>
+              <a:gd name="adj" fmla="val 11578"/>
+            </a:avLst>
+          </a:prstGeom>
+          <a:noFill/>
+        </p:spPr>
+        <p:style>
+          <a:lnRef idx="2">
+            <a:schemeClr val="dk1"/>
+          </a:lnRef>
+          <a:fillRef idx="1">
+            <a:schemeClr val="lt1"/>
+          </a:fillRef>
+          <a:effectRef idx="0">
+            <a:schemeClr val="dk1"/>
+          </a:effectRef>
+          <a:fontRef idx="minor">
+            <a:schemeClr val="dk1"/>
+          </a:fontRef>
+        </p:style>
+        <p:txBody>
+          <a:bodyPr rtlCol="0" anchor="ctr"/>
+          <a:lstStyle/>
+          <a:p>
+            <a:pPr algn="ctr"/>
+            <a:r>
+              <a:rPr lang="en-US" altLang="ko-KR" sz="1100"/>
+              <a:t>1Gbps</a:t>
+            </a:r>
+          </a:p>
+          <a:p>
+            <a:pPr algn="ctr"/>
+            <a:r>
+              <a:rPr lang="en-US" altLang="ko-KR" sz="1100"/>
+              <a:t>192.168.0.30</a:t>
+            </a:r>
+          </a:p>
+        </p:txBody>
+      </p:sp>
       <p:cxnSp>
         <p:nvCxnSpPr>
-          <p:cNvPr id="36" name="직선 연결선 35">
-            <a:extLst>
-              <a:ext uri="{FF2B5EF4-FFF2-40B4-BE49-F238E27FC236}">
-                <a16:creationId xmlns:a16="http://schemas.microsoft.com/office/drawing/2014/main" id="{6D1C6FC5-3801-4BB6-98FA-86DD71276C53}"/>
+          <p:cNvPr id="55" name="직선 연결선 54">
+            <a:extLst>
+              <a:ext uri="{FF2B5EF4-FFF2-40B4-BE49-F238E27FC236}">
+                <a16:creationId xmlns:a16="http://schemas.microsoft.com/office/drawing/2014/main" id="{BC78C9C6-9A98-42E9-9BDD-105CD96EB4CC}"/>
               </a:ext>
             </a:extLst>
           </p:cNvPr>
           <p:cNvCxnSpPr>
             <a:cxnSpLocks/>
+            <a:stCxn id="39" idx="2"/>
+            <a:endCxn id="47" idx="0"/>
           </p:cNvCxnSpPr>
           <p:nvPr/>
         </p:nvCxnSpPr>
         <p:spPr>
-          <a:xfrm flipH="1">
-            <a:off x="2355428" y="3592593"/>
-            <a:ext cx="4439092" cy="0"/>
+          <a:xfrm>
+            <a:off x="752918" y="3039802"/>
+            <a:ext cx="1220800" cy="354151"/>
           </a:xfrm>
           <a:prstGeom prst="line">
             <a:avLst/>
@@ -5419,8 +5708,8 @@
         </p:nvSpPr>
         <p:spPr>
           <a:xfrm>
-            <a:off x="35496" y="1332614"/>
-            <a:ext cx="2926777" cy="1779195"/>
+            <a:off x="113414" y="1412777"/>
+            <a:ext cx="3726891" cy="1699032"/>
           </a:xfrm>
           <a:prstGeom prst="roundRect">
             <a:avLst>
@@ -5449,8 +5738,15 @@
           <a:p>
             <a:pPr algn="ctr"/>
             <a:r>
-              <a:rPr lang="en-US" altLang="ko-KR" sz="1600" b="1"/>
-              <a:t>Node 01 : Monitor, OSD, Manager</a:t>
+              <a:rPr lang="en-US" altLang="ko-KR" sz="1400" b="1"/>
+              <a:t>Node 01 : ODROID-H2</a:t>
+            </a:r>
+          </a:p>
+          <a:p>
+            <a:pPr algn="ctr"/>
+            <a:r>
+              <a:rPr lang="en-US" altLang="ko-KR" sz="1400" b="1"/>
+              <a:t>Monitor, OSD, Manager</a:t>
             </a:r>
           </a:p>
         </p:txBody>
@@ -5463,8 +5759,8 @@
         </p:nvSpPr>
         <p:spPr>
           <a:xfrm>
-            <a:off x="1547181" y="2535746"/>
-            <a:ext cx="1341922" cy="504056"/>
+            <a:off x="2627371" y="2535746"/>
+            <a:ext cx="1150220" cy="504056"/>
           </a:xfrm>
           <a:prstGeom prst="roundRect">
             <a:avLst>
@@ -5488,27 +5784,23 @@
           </a:fontRef>
         </p:style>
         <p:txBody>
-          <a:bodyPr rtlCol="0" anchor="t"/>
-          <a:lstStyle/>
-          <a:p>
-            <a:pPr algn="ctr"/>
-            <a:r>
-              <a:rPr lang="en-US" altLang="ko-KR" sz="1200"/>
+          <a:bodyPr rtlCol="0" anchor="ctr"/>
+          <a:lstStyle/>
+          <a:p>
+            <a:pPr algn="ctr"/>
+            <a:r>
+              <a:rPr lang="en-US" altLang="ko-KR" sz="1100"/>
               <a:t>enp0s3</a:t>
             </a:r>
-            <a:endParaRPr lang="en-US" altLang="ko-KR" sz="1200" dirty="0"/>
-          </a:p>
-          <a:p>
-            <a:pPr algn="ctr"/>
-            <a:r>
-              <a:rPr lang="en-US" altLang="ko-KR" sz="1200"/>
-              <a:t>10.0.0.10</a:t>
-            </a:r>
-            <a:endParaRPr lang="en-US" altLang="ko-KR" sz="1200" dirty="0"/>
-          </a:p>
-          <a:p>
-            <a:pPr algn="ctr"/>
-            <a:endParaRPr lang="ko-KR" altLang="en-US" sz="1100" dirty="0"/>
+            <a:endParaRPr lang="en-US" altLang="ko-KR" sz="1100" dirty="0"/>
+          </a:p>
+          <a:p>
+            <a:pPr algn="ctr"/>
+            <a:r>
+              <a:rPr lang="en-US" altLang="ko-KR" sz="1100"/>
+              <a:t>10.0.0.11</a:t>
+            </a:r>
+            <a:endParaRPr lang="en-US" altLang="ko-KR" sz="1100" dirty="0"/>
           </a:p>
         </p:txBody>
       </p:sp>
@@ -5526,8 +5818,8 @@
         </p:nvSpPr>
         <p:spPr>
           <a:xfrm>
-            <a:off x="3108612" y="1332614"/>
-            <a:ext cx="2926777" cy="1779195"/>
+            <a:off x="3965739" y="1412777"/>
+            <a:ext cx="2508665" cy="1699032"/>
           </a:xfrm>
           <a:prstGeom prst="roundRect">
             <a:avLst>
@@ -5556,13 +5848,17 @@
           <a:p>
             <a:pPr algn="ctr"/>
             <a:r>
-              <a:rPr lang="en-US" altLang="ko-KR" sz="1600" b="1"/>
-              <a:t>Node 02 : OSD</a:t>
-            </a:r>
-          </a:p>
-          <a:p>
-            <a:pPr algn="ctr"/>
-            <a:endParaRPr lang="ko-KR" altLang="en-US" sz="1600" dirty="0"/>
+              <a:rPr lang="en-US" altLang="ko-KR" sz="1400" b="1"/>
+              <a:t>Node 02 : ODROID-H2</a:t>
+            </a:r>
+          </a:p>
+          <a:p>
+            <a:pPr algn="ctr"/>
+            <a:r>
+              <a:rPr lang="en-US" altLang="ko-KR" sz="1400" b="1"/>
+              <a:t>OSD</a:t>
+            </a:r>
+            <a:endParaRPr lang="ko-KR" altLang="en-US" sz="1400" b="1" dirty="0"/>
           </a:p>
         </p:txBody>
       </p:sp>
@@ -5580,8 +5876,8 @@
         </p:nvSpPr>
         <p:spPr>
           <a:xfrm>
-            <a:off x="4620297" y="2535746"/>
-            <a:ext cx="1341922" cy="504056"/>
+            <a:off x="5261469" y="2535746"/>
+            <a:ext cx="1150220" cy="504056"/>
           </a:xfrm>
           <a:prstGeom prst="roundRect">
             <a:avLst>
@@ -5605,27 +5901,23 @@
           </a:fontRef>
         </p:style>
         <p:txBody>
-          <a:bodyPr rtlCol="0" anchor="t"/>
-          <a:lstStyle/>
-          <a:p>
-            <a:pPr algn="ctr"/>
-            <a:r>
-              <a:rPr lang="en-US" altLang="ko-KR" sz="1200"/>
+          <a:bodyPr rtlCol="0" anchor="ctr"/>
+          <a:lstStyle/>
+          <a:p>
+            <a:pPr algn="ctr"/>
+            <a:r>
+              <a:rPr lang="en-US" altLang="ko-KR" sz="1100"/>
               <a:t>enp0s3</a:t>
             </a:r>
-            <a:endParaRPr lang="en-US" altLang="ko-KR" sz="1200" dirty="0"/>
-          </a:p>
-          <a:p>
-            <a:pPr algn="ctr"/>
-            <a:r>
-              <a:rPr lang="en-US" altLang="ko-KR" sz="1200"/>
-              <a:t>10.0.0.11</a:t>
-            </a:r>
-            <a:endParaRPr lang="en-US" altLang="ko-KR" sz="1200" dirty="0"/>
-          </a:p>
-          <a:p>
-            <a:pPr algn="ctr"/>
-            <a:endParaRPr lang="ko-KR" altLang="en-US" sz="1100" dirty="0"/>
+            <a:endParaRPr lang="en-US" altLang="ko-KR" sz="1100" dirty="0"/>
+          </a:p>
+          <a:p>
+            <a:pPr algn="ctr"/>
+            <a:r>
+              <a:rPr lang="en-US" altLang="ko-KR" sz="1100"/>
+              <a:t>10.0.0.12</a:t>
+            </a:r>
+            <a:endParaRPr lang="en-US" altLang="ko-KR" sz="1100" dirty="0"/>
           </a:p>
         </p:txBody>
       </p:sp>
@@ -5643,8 +5935,8 @@
         </p:nvSpPr>
         <p:spPr>
           <a:xfrm>
-            <a:off x="6181727" y="1332614"/>
-            <a:ext cx="2926777" cy="1779195"/>
+            <a:off x="6599839" y="1412777"/>
+            <a:ext cx="2508665" cy="1699032"/>
           </a:xfrm>
           <a:prstGeom prst="roundRect">
             <a:avLst>
@@ -5673,13 +5965,17 @@
           <a:p>
             <a:pPr algn="ctr"/>
             <a:r>
-              <a:rPr lang="en-US" altLang="ko-KR" sz="1600" b="1"/>
-              <a:t>Node 03 : OSD</a:t>
-            </a:r>
-          </a:p>
-          <a:p>
-            <a:pPr algn="ctr"/>
-            <a:endParaRPr lang="ko-KR" altLang="en-US" sz="1600" dirty="0"/>
+              <a:rPr lang="en-US" altLang="ko-KR" sz="1400" b="1"/>
+              <a:t>Node 03 : ODROID-H2</a:t>
+            </a:r>
+          </a:p>
+          <a:p>
+            <a:pPr algn="ctr"/>
+            <a:r>
+              <a:rPr lang="en-US" altLang="ko-KR" sz="1400" b="1"/>
+              <a:t>OSD</a:t>
+            </a:r>
+            <a:endParaRPr lang="ko-KR" altLang="en-US" sz="1400" b="1" dirty="0"/>
           </a:p>
         </p:txBody>
       </p:sp>
@@ -5697,8 +5993,8 @@
         </p:nvSpPr>
         <p:spPr>
           <a:xfrm>
-            <a:off x="7693412" y="2535746"/>
-            <a:ext cx="1341922" cy="504056"/>
+            <a:off x="7895567" y="2535746"/>
+            <a:ext cx="1150220" cy="504056"/>
           </a:xfrm>
           <a:prstGeom prst="roundRect">
             <a:avLst>
@@ -5722,27 +6018,23 @@
           </a:fontRef>
         </p:style>
         <p:txBody>
-          <a:bodyPr rtlCol="0" anchor="t"/>
-          <a:lstStyle/>
-          <a:p>
-            <a:pPr algn="ctr"/>
-            <a:r>
-              <a:rPr lang="en-US" altLang="ko-KR" sz="1200"/>
+          <a:bodyPr rtlCol="0" anchor="ctr"/>
+          <a:lstStyle/>
+          <a:p>
+            <a:pPr algn="ctr"/>
+            <a:r>
+              <a:rPr lang="en-US" altLang="ko-KR" sz="1100"/>
               <a:t>enp0s3</a:t>
             </a:r>
-            <a:endParaRPr lang="en-US" altLang="ko-KR" sz="1200" dirty="0"/>
-          </a:p>
-          <a:p>
-            <a:pPr algn="ctr"/>
-            <a:r>
-              <a:rPr lang="en-US" altLang="ko-KR" sz="1200"/>
-              <a:t>10.0.0.12</a:t>
-            </a:r>
-            <a:endParaRPr lang="en-US" altLang="ko-KR" sz="1200" dirty="0"/>
-          </a:p>
-          <a:p>
-            <a:pPr algn="ctr"/>
-            <a:endParaRPr lang="ko-KR" altLang="en-US" sz="1100" dirty="0"/>
+            <a:endParaRPr lang="en-US" altLang="ko-KR" sz="1100" dirty="0"/>
+          </a:p>
+          <a:p>
+            <a:pPr algn="ctr"/>
+            <a:r>
+              <a:rPr lang="en-US" altLang="ko-KR" sz="1100"/>
+              <a:t>10.0.0.13</a:t>
+            </a:r>
+            <a:endParaRPr lang="en-US" altLang="ko-KR" sz="1100" dirty="0"/>
           </a:p>
         </p:txBody>
       </p:sp>
@@ -5758,14 +6050,14 @@
           <p:cNvCxnSpPr>
             <a:cxnSpLocks/>
             <a:stCxn id="24" idx="2"/>
-            <a:endCxn id="20" idx="0"/>
+            <a:endCxn id="67" idx="0"/>
           </p:cNvCxnSpPr>
           <p:nvPr/>
         </p:nvCxnSpPr>
         <p:spPr>
           <a:xfrm>
-            <a:off x="2218142" y="3039802"/>
-            <a:ext cx="5426973" cy="396044"/>
+            <a:off x="3202481" y="3039802"/>
+            <a:ext cx="4034338" cy="354151"/>
           </a:xfrm>
           <a:prstGeom prst="line">
             <a:avLst/>
@@ -5803,14 +6095,14 @@
           <p:cNvCxnSpPr>
             <a:cxnSpLocks/>
             <a:stCxn id="31" idx="2"/>
-            <a:endCxn id="20" idx="0"/>
+            <a:endCxn id="67" idx="0"/>
           </p:cNvCxnSpPr>
           <p:nvPr/>
         </p:nvCxnSpPr>
         <p:spPr>
           <a:xfrm>
-            <a:off x="5291258" y="3039802"/>
-            <a:ext cx="2353857" cy="396044"/>
+            <a:off x="5836579" y="3039802"/>
+            <a:ext cx="1400240" cy="354151"/>
           </a:xfrm>
           <a:prstGeom prst="line">
             <a:avLst/>
@@ -5848,14 +6140,14 @@
           <p:cNvCxnSpPr>
             <a:cxnSpLocks/>
             <a:stCxn id="35" idx="2"/>
-            <a:endCxn id="20" idx="0"/>
+            <a:endCxn id="67" idx="0"/>
           </p:cNvCxnSpPr>
           <p:nvPr/>
         </p:nvCxnSpPr>
         <p:spPr>
           <a:xfrm flipH="1">
-            <a:off x="7645115" y="3039802"/>
-            <a:ext cx="719258" cy="396044"/>
+            <a:off x="7236819" y="3039802"/>
+            <a:ext cx="1233858" cy="354151"/>
           </a:xfrm>
           <a:prstGeom prst="line">
             <a:avLst/>
@@ -5895,8 +6187,8 @@
         </p:nvSpPr>
         <p:spPr>
           <a:xfrm>
-            <a:off x="6254897" y="1959681"/>
-            <a:ext cx="1350348" cy="504056"/>
+            <a:off x="6662556" y="1959681"/>
+            <a:ext cx="1157442" cy="504056"/>
           </a:xfrm>
           <a:prstGeom prst="roundRect">
             <a:avLst>
@@ -5920,25 +6212,21 @@
           </a:fontRef>
         </p:style>
         <p:txBody>
-          <a:bodyPr rtlCol="0" anchor="t"/>
-          <a:lstStyle/>
-          <a:p>
-            <a:pPr algn="ctr"/>
-            <a:r>
-              <a:rPr lang="en-US" altLang="ko-KR" sz="1200"/>
+          <a:bodyPr rtlCol="0" anchor="ctr"/>
+          <a:lstStyle/>
+          <a:p>
+            <a:pPr algn="ctr"/>
+            <a:r>
+              <a:rPr lang="en-US" altLang="ko-KR" sz="1100"/>
               <a:t>/dev/mmcblk0</a:t>
             </a:r>
           </a:p>
           <a:p>
             <a:pPr algn="ctr"/>
             <a:r>
-              <a:rPr lang="en-US" altLang="ko-KR" sz="1200"/>
-              <a:t>rootfs</a:t>
-            </a:r>
-          </a:p>
-          <a:p>
-            <a:pPr algn="ctr"/>
-            <a:endParaRPr lang="ko-KR" altLang="en-US" sz="1100" dirty="0"/>
+              <a:rPr lang="en-US" altLang="ko-KR" sz="1100"/>
+              <a:t>Rootfs</a:t>
+            </a:r>
           </a:p>
         </p:txBody>
       </p:sp>
@@ -5956,8 +6244,8 @@
         </p:nvSpPr>
         <p:spPr>
           <a:xfrm>
-            <a:off x="7693412" y="1959681"/>
-            <a:ext cx="1341922" cy="504056"/>
+            <a:off x="7895568" y="1959681"/>
+            <a:ext cx="1150220" cy="504056"/>
           </a:xfrm>
           <a:prstGeom prst="roundRect">
             <a:avLst>
@@ -5981,25 +6269,21 @@
           </a:fontRef>
         </p:style>
         <p:txBody>
-          <a:bodyPr rtlCol="0" anchor="t"/>
-          <a:lstStyle/>
-          <a:p>
-            <a:pPr algn="ctr"/>
-            <a:r>
-              <a:rPr lang="en-US" altLang="ko-KR" sz="1200"/>
+          <a:bodyPr rtlCol="0" anchor="ctr"/>
+          <a:lstStyle/>
+          <a:p>
+            <a:pPr algn="ctr"/>
+            <a:r>
+              <a:rPr lang="en-US" altLang="ko-KR" sz="1100"/>
               <a:t>/dev/nvme0n1</a:t>
             </a:r>
           </a:p>
           <a:p>
             <a:pPr algn="ctr"/>
             <a:r>
-              <a:rPr lang="en-US" altLang="ko-KR" sz="1200" b="1"/>
-              <a:t>Ceph Storage</a:t>
-            </a:r>
-          </a:p>
-          <a:p>
-            <a:pPr algn="ctr"/>
-            <a:endParaRPr lang="ko-KR" altLang="en-US" sz="1100" dirty="0"/>
+              <a:rPr lang="en-US" altLang="ko-KR" sz="1100" b="1"/>
+              <a:t>OSD Block</a:t>
+            </a:r>
           </a:p>
         </p:txBody>
       </p:sp>
@@ -6017,8 +6301,8 @@
         </p:nvSpPr>
         <p:spPr>
           <a:xfrm>
-            <a:off x="3181781" y="1959681"/>
-            <a:ext cx="1350348" cy="504056"/>
+            <a:off x="4028455" y="1959681"/>
+            <a:ext cx="1157442" cy="504056"/>
           </a:xfrm>
           <a:prstGeom prst="roundRect">
             <a:avLst>
@@ -6042,25 +6326,21 @@
           </a:fontRef>
         </p:style>
         <p:txBody>
-          <a:bodyPr rtlCol="0" anchor="t"/>
-          <a:lstStyle/>
-          <a:p>
-            <a:pPr algn="ctr"/>
-            <a:r>
-              <a:rPr lang="en-US" altLang="ko-KR" sz="1200"/>
+          <a:bodyPr rtlCol="0" anchor="ctr"/>
+          <a:lstStyle/>
+          <a:p>
+            <a:pPr algn="ctr"/>
+            <a:r>
+              <a:rPr lang="en-US" altLang="ko-KR" sz="1100"/>
               <a:t>/dev/mmcblk0</a:t>
             </a:r>
           </a:p>
           <a:p>
             <a:pPr algn="ctr"/>
             <a:r>
-              <a:rPr lang="en-US" altLang="ko-KR" sz="1200"/>
-              <a:t>rootfs</a:t>
-            </a:r>
-          </a:p>
-          <a:p>
-            <a:pPr algn="ctr"/>
-            <a:endParaRPr lang="ko-KR" altLang="en-US" sz="1100" dirty="0"/>
+              <a:rPr lang="en-US" altLang="ko-KR" sz="1100"/>
+              <a:t>Rootfs</a:t>
+            </a:r>
           </a:p>
         </p:txBody>
       </p:sp>
@@ -6078,8 +6358,8 @@
         </p:nvSpPr>
         <p:spPr>
           <a:xfrm>
-            <a:off x="4620297" y="1959681"/>
-            <a:ext cx="1341922" cy="504056"/>
+            <a:off x="5261469" y="1959681"/>
+            <a:ext cx="1150220" cy="504056"/>
           </a:xfrm>
           <a:prstGeom prst="roundRect">
             <a:avLst>
@@ -6103,25 +6383,21 @@
           </a:fontRef>
         </p:style>
         <p:txBody>
-          <a:bodyPr rtlCol="0" anchor="t"/>
-          <a:lstStyle/>
-          <a:p>
-            <a:pPr algn="ctr"/>
-            <a:r>
-              <a:rPr lang="en-US" altLang="ko-KR" sz="1200"/>
+          <a:bodyPr rtlCol="0" anchor="ctr"/>
+          <a:lstStyle/>
+          <a:p>
+            <a:pPr algn="ctr"/>
+            <a:r>
+              <a:rPr lang="en-US" altLang="ko-KR" sz="1100"/>
               <a:t>/dev/nvme0n1</a:t>
             </a:r>
           </a:p>
           <a:p>
             <a:pPr algn="ctr"/>
             <a:r>
-              <a:rPr lang="en-US" altLang="ko-KR" sz="1200" b="1"/>
-              <a:t>Ceph Storage</a:t>
-            </a:r>
-          </a:p>
-          <a:p>
-            <a:pPr algn="ctr"/>
-            <a:endParaRPr lang="ko-KR" altLang="en-US" sz="1100" dirty="0"/>
+              <a:rPr lang="en-US" altLang="ko-KR" sz="1100" b="1"/>
+              <a:t>OSD Block</a:t>
+            </a:r>
           </a:p>
         </p:txBody>
       </p:sp>
@@ -6139,8 +6415,8 @@
         </p:nvSpPr>
         <p:spPr>
           <a:xfrm>
-            <a:off x="108665" y="1959681"/>
-            <a:ext cx="1350348" cy="504056"/>
+            <a:off x="769401" y="1959681"/>
+            <a:ext cx="1157442" cy="504056"/>
           </a:xfrm>
           <a:prstGeom prst="roundRect">
             <a:avLst>
@@ -6164,25 +6440,21 @@
           </a:fontRef>
         </p:style>
         <p:txBody>
-          <a:bodyPr rtlCol="0" anchor="t"/>
-          <a:lstStyle/>
-          <a:p>
-            <a:pPr algn="ctr"/>
-            <a:r>
-              <a:rPr lang="en-US" altLang="ko-KR" sz="1200"/>
+          <a:bodyPr rtlCol="0" anchor="ctr"/>
+          <a:lstStyle/>
+          <a:p>
+            <a:pPr algn="ctr"/>
+            <a:r>
+              <a:rPr lang="en-US" altLang="ko-KR" sz="1100"/>
               <a:t>/dev/mmcblk0</a:t>
             </a:r>
           </a:p>
           <a:p>
             <a:pPr algn="ctr"/>
             <a:r>
-              <a:rPr lang="en-US" altLang="ko-KR" sz="1200"/>
-              <a:t>rootfs</a:t>
-            </a:r>
-          </a:p>
-          <a:p>
-            <a:pPr algn="ctr"/>
-            <a:endParaRPr lang="ko-KR" altLang="en-US" sz="1100" dirty="0"/>
+              <a:rPr lang="en-US" altLang="ko-KR" sz="1100"/>
+              <a:t>Rootfs</a:t>
+            </a:r>
           </a:p>
         </p:txBody>
       </p:sp>
@@ -6200,8 +6472,8 @@
         </p:nvSpPr>
         <p:spPr>
           <a:xfrm>
-            <a:off x="1547181" y="1959681"/>
-            <a:ext cx="1341922" cy="504056"/>
+            <a:off x="2002416" y="1959681"/>
+            <a:ext cx="1150220" cy="504056"/>
           </a:xfrm>
           <a:prstGeom prst="roundRect">
             <a:avLst>
@@ -6225,35 +6497,92 @@
           </a:fontRef>
         </p:style>
         <p:txBody>
+          <a:bodyPr rtlCol="0" anchor="ctr"/>
+          <a:lstStyle/>
+          <a:p>
+            <a:pPr algn="ctr"/>
+            <a:r>
+              <a:rPr lang="en-US" altLang="ko-KR" sz="1100"/>
+              <a:t>/dev/nvme0n1</a:t>
+            </a:r>
+          </a:p>
+          <a:p>
+            <a:pPr algn="ctr"/>
+            <a:r>
+              <a:rPr lang="en-US" altLang="ko-KR" sz="1100" b="1"/>
+              <a:t>OSD Block</a:t>
+            </a:r>
+          </a:p>
+        </p:txBody>
+      </p:sp>
+      <p:sp>
+        <p:nvSpPr>
+          <p:cNvPr id="62" name="모서리가 둥근 직사각형 13">
+            <a:extLst>
+              <a:ext uri="{FF2B5EF4-FFF2-40B4-BE49-F238E27FC236}">
+                <a16:creationId xmlns:a16="http://schemas.microsoft.com/office/drawing/2014/main" id="{9FEE3CEF-16B4-45CD-AECB-C5503C7D9330}"/>
+              </a:ext>
+            </a:extLst>
+          </p:cNvPr>
+          <p:cNvSpPr/>
+          <p:nvPr/>
+        </p:nvSpPr>
+        <p:spPr>
+          <a:xfrm>
+            <a:off x="3348386" y="3393954"/>
+            <a:ext cx="2508665" cy="1158972"/>
+          </a:xfrm>
+          <a:prstGeom prst="roundRect">
+            <a:avLst>
+              <a:gd name="adj" fmla="val 6281"/>
+            </a:avLst>
+          </a:prstGeom>
+          <a:noFill/>
+        </p:spPr>
+        <p:style>
+          <a:lnRef idx="2">
+            <a:schemeClr val="dk1"/>
+          </a:lnRef>
+          <a:fillRef idx="1">
+            <a:schemeClr val="lt1"/>
+          </a:fillRef>
+          <a:effectRef idx="0">
+            <a:schemeClr val="dk1"/>
+          </a:effectRef>
+          <a:fontRef idx="minor">
+            <a:schemeClr val="dk1"/>
+          </a:fontRef>
+        </p:style>
+        <p:txBody>
           <a:bodyPr rtlCol="0" anchor="t"/>
           <a:lstStyle/>
           <a:p>
             <a:pPr algn="ctr"/>
             <a:r>
-              <a:rPr lang="en-US" altLang="ko-KR" sz="1200"/>
-              <a:t>/dev/nvme0n1</a:t>
-            </a:r>
-          </a:p>
-          <a:p>
-            <a:pPr algn="ctr"/>
-            <a:r>
-              <a:rPr lang="en-US" altLang="ko-KR" sz="1200" b="1"/>
-              <a:t>Ceph Storage</a:t>
-            </a:r>
-            <a:endParaRPr lang="en-US" altLang="ko-KR" sz="1200" b="1" dirty="0"/>
-          </a:p>
-          <a:p>
-            <a:pPr algn="ctr"/>
-            <a:endParaRPr lang="ko-KR" altLang="en-US" sz="1100" dirty="0"/>
-          </a:p>
-        </p:txBody>
-      </p:sp>
-      <p:sp>
-        <p:nvSpPr>
-          <p:cNvPr id="20" name="모서리가 둥근 직사각형 47">
-            <a:extLst>
-              <a:ext uri="{FF2B5EF4-FFF2-40B4-BE49-F238E27FC236}">
-                <a16:creationId xmlns:a16="http://schemas.microsoft.com/office/drawing/2014/main" id="{F24F30A6-89D1-42DA-A7E7-17E24B79E746}"/>
+              <a:rPr lang="en-US" altLang="ko-KR" sz="1400" b="1"/>
+              <a:t>Node 09 : VM</a:t>
+            </a:r>
+          </a:p>
+          <a:p>
+            <a:pPr algn="ctr"/>
+            <a:r>
+              <a:rPr lang="en-US" altLang="ko-KR" sz="1400" b="1"/>
+              <a:t>Deploy</a:t>
+            </a:r>
+            <a:endParaRPr lang="ko-KR" altLang="en-US" sz="1400" b="1"/>
+          </a:p>
+          <a:p>
+            <a:pPr algn="ctr"/>
+            <a:endParaRPr lang="ko-KR" altLang="en-US" sz="1400" dirty="0"/>
+          </a:p>
+        </p:txBody>
+      </p:sp>
+      <p:sp>
+        <p:nvSpPr>
+          <p:cNvPr id="64" name="모서리가 둥근 직사각형 23">
+            <a:extLst>
+              <a:ext uri="{FF2B5EF4-FFF2-40B4-BE49-F238E27FC236}">
+                <a16:creationId xmlns:a16="http://schemas.microsoft.com/office/drawing/2014/main" id="{F225625C-3E74-4151-AF2D-ED9083793E66}"/>
               </a:ext>
             </a:extLst>
           </p:cNvPr>
@@ -6262,8 +6591,8 @@
         </p:nvSpPr>
         <p:spPr>
           <a:xfrm>
-            <a:off x="6804249" y="3435846"/>
-            <a:ext cx="1681732" cy="720080"/>
+            <a:off x="4644117" y="3976862"/>
+            <a:ext cx="1150220" cy="504056"/>
           </a:xfrm>
           <a:prstGeom prst="roundRect">
             <a:avLst>
@@ -6292,46 +6621,40 @@
           <a:p>
             <a:pPr algn="ctr"/>
             <a:r>
-              <a:rPr lang="en-US" altLang="ko-KR" sz="1200"/>
-              <a:t>Inner NAT Network</a:t>
-            </a:r>
-          </a:p>
-          <a:p>
-            <a:pPr algn="ctr"/>
-            <a:r>
-              <a:rPr lang="en-US" altLang="ko-KR" sz="1200"/>
-              <a:t>10.0.0.0/24</a:t>
-            </a:r>
-          </a:p>
-          <a:p>
-            <a:pPr algn="ctr"/>
-            <a:r>
-              <a:rPr lang="en-US" altLang="ko-KR" sz="1200" b="1"/>
-              <a:t>Ceph Network</a:t>
-            </a:r>
+              <a:rPr lang="en-US" altLang="ko-KR" sz="1100"/>
+              <a:t>eth1</a:t>
+            </a:r>
+          </a:p>
+          <a:p>
+            <a:pPr algn="ctr"/>
+            <a:r>
+              <a:rPr lang="en-US" altLang="ko-KR" sz="1100"/>
+              <a:t>10.0.0.19</a:t>
+            </a:r>
+            <a:endParaRPr lang="en-US" altLang="ko-KR" sz="1100" dirty="0"/>
           </a:p>
         </p:txBody>
       </p:sp>
       <p:cxnSp>
         <p:nvCxnSpPr>
-          <p:cNvPr id="28" name="직선 연결선 27">
-            <a:extLst>
-              <a:ext uri="{FF2B5EF4-FFF2-40B4-BE49-F238E27FC236}">
-                <a16:creationId xmlns:a16="http://schemas.microsoft.com/office/drawing/2014/main" id="{8FAEC469-9442-46E7-8BF7-8A019B7752A1}"/>
+          <p:cNvPr id="66" name="직선 연결선 65">
+            <a:extLst>
+              <a:ext uri="{FF2B5EF4-FFF2-40B4-BE49-F238E27FC236}">
+                <a16:creationId xmlns:a16="http://schemas.microsoft.com/office/drawing/2014/main" id="{310D4476-DA56-487E-96F9-2D769592E99B}"/>
               </a:ext>
             </a:extLst>
           </p:cNvPr>
           <p:cNvCxnSpPr>
             <a:cxnSpLocks/>
-            <a:stCxn id="47" idx="3"/>
-            <a:endCxn id="20" idx="1"/>
+            <a:stCxn id="64" idx="3"/>
+            <a:endCxn id="67" idx="1"/>
           </p:cNvCxnSpPr>
           <p:nvPr/>
         </p:nvCxnSpPr>
         <p:spPr>
           <a:xfrm flipV="1">
-            <a:off x="5962219" y="3795886"/>
-            <a:ext cx="842030" cy="256070"/>
+            <a:off x="5794337" y="3882952"/>
+            <a:ext cx="791798" cy="345938"/>
           </a:xfrm>
           <a:prstGeom prst="line">
             <a:avLst/>
@@ -6359,10 +6682,10 @@
       </p:cxnSp>
       <p:sp>
         <p:nvSpPr>
-          <p:cNvPr id="43" name="모서리가 둥근 직사각형 13">
-            <a:extLst>
-              <a:ext uri="{FF2B5EF4-FFF2-40B4-BE49-F238E27FC236}">
-                <a16:creationId xmlns:a16="http://schemas.microsoft.com/office/drawing/2014/main" id="{8ED0D173-FAA1-4C3A-8A2E-C0AF27EE759C}"/>
+          <p:cNvPr id="67" name="모서리가 둥근 직사각형 47">
+            <a:extLst>
+              <a:ext uri="{FF2B5EF4-FFF2-40B4-BE49-F238E27FC236}">
+                <a16:creationId xmlns:a16="http://schemas.microsoft.com/office/drawing/2014/main" id="{E44B86BD-6E99-4515-9ADC-4F1DD93536A9}"/>
               </a:ext>
             </a:extLst>
           </p:cNvPr>
@@ -6371,62 +6694,8 @@
         </p:nvSpPr>
         <p:spPr>
           <a:xfrm>
-            <a:off x="3108612" y="3429002"/>
-            <a:ext cx="2926777" cy="958700"/>
-          </a:xfrm>
-          <a:prstGeom prst="roundRect">
-            <a:avLst>
-              <a:gd name="adj" fmla="val 6281"/>
-            </a:avLst>
-          </a:prstGeom>
-          <a:noFill/>
-        </p:spPr>
-        <p:style>
-          <a:lnRef idx="2">
-            <a:schemeClr val="dk1"/>
-          </a:lnRef>
-          <a:fillRef idx="1">
-            <a:schemeClr val="lt1"/>
-          </a:fillRef>
-          <a:effectRef idx="0">
-            <a:schemeClr val="dk1"/>
-          </a:effectRef>
-          <a:fontRef idx="minor">
-            <a:schemeClr val="dk1"/>
-          </a:fontRef>
-        </p:style>
-        <p:txBody>
-          <a:bodyPr rtlCol="0" anchor="t"/>
-          <a:lstStyle/>
-          <a:p>
-            <a:pPr algn="ctr"/>
-            <a:r>
-              <a:rPr lang="en-US" altLang="ko-KR" sz="1600" b="1"/>
-              <a:t>Node 09 : Deploy</a:t>
-            </a:r>
-          </a:p>
-          <a:p>
-            <a:pPr algn="ctr"/>
-            <a:endParaRPr lang="ko-KR" altLang="en-US" sz="1600" dirty="0"/>
-          </a:p>
-        </p:txBody>
-      </p:sp>
-      <p:sp>
-        <p:nvSpPr>
-          <p:cNvPr id="47" name="모서리가 둥근 직사각형 23">
-            <a:extLst>
-              <a:ext uri="{FF2B5EF4-FFF2-40B4-BE49-F238E27FC236}">
-                <a16:creationId xmlns:a16="http://schemas.microsoft.com/office/drawing/2014/main" id="{53D967F2-BE56-4C56-84AC-C674528BFEAE}"/>
-              </a:ext>
-            </a:extLst>
-          </p:cNvPr>
-          <p:cNvSpPr/>
-          <p:nvPr/>
-        </p:nvSpPr>
-        <p:spPr>
-          <a:xfrm>
-            <a:off x="4620297" y="3799928"/>
-            <a:ext cx="1341922" cy="504056"/>
+            <a:off x="6586135" y="3393953"/>
+            <a:ext cx="1301368" cy="977997"/>
           </a:xfrm>
           <a:prstGeom prst="roundRect">
             <a:avLst>
@@ -6450,33 +6719,42 @@
           </a:fontRef>
         </p:style>
         <p:txBody>
-          <a:bodyPr rtlCol="0" anchor="t"/>
-          <a:lstStyle/>
-          <a:p>
-            <a:pPr algn="ctr"/>
-            <a:r>
-              <a:rPr lang="en-US" altLang="ko-KR" sz="1200"/>
-              <a:t>eth1</a:t>
-            </a:r>
-          </a:p>
-          <a:p>
-            <a:pPr algn="ctr"/>
-            <a:r>
-              <a:rPr lang="en-US" altLang="ko-KR" sz="1200"/>
-              <a:t>10.0.0.19</a:t>
-            </a:r>
-            <a:endParaRPr lang="en-US" altLang="ko-KR" sz="1200" dirty="0"/>
-          </a:p>
-          <a:p>
-            <a:pPr algn="ctr"/>
-            <a:endParaRPr lang="ko-KR" altLang="en-US" sz="1100" dirty="0"/>
+          <a:bodyPr rtlCol="0" anchor="ctr"/>
+          <a:lstStyle/>
+          <a:p>
+            <a:pPr algn="ctr"/>
+            <a:r>
+              <a:rPr lang="en-US" altLang="ko-KR" sz="1400" b="1"/>
+              <a:t>Switch</a:t>
+            </a:r>
+          </a:p>
+          <a:p>
+            <a:pPr algn="ctr"/>
+            <a:r>
+              <a:rPr lang="en-US" altLang="ko-KR" sz="1100"/>
+              <a:t>Private Network</a:t>
+            </a:r>
+          </a:p>
+          <a:p>
+            <a:pPr algn="ctr"/>
+            <a:r>
+              <a:rPr lang="en-US" altLang="ko-KR" sz="1100"/>
+              <a:t>10.0.0.0/24</a:t>
+            </a:r>
+          </a:p>
+          <a:p>
+            <a:pPr algn="ctr"/>
+            <a:r>
+              <a:rPr lang="en-US" altLang="ko-KR" sz="1100" b="1"/>
+              <a:t>Ceph Network</a:t>
+            </a:r>
           </a:p>
         </p:txBody>
       </p:sp>
     </p:spTree>
     <p:extLst>
       <p:ext uri="{BB962C8B-B14F-4D97-AF65-F5344CB8AC3E}">
-        <p14:creationId xmlns:p14="http://schemas.microsoft.com/office/powerpoint/2010/main" val="2666651336"/>
+        <p14:creationId xmlns:p14="http://schemas.microsoft.com/office/powerpoint/2010/main" val="2281295929"/>
       </p:ext>
     </p:extLst>
   </p:cSld>
@@ -6541,8 +6819,8 @@
         </p:nvSpPr>
         <p:spPr>
           <a:xfrm>
-            <a:off x="35496" y="1563638"/>
-            <a:ext cx="2926777" cy="1548171"/>
+            <a:off x="113414" y="1412777"/>
+            <a:ext cx="3726891" cy="1699032"/>
           </a:xfrm>
           <a:prstGeom prst="roundRect">
             <a:avLst>
@@ -6571,8 +6849,15 @@
           <a:p>
             <a:pPr algn="ctr"/>
             <a:r>
-              <a:rPr lang="en-US" altLang="ko-KR" sz="1600" b="1"/>
-              <a:t>Node 01 : Controller, 	Network</a:t>
+              <a:rPr lang="en-US" altLang="ko-KR" sz="1400" b="1"/>
+              <a:t>Node 01 : ODROID-H2</a:t>
+            </a:r>
+          </a:p>
+          <a:p>
+            <a:pPr algn="ctr"/>
+            <a:r>
+              <a:rPr lang="en-US" altLang="ko-KR" sz="1400" b="1"/>
+              <a:t>Controller, Network</a:t>
             </a:r>
           </a:p>
         </p:txBody>
@@ -6585,8 +6870,8 @@
         </p:nvSpPr>
         <p:spPr>
           <a:xfrm>
-            <a:off x="108665" y="2535746"/>
-            <a:ext cx="1350348" cy="504056"/>
+            <a:off x="1394356" y="2535746"/>
+            <a:ext cx="1157442" cy="504056"/>
           </a:xfrm>
           <a:prstGeom prst="roundRect">
             <a:avLst>
@@ -6615,10 +6900,17 @@
           <a:p>
             <a:pPr algn="ctr"/>
             <a:r>
-              <a:rPr lang="en-US" altLang="ko-KR" sz="1200"/>
+              <a:rPr lang="en-US" altLang="ko-KR" sz="1100"/>
               <a:t>enp0s2</a:t>
             </a:r>
-            <a:endParaRPr lang="en-US" altLang="ko-KR" sz="1200" dirty="0"/>
+          </a:p>
+          <a:p>
+            <a:pPr algn="ctr"/>
+            <a:r>
+              <a:rPr lang="en-US" altLang="ko-KR" sz="1100"/>
+              <a:t>192.168.0.31</a:t>
+            </a:r>
+            <a:endParaRPr lang="en-US" altLang="ko-KR" sz="1100" dirty="0"/>
           </a:p>
         </p:txBody>
       </p:sp>
@@ -6630,8 +6922,8 @@
         </p:nvSpPr>
         <p:spPr>
           <a:xfrm>
-            <a:off x="1547181" y="2535746"/>
-            <a:ext cx="1341922" cy="504056"/>
+            <a:off x="2627371" y="2535746"/>
+            <a:ext cx="1150220" cy="504056"/>
           </a:xfrm>
           <a:prstGeom prst="roundRect">
             <a:avLst>
@@ -6655,27 +6947,23 @@
           </a:fontRef>
         </p:style>
         <p:txBody>
-          <a:bodyPr rtlCol="0" anchor="t"/>
-          <a:lstStyle/>
-          <a:p>
-            <a:pPr algn="ctr"/>
-            <a:r>
-              <a:rPr lang="en-US" altLang="ko-KR" sz="1200"/>
+          <a:bodyPr rtlCol="0" anchor="ctr"/>
+          <a:lstStyle/>
+          <a:p>
+            <a:pPr algn="ctr"/>
+            <a:r>
+              <a:rPr lang="en-US" altLang="ko-KR" sz="1100"/>
               <a:t>enp0s3</a:t>
             </a:r>
-            <a:endParaRPr lang="en-US" altLang="ko-KR" sz="1200" dirty="0"/>
-          </a:p>
-          <a:p>
-            <a:pPr algn="ctr"/>
-            <a:r>
-              <a:rPr lang="en-US" altLang="ko-KR" sz="1200"/>
-              <a:t>10.0.0.10</a:t>
-            </a:r>
-            <a:endParaRPr lang="en-US" altLang="ko-KR" sz="1200" dirty="0"/>
-          </a:p>
-          <a:p>
-            <a:pPr algn="ctr"/>
-            <a:endParaRPr lang="ko-KR" altLang="en-US" sz="1100" dirty="0"/>
+            <a:endParaRPr lang="en-US" altLang="ko-KR" sz="1100" dirty="0"/>
+          </a:p>
+          <a:p>
+            <a:pPr algn="ctr"/>
+            <a:r>
+              <a:rPr lang="en-US" altLang="ko-KR" sz="1100"/>
+              <a:t>10.0.0.11</a:t>
+            </a:r>
+            <a:endParaRPr lang="en-US" altLang="ko-KR" sz="1100" dirty="0"/>
           </a:p>
         </p:txBody>
       </p:sp>
@@ -6693,8 +6981,8 @@
         </p:nvSpPr>
         <p:spPr>
           <a:xfrm>
-            <a:off x="3108612" y="1563638"/>
-            <a:ext cx="2926777" cy="1548171"/>
+            <a:off x="3965739" y="1412777"/>
+            <a:ext cx="2508665" cy="1699032"/>
           </a:xfrm>
           <a:prstGeom prst="roundRect">
             <a:avLst>
@@ -6723,13 +7011,17 @@
           <a:p>
             <a:pPr algn="ctr"/>
             <a:r>
-              <a:rPr lang="en-US" altLang="ko-KR" sz="1600" b="1"/>
-              <a:t>Node 02 : Compute</a:t>
-            </a:r>
-          </a:p>
-          <a:p>
-            <a:pPr algn="ctr"/>
-            <a:endParaRPr lang="ko-KR" altLang="en-US" sz="1600" dirty="0"/>
+              <a:rPr lang="en-US" altLang="ko-KR" sz="1400" b="1"/>
+              <a:t>Node 02 : ODROID-H2</a:t>
+            </a:r>
+          </a:p>
+          <a:p>
+            <a:pPr algn="ctr"/>
+            <a:r>
+              <a:rPr lang="en-US" altLang="ko-KR" sz="1400" b="1"/>
+              <a:t>Compute</a:t>
+            </a:r>
+            <a:endParaRPr lang="ko-KR" altLang="en-US" sz="1400" b="1" dirty="0"/>
           </a:p>
         </p:txBody>
       </p:sp>
@@ -6747,8 +7039,8 @@
         </p:nvSpPr>
         <p:spPr>
           <a:xfrm>
-            <a:off x="3181781" y="2535746"/>
-            <a:ext cx="1350348" cy="504056"/>
+            <a:off x="4028455" y="2535746"/>
+            <a:ext cx="1157442" cy="504056"/>
           </a:xfrm>
           <a:prstGeom prst="roundRect">
             <a:avLst>
@@ -6777,10 +7069,16 @@
           <a:p>
             <a:pPr algn="ctr"/>
             <a:r>
-              <a:rPr lang="en-US" altLang="ko-KR" sz="1200"/>
+              <a:rPr lang="en-US" altLang="ko-KR" sz="1100"/>
               <a:t>enp0s2</a:t>
             </a:r>
-            <a:endParaRPr lang="en-US" altLang="ko-KR" sz="1200" dirty="0"/>
+          </a:p>
+          <a:p>
+            <a:pPr algn="ctr"/>
+            <a:r>
+              <a:rPr lang="en-US" altLang="ko-KR" sz="1100"/>
+              <a:t>192.168.0.32</a:t>
+            </a:r>
           </a:p>
         </p:txBody>
       </p:sp>
@@ -6798,8 +7096,8 @@
         </p:nvSpPr>
         <p:spPr>
           <a:xfrm>
-            <a:off x="4620297" y="2535746"/>
-            <a:ext cx="1341922" cy="504056"/>
+            <a:off x="5261469" y="2535746"/>
+            <a:ext cx="1150220" cy="504056"/>
           </a:xfrm>
           <a:prstGeom prst="roundRect">
             <a:avLst>
@@ -6823,27 +7121,23 @@
           </a:fontRef>
         </p:style>
         <p:txBody>
-          <a:bodyPr rtlCol="0" anchor="t"/>
-          <a:lstStyle/>
-          <a:p>
-            <a:pPr algn="ctr"/>
-            <a:r>
-              <a:rPr lang="en-US" altLang="ko-KR" sz="1200"/>
+          <a:bodyPr rtlCol="0" anchor="ctr"/>
+          <a:lstStyle/>
+          <a:p>
+            <a:pPr algn="ctr"/>
+            <a:r>
+              <a:rPr lang="en-US" altLang="ko-KR" sz="1100"/>
               <a:t>enp0s3</a:t>
             </a:r>
-            <a:endParaRPr lang="en-US" altLang="ko-KR" sz="1200" dirty="0"/>
-          </a:p>
-          <a:p>
-            <a:pPr algn="ctr"/>
-            <a:r>
-              <a:rPr lang="en-US" altLang="ko-KR" sz="1200"/>
-              <a:t>10.0.0.11</a:t>
-            </a:r>
-            <a:endParaRPr lang="en-US" altLang="ko-KR" sz="1200" dirty="0"/>
-          </a:p>
-          <a:p>
-            <a:pPr algn="ctr"/>
-            <a:endParaRPr lang="ko-KR" altLang="en-US" sz="1100" dirty="0"/>
+            <a:endParaRPr lang="en-US" altLang="ko-KR" sz="1100" dirty="0"/>
+          </a:p>
+          <a:p>
+            <a:pPr algn="ctr"/>
+            <a:r>
+              <a:rPr lang="en-US" altLang="ko-KR" sz="1100"/>
+              <a:t>10.0.0.12</a:t>
+            </a:r>
+            <a:endParaRPr lang="en-US" altLang="ko-KR" sz="1100" dirty="0"/>
           </a:p>
         </p:txBody>
       </p:sp>
@@ -6861,8 +7155,8 @@
         </p:nvSpPr>
         <p:spPr>
           <a:xfrm>
-            <a:off x="6181727" y="1563638"/>
-            <a:ext cx="2926777" cy="1548171"/>
+            <a:off x="6599839" y="1412777"/>
+            <a:ext cx="2508665" cy="1699032"/>
           </a:xfrm>
           <a:prstGeom prst="roundRect">
             <a:avLst>
@@ -6891,13 +7185,17 @@
           <a:p>
             <a:pPr algn="ctr"/>
             <a:r>
-              <a:rPr lang="en-US" altLang="ko-KR" sz="1600" b="1"/>
-              <a:t>Node 03 : Compute</a:t>
-            </a:r>
-          </a:p>
-          <a:p>
-            <a:pPr algn="ctr"/>
-            <a:endParaRPr lang="ko-KR" altLang="en-US" sz="1600" dirty="0"/>
+              <a:rPr lang="en-US" altLang="ko-KR" sz="1400" b="1"/>
+              <a:t>Node 03 : ODROID-H2</a:t>
+            </a:r>
+          </a:p>
+          <a:p>
+            <a:pPr algn="ctr"/>
+            <a:r>
+              <a:rPr lang="en-US" altLang="ko-KR" sz="1400" b="1"/>
+              <a:t>Compute</a:t>
+            </a:r>
+            <a:endParaRPr lang="ko-KR" altLang="en-US" sz="1400" b="1" dirty="0"/>
           </a:p>
         </p:txBody>
       </p:sp>
@@ -6915,8 +7213,8 @@
         </p:nvSpPr>
         <p:spPr>
           <a:xfrm>
-            <a:off x="6254897" y="2535746"/>
-            <a:ext cx="1350348" cy="504056"/>
+            <a:off x="6662556" y="2535746"/>
+            <a:ext cx="1157442" cy="504056"/>
           </a:xfrm>
           <a:prstGeom prst="roundRect">
             <a:avLst>
@@ -6945,10 +7243,16 @@
           <a:p>
             <a:pPr algn="ctr"/>
             <a:r>
-              <a:rPr lang="en-US" altLang="ko-KR" sz="1200"/>
-              <a:t>enp0s2</a:t>
-            </a:r>
-            <a:endParaRPr lang="en-US" altLang="ko-KR" sz="1200" dirty="0"/>
+              <a:rPr lang="en-US" altLang="ko-KR" sz="1100"/>
+              <a:t>enp0s2 1Gbps</a:t>
+            </a:r>
+          </a:p>
+          <a:p>
+            <a:pPr algn="ctr"/>
+            <a:r>
+              <a:rPr lang="en-US" altLang="ko-KR" sz="1100"/>
+              <a:t>192.168.0.33</a:t>
+            </a:r>
           </a:p>
         </p:txBody>
       </p:sp>
@@ -6966,8 +7270,8 @@
         </p:nvSpPr>
         <p:spPr>
           <a:xfrm>
-            <a:off x="7693412" y="2535746"/>
-            <a:ext cx="1341922" cy="504056"/>
+            <a:off x="7895567" y="2535746"/>
+            <a:ext cx="1150220" cy="504056"/>
           </a:xfrm>
           <a:prstGeom prst="roundRect">
             <a:avLst>
@@ -6991,27 +7295,23 @@
           </a:fontRef>
         </p:style>
         <p:txBody>
-          <a:bodyPr rtlCol="0" anchor="t"/>
-          <a:lstStyle/>
-          <a:p>
-            <a:pPr algn="ctr"/>
-            <a:r>
-              <a:rPr lang="en-US" altLang="ko-KR" sz="1200"/>
+          <a:bodyPr rtlCol="0" anchor="ctr"/>
+          <a:lstStyle/>
+          <a:p>
+            <a:pPr algn="ctr"/>
+            <a:r>
+              <a:rPr lang="en-US" altLang="ko-KR" sz="1100"/>
               <a:t>enp0s3</a:t>
             </a:r>
-            <a:endParaRPr lang="en-US" altLang="ko-KR" sz="1200" dirty="0"/>
-          </a:p>
-          <a:p>
-            <a:pPr algn="ctr"/>
-            <a:r>
-              <a:rPr lang="en-US" altLang="ko-KR" sz="1200"/>
-              <a:t>10.0.0.12</a:t>
-            </a:r>
-            <a:endParaRPr lang="en-US" altLang="ko-KR" sz="1200" dirty="0"/>
-          </a:p>
-          <a:p>
-            <a:pPr algn="ctr"/>
-            <a:endParaRPr lang="ko-KR" altLang="en-US" sz="1100" dirty="0"/>
+            <a:endParaRPr lang="en-US" altLang="ko-KR" sz="1100" dirty="0"/>
+          </a:p>
+          <a:p>
+            <a:pPr algn="ctr"/>
+            <a:r>
+              <a:rPr lang="en-US" altLang="ko-KR" sz="1100"/>
+              <a:t>10.0.0.13</a:t>
+            </a:r>
+            <a:endParaRPr lang="en-US" altLang="ko-KR" sz="1100" dirty="0"/>
           </a:p>
         </p:txBody>
       </p:sp>
@@ -7026,15 +7326,14 @@
           </p:cNvPr>
           <p:cNvCxnSpPr>
             <a:cxnSpLocks/>
-            <a:stCxn id="19" idx="2"/>
-            <a:endCxn id="26" idx="0"/>
+            <a:endCxn id="48" idx="0"/>
           </p:cNvCxnSpPr>
           <p:nvPr/>
         </p:nvCxnSpPr>
         <p:spPr>
           <a:xfrm>
-            <a:off x="783839" y="3039802"/>
-            <a:ext cx="720992" cy="396044"/>
+            <a:off x="1973077" y="3039802"/>
+            <a:ext cx="641" cy="354151"/>
           </a:xfrm>
           <a:prstGeom prst="line">
             <a:avLst/>
@@ -7072,14 +7371,13 @@
           <p:cNvCxnSpPr>
             <a:cxnSpLocks/>
             <a:stCxn id="30" idx="2"/>
-            <a:endCxn id="26" idx="0"/>
           </p:cNvCxnSpPr>
           <p:nvPr/>
         </p:nvCxnSpPr>
         <p:spPr>
           <a:xfrm flipH="1">
-            <a:off x="1504831" y="3039802"/>
-            <a:ext cx="2352124" cy="396044"/>
+            <a:off x="1973718" y="3039802"/>
+            <a:ext cx="2633458" cy="354152"/>
           </a:xfrm>
           <a:prstGeom prst="line">
             <a:avLst/>
@@ -7117,14 +7415,14 @@
           <p:cNvCxnSpPr>
             <a:cxnSpLocks/>
             <a:stCxn id="34" idx="2"/>
-            <a:endCxn id="26" idx="0"/>
+            <a:endCxn id="48" idx="0"/>
           </p:cNvCxnSpPr>
           <p:nvPr/>
         </p:nvCxnSpPr>
         <p:spPr>
           <a:xfrm flipH="1">
-            <a:off x="1504831" y="3039802"/>
-            <a:ext cx="5425240" cy="396044"/>
+            <a:off x="1973718" y="3039802"/>
+            <a:ext cx="5267559" cy="354151"/>
           </a:xfrm>
           <a:prstGeom prst="line">
             <a:avLst/>
@@ -7162,14 +7460,14 @@
           <p:cNvCxnSpPr>
             <a:cxnSpLocks/>
             <a:stCxn id="24" idx="2"/>
-            <a:endCxn id="27" idx="0"/>
+            <a:endCxn id="47" idx="0"/>
           </p:cNvCxnSpPr>
           <p:nvPr/>
         </p:nvCxnSpPr>
         <p:spPr>
           <a:xfrm>
-            <a:off x="2218142" y="3039802"/>
-            <a:ext cx="5426973" cy="396044"/>
+            <a:off x="3202481" y="3039802"/>
+            <a:ext cx="4034338" cy="354151"/>
           </a:xfrm>
           <a:prstGeom prst="line">
             <a:avLst/>
@@ -7207,14 +7505,13 @@
           <p:cNvCxnSpPr>
             <a:cxnSpLocks/>
             <a:stCxn id="31" idx="2"/>
-            <a:endCxn id="27" idx="0"/>
           </p:cNvCxnSpPr>
           <p:nvPr/>
         </p:nvCxnSpPr>
         <p:spPr>
           <a:xfrm>
-            <a:off x="5291258" y="3039802"/>
-            <a:ext cx="2353857" cy="396044"/>
+            <a:off x="5836579" y="3039802"/>
+            <a:ext cx="1400240" cy="354152"/>
           </a:xfrm>
           <a:prstGeom prst="line">
             <a:avLst/>
@@ -7252,14 +7549,14 @@
           <p:cNvCxnSpPr>
             <a:cxnSpLocks/>
             <a:stCxn id="35" idx="2"/>
-            <a:endCxn id="27" idx="0"/>
+            <a:endCxn id="47" idx="0"/>
           </p:cNvCxnSpPr>
           <p:nvPr/>
         </p:nvCxnSpPr>
         <p:spPr>
           <a:xfrm flipH="1">
-            <a:off x="7645115" y="3039802"/>
-            <a:ext cx="719258" cy="396044"/>
+            <a:off x="7236819" y="3039802"/>
+            <a:ext cx="1233858" cy="354151"/>
           </a:xfrm>
           <a:prstGeom prst="line">
             <a:avLst/>
@@ -7299,8 +7596,8 @@
         </p:nvSpPr>
         <p:spPr>
           <a:xfrm>
-            <a:off x="6254897" y="1959681"/>
-            <a:ext cx="1350348" cy="504056"/>
+            <a:off x="6662556" y="1959681"/>
+            <a:ext cx="1157442" cy="504056"/>
           </a:xfrm>
           <a:prstGeom prst="roundRect">
             <a:avLst>
@@ -7324,25 +7621,21 @@
           </a:fontRef>
         </p:style>
         <p:txBody>
-          <a:bodyPr rtlCol="0" anchor="t"/>
-          <a:lstStyle/>
-          <a:p>
-            <a:pPr algn="ctr"/>
-            <a:r>
-              <a:rPr lang="en-US" altLang="ko-KR" sz="1200"/>
+          <a:bodyPr rtlCol="0" anchor="ctr"/>
+          <a:lstStyle/>
+          <a:p>
+            <a:pPr algn="ctr"/>
+            <a:r>
+              <a:rPr lang="en-US" altLang="ko-KR" sz="1100"/>
               <a:t>/dev/mmcblk0</a:t>
             </a:r>
           </a:p>
           <a:p>
             <a:pPr algn="ctr"/>
             <a:r>
-              <a:rPr lang="en-US" altLang="ko-KR" sz="1200"/>
-              <a:t>rootfs</a:t>
-            </a:r>
-          </a:p>
-          <a:p>
-            <a:pPr algn="ctr"/>
-            <a:endParaRPr lang="ko-KR" altLang="en-US" sz="1100" dirty="0"/>
+              <a:rPr lang="en-US" altLang="ko-KR" sz="1100"/>
+              <a:t>Rootfs</a:t>
+            </a:r>
           </a:p>
         </p:txBody>
       </p:sp>
@@ -7360,8 +7653,8 @@
         </p:nvSpPr>
         <p:spPr>
           <a:xfrm>
-            <a:off x="3181781" y="1959681"/>
-            <a:ext cx="1350348" cy="504056"/>
+            <a:off x="4028455" y="1959681"/>
+            <a:ext cx="1157442" cy="504056"/>
           </a:xfrm>
           <a:prstGeom prst="roundRect">
             <a:avLst>
@@ -7385,25 +7678,21 @@
           </a:fontRef>
         </p:style>
         <p:txBody>
-          <a:bodyPr rtlCol="0" anchor="t"/>
-          <a:lstStyle/>
-          <a:p>
-            <a:pPr algn="ctr"/>
-            <a:r>
-              <a:rPr lang="en-US" altLang="ko-KR" sz="1200"/>
+          <a:bodyPr rtlCol="0" anchor="ctr"/>
+          <a:lstStyle/>
+          <a:p>
+            <a:pPr algn="ctr"/>
+            <a:r>
+              <a:rPr lang="en-US" altLang="ko-KR" sz="1100"/>
               <a:t>/dev/mmcblk0</a:t>
             </a:r>
           </a:p>
           <a:p>
             <a:pPr algn="ctr"/>
             <a:r>
-              <a:rPr lang="en-US" altLang="ko-KR" sz="1200"/>
-              <a:t>rootfs</a:t>
-            </a:r>
-          </a:p>
-          <a:p>
-            <a:pPr algn="ctr"/>
-            <a:endParaRPr lang="ko-KR" altLang="en-US" sz="1100" dirty="0"/>
+              <a:rPr lang="en-US" altLang="ko-KR" sz="1100"/>
+              <a:t>Rootfs</a:t>
+            </a:r>
           </a:p>
         </p:txBody>
       </p:sp>
@@ -7421,8 +7710,8 @@
         </p:nvSpPr>
         <p:spPr>
           <a:xfrm>
-            <a:off x="108665" y="1959681"/>
-            <a:ext cx="1350348" cy="504056"/>
+            <a:off x="769401" y="1959681"/>
+            <a:ext cx="1157442" cy="504056"/>
           </a:xfrm>
           <a:prstGeom prst="roundRect">
             <a:avLst>
@@ -7446,34 +7735,30 @@
           </a:fontRef>
         </p:style>
         <p:txBody>
-          <a:bodyPr rtlCol="0" anchor="t"/>
-          <a:lstStyle/>
-          <a:p>
-            <a:pPr algn="ctr"/>
-            <a:r>
-              <a:rPr lang="en-US" altLang="ko-KR" sz="1200"/>
+          <a:bodyPr rtlCol="0" anchor="ctr"/>
+          <a:lstStyle/>
+          <a:p>
+            <a:pPr algn="ctr"/>
+            <a:r>
+              <a:rPr lang="en-US" altLang="ko-KR" sz="1100"/>
               <a:t>/dev/mmcblk0</a:t>
             </a:r>
           </a:p>
           <a:p>
             <a:pPr algn="ctr"/>
             <a:r>
-              <a:rPr lang="en-US" altLang="ko-KR" sz="1200"/>
-              <a:t>rootfs</a:t>
-            </a:r>
-          </a:p>
-          <a:p>
-            <a:pPr algn="ctr"/>
-            <a:endParaRPr lang="ko-KR" altLang="en-US" sz="1100" dirty="0"/>
-          </a:p>
-        </p:txBody>
-      </p:sp>
-      <p:sp>
-        <p:nvSpPr>
-          <p:cNvPr id="26" name="모서리가 둥근 직사각형 46">
-            <a:extLst>
-              <a:ext uri="{FF2B5EF4-FFF2-40B4-BE49-F238E27FC236}">
-                <a16:creationId xmlns:a16="http://schemas.microsoft.com/office/drawing/2014/main" id="{C7A1AC2C-2616-40F9-9982-3294ADE3BC84}"/>
+              <a:rPr lang="en-US" altLang="ko-KR" sz="1100"/>
+              <a:t>Rootfs</a:t>
+            </a:r>
+          </a:p>
+        </p:txBody>
+      </p:sp>
+      <p:sp>
+        <p:nvSpPr>
+          <p:cNvPr id="39" name="모서리가 둥근 직사각형 18">
+            <a:extLst>
+              <a:ext uri="{FF2B5EF4-FFF2-40B4-BE49-F238E27FC236}">
+                <a16:creationId xmlns:a16="http://schemas.microsoft.com/office/drawing/2014/main" id="{C7B2586A-E3BD-4764-B800-E49EA4331EC5}"/>
               </a:ext>
             </a:extLst>
           </p:cNvPr>
@@ -7482,8 +7767,8 @@
         </p:nvSpPr>
         <p:spPr>
           <a:xfrm>
-            <a:off x="654234" y="3435846"/>
-            <a:ext cx="1701194" cy="1008112"/>
+            <a:off x="174197" y="2535746"/>
+            <a:ext cx="1157442" cy="504056"/>
           </a:xfrm>
           <a:prstGeom prst="roundRect">
             <a:avLst>
@@ -7512,124 +7797,32 @@
           <a:p>
             <a:pPr algn="ctr"/>
             <a:r>
-              <a:rPr lang="en-US" altLang="ko-KR" sz="1200"/>
-              <a:t>Outter NAT Network</a:t>
-            </a:r>
-          </a:p>
-          <a:p>
-            <a:pPr algn="ctr"/>
-            <a:r>
-              <a:rPr lang="en-US" altLang="ko-KR" sz="1200"/>
-              <a:t>192.168.0.0/24</a:t>
-            </a:r>
-          </a:p>
-          <a:p>
-            <a:pPr algn="ctr"/>
-            <a:r>
-              <a:rPr lang="en-US" altLang="ko-KR" sz="1200" b="1"/>
-              <a:t>Floating</a:t>
-            </a:r>
-          </a:p>
-          <a:p>
-            <a:pPr algn="ctr"/>
-            <a:r>
-              <a:rPr lang="en-US" altLang="ko-KR" sz="1200" b="1"/>
-              <a:t>192.168.0.200~224</a:t>
-            </a:r>
-          </a:p>
-          <a:p>
-            <a:pPr algn="ctr"/>
-            <a:r>
-              <a:rPr lang="en-US" altLang="ko-KR" sz="1200" b="1"/>
-              <a:t>External Network</a:t>
-            </a:r>
-          </a:p>
-        </p:txBody>
-      </p:sp>
-      <p:sp>
-        <p:nvSpPr>
-          <p:cNvPr id="27" name="모서리가 둥근 직사각형 47">
-            <a:extLst>
-              <a:ext uri="{FF2B5EF4-FFF2-40B4-BE49-F238E27FC236}">
-                <a16:creationId xmlns:a16="http://schemas.microsoft.com/office/drawing/2014/main" id="{E74D4F21-35EB-42BE-995F-AB83B6AA94FE}"/>
-              </a:ext>
-            </a:extLst>
-          </p:cNvPr>
-          <p:cNvSpPr/>
-          <p:nvPr/>
-        </p:nvSpPr>
-        <p:spPr>
-          <a:xfrm>
-            <a:off x="6794519" y="3435846"/>
-            <a:ext cx="1701192" cy="720080"/>
-          </a:xfrm>
-          <a:prstGeom prst="roundRect">
-            <a:avLst>
-              <a:gd name="adj" fmla="val 11578"/>
-            </a:avLst>
-          </a:prstGeom>
-          <a:noFill/>
-        </p:spPr>
-        <p:style>
-          <a:lnRef idx="2">
-            <a:schemeClr val="dk1"/>
-          </a:lnRef>
-          <a:fillRef idx="1">
-            <a:schemeClr val="lt1"/>
-          </a:fillRef>
-          <a:effectRef idx="0">
-            <a:schemeClr val="dk1"/>
-          </a:effectRef>
-          <a:fontRef idx="minor">
-            <a:schemeClr val="dk1"/>
-          </a:fontRef>
-        </p:style>
-        <p:txBody>
-          <a:bodyPr rtlCol="0" anchor="ctr"/>
-          <a:lstStyle/>
-          <a:p>
-            <a:pPr algn="ctr"/>
-            <a:r>
-              <a:rPr lang="en-US" altLang="ko-KR" sz="1200"/>
-              <a:t>Inner NAT Network</a:t>
-            </a:r>
-          </a:p>
-          <a:p>
-            <a:pPr algn="ctr"/>
-            <a:r>
-              <a:rPr lang="en-US" altLang="ko-KR" sz="1200"/>
-              <a:t>10.0.0.0/24</a:t>
-            </a:r>
-          </a:p>
-          <a:p>
-            <a:pPr algn="ctr"/>
-            <a:r>
-              <a:rPr lang="en-US" altLang="ko-KR" sz="1200" b="1"/>
-              <a:t>Guest/Mgmt</a:t>
+              <a:rPr lang="en-US" altLang="ko-KR" sz="1100"/>
+              <a:t>192.168.0.30</a:t>
             </a:r>
           </a:p>
         </p:txBody>
       </p:sp>
       <p:cxnSp>
         <p:nvCxnSpPr>
-          <p:cNvPr id="28" name="직선 연결선 27">
-            <a:extLst>
-              <a:ext uri="{FF2B5EF4-FFF2-40B4-BE49-F238E27FC236}">
-                <a16:creationId xmlns:a16="http://schemas.microsoft.com/office/drawing/2014/main" id="{A16D2354-32C5-408B-9ADC-A7AAE12858B8}"/>
+          <p:cNvPr id="55" name="직선 연결선 54">
+            <a:extLst>
+              <a:ext uri="{FF2B5EF4-FFF2-40B4-BE49-F238E27FC236}">
+                <a16:creationId xmlns:a16="http://schemas.microsoft.com/office/drawing/2014/main" id="{BC78C9C6-9A98-42E9-9BDD-105CD96EB4CC}"/>
               </a:ext>
             </a:extLst>
           </p:cNvPr>
           <p:cNvCxnSpPr>
             <a:cxnSpLocks/>
-            <a:stCxn id="26" idx="2"/>
-            <a:endCxn id="32" idx="3"/>
+            <a:stCxn id="39" idx="2"/>
+            <a:endCxn id="48" idx="0"/>
           </p:cNvCxnSpPr>
           <p:nvPr/>
         </p:nvCxnSpPr>
         <p:spPr>
-          <a:xfrm flipH="1">
-            <a:off x="1498884" y="4443958"/>
-            <a:ext cx="5947" cy="105336"/>
+          <a:xfrm>
+            <a:off x="752918" y="3039802"/>
+            <a:ext cx="1220800" cy="354151"/>
           </a:xfrm>
           <a:prstGeom prst="line">
             <a:avLst/>
@@ -7657,10 +7850,10 @@
       </p:cxnSp>
       <p:sp>
         <p:nvSpPr>
-          <p:cNvPr id="32" name="구름 31">
-            <a:extLst>
-              <a:ext uri="{FF2B5EF4-FFF2-40B4-BE49-F238E27FC236}">
-                <a16:creationId xmlns:a16="http://schemas.microsoft.com/office/drawing/2014/main" id="{3311E2FB-EBA2-424E-BF9D-6CD4BB8E29B4}"/>
+          <p:cNvPr id="62" name="모서리가 둥근 직사각형 13">
+            <a:extLst>
+              <a:ext uri="{FF2B5EF4-FFF2-40B4-BE49-F238E27FC236}">
+                <a16:creationId xmlns:a16="http://schemas.microsoft.com/office/drawing/2014/main" id="{9FEE3CEF-16B4-45CD-AECB-C5503C7D9330}"/>
               </a:ext>
             </a:extLst>
           </p:cNvPr>
@@ -7669,12 +7862,15 @@
         </p:nvSpPr>
         <p:spPr>
           <a:xfrm>
-            <a:off x="840365" y="4515966"/>
-            <a:ext cx="1317037" cy="582910"/>
-          </a:xfrm>
-          <a:prstGeom prst="cloud">
-            <a:avLst/>
-          </a:prstGeom>
+            <a:off x="3348386" y="3393954"/>
+            <a:ext cx="2508665" cy="1158972"/>
+          </a:xfrm>
+          <a:prstGeom prst="roundRect">
+            <a:avLst>
+              <a:gd name="adj" fmla="val 6281"/>
+            </a:avLst>
+          </a:prstGeom>
+          <a:noFill/>
         </p:spPr>
         <p:style>
           <a:lnRef idx="2">
@@ -7691,45 +7887,164 @@
           </a:fontRef>
         </p:style>
         <p:txBody>
+          <a:bodyPr rtlCol="0" anchor="t"/>
+          <a:lstStyle/>
+          <a:p>
+            <a:pPr algn="ctr"/>
+            <a:r>
+              <a:rPr lang="en-US" altLang="ko-KR" sz="1400" b="1"/>
+              <a:t>Node 09 : VM</a:t>
+            </a:r>
+          </a:p>
+          <a:p>
+            <a:pPr algn="ctr"/>
+            <a:r>
+              <a:rPr lang="en-US" altLang="ko-KR" sz="1400" b="1"/>
+              <a:t>Monitoring, Deploy</a:t>
+            </a:r>
+            <a:endParaRPr lang="ko-KR" altLang="en-US" sz="1400" b="1"/>
+          </a:p>
+          <a:p>
+            <a:pPr algn="ctr"/>
+            <a:endParaRPr lang="ko-KR" altLang="en-US" sz="1400" dirty="0"/>
+          </a:p>
+        </p:txBody>
+      </p:sp>
+      <p:sp>
+        <p:nvSpPr>
+          <p:cNvPr id="63" name="모서리가 둥근 직사각형 18">
+            <a:extLst>
+              <a:ext uri="{FF2B5EF4-FFF2-40B4-BE49-F238E27FC236}">
+                <a16:creationId xmlns:a16="http://schemas.microsoft.com/office/drawing/2014/main" id="{DC1681D7-E546-455C-875A-B92EF1E76541}"/>
+              </a:ext>
+            </a:extLst>
+          </p:cNvPr>
+          <p:cNvSpPr/>
+          <p:nvPr/>
+        </p:nvSpPr>
+        <p:spPr>
+          <a:xfrm>
+            <a:off x="3411103" y="3976862"/>
+            <a:ext cx="1157442" cy="504056"/>
+          </a:xfrm>
+          <a:prstGeom prst="roundRect">
+            <a:avLst>
+              <a:gd name="adj" fmla="val 11578"/>
+            </a:avLst>
+          </a:prstGeom>
+          <a:noFill/>
+        </p:spPr>
+        <p:style>
+          <a:lnRef idx="2">
+            <a:schemeClr val="dk1"/>
+          </a:lnRef>
+          <a:fillRef idx="1">
+            <a:schemeClr val="lt1"/>
+          </a:fillRef>
+          <a:effectRef idx="0">
+            <a:schemeClr val="dk1"/>
+          </a:effectRef>
+          <a:fontRef idx="minor">
+            <a:schemeClr val="dk1"/>
+          </a:fontRef>
+        </p:style>
+        <p:txBody>
           <a:bodyPr rtlCol="0" anchor="ctr"/>
           <a:lstStyle/>
           <a:p>
             <a:pPr algn="ctr"/>
             <a:r>
-              <a:rPr lang="en-US" altLang="ko-KR" sz="1200"/>
-              <a:t>Public</a:t>
-            </a:r>
-          </a:p>
-          <a:p>
-            <a:pPr algn="ctr"/>
-            <a:r>
-              <a:rPr lang="en-US" altLang="ko-KR" sz="1200"/>
-              <a:t>Network</a:t>
-            </a:r>
-            <a:endParaRPr lang="ko-KR" altLang="en-US" sz="1200"/>
+              <a:rPr lang="en-US" altLang="ko-KR" sz="1100"/>
+              <a:t>eth0</a:t>
+            </a:r>
+          </a:p>
+          <a:p>
+            <a:pPr algn="ctr"/>
+            <a:r>
+              <a:rPr lang="en-US" altLang="ko-KR" sz="1100"/>
+              <a:t>192.168.0.39</a:t>
+            </a:r>
+          </a:p>
+        </p:txBody>
+      </p:sp>
+      <p:sp>
+        <p:nvSpPr>
+          <p:cNvPr id="64" name="모서리가 둥근 직사각형 23">
+            <a:extLst>
+              <a:ext uri="{FF2B5EF4-FFF2-40B4-BE49-F238E27FC236}">
+                <a16:creationId xmlns:a16="http://schemas.microsoft.com/office/drawing/2014/main" id="{F225625C-3E74-4151-AF2D-ED9083793E66}"/>
+              </a:ext>
+            </a:extLst>
+          </p:cNvPr>
+          <p:cNvSpPr/>
+          <p:nvPr/>
+        </p:nvSpPr>
+        <p:spPr>
+          <a:xfrm>
+            <a:off x="4644117" y="3976862"/>
+            <a:ext cx="1150220" cy="504056"/>
+          </a:xfrm>
+          <a:prstGeom prst="roundRect">
+            <a:avLst>
+              <a:gd name="adj" fmla="val 11578"/>
+            </a:avLst>
+          </a:prstGeom>
+          <a:noFill/>
+        </p:spPr>
+        <p:style>
+          <a:lnRef idx="2">
+            <a:schemeClr val="dk1"/>
+          </a:lnRef>
+          <a:fillRef idx="1">
+            <a:schemeClr val="lt1"/>
+          </a:fillRef>
+          <a:effectRef idx="0">
+            <a:schemeClr val="dk1"/>
+          </a:effectRef>
+          <a:fontRef idx="minor">
+            <a:schemeClr val="dk1"/>
+          </a:fontRef>
+        </p:style>
+        <p:txBody>
+          <a:bodyPr rtlCol="0" anchor="ctr"/>
+          <a:lstStyle/>
+          <a:p>
+            <a:pPr algn="ctr"/>
+            <a:r>
+              <a:rPr lang="en-US" altLang="ko-KR" sz="1100"/>
+              <a:t>eth1</a:t>
+            </a:r>
+          </a:p>
+          <a:p>
+            <a:pPr algn="ctr"/>
+            <a:r>
+              <a:rPr lang="en-US" altLang="ko-KR" sz="1100"/>
+              <a:t>10.0.0.19</a:t>
+            </a:r>
+            <a:endParaRPr lang="en-US" altLang="ko-KR" sz="1100" dirty="0"/>
           </a:p>
         </p:txBody>
       </p:sp>
       <p:cxnSp>
         <p:nvCxnSpPr>
-          <p:cNvPr id="45" name="직선 연결선 44">
-            <a:extLst>
-              <a:ext uri="{FF2B5EF4-FFF2-40B4-BE49-F238E27FC236}">
-                <a16:creationId xmlns:a16="http://schemas.microsoft.com/office/drawing/2014/main" id="{8478B812-B4FF-4903-97A5-89A79756740B}"/>
+          <p:cNvPr id="65" name="직선 연결선 64">
+            <a:extLst>
+              <a:ext uri="{FF2B5EF4-FFF2-40B4-BE49-F238E27FC236}">
+                <a16:creationId xmlns:a16="http://schemas.microsoft.com/office/drawing/2014/main" id="{73A4912C-4ECD-42A0-A803-D9C8886A8E5A}"/>
               </a:ext>
             </a:extLst>
           </p:cNvPr>
           <p:cNvCxnSpPr>
             <a:cxnSpLocks/>
-            <a:stCxn id="62" idx="1"/>
-            <a:endCxn id="26" idx="3"/>
+            <a:stCxn id="63" idx="1"/>
+            <a:endCxn id="48" idx="3"/>
           </p:cNvCxnSpPr>
           <p:nvPr/>
         </p:nvCxnSpPr>
         <p:spPr>
           <a:xfrm flipH="1" flipV="1">
-            <a:off x="2355428" y="3939902"/>
-            <a:ext cx="826353" cy="661441"/>
+            <a:off x="2624403" y="3882952"/>
+            <a:ext cx="786700" cy="345938"/>
           </a:xfrm>
           <a:prstGeom prst="line">
             <a:avLst/>
@@ -7757,24 +8072,24 @@
       </p:cxnSp>
       <p:cxnSp>
         <p:nvCxnSpPr>
-          <p:cNvPr id="49" name="직선 연결선 48">
-            <a:extLst>
-              <a:ext uri="{FF2B5EF4-FFF2-40B4-BE49-F238E27FC236}">
-                <a16:creationId xmlns:a16="http://schemas.microsoft.com/office/drawing/2014/main" id="{6539BEB2-FC5E-4F52-A0DB-8F74D77ADA1C}"/>
+          <p:cNvPr id="66" name="직선 연결선 65">
+            <a:extLst>
+              <a:ext uri="{FF2B5EF4-FFF2-40B4-BE49-F238E27FC236}">
+                <a16:creationId xmlns:a16="http://schemas.microsoft.com/office/drawing/2014/main" id="{310D4476-DA56-487E-96F9-2D769592E99B}"/>
               </a:ext>
             </a:extLst>
           </p:cNvPr>
           <p:cNvCxnSpPr>
             <a:cxnSpLocks/>
-            <a:stCxn id="63" idx="3"/>
-            <a:endCxn id="27" idx="1"/>
+            <a:stCxn id="64" idx="3"/>
+            <a:endCxn id="47" idx="1"/>
           </p:cNvCxnSpPr>
           <p:nvPr/>
         </p:nvCxnSpPr>
         <p:spPr>
           <a:xfrm flipV="1">
-            <a:off x="5962219" y="3795886"/>
-            <a:ext cx="832300" cy="805457"/>
+            <a:off x="5794337" y="3882952"/>
+            <a:ext cx="791798" cy="345938"/>
           </a:xfrm>
           <a:prstGeom prst="line">
             <a:avLst/>
@@ -7802,10 +8117,10 @@
       </p:cxnSp>
       <p:sp>
         <p:nvSpPr>
-          <p:cNvPr id="60" name="모서리가 둥근 직사각형 13">
-            <a:extLst>
-              <a:ext uri="{FF2B5EF4-FFF2-40B4-BE49-F238E27FC236}">
-                <a16:creationId xmlns:a16="http://schemas.microsoft.com/office/drawing/2014/main" id="{8103D3A5-E9C3-470D-93FE-85E27EF79DA5}"/>
+          <p:cNvPr id="47" name="모서리가 둥근 직사각형 47">
+            <a:extLst>
+              <a:ext uri="{FF2B5EF4-FFF2-40B4-BE49-F238E27FC236}">
+                <a16:creationId xmlns:a16="http://schemas.microsoft.com/office/drawing/2014/main" id="{79E20FD5-F5D1-4764-B569-A02564C1B0C6}"/>
               </a:ext>
             </a:extLst>
           </p:cNvPr>
@@ -7814,62 +8129,8 @@
         </p:nvSpPr>
         <p:spPr>
           <a:xfrm>
-            <a:off x="3108612" y="3723878"/>
-            <a:ext cx="2926777" cy="1206794"/>
-          </a:xfrm>
-          <a:prstGeom prst="roundRect">
-            <a:avLst>
-              <a:gd name="adj" fmla="val 6281"/>
-            </a:avLst>
-          </a:prstGeom>
-          <a:noFill/>
-        </p:spPr>
-        <p:style>
-          <a:lnRef idx="2">
-            <a:schemeClr val="dk1"/>
-          </a:lnRef>
-          <a:fillRef idx="1">
-            <a:schemeClr val="lt1"/>
-          </a:fillRef>
-          <a:effectRef idx="0">
-            <a:schemeClr val="dk1"/>
-          </a:effectRef>
-          <a:fontRef idx="minor">
-            <a:schemeClr val="dk1"/>
-          </a:fontRef>
-        </p:style>
-        <p:txBody>
-          <a:bodyPr rtlCol="0" anchor="t"/>
-          <a:lstStyle/>
-          <a:p>
-            <a:pPr algn="ctr"/>
-            <a:r>
-              <a:rPr lang="en-US" altLang="ko-KR" sz="1600" b="1"/>
-              <a:t>Node 09 : Monitoring, Deploy</a:t>
-            </a:r>
-          </a:p>
-          <a:p>
-            <a:pPr algn="ctr"/>
-            <a:endParaRPr lang="ko-KR" altLang="en-US" sz="1600" dirty="0"/>
-          </a:p>
-        </p:txBody>
-      </p:sp>
-      <p:sp>
-        <p:nvSpPr>
-          <p:cNvPr id="62" name="모서리가 둥근 직사각형 18">
-            <a:extLst>
-              <a:ext uri="{FF2B5EF4-FFF2-40B4-BE49-F238E27FC236}">
-                <a16:creationId xmlns:a16="http://schemas.microsoft.com/office/drawing/2014/main" id="{A84CE373-FB40-4D26-9432-AB4C5FF79705}"/>
-              </a:ext>
-            </a:extLst>
-          </p:cNvPr>
-          <p:cNvSpPr/>
-          <p:nvPr/>
-        </p:nvSpPr>
-        <p:spPr>
-          <a:xfrm>
-            <a:off x="3181781" y="4349315"/>
-            <a:ext cx="1350348" cy="504056"/>
+            <a:off x="6586135" y="3393953"/>
+            <a:ext cx="1301368" cy="977997"/>
           </a:xfrm>
           <a:prstGeom prst="roundRect">
             <a:avLst>
@@ -7893,35 +8154,51 @@
           </a:fontRef>
         </p:style>
         <p:txBody>
-          <a:bodyPr rtlCol="0" anchor="t"/>
-          <a:lstStyle/>
-          <a:p>
-            <a:pPr algn="ctr"/>
-            <a:r>
-              <a:rPr lang="en-US" altLang="ko-KR" sz="1200"/>
-              <a:t>eth0</a:t>
-            </a:r>
-          </a:p>
-          <a:p>
-            <a:pPr algn="ctr"/>
-            <a:r>
-              <a:rPr lang="en-US" altLang="ko-KR" sz="1200"/>
-              <a:t>192.168.0.39</a:t>
-            </a:r>
-            <a:endParaRPr lang="en-US" altLang="ko-KR" sz="1200" dirty="0"/>
-          </a:p>
-          <a:p>
-            <a:pPr algn="ctr"/>
-            <a:endParaRPr lang="ko-KR" altLang="en-US" sz="1100" dirty="0"/>
-          </a:p>
-        </p:txBody>
-      </p:sp>
-      <p:sp>
-        <p:nvSpPr>
-          <p:cNvPr id="63" name="모서리가 둥근 직사각형 23">
-            <a:extLst>
-              <a:ext uri="{FF2B5EF4-FFF2-40B4-BE49-F238E27FC236}">
-                <a16:creationId xmlns:a16="http://schemas.microsoft.com/office/drawing/2014/main" id="{C9DFD470-45B7-4B50-92A0-51876C25008A}"/>
+          <a:bodyPr rtlCol="0" anchor="ctr"/>
+          <a:lstStyle/>
+          <a:p>
+            <a:pPr algn="ctr"/>
+            <a:r>
+              <a:rPr lang="en-US" altLang="ko-KR" sz="1400" b="1"/>
+              <a:t>Switch</a:t>
+            </a:r>
+          </a:p>
+          <a:p>
+            <a:pPr algn="ctr"/>
+            <a:r>
+              <a:rPr lang="en-US" altLang="ko-KR" sz="1100"/>
+              <a:t>Private Network</a:t>
+            </a:r>
+          </a:p>
+          <a:p>
+            <a:pPr algn="ctr"/>
+            <a:r>
+              <a:rPr lang="en-US" altLang="ko-KR" sz="1100"/>
+              <a:t>10.0.0.0/24</a:t>
+            </a:r>
+          </a:p>
+          <a:p>
+            <a:pPr algn="ctr"/>
+            <a:r>
+              <a:rPr lang="en-US" altLang="ko-KR" sz="1100" b="1"/>
+              <a:t>Guest/Mgmt</a:t>
+            </a:r>
+          </a:p>
+          <a:p>
+            <a:pPr algn="ctr"/>
+            <a:r>
+              <a:rPr lang="en-US" altLang="ko-KR" sz="1100" b="1"/>
+              <a:t> Network</a:t>
+            </a:r>
+          </a:p>
+        </p:txBody>
+      </p:sp>
+      <p:sp>
+        <p:nvSpPr>
+          <p:cNvPr id="48" name="모서리가 둥근 직사각형 46">
+            <a:extLst>
+              <a:ext uri="{FF2B5EF4-FFF2-40B4-BE49-F238E27FC236}">
+                <a16:creationId xmlns:a16="http://schemas.microsoft.com/office/drawing/2014/main" id="{E3E62C22-5154-4267-91B1-81E5EE79C603}"/>
               </a:ext>
             </a:extLst>
           </p:cNvPr>
@@ -7930,8 +8207,8 @@
         </p:nvSpPr>
         <p:spPr>
           <a:xfrm>
-            <a:off x="4620297" y="4349315"/>
-            <a:ext cx="1341922" cy="504056"/>
+            <a:off x="1323033" y="3393953"/>
+            <a:ext cx="1301370" cy="977997"/>
           </a:xfrm>
           <a:prstGeom prst="roundRect">
             <a:avLst>
@@ -7955,47 +8232,113 @@
           </a:fontRef>
         </p:style>
         <p:txBody>
-          <a:bodyPr rtlCol="0" anchor="t"/>
-          <a:lstStyle/>
-          <a:p>
-            <a:pPr algn="ctr"/>
-            <a:r>
-              <a:rPr lang="en-US" altLang="ko-KR" sz="1200"/>
-              <a:t>eth1</a:t>
-            </a:r>
-          </a:p>
-          <a:p>
-            <a:pPr algn="ctr"/>
-            <a:r>
-              <a:rPr lang="en-US" altLang="ko-KR" sz="1200"/>
-              <a:t>10.0.0.19</a:t>
-            </a:r>
-            <a:endParaRPr lang="en-US" altLang="ko-KR" sz="1200" dirty="0"/>
-          </a:p>
-          <a:p>
-            <a:pPr algn="ctr"/>
-            <a:endParaRPr lang="ko-KR" altLang="en-US" sz="1100" dirty="0"/>
+          <a:bodyPr rtlCol="0" anchor="ctr"/>
+          <a:lstStyle/>
+          <a:p>
+            <a:pPr algn="ctr"/>
+            <a:r>
+              <a:rPr lang="en-US" altLang="ko-KR" sz="1400" b="1"/>
+              <a:t>Router</a:t>
+            </a:r>
+          </a:p>
+          <a:p>
+            <a:pPr algn="ctr"/>
+            <a:r>
+              <a:rPr lang="en-US" altLang="ko-KR" sz="1100"/>
+              <a:t>NAT Network</a:t>
+            </a:r>
+          </a:p>
+          <a:p>
+            <a:pPr algn="ctr"/>
+            <a:r>
+              <a:rPr lang="en-US" altLang="ko-KR" sz="1100"/>
+              <a:t>192.168.0.0/24</a:t>
+            </a:r>
+          </a:p>
+          <a:p>
+            <a:pPr algn="ctr"/>
+            <a:r>
+              <a:rPr lang="en-US" altLang="ko-KR" sz="1100" b="1"/>
+              <a:t>External Network</a:t>
+            </a:r>
+          </a:p>
+        </p:txBody>
+      </p:sp>
+      <p:sp>
+        <p:nvSpPr>
+          <p:cNvPr id="50" name="구름 49">
+            <a:extLst>
+              <a:ext uri="{FF2B5EF4-FFF2-40B4-BE49-F238E27FC236}">
+                <a16:creationId xmlns:a16="http://schemas.microsoft.com/office/drawing/2014/main" id="{8FCA7388-BBA7-447D-BE0E-902AE908A320}"/>
+              </a:ext>
+            </a:extLst>
+          </p:cNvPr>
+          <p:cNvSpPr/>
+          <p:nvPr/>
+        </p:nvSpPr>
+        <p:spPr>
+          <a:xfrm>
+            <a:off x="149304" y="3587974"/>
+            <a:ext cx="1110328" cy="582910"/>
+          </a:xfrm>
+          <a:prstGeom prst="cloud">
+            <a:avLst/>
+          </a:prstGeom>
+        </p:spPr>
+        <p:style>
+          <a:lnRef idx="2">
+            <a:schemeClr val="dk1"/>
+          </a:lnRef>
+          <a:fillRef idx="1">
+            <a:schemeClr val="lt1"/>
+          </a:fillRef>
+          <a:effectRef idx="0">
+            <a:schemeClr val="dk1"/>
+          </a:effectRef>
+          <a:fontRef idx="minor">
+            <a:schemeClr val="dk1"/>
+          </a:fontRef>
+        </p:style>
+        <p:txBody>
+          <a:bodyPr rtlCol="0" anchor="ctr"/>
+          <a:lstStyle/>
+          <a:p>
+            <a:pPr algn="ctr"/>
+            <a:r>
+              <a:rPr lang="en-US" altLang="ko-KR" sz="1100"/>
+              <a:t>Public</a:t>
+            </a:r>
+          </a:p>
+          <a:p>
+            <a:pPr algn="ctr"/>
+            <a:r>
+              <a:rPr lang="en-US" altLang="ko-KR" sz="1100"/>
+              <a:t>Network</a:t>
+            </a:r>
+            <a:endParaRPr lang="ko-KR" altLang="en-US" sz="1100"/>
           </a:p>
         </p:txBody>
       </p:sp>
       <p:cxnSp>
         <p:nvCxnSpPr>
-          <p:cNvPr id="36" name="직선 연결선 35">
-            <a:extLst>
-              <a:ext uri="{FF2B5EF4-FFF2-40B4-BE49-F238E27FC236}">
-                <a16:creationId xmlns:a16="http://schemas.microsoft.com/office/drawing/2014/main" id="{ED36DA6D-4BA9-4D56-8249-A6BA5AD3EC63}"/>
+          <p:cNvPr id="56" name="직선 연결선 55">
+            <a:extLst>
+              <a:ext uri="{FF2B5EF4-FFF2-40B4-BE49-F238E27FC236}">
+                <a16:creationId xmlns:a16="http://schemas.microsoft.com/office/drawing/2014/main" id="{514E9173-E8B5-4DAB-94BB-08DB61843442}"/>
               </a:ext>
             </a:extLst>
           </p:cNvPr>
           <p:cNvCxnSpPr>
             <a:cxnSpLocks/>
+            <a:stCxn id="48" idx="1"/>
+            <a:endCxn id="50" idx="0"/>
           </p:cNvCxnSpPr>
           <p:nvPr/>
         </p:nvCxnSpPr>
         <p:spPr>
-          <a:xfrm flipH="1">
-            <a:off x="2355428" y="3592593"/>
-            <a:ext cx="4439092" cy="0"/>
+          <a:xfrm flipH="1" flipV="1">
+            <a:off x="1258707" y="3879429"/>
+            <a:ext cx="64326" cy="3523"/>
           </a:xfrm>
           <a:prstGeom prst="line">
             <a:avLst/>
@@ -8024,7 +8367,7 @@
     </p:spTree>
     <p:extLst>
       <p:ext uri="{BB962C8B-B14F-4D97-AF65-F5344CB8AC3E}">
-        <p14:creationId xmlns:p14="http://schemas.microsoft.com/office/powerpoint/2010/main" val="3735113562"/>
+        <p14:creationId xmlns:p14="http://schemas.microsoft.com/office/powerpoint/2010/main" val="280792512"/>
       </p:ext>
     </p:extLst>
   </p:cSld>
@@ -8105,6 +8448,4415 @@
     <p:extLst>
       <p:ext uri="{BB962C8B-B14F-4D97-AF65-F5344CB8AC3E}">
         <p14:creationId xmlns:p14="http://schemas.microsoft.com/office/powerpoint/2010/main" val="3336938459"/>
+      </p:ext>
+    </p:extLst>
+  </p:cSld>
+  <p:clrMapOvr>
+    <a:masterClrMapping/>
+  </p:clrMapOvr>
+</p:sld>
+</file>
+
+<file path=ppt/slides/slide5.xml><?xml version="1.0" encoding="utf-8"?>
+<p:sld xmlns:a="http://schemas.openxmlformats.org/drawingml/2006/main" xmlns:r="http://schemas.openxmlformats.org/officeDocument/2006/relationships" xmlns:p="http://schemas.openxmlformats.org/presentationml/2006/main">
+  <p:cSld>
+    <p:spTree>
+      <p:nvGrpSpPr>
+        <p:cNvPr id="1" name=""/>
+        <p:cNvGrpSpPr/>
+        <p:nvPr/>
+      </p:nvGrpSpPr>
+      <p:grpSpPr>
+        <a:xfrm>
+          <a:off x="0" y="0"/>
+          <a:ext cx="0" cy="0"/>
+          <a:chOff x="0" y="0"/>
+          <a:chExt cx="0" cy="0"/>
+        </a:xfrm>
+      </p:grpSpPr>
+      <p:sp>
+        <p:nvSpPr>
+          <p:cNvPr id="6" name="제목 1"/>
+          <p:cNvSpPr>
+            <a:spLocks noGrp="1"/>
+          </p:cNvSpPr>
+          <p:nvPr>
+            <p:ph type="title"/>
+          </p:nvPr>
+        </p:nvSpPr>
+        <p:spPr>
+          <a:xfrm>
+            <a:off x="457200" y="-20538"/>
+            <a:ext cx="8229600" cy="857250"/>
+          </a:xfrm>
+        </p:spPr>
+        <p:txBody>
+          <a:bodyPr>
+            <a:normAutofit/>
+          </a:bodyPr>
+          <a:lstStyle/>
+          <a:p>
+            <a:r>
+              <a:rPr lang="en-US" altLang="ko-KR"/>
+              <a:t>Cluster</a:t>
+            </a:r>
+            <a:endParaRPr lang="ko-KR" altLang="en-US" dirty="0"/>
+          </a:p>
+        </p:txBody>
+      </p:sp>
+      <p:sp>
+        <p:nvSpPr>
+          <p:cNvPr id="14" name="모서리가 둥근 직사각형 13"/>
+          <p:cNvSpPr/>
+          <p:nvPr/>
+        </p:nvSpPr>
+        <p:spPr>
+          <a:xfrm>
+            <a:off x="35496" y="1317496"/>
+            <a:ext cx="2926777" cy="1794313"/>
+          </a:xfrm>
+          <a:prstGeom prst="roundRect">
+            <a:avLst>
+              <a:gd name="adj" fmla="val 6281"/>
+            </a:avLst>
+          </a:prstGeom>
+          <a:noFill/>
+        </p:spPr>
+        <p:style>
+          <a:lnRef idx="2">
+            <a:schemeClr val="dk1"/>
+          </a:lnRef>
+          <a:fillRef idx="1">
+            <a:schemeClr val="lt1"/>
+          </a:fillRef>
+          <a:effectRef idx="0">
+            <a:schemeClr val="dk1"/>
+          </a:effectRef>
+          <a:fontRef idx="minor">
+            <a:schemeClr val="dk1"/>
+          </a:fontRef>
+        </p:style>
+        <p:txBody>
+          <a:bodyPr rtlCol="0" anchor="t"/>
+          <a:lstStyle/>
+          <a:p>
+            <a:pPr algn="ctr"/>
+            <a:r>
+              <a:rPr lang="en-US" altLang="ko-KR" sz="1600" b="1"/>
+              <a:t>Node 01 : ODROID-H2</a:t>
+            </a:r>
+          </a:p>
+          <a:p>
+            <a:pPr algn="ctr"/>
+            <a:r>
+              <a:rPr lang="en-US" altLang="ko-KR" sz="1400"/>
+              <a:t>CPU : 4 Core / Memory : 16GB</a:t>
+            </a:r>
+            <a:endParaRPr lang="ko-KR" altLang="en-US" sz="1400" dirty="0"/>
+          </a:p>
+        </p:txBody>
+      </p:sp>
+      <p:sp>
+        <p:nvSpPr>
+          <p:cNvPr id="19" name="모서리가 둥근 직사각형 18"/>
+          <p:cNvSpPr/>
+          <p:nvPr/>
+        </p:nvSpPr>
+        <p:spPr>
+          <a:xfrm>
+            <a:off x="108665" y="2535746"/>
+            <a:ext cx="1350348" cy="504056"/>
+          </a:xfrm>
+          <a:prstGeom prst="roundRect">
+            <a:avLst>
+              <a:gd name="adj" fmla="val 11578"/>
+            </a:avLst>
+          </a:prstGeom>
+          <a:noFill/>
+        </p:spPr>
+        <p:style>
+          <a:lnRef idx="2">
+            <a:schemeClr val="dk1"/>
+          </a:lnRef>
+          <a:fillRef idx="1">
+            <a:schemeClr val="lt1"/>
+          </a:fillRef>
+          <a:effectRef idx="0">
+            <a:schemeClr val="dk1"/>
+          </a:effectRef>
+          <a:fontRef idx="minor">
+            <a:schemeClr val="dk1"/>
+          </a:fontRef>
+        </p:style>
+        <p:txBody>
+          <a:bodyPr rtlCol="0" anchor="ctr"/>
+          <a:lstStyle/>
+          <a:p>
+            <a:pPr algn="ctr"/>
+            <a:r>
+              <a:rPr lang="en-US" altLang="ko-KR" sz="1200"/>
+              <a:t>enp0s2 1Gbps</a:t>
+            </a:r>
+            <a:endParaRPr lang="en-US" altLang="ko-KR" sz="1200" dirty="0"/>
+          </a:p>
+        </p:txBody>
+      </p:sp>
+      <p:sp>
+        <p:nvSpPr>
+          <p:cNvPr id="24" name="모서리가 둥근 직사각형 23"/>
+          <p:cNvSpPr/>
+          <p:nvPr/>
+        </p:nvSpPr>
+        <p:spPr>
+          <a:xfrm>
+            <a:off x="1547181" y="2535746"/>
+            <a:ext cx="1341922" cy="504056"/>
+          </a:xfrm>
+          <a:prstGeom prst="roundRect">
+            <a:avLst>
+              <a:gd name="adj" fmla="val 11578"/>
+            </a:avLst>
+          </a:prstGeom>
+          <a:noFill/>
+        </p:spPr>
+        <p:style>
+          <a:lnRef idx="2">
+            <a:schemeClr val="dk1"/>
+          </a:lnRef>
+          <a:fillRef idx="1">
+            <a:schemeClr val="lt1"/>
+          </a:fillRef>
+          <a:effectRef idx="0">
+            <a:schemeClr val="dk1"/>
+          </a:effectRef>
+          <a:fontRef idx="minor">
+            <a:schemeClr val="dk1"/>
+          </a:fontRef>
+        </p:style>
+        <p:txBody>
+          <a:bodyPr rtlCol="0" anchor="t"/>
+          <a:lstStyle/>
+          <a:p>
+            <a:pPr algn="ctr"/>
+            <a:r>
+              <a:rPr lang="en-US" altLang="ko-KR" sz="1200"/>
+              <a:t>enp0s3 1Gbps</a:t>
+            </a:r>
+            <a:endParaRPr lang="en-US" altLang="ko-KR" sz="1200" dirty="0"/>
+          </a:p>
+          <a:p>
+            <a:pPr algn="ctr"/>
+            <a:r>
+              <a:rPr lang="en-US" altLang="ko-KR" sz="1200"/>
+              <a:t>10.0.0.10</a:t>
+            </a:r>
+            <a:endParaRPr lang="en-US" altLang="ko-KR" sz="1200" dirty="0"/>
+          </a:p>
+          <a:p>
+            <a:pPr algn="ctr"/>
+            <a:endParaRPr lang="ko-KR" altLang="en-US" sz="1100" dirty="0"/>
+          </a:p>
+        </p:txBody>
+      </p:sp>
+      <p:sp>
+        <p:nvSpPr>
+          <p:cNvPr id="47" name="모서리가 둥근 직사각형 46"/>
+          <p:cNvSpPr/>
+          <p:nvPr/>
+        </p:nvSpPr>
+        <p:spPr>
+          <a:xfrm>
+            <a:off x="654234" y="3435846"/>
+            <a:ext cx="1701194" cy="720080"/>
+          </a:xfrm>
+          <a:prstGeom prst="roundRect">
+            <a:avLst>
+              <a:gd name="adj" fmla="val 11578"/>
+            </a:avLst>
+          </a:prstGeom>
+          <a:noFill/>
+        </p:spPr>
+        <p:style>
+          <a:lnRef idx="2">
+            <a:schemeClr val="dk1"/>
+          </a:lnRef>
+          <a:fillRef idx="1">
+            <a:schemeClr val="lt1"/>
+          </a:fillRef>
+          <a:effectRef idx="0">
+            <a:schemeClr val="dk1"/>
+          </a:effectRef>
+          <a:fontRef idx="minor">
+            <a:schemeClr val="dk1"/>
+          </a:fontRef>
+        </p:style>
+        <p:txBody>
+          <a:bodyPr rtlCol="0" anchor="ctr"/>
+          <a:lstStyle/>
+          <a:p>
+            <a:pPr algn="ctr"/>
+            <a:r>
+              <a:rPr lang="en-US" altLang="ko-KR" sz="1200" b="1"/>
+              <a:t>Router</a:t>
+            </a:r>
+          </a:p>
+          <a:p>
+            <a:pPr algn="ctr"/>
+            <a:r>
+              <a:rPr lang="en-US" altLang="ko-KR" sz="1200"/>
+              <a:t>Outter NAT Network</a:t>
+            </a:r>
+          </a:p>
+          <a:p>
+            <a:pPr algn="ctr"/>
+            <a:r>
+              <a:rPr lang="en-US" altLang="ko-KR" sz="1200"/>
+              <a:t>192.168.0.0/24</a:t>
+            </a:r>
+            <a:endParaRPr lang="en-US" altLang="ko-KR" sz="1200" dirty="0"/>
+          </a:p>
+        </p:txBody>
+      </p:sp>
+      <p:sp>
+        <p:nvSpPr>
+          <p:cNvPr id="48" name="모서리가 둥근 직사각형 47"/>
+          <p:cNvSpPr/>
+          <p:nvPr/>
+        </p:nvSpPr>
+        <p:spPr>
+          <a:xfrm>
+            <a:off x="6794519" y="3435846"/>
+            <a:ext cx="1701192" cy="720080"/>
+          </a:xfrm>
+          <a:prstGeom prst="roundRect">
+            <a:avLst>
+              <a:gd name="adj" fmla="val 11578"/>
+            </a:avLst>
+          </a:prstGeom>
+          <a:noFill/>
+        </p:spPr>
+        <p:style>
+          <a:lnRef idx="2">
+            <a:schemeClr val="dk1"/>
+          </a:lnRef>
+          <a:fillRef idx="1">
+            <a:schemeClr val="lt1"/>
+          </a:fillRef>
+          <a:effectRef idx="0">
+            <a:schemeClr val="dk1"/>
+          </a:effectRef>
+          <a:fontRef idx="minor">
+            <a:schemeClr val="dk1"/>
+          </a:fontRef>
+        </p:style>
+        <p:txBody>
+          <a:bodyPr rtlCol="0" anchor="ctr"/>
+          <a:lstStyle/>
+          <a:p>
+            <a:pPr algn="ctr"/>
+            <a:r>
+              <a:rPr lang="en-US" altLang="ko-KR" sz="1200" b="1"/>
+              <a:t>Router</a:t>
+            </a:r>
+          </a:p>
+          <a:p>
+            <a:pPr algn="ctr"/>
+            <a:r>
+              <a:rPr lang="en-US" altLang="ko-KR" sz="1200"/>
+              <a:t>Inner NAT Network</a:t>
+            </a:r>
+          </a:p>
+          <a:p>
+            <a:pPr algn="ctr"/>
+            <a:r>
+              <a:rPr lang="en-US" altLang="ko-KR" sz="1200"/>
+              <a:t>10.0.0.0/24</a:t>
+            </a:r>
+            <a:endParaRPr lang="en-US" altLang="ko-KR" sz="1200" dirty="0"/>
+          </a:p>
+        </p:txBody>
+      </p:sp>
+      <p:sp>
+        <p:nvSpPr>
+          <p:cNvPr id="29" name="모서리가 둥근 직사각형 13">
+            <a:extLst>
+              <a:ext uri="{FF2B5EF4-FFF2-40B4-BE49-F238E27FC236}">
+                <a16:creationId xmlns:a16="http://schemas.microsoft.com/office/drawing/2014/main" id="{CFF9E658-23F6-45A0-B280-5F33ABC9AAF8}"/>
+              </a:ext>
+            </a:extLst>
+          </p:cNvPr>
+          <p:cNvSpPr/>
+          <p:nvPr/>
+        </p:nvSpPr>
+        <p:spPr>
+          <a:xfrm>
+            <a:off x="3108612" y="1317496"/>
+            <a:ext cx="2926777" cy="1794313"/>
+          </a:xfrm>
+          <a:prstGeom prst="roundRect">
+            <a:avLst>
+              <a:gd name="adj" fmla="val 6281"/>
+            </a:avLst>
+          </a:prstGeom>
+          <a:noFill/>
+        </p:spPr>
+        <p:style>
+          <a:lnRef idx="2">
+            <a:schemeClr val="dk1"/>
+          </a:lnRef>
+          <a:fillRef idx="1">
+            <a:schemeClr val="lt1"/>
+          </a:fillRef>
+          <a:effectRef idx="0">
+            <a:schemeClr val="dk1"/>
+          </a:effectRef>
+          <a:fontRef idx="minor">
+            <a:schemeClr val="dk1"/>
+          </a:fontRef>
+        </p:style>
+        <p:txBody>
+          <a:bodyPr rtlCol="0" anchor="t"/>
+          <a:lstStyle/>
+          <a:p>
+            <a:pPr algn="ctr"/>
+            <a:r>
+              <a:rPr lang="en-US" altLang="ko-KR" sz="1600" b="1"/>
+              <a:t>Node 02 : ODROID-H2</a:t>
+            </a:r>
+          </a:p>
+          <a:p>
+            <a:pPr algn="ctr"/>
+            <a:r>
+              <a:rPr lang="en-US" altLang="ko-KR" sz="1400"/>
+              <a:t>CPU : 4 Core / Memory : 16GB</a:t>
+            </a:r>
+            <a:endParaRPr lang="ko-KR" altLang="en-US" sz="1400"/>
+          </a:p>
+          <a:p>
+            <a:pPr algn="ctr"/>
+            <a:endParaRPr lang="ko-KR" altLang="en-US" sz="1600" dirty="0"/>
+          </a:p>
+        </p:txBody>
+      </p:sp>
+      <p:sp>
+        <p:nvSpPr>
+          <p:cNvPr id="30" name="모서리가 둥근 직사각형 18">
+            <a:extLst>
+              <a:ext uri="{FF2B5EF4-FFF2-40B4-BE49-F238E27FC236}">
+                <a16:creationId xmlns:a16="http://schemas.microsoft.com/office/drawing/2014/main" id="{179755E0-978F-410D-B265-06B3F3BB3500}"/>
+              </a:ext>
+            </a:extLst>
+          </p:cNvPr>
+          <p:cNvSpPr/>
+          <p:nvPr/>
+        </p:nvSpPr>
+        <p:spPr>
+          <a:xfrm>
+            <a:off x="3181781" y="2535746"/>
+            <a:ext cx="1350348" cy="504056"/>
+          </a:xfrm>
+          <a:prstGeom prst="roundRect">
+            <a:avLst>
+              <a:gd name="adj" fmla="val 11578"/>
+            </a:avLst>
+          </a:prstGeom>
+          <a:noFill/>
+        </p:spPr>
+        <p:style>
+          <a:lnRef idx="2">
+            <a:schemeClr val="dk1"/>
+          </a:lnRef>
+          <a:fillRef idx="1">
+            <a:schemeClr val="lt1"/>
+          </a:fillRef>
+          <a:effectRef idx="0">
+            <a:schemeClr val="dk1"/>
+          </a:effectRef>
+          <a:fontRef idx="minor">
+            <a:schemeClr val="dk1"/>
+          </a:fontRef>
+        </p:style>
+        <p:txBody>
+          <a:bodyPr rtlCol="0" anchor="ctr"/>
+          <a:lstStyle/>
+          <a:p>
+            <a:pPr algn="ctr"/>
+            <a:r>
+              <a:rPr lang="en-US" altLang="ko-KR" sz="1200"/>
+              <a:t>enp0s2 1Gbps</a:t>
+            </a:r>
+            <a:endParaRPr lang="en-US" altLang="ko-KR" sz="1200" dirty="0"/>
+          </a:p>
+        </p:txBody>
+      </p:sp>
+      <p:sp>
+        <p:nvSpPr>
+          <p:cNvPr id="31" name="모서리가 둥근 직사각형 23">
+            <a:extLst>
+              <a:ext uri="{FF2B5EF4-FFF2-40B4-BE49-F238E27FC236}">
+                <a16:creationId xmlns:a16="http://schemas.microsoft.com/office/drawing/2014/main" id="{2B20CA45-E30B-4D1D-9B5C-7B5DF80E979E}"/>
+              </a:ext>
+            </a:extLst>
+          </p:cNvPr>
+          <p:cNvSpPr/>
+          <p:nvPr/>
+        </p:nvSpPr>
+        <p:spPr>
+          <a:xfrm>
+            <a:off x="4620297" y="2535746"/>
+            <a:ext cx="1341922" cy="504056"/>
+          </a:xfrm>
+          <a:prstGeom prst="roundRect">
+            <a:avLst>
+              <a:gd name="adj" fmla="val 11578"/>
+            </a:avLst>
+          </a:prstGeom>
+          <a:noFill/>
+        </p:spPr>
+        <p:style>
+          <a:lnRef idx="2">
+            <a:schemeClr val="dk1"/>
+          </a:lnRef>
+          <a:fillRef idx="1">
+            <a:schemeClr val="lt1"/>
+          </a:fillRef>
+          <a:effectRef idx="0">
+            <a:schemeClr val="dk1"/>
+          </a:effectRef>
+          <a:fontRef idx="minor">
+            <a:schemeClr val="dk1"/>
+          </a:fontRef>
+        </p:style>
+        <p:txBody>
+          <a:bodyPr rtlCol="0" anchor="t"/>
+          <a:lstStyle/>
+          <a:p>
+            <a:pPr algn="ctr"/>
+            <a:r>
+              <a:rPr lang="en-US" altLang="ko-KR" sz="1200"/>
+              <a:t>enp0s3 1Gbps</a:t>
+            </a:r>
+            <a:endParaRPr lang="en-US" altLang="ko-KR" sz="1200" dirty="0"/>
+          </a:p>
+          <a:p>
+            <a:pPr algn="ctr"/>
+            <a:r>
+              <a:rPr lang="en-US" altLang="ko-KR" sz="1200"/>
+              <a:t>10.0.0.11</a:t>
+            </a:r>
+            <a:endParaRPr lang="en-US" altLang="ko-KR" sz="1200" dirty="0"/>
+          </a:p>
+          <a:p>
+            <a:pPr algn="ctr"/>
+            <a:endParaRPr lang="ko-KR" altLang="en-US" sz="1100" dirty="0"/>
+          </a:p>
+        </p:txBody>
+      </p:sp>
+      <p:sp>
+        <p:nvSpPr>
+          <p:cNvPr id="33" name="모서리가 둥근 직사각형 13">
+            <a:extLst>
+              <a:ext uri="{FF2B5EF4-FFF2-40B4-BE49-F238E27FC236}">
+                <a16:creationId xmlns:a16="http://schemas.microsoft.com/office/drawing/2014/main" id="{32FA0D84-1649-4E93-99C7-CC8C09DE9F40}"/>
+              </a:ext>
+            </a:extLst>
+          </p:cNvPr>
+          <p:cNvSpPr/>
+          <p:nvPr/>
+        </p:nvSpPr>
+        <p:spPr>
+          <a:xfrm>
+            <a:off x="6181727" y="1317496"/>
+            <a:ext cx="2926777" cy="1794313"/>
+          </a:xfrm>
+          <a:prstGeom prst="roundRect">
+            <a:avLst>
+              <a:gd name="adj" fmla="val 6281"/>
+            </a:avLst>
+          </a:prstGeom>
+          <a:noFill/>
+        </p:spPr>
+        <p:style>
+          <a:lnRef idx="2">
+            <a:schemeClr val="dk1"/>
+          </a:lnRef>
+          <a:fillRef idx="1">
+            <a:schemeClr val="lt1"/>
+          </a:fillRef>
+          <a:effectRef idx="0">
+            <a:schemeClr val="dk1"/>
+          </a:effectRef>
+          <a:fontRef idx="minor">
+            <a:schemeClr val="dk1"/>
+          </a:fontRef>
+        </p:style>
+        <p:txBody>
+          <a:bodyPr rtlCol="0" anchor="t"/>
+          <a:lstStyle/>
+          <a:p>
+            <a:pPr algn="ctr"/>
+            <a:r>
+              <a:rPr lang="en-US" altLang="ko-KR" sz="1600" b="1"/>
+              <a:t>Node 03 : ODROID-H2</a:t>
+            </a:r>
+          </a:p>
+          <a:p>
+            <a:pPr algn="ctr"/>
+            <a:r>
+              <a:rPr lang="en-US" altLang="ko-KR" sz="1400"/>
+              <a:t>CPU : 4 Core / Memory : 16GB</a:t>
+            </a:r>
+            <a:endParaRPr lang="ko-KR" altLang="en-US" sz="1400"/>
+          </a:p>
+          <a:p>
+            <a:pPr algn="ctr"/>
+            <a:endParaRPr lang="ko-KR" altLang="en-US" sz="1600" dirty="0"/>
+          </a:p>
+        </p:txBody>
+      </p:sp>
+      <p:sp>
+        <p:nvSpPr>
+          <p:cNvPr id="34" name="모서리가 둥근 직사각형 18">
+            <a:extLst>
+              <a:ext uri="{FF2B5EF4-FFF2-40B4-BE49-F238E27FC236}">
+                <a16:creationId xmlns:a16="http://schemas.microsoft.com/office/drawing/2014/main" id="{26F7F766-C795-40E1-8025-59E338CADCB8}"/>
+              </a:ext>
+            </a:extLst>
+          </p:cNvPr>
+          <p:cNvSpPr/>
+          <p:nvPr/>
+        </p:nvSpPr>
+        <p:spPr>
+          <a:xfrm>
+            <a:off x="6254897" y="2535746"/>
+            <a:ext cx="1350348" cy="504056"/>
+          </a:xfrm>
+          <a:prstGeom prst="roundRect">
+            <a:avLst>
+              <a:gd name="adj" fmla="val 11578"/>
+            </a:avLst>
+          </a:prstGeom>
+          <a:noFill/>
+        </p:spPr>
+        <p:style>
+          <a:lnRef idx="2">
+            <a:schemeClr val="dk1"/>
+          </a:lnRef>
+          <a:fillRef idx="1">
+            <a:schemeClr val="lt1"/>
+          </a:fillRef>
+          <a:effectRef idx="0">
+            <a:schemeClr val="dk1"/>
+          </a:effectRef>
+          <a:fontRef idx="minor">
+            <a:schemeClr val="dk1"/>
+          </a:fontRef>
+        </p:style>
+        <p:txBody>
+          <a:bodyPr rtlCol="0" anchor="ctr"/>
+          <a:lstStyle/>
+          <a:p>
+            <a:pPr algn="ctr"/>
+            <a:r>
+              <a:rPr lang="en-US" altLang="ko-KR" sz="1200"/>
+              <a:t>enp0s2 1Gbps</a:t>
+            </a:r>
+            <a:endParaRPr lang="en-US" altLang="ko-KR" sz="1200" dirty="0"/>
+          </a:p>
+        </p:txBody>
+      </p:sp>
+      <p:sp>
+        <p:nvSpPr>
+          <p:cNvPr id="35" name="모서리가 둥근 직사각형 23">
+            <a:extLst>
+              <a:ext uri="{FF2B5EF4-FFF2-40B4-BE49-F238E27FC236}">
+                <a16:creationId xmlns:a16="http://schemas.microsoft.com/office/drawing/2014/main" id="{CE133425-A3DF-4724-8339-5CFA6C4E0415}"/>
+              </a:ext>
+            </a:extLst>
+          </p:cNvPr>
+          <p:cNvSpPr/>
+          <p:nvPr/>
+        </p:nvSpPr>
+        <p:spPr>
+          <a:xfrm>
+            <a:off x="7693412" y="2535746"/>
+            <a:ext cx="1341922" cy="504056"/>
+          </a:xfrm>
+          <a:prstGeom prst="roundRect">
+            <a:avLst>
+              <a:gd name="adj" fmla="val 11578"/>
+            </a:avLst>
+          </a:prstGeom>
+          <a:noFill/>
+        </p:spPr>
+        <p:style>
+          <a:lnRef idx="2">
+            <a:schemeClr val="dk1"/>
+          </a:lnRef>
+          <a:fillRef idx="1">
+            <a:schemeClr val="lt1"/>
+          </a:fillRef>
+          <a:effectRef idx="0">
+            <a:schemeClr val="dk1"/>
+          </a:effectRef>
+          <a:fontRef idx="minor">
+            <a:schemeClr val="dk1"/>
+          </a:fontRef>
+        </p:style>
+        <p:txBody>
+          <a:bodyPr rtlCol="0" anchor="t"/>
+          <a:lstStyle/>
+          <a:p>
+            <a:pPr algn="ctr"/>
+            <a:r>
+              <a:rPr lang="en-US" altLang="ko-KR" sz="1200"/>
+              <a:t>enp0s3 1Gbps</a:t>
+            </a:r>
+            <a:endParaRPr lang="en-US" altLang="ko-KR" sz="1200" dirty="0"/>
+          </a:p>
+          <a:p>
+            <a:pPr algn="ctr"/>
+            <a:r>
+              <a:rPr lang="en-US" altLang="ko-KR" sz="1200"/>
+              <a:t>10.0.0.12</a:t>
+            </a:r>
+            <a:endParaRPr lang="en-US" altLang="ko-KR" sz="1200" dirty="0"/>
+          </a:p>
+          <a:p>
+            <a:pPr algn="ctr"/>
+            <a:endParaRPr lang="ko-KR" altLang="en-US" sz="1100" dirty="0"/>
+          </a:p>
+        </p:txBody>
+      </p:sp>
+      <p:cxnSp>
+        <p:nvCxnSpPr>
+          <p:cNvPr id="37" name="직선 연결선 36">
+            <a:extLst>
+              <a:ext uri="{FF2B5EF4-FFF2-40B4-BE49-F238E27FC236}">
+                <a16:creationId xmlns:a16="http://schemas.microsoft.com/office/drawing/2014/main" id="{B51BA3EC-5B06-4C3F-84DA-6012337062A5}"/>
+              </a:ext>
+            </a:extLst>
+          </p:cNvPr>
+          <p:cNvCxnSpPr>
+            <a:cxnSpLocks/>
+            <a:stCxn id="19" idx="2"/>
+            <a:endCxn id="47" idx="0"/>
+          </p:cNvCxnSpPr>
+          <p:nvPr/>
+        </p:nvCxnSpPr>
+        <p:spPr>
+          <a:xfrm>
+            <a:off x="783839" y="3039802"/>
+            <a:ext cx="720992" cy="396044"/>
+          </a:xfrm>
+          <a:prstGeom prst="line">
+            <a:avLst/>
+          </a:prstGeom>
+          <a:ln w="28575">
+            <a:solidFill>
+              <a:schemeClr val="tx1"/>
+            </a:solidFill>
+          </a:ln>
+        </p:spPr>
+        <p:style>
+          <a:lnRef idx="1">
+            <a:schemeClr val="accent1"/>
+          </a:lnRef>
+          <a:fillRef idx="0">
+            <a:schemeClr val="accent1"/>
+          </a:fillRef>
+          <a:effectRef idx="0">
+            <a:schemeClr val="accent1"/>
+          </a:effectRef>
+          <a:fontRef idx="minor">
+            <a:schemeClr val="tx1"/>
+          </a:fontRef>
+        </p:style>
+      </p:cxnSp>
+      <p:cxnSp>
+        <p:nvCxnSpPr>
+          <p:cNvPr id="43" name="직선 연결선 42">
+            <a:extLst>
+              <a:ext uri="{FF2B5EF4-FFF2-40B4-BE49-F238E27FC236}">
+                <a16:creationId xmlns:a16="http://schemas.microsoft.com/office/drawing/2014/main" id="{D166F931-E4AF-47A5-8E66-DA86BB53BAEF}"/>
+              </a:ext>
+            </a:extLst>
+          </p:cNvPr>
+          <p:cNvCxnSpPr>
+            <a:cxnSpLocks/>
+            <a:stCxn id="30" idx="2"/>
+            <a:endCxn id="47" idx="0"/>
+          </p:cNvCxnSpPr>
+          <p:nvPr/>
+        </p:nvCxnSpPr>
+        <p:spPr>
+          <a:xfrm flipH="1">
+            <a:off x="1504831" y="3039802"/>
+            <a:ext cx="2352124" cy="396044"/>
+          </a:xfrm>
+          <a:prstGeom prst="line">
+            <a:avLst/>
+          </a:prstGeom>
+          <a:ln w="28575">
+            <a:solidFill>
+              <a:schemeClr val="tx1"/>
+            </a:solidFill>
+          </a:ln>
+        </p:spPr>
+        <p:style>
+          <a:lnRef idx="1">
+            <a:schemeClr val="accent1"/>
+          </a:lnRef>
+          <a:fillRef idx="0">
+            <a:schemeClr val="accent1"/>
+          </a:fillRef>
+          <a:effectRef idx="0">
+            <a:schemeClr val="accent1"/>
+          </a:effectRef>
+          <a:fontRef idx="minor">
+            <a:schemeClr val="tx1"/>
+          </a:fontRef>
+        </p:style>
+      </p:cxnSp>
+      <p:cxnSp>
+        <p:nvCxnSpPr>
+          <p:cNvPr id="44" name="직선 연결선 43">
+            <a:extLst>
+              <a:ext uri="{FF2B5EF4-FFF2-40B4-BE49-F238E27FC236}">
+                <a16:creationId xmlns:a16="http://schemas.microsoft.com/office/drawing/2014/main" id="{795051FC-8211-4660-970C-D8907CA0FFF5}"/>
+              </a:ext>
+            </a:extLst>
+          </p:cNvPr>
+          <p:cNvCxnSpPr>
+            <a:cxnSpLocks/>
+            <a:stCxn id="34" idx="2"/>
+            <a:endCxn id="47" idx="0"/>
+          </p:cNvCxnSpPr>
+          <p:nvPr/>
+        </p:nvCxnSpPr>
+        <p:spPr>
+          <a:xfrm flipH="1">
+            <a:off x="1504831" y="3039802"/>
+            <a:ext cx="5425240" cy="396044"/>
+          </a:xfrm>
+          <a:prstGeom prst="line">
+            <a:avLst/>
+          </a:prstGeom>
+          <a:ln w="28575">
+            <a:solidFill>
+              <a:schemeClr val="tx1"/>
+            </a:solidFill>
+          </a:ln>
+        </p:spPr>
+        <p:style>
+          <a:lnRef idx="1">
+            <a:schemeClr val="accent1"/>
+          </a:lnRef>
+          <a:fillRef idx="0">
+            <a:schemeClr val="accent1"/>
+          </a:fillRef>
+          <a:effectRef idx="0">
+            <a:schemeClr val="accent1"/>
+          </a:effectRef>
+          <a:fontRef idx="minor">
+            <a:schemeClr val="tx1"/>
+          </a:fontRef>
+        </p:style>
+      </p:cxnSp>
+      <p:cxnSp>
+        <p:nvCxnSpPr>
+          <p:cNvPr id="53" name="직선 연결선 52">
+            <a:extLst>
+              <a:ext uri="{FF2B5EF4-FFF2-40B4-BE49-F238E27FC236}">
+                <a16:creationId xmlns:a16="http://schemas.microsoft.com/office/drawing/2014/main" id="{149959EF-465C-4A3D-AA34-BE750A1217A8}"/>
+              </a:ext>
+            </a:extLst>
+          </p:cNvPr>
+          <p:cNvCxnSpPr>
+            <a:cxnSpLocks/>
+            <a:stCxn id="24" idx="2"/>
+            <a:endCxn id="48" idx="0"/>
+          </p:cNvCxnSpPr>
+          <p:nvPr/>
+        </p:nvCxnSpPr>
+        <p:spPr>
+          <a:xfrm>
+            <a:off x="2218142" y="3039802"/>
+            <a:ext cx="5426973" cy="396044"/>
+          </a:xfrm>
+          <a:prstGeom prst="line">
+            <a:avLst/>
+          </a:prstGeom>
+          <a:ln w="28575">
+            <a:solidFill>
+              <a:schemeClr val="tx1"/>
+            </a:solidFill>
+          </a:ln>
+        </p:spPr>
+        <p:style>
+          <a:lnRef idx="1">
+            <a:schemeClr val="accent1"/>
+          </a:lnRef>
+          <a:fillRef idx="0">
+            <a:schemeClr val="accent1"/>
+          </a:fillRef>
+          <a:effectRef idx="0">
+            <a:schemeClr val="accent1"/>
+          </a:effectRef>
+          <a:fontRef idx="minor">
+            <a:schemeClr val="tx1"/>
+          </a:fontRef>
+        </p:style>
+      </p:cxnSp>
+      <p:cxnSp>
+        <p:nvCxnSpPr>
+          <p:cNvPr id="57" name="직선 연결선 56">
+            <a:extLst>
+              <a:ext uri="{FF2B5EF4-FFF2-40B4-BE49-F238E27FC236}">
+                <a16:creationId xmlns:a16="http://schemas.microsoft.com/office/drawing/2014/main" id="{FB84C5C8-CE0D-4A5D-AF70-ED0B71A99464}"/>
+              </a:ext>
+            </a:extLst>
+          </p:cNvPr>
+          <p:cNvCxnSpPr>
+            <a:cxnSpLocks/>
+            <a:stCxn id="31" idx="2"/>
+            <a:endCxn id="48" idx="0"/>
+          </p:cNvCxnSpPr>
+          <p:nvPr/>
+        </p:nvCxnSpPr>
+        <p:spPr>
+          <a:xfrm>
+            <a:off x="5291258" y="3039802"/>
+            <a:ext cx="2353857" cy="396044"/>
+          </a:xfrm>
+          <a:prstGeom prst="line">
+            <a:avLst/>
+          </a:prstGeom>
+          <a:ln w="28575">
+            <a:solidFill>
+              <a:schemeClr val="tx1"/>
+            </a:solidFill>
+          </a:ln>
+        </p:spPr>
+        <p:style>
+          <a:lnRef idx="1">
+            <a:schemeClr val="accent1"/>
+          </a:lnRef>
+          <a:fillRef idx="0">
+            <a:schemeClr val="accent1"/>
+          </a:fillRef>
+          <a:effectRef idx="0">
+            <a:schemeClr val="accent1"/>
+          </a:effectRef>
+          <a:fontRef idx="minor">
+            <a:schemeClr val="tx1"/>
+          </a:fontRef>
+        </p:style>
+      </p:cxnSp>
+      <p:cxnSp>
+        <p:nvCxnSpPr>
+          <p:cNvPr id="59" name="직선 연결선 58">
+            <a:extLst>
+              <a:ext uri="{FF2B5EF4-FFF2-40B4-BE49-F238E27FC236}">
+                <a16:creationId xmlns:a16="http://schemas.microsoft.com/office/drawing/2014/main" id="{ECE875A0-34CB-48AA-9E79-A1F9FE7DCD3B}"/>
+              </a:ext>
+            </a:extLst>
+          </p:cNvPr>
+          <p:cNvCxnSpPr>
+            <a:cxnSpLocks/>
+            <a:stCxn id="35" idx="2"/>
+            <a:endCxn id="48" idx="0"/>
+          </p:cNvCxnSpPr>
+          <p:nvPr/>
+        </p:nvCxnSpPr>
+        <p:spPr>
+          <a:xfrm flipH="1">
+            <a:off x="7645115" y="3039802"/>
+            <a:ext cx="719258" cy="396044"/>
+          </a:xfrm>
+          <a:prstGeom prst="line">
+            <a:avLst/>
+          </a:prstGeom>
+          <a:ln w="28575">
+            <a:solidFill>
+              <a:schemeClr val="tx1"/>
+            </a:solidFill>
+          </a:ln>
+        </p:spPr>
+        <p:style>
+          <a:lnRef idx="1">
+            <a:schemeClr val="accent1"/>
+          </a:lnRef>
+          <a:fillRef idx="0">
+            <a:schemeClr val="accent1"/>
+          </a:fillRef>
+          <a:effectRef idx="0">
+            <a:schemeClr val="accent1"/>
+          </a:effectRef>
+          <a:fontRef idx="minor">
+            <a:schemeClr val="tx1"/>
+          </a:fontRef>
+        </p:style>
+      </p:cxnSp>
+      <p:cxnSp>
+        <p:nvCxnSpPr>
+          <p:cNvPr id="61" name="직선 연결선 60">
+            <a:extLst>
+              <a:ext uri="{FF2B5EF4-FFF2-40B4-BE49-F238E27FC236}">
+                <a16:creationId xmlns:a16="http://schemas.microsoft.com/office/drawing/2014/main" id="{22CE2104-8D93-4E45-986A-BF7565E4A746}"/>
+              </a:ext>
+            </a:extLst>
+          </p:cNvPr>
+          <p:cNvCxnSpPr>
+            <a:cxnSpLocks/>
+            <a:stCxn id="47" idx="2"/>
+            <a:endCxn id="22" idx="3"/>
+          </p:cNvCxnSpPr>
+          <p:nvPr/>
+        </p:nvCxnSpPr>
+        <p:spPr>
+          <a:xfrm flipH="1">
+            <a:off x="1498884" y="4155926"/>
+            <a:ext cx="5947" cy="170498"/>
+          </a:xfrm>
+          <a:prstGeom prst="line">
+            <a:avLst/>
+          </a:prstGeom>
+          <a:ln w="28575">
+            <a:solidFill>
+              <a:schemeClr val="tx1"/>
+            </a:solidFill>
+          </a:ln>
+        </p:spPr>
+        <p:style>
+          <a:lnRef idx="1">
+            <a:schemeClr val="accent1"/>
+          </a:lnRef>
+          <a:fillRef idx="0">
+            <a:schemeClr val="accent1"/>
+          </a:fillRef>
+          <a:effectRef idx="0">
+            <a:schemeClr val="accent1"/>
+          </a:effectRef>
+          <a:fontRef idx="minor">
+            <a:schemeClr val="tx1"/>
+          </a:fontRef>
+        </p:style>
+      </p:cxnSp>
+      <p:sp>
+        <p:nvSpPr>
+          <p:cNvPr id="22" name="구름 21">
+            <a:extLst>
+              <a:ext uri="{FF2B5EF4-FFF2-40B4-BE49-F238E27FC236}">
+                <a16:creationId xmlns:a16="http://schemas.microsoft.com/office/drawing/2014/main" id="{984A4AF2-1077-4A0B-8B0B-A9B19F37D383}"/>
+              </a:ext>
+            </a:extLst>
+          </p:cNvPr>
+          <p:cNvSpPr/>
+          <p:nvPr/>
+        </p:nvSpPr>
+        <p:spPr>
+          <a:xfrm>
+            <a:off x="840365" y="4293096"/>
+            <a:ext cx="1317037" cy="582910"/>
+          </a:xfrm>
+          <a:prstGeom prst="cloud">
+            <a:avLst/>
+          </a:prstGeom>
+        </p:spPr>
+        <p:style>
+          <a:lnRef idx="2">
+            <a:schemeClr val="dk1"/>
+          </a:lnRef>
+          <a:fillRef idx="1">
+            <a:schemeClr val="lt1"/>
+          </a:fillRef>
+          <a:effectRef idx="0">
+            <a:schemeClr val="dk1"/>
+          </a:effectRef>
+          <a:fontRef idx="minor">
+            <a:schemeClr val="dk1"/>
+          </a:fontRef>
+        </p:style>
+        <p:txBody>
+          <a:bodyPr rtlCol="0" anchor="ctr"/>
+          <a:lstStyle/>
+          <a:p>
+            <a:pPr algn="ctr"/>
+            <a:r>
+              <a:rPr lang="en-US" altLang="ko-KR" sz="1200"/>
+              <a:t>Public</a:t>
+            </a:r>
+          </a:p>
+          <a:p>
+            <a:pPr algn="ctr"/>
+            <a:r>
+              <a:rPr lang="en-US" altLang="ko-KR" sz="1200"/>
+              <a:t>Network</a:t>
+            </a:r>
+            <a:endParaRPr lang="ko-KR" altLang="en-US" sz="1200"/>
+          </a:p>
+        </p:txBody>
+      </p:sp>
+      <p:sp>
+        <p:nvSpPr>
+          <p:cNvPr id="40" name="모서리가 둥근 직사각형 18">
+            <a:extLst>
+              <a:ext uri="{FF2B5EF4-FFF2-40B4-BE49-F238E27FC236}">
+                <a16:creationId xmlns:a16="http://schemas.microsoft.com/office/drawing/2014/main" id="{A4C7A769-F8F5-41EA-AA53-E7FA68E5D857}"/>
+              </a:ext>
+            </a:extLst>
+          </p:cNvPr>
+          <p:cNvSpPr/>
+          <p:nvPr/>
+        </p:nvSpPr>
+        <p:spPr>
+          <a:xfrm>
+            <a:off x="6254897" y="1959681"/>
+            <a:ext cx="1350348" cy="504056"/>
+          </a:xfrm>
+          <a:prstGeom prst="roundRect">
+            <a:avLst>
+              <a:gd name="adj" fmla="val 11578"/>
+            </a:avLst>
+          </a:prstGeom>
+          <a:noFill/>
+        </p:spPr>
+        <p:style>
+          <a:lnRef idx="2">
+            <a:schemeClr val="dk1"/>
+          </a:lnRef>
+          <a:fillRef idx="1">
+            <a:schemeClr val="lt1"/>
+          </a:fillRef>
+          <a:effectRef idx="0">
+            <a:schemeClr val="dk1"/>
+          </a:effectRef>
+          <a:fontRef idx="minor">
+            <a:schemeClr val="dk1"/>
+          </a:fontRef>
+        </p:style>
+        <p:txBody>
+          <a:bodyPr rtlCol="0" anchor="t"/>
+          <a:lstStyle/>
+          <a:p>
+            <a:pPr algn="ctr"/>
+            <a:r>
+              <a:rPr lang="en-US" altLang="ko-KR" sz="1200"/>
+              <a:t>/dev/mmcblk0</a:t>
+            </a:r>
+          </a:p>
+          <a:p>
+            <a:pPr algn="ctr"/>
+            <a:r>
+              <a:rPr lang="en-US" altLang="ko-KR" sz="1200"/>
+              <a:t>64G eMMC</a:t>
+            </a:r>
+          </a:p>
+          <a:p>
+            <a:pPr algn="ctr"/>
+            <a:endParaRPr lang="ko-KR" altLang="en-US" sz="1100" dirty="0"/>
+          </a:p>
+        </p:txBody>
+      </p:sp>
+      <p:sp>
+        <p:nvSpPr>
+          <p:cNvPr id="41" name="모서리가 둥근 직사각형 23">
+            <a:extLst>
+              <a:ext uri="{FF2B5EF4-FFF2-40B4-BE49-F238E27FC236}">
+                <a16:creationId xmlns:a16="http://schemas.microsoft.com/office/drawing/2014/main" id="{0554A4A6-08A0-46EB-A2DF-10EBAF0C01DF}"/>
+              </a:ext>
+            </a:extLst>
+          </p:cNvPr>
+          <p:cNvSpPr/>
+          <p:nvPr/>
+        </p:nvSpPr>
+        <p:spPr>
+          <a:xfrm>
+            <a:off x="7693412" y="1959681"/>
+            <a:ext cx="1341922" cy="504056"/>
+          </a:xfrm>
+          <a:prstGeom prst="roundRect">
+            <a:avLst>
+              <a:gd name="adj" fmla="val 11578"/>
+            </a:avLst>
+          </a:prstGeom>
+          <a:noFill/>
+        </p:spPr>
+        <p:style>
+          <a:lnRef idx="2">
+            <a:schemeClr val="dk1"/>
+          </a:lnRef>
+          <a:fillRef idx="1">
+            <a:schemeClr val="lt1"/>
+          </a:fillRef>
+          <a:effectRef idx="0">
+            <a:schemeClr val="dk1"/>
+          </a:effectRef>
+          <a:fontRef idx="minor">
+            <a:schemeClr val="dk1"/>
+          </a:fontRef>
+        </p:style>
+        <p:txBody>
+          <a:bodyPr rtlCol="0" anchor="t"/>
+          <a:lstStyle/>
+          <a:p>
+            <a:pPr algn="ctr"/>
+            <a:r>
+              <a:rPr lang="en-US" altLang="ko-KR" sz="1200"/>
+              <a:t>/dev/nvme0n1</a:t>
+            </a:r>
+          </a:p>
+          <a:p>
+            <a:pPr algn="ctr"/>
+            <a:r>
+              <a:rPr lang="en-US" altLang="ko-KR" sz="1200"/>
+              <a:t>256GB M.2</a:t>
+            </a:r>
+          </a:p>
+          <a:p>
+            <a:pPr algn="ctr"/>
+            <a:endParaRPr lang="ko-KR" altLang="en-US" sz="1100" dirty="0"/>
+          </a:p>
+        </p:txBody>
+      </p:sp>
+      <p:sp>
+        <p:nvSpPr>
+          <p:cNvPr id="42" name="모서리가 둥근 직사각형 18">
+            <a:extLst>
+              <a:ext uri="{FF2B5EF4-FFF2-40B4-BE49-F238E27FC236}">
+                <a16:creationId xmlns:a16="http://schemas.microsoft.com/office/drawing/2014/main" id="{C250A369-E0E6-4B01-92E5-0D3662E0D8E2}"/>
+              </a:ext>
+            </a:extLst>
+          </p:cNvPr>
+          <p:cNvSpPr/>
+          <p:nvPr/>
+        </p:nvSpPr>
+        <p:spPr>
+          <a:xfrm>
+            <a:off x="3181781" y="1959681"/>
+            <a:ext cx="1350348" cy="504056"/>
+          </a:xfrm>
+          <a:prstGeom prst="roundRect">
+            <a:avLst>
+              <a:gd name="adj" fmla="val 11578"/>
+            </a:avLst>
+          </a:prstGeom>
+          <a:noFill/>
+        </p:spPr>
+        <p:style>
+          <a:lnRef idx="2">
+            <a:schemeClr val="dk1"/>
+          </a:lnRef>
+          <a:fillRef idx="1">
+            <a:schemeClr val="lt1"/>
+          </a:fillRef>
+          <a:effectRef idx="0">
+            <a:schemeClr val="dk1"/>
+          </a:effectRef>
+          <a:fontRef idx="minor">
+            <a:schemeClr val="dk1"/>
+          </a:fontRef>
+        </p:style>
+        <p:txBody>
+          <a:bodyPr rtlCol="0" anchor="t"/>
+          <a:lstStyle/>
+          <a:p>
+            <a:pPr algn="ctr"/>
+            <a:r>
+              <a:rPr lang="en-US" altLang="ko-KR" sz="1200"/>
+              <a:t>/dev/mmcblk0</a:t>
+            </a:r>
+          </a:p>
+          <a:p>
+            <a:pPr algn="ctr"/>
+            <a:r>
+              <a:rPr lang="en-US" altLang="ko-KR" sz="1200"/>
+              <a:t>64G eMMC</a:t>
+            </a:r>
+          </a:p>
+          <a:p>
+            <a:pPr algn="ctr"/>
+            <a:endParaRPr lang="ko-KR" altLang="en-US" sz="1100" dirty="0"/>
+          </a:p>
+        </p:txBody>
+      </p:sp>
+      <p:sp>
+        <p:nvSpPr>
+          <p:cNvPr id="45" name="모서리가 둥근 직사각형 23">
+            <a:extLst>
+              <a:ext uri="{FF2B5EF4-FFF2-40B4-BE49-F238E27FC236}">
+                <a16:creationId xmlns:a16="http://schemas.microsoft.com/office/drawing/2014/main" id="{366E2794-AB86-4D32-B8BD-F79CFCCF70F6}"/>
+              </a:ext>
+            </a:extLst>
+          </p:cNvPr>
+          <p:cNvSpPr/>
+          <p:nvPr/>
+        </p:nvSpPr>
+        <p:spPr>
+          <a:xfrm>
+            <a:off x="4620297" y="1959681"/>
+            <a:ext cx="1341922" cy="504056"/>
+          </a:xfrm>
+          <a:prstGeom prst="roundRect">
+            <a:avLst>
+              <a:gd name="adj" fmla="val 11578"/>
+            </a:avLst>
+          </a:prstGeom>
+          <a:noFill/>
+        </p:spPr>
+        <p:style>
+          <a:lnRef idx="2">
+            <a:schemeClr val="dk1"/>
+          </a:lnRef>
+          <a:fillRef idx="1">
+            <a:schemeClr val="lt1"/>
+          </a:fillRef>
+          <a:effectRef idx="0">
+            <a:schemeClr val="dk1"/>
+          </a:effectRef>
+          <a:fontRef idx="minor">
+            <a:schemeClr val="dk1"/>
+          </a:fontRef>
+        </p:style>
+        <p:txBody>
+          <a:bodyPr rtlCol="0" anchor="t"/>
+          <a:lstStyle/>
+          <a:p>
+            <a:pPr algn="ctr"/>
+            <a:r>
+              <a:rPr lang="en-US" altLang="ko-KR" sz="1200"/>
+              <a:t>/dev/nvme0n1</a:t>
+            </a:r>
+          </a:p>
+          <a:p>
+            <a:pPr algn="ctr"/>
+            <a:r>
+              <a:rPr lang="en-US" altLang="ko-KR" sz="1200"/>
+              <a:t>256GB M.2</a:t>
+            </a:r>
+          </a:p>
+          <a:p>
+            <a:pPr algn="ctr"/>
+            <a:endParaRPr lang="ko-KR" altLang="en-US" sz="1100" dirty="0"/>
+          </a:p>
+        </p:txBody>
+      </p:sp>
+      <p:sp>
+        <p:nvSpPr>
+          <p:cNvPr id="46" name="모서리가 둥근 직사각형 18">
+            <a:extLst>
+              <a:ext uri="{FF2B5EF4-FFF2-40B4-BE49-F238E27FC236}">
+                <a16:creationId xmlns:a16="http://schemas.microsoft.com/office/drawing/2014/main" id="{BF18FE6C-5AF5-4459-ACB3-BFF0A64AEFA8}"/>
+              </a:ext>
+            </a:extLst>
+          </p:cNvPr>
+          <p:cNvSpPr/>
+          <p:nvPr/>
+        </p:nvSpPr>
+        <p:spPr>
+          <a:xfrm>
+            <a:off x="108665" y="1959681"/>
+            <a:ext cx="1350348" cy="504056"/>
+          </a:xfrm>
+          <a:prstGeom prst="roundRect">
+            <a:avLst>
+              <a:gd name="adj" fmla="val 11578"/>
+            </a:avLst>
+          </a:prstGeom>
+          <a:noFill/>
+        </p:spPr>
+        <p:style>
+          <a:lnRef idx="2">
+            <a:schemeClr val="dk1"/>
+          </a:lnRef>
+          <a:fillRef idx="1">
+            <a:schemeClr val="lt1"/>
+          </a:fillRef>
+          <a:effectRef idx="0">
+            <a:schemeClr val="dk1"/>
+          </a:effectRef>
+          <a:fontRef idx="minor">
+            <a:schemeClr val="dk1"/>
+          </a:fontRef>
+        </p:style>
+        <p:txBody>
+          <a:bodyPr rtlCol="0" anchor="t"/>
+          <a:lstStyle/>
+          <a:p>
+            <a:pPr algn="ctr"/>
+            <a:r>
+              <a:rPr lang="en-US" altLang="ko-KR" sz="1200"/>
+              <a:t>/dev/mmcblk0</a:t>
+            </a:r>
+          </a:p>
+          <a:p>
+            <a:pPr algn="ctr"/>
+            <a:r>
+              <a:rPr lang="en-US" altLang="ko-KR" sz="1200"/>
+              <a:t>64G eMMC</a:t>
+            </a:r>
+          </a:p>
+          <a:p>
+            <a:pPr algn="ctr"/>
+            <a:endParaRPr lang="ko-KR" altLang="en-US" sz="1100" dirty="0"/>
+          </a:p>
+        </p:txBody>
+      </p:sp>
+      <p:sp>
+        <p:nvSpPr>
+          <p:cNvPr id="49" name="모서리가 둥근 직사각형 23">
+            <a:extLst>
+              <a:ext uri="{FF2B5EF4-FFF2-40B4-BE49-F238E27FC236}">
+                <a16:creationId xmlns:a16="http://schemas.microsoft.com/office/drawing/2014/main" id="{762D90EE-E713-4118-B404-274184F0C85B}"/>
+              </a:ext>
+            </a:extLst>
+          </p:cNvPr>
+          <p:cNvSpPr/>
+          <p:nvPr/>
+        </p:nvSpPr>
+        <p:spPr>
+          <a:xfrm>
+            <a:off x="1547181" y="1959681"/>
+            <a:ext cx="1341922" cy="504056"/>
+          </a:xfrm>
+          <a:prstGeom prst="roundRect">
+            <a:avLst>
+              <a:gd name="adj" fmla="val 11578"/>
+            </a:avLst>
+          </a:prstGeom>
+          <a:noFill/>
+        </p:spPr>
+        <p:style>
+          <a:lnRef idx="2">
+            <a:schemeClr val="dk1"/>
+          </a:lnRef>
+          <a:fillRef idx="1">
+            <a:schemeClr val="lt1"/>
+          </a:fillRef>
+          <a:effectRef idx="0">
+            <a:schemeClr val="dk1"/>
+          </a:effectRef>
+          <a:fontRef idx="minor">
+            <a:schemeClr val="dk1"/>
+          </a:fontRef>
+        </p:style>
+        <p:txBody>
+          <a:bodyPr rtlCol="0" anchor="t"/>
+          <a:lstStyle/>
+          <a:p>
+            <a:pPr algn="ctr"/>
+            <a:r>
+              <a:rPr lang="en-US" altLang="ko-KR" sz="1200"/>
+              <a:t>/dev/nvme0n1</a:t>
+            </a:r>
+          </a:p>
+          <a:p>
+            <a:pPr algn="ctr"/>
+            <a:r>
+              <a:rPr lang="en-US" altLang="ko-KR" sz="1200"/>
+              <a:t>256GB M.2</a:t>
+            </a:r>
+            <a:endParaRPr lang="en-US" altLang="ko-KR" sz="1200" dirty="0"/>
+          </a:p>
+          <a:p>
+            <a:pPr algn="ctr"/>
+            <a:endParaRPr lang="ko-KR" altLang="en-US" sz="1100" dirty="0"/>
+          </a:p>
+        </p:txBody>
+      </p:sp>
+      <p:sp>
+        <p:nvSpPr>
+          <p:cNvPr id="50" name="모서리가 둥근 직사각형 13">
+            <a:extLst>
+              <a:ext uri="{FF2B5EF4-FFF2-40B4-BE49-F238E27FC236}">
+                <a16:creationId xmlns:a16="http://schemas.microsoft.com/office/drawing/2014/main" id="{638AA7F9-7419-432A-98A2-6E41ABD28908}"/>
+              </a:ext>
+            </a:extLst>
+          </p:cNvPr>
+          <p:cNvSpPr/>
+          <p:nvPr/>
+        </p:nvSpPr>
+        <p:spPr>
+          <a:xfrm>
+            <a:off x="3108612" y="3717034"/>
+            <a:ext cx="2926777" cy="1158972"/>
+          </a:xfrm>
+          <a:prstGeom prst="roundRect">
+            <a:avLst>
+              <a:gd name="adj" fmla="val 6281"/>
+            </a:avLst>
+          </a:prstGeom>
+          <a:noFill/>
+        </p:spPr>
+        <p:style>
+          <a:lnRef idx="2">
+            <a:schemeClr val="dk1"/>
+          </a:lnRef>
+          <a:fillRef idx="1">
+            <a:schemeClr val="lt1"/>
+          </a:fillRef>
+          <a:effectRef idx="0">
+            <a:schemeClr val="dk1"/>
+          </a:effectRef>
+          <a:fontRef idx="minor">
+            <a:schemeClr val="dk1"/>
+          </a:fontRef>
+        </p:style>
+        <p:txBody>
+          <a:bodyPr rtlCol="0" anchor="t"/>
+          <a:lstStyle/>
+          <a:p>
+            <a:pPr algn="ctr"/>
+            <a:r>
+              <a:rPr lang="en-US" altLang="ko-KR" sz="1600" b="1"/>
+              <a:t>Node 09 : VM</a:t>
+            </a:r>
+          </a:p>
+          <a:p>
+            <a:pPr algn="ctr"/>
+            <a:r>
+              <a:rPr lang="en-US" altLang="ko-KR" sz="1400"/>
+              <a:t>CPU : 2 Core / Memory : 8GB</a:t>
+            </a:r>
+            <a:endParaRPr lang="ko-KR" altLang="en-US" sz="1400"/>
+          </a:p>
+          <a:p>
+            <a:pPr algn="ctr"/>
+            <a:endParaRPr lang="ko-KR" altLang="en-US" sz="1600" dirty="0"/>
+          </a:p>
+        </p:txBody>
+      </p:sp>
+      <p:sp>
+        <p:nvSpPr>
+          <p:cNvPr id="51" name="모서리가 둥근 직사각형 18">
+            <a:extLst>
+              <a:ext uri="{FF2B5EF4-FFF2-40B4-BE49-F238E27FC236}">
+                <a16:creationId xmlns:a16="http://schemas.microsoft.com/office/drawing/2014/main" id="{DDBF1BC6-7014-4DCA-A682-735C62DFD126}"/>
+              </a:ext>
+            </a:extLst>
+          </p:cNvPr>
+          <p:cNvSpPr/>
+          <p:nvPr/>
+        </p:nvSpPr>
+        <p:spPr>
+          <a:xfrm>
+            <a:off x="3181781" y="4299942"/>
+            <a:ext cx="1350348" cy="504056"/>
+          </a:xfrm>
+          <a:prstGeom prst="roundRect">
+            <a:avLst>
+              <a:gd name="adj" fmla="val 11578"/>
+            </a:avLst>
+          </a:prstGeom>
+          <a:noFill/>
+        </p:spPr>
+        <p:style>
+          <a:lnRef idx="2">
+            <a:schemeClr val="dk1"/>
+          </a:lnRef>
+          <a:fillRef idx="1">
+            <a:schemeClr val="lt1"/>
+          </a:fillRef>
+          <a:effectRef idx="0">
+            <a:schemeClr val="dk1"/>
+          </a:effectRef>
+          <a:fontRef idx="minor">
+            <a:schemeClr val="dk1"/>
+          </a:fontRef>
+        </p:style>
+        <p:txBody>
+          <a:bodyPr rtlCol="0" anchor="t"/>
+          <a:lstStyle/>
+          <a:p>
+            <a:pPr algn="ctr"/>
+            <a:r>
+              <a:rPr lang="en-US" altLang="ko-KR" sz="1200"/>
+              <a:t>eth0</a:t>
+            </a:r>
+          </a:p>
+          <a:p>
+            <a:pPr algn="ctr"/>
+            <a:r>
+              <a:rPr lang="en-US" altLang="ko-KR" sz="1200"/>
+              <a:t>192.168.0.39</a:t>
+            </a:r>
+          </a:p>
+          <a:p>
+            <a:pPr algn="ctr"/>
+            <a:endParaRPr lang="ko-KR" altLang="en-US" sz="1100" dirty="0"/>
+          </a:p>
+        </p:txBody>
+      </p:sp>
+      <p:sp>
+        <p:nvSpPr>
+          <p:cNvPr id="52" name="모서리가 둥근 직사각형 23">
+            <a:extLst>
+              <a:ext uri="{FF2B5EF4-FFF2-40B4-BE49-F238E27FC236}">
+                <a16:creationId xmlns:a16="http://schemas.microsoft.com/office/drawing/2014/main" id="{27D26777-543D-4724-AE91-EF7CCB4B1168}"/>
+              </a:ext>
+            </a:extLst>
+          </p:cNvPr>
+          <p:cNvSpPr/>
+          <p:nvPr/>
+        </p:nvSpPr>
+        <p:spPr>
+          <a:xfrm>
+            <a:off x="4620297" y="4299942"/>
+            <a:ext cx="1341922" cy="504056"/>
+          </a:xfrm>
+          <a:prstGeom prst="roundRect">
+            <a:avLst>
+              <a:gd name="adj" fmla="val 11578"/>
+            </a:avLst>
+          </a:prstGeom>
+          <a:noFill/>
+        </p:spPr>
+        <p:style>
+          <a:lnRef idx="2">
+            <a:schemeClr val="dk1"/>
+          </a:lnRef>
+          <a:fillRef idx="1">
+            <a:schemeClr val="lt1"/>
+          </a:fillRef>
+          <a:effectRef idx="0">
+            <a:schemeClr val="dk1"/>
+          </a:effectRef>
+          <a:fontRef idx="minor">
+            <a:schemeClr val="dk1"/>
+          </a:fontRef>
+        </p:style>
+        <p:txBody>
+          <a:bodyPr rtlCol="0" anchor="t"/>
+          <a:lstStyle/>
+          <a:p>
+            <a:pPr algn="ctr"/>
+            <a:r>
+              <a:rPr lang="en-US" altLang="ko-KR" sz="1200"/>
+              <a:t>eth1</a:t>
+            </a:r>
+          </a:p>
+          <a:p>
+            <a:pPr algn="ctr"/>
+            <a:r>
+              <a:rPr lang="en-US" altLang="ko-KR" sz="1200"/>
+              <a:t>10.0.0.19</a:t>
+            </a:r>
+            <a:endParaRPr lang="en-US" altLang="ko-KR" sz="1200" dirty="0"/>
+          </a:p>
+          <a:p>
+            <a:pPr algn="ctr"/>
+            <a:endParaRPr lang="ko-KR" altLang="en-US" sz="1100" dirty="0"/>
+          </a:p>
+        </p:txBody>
+      </p:sp>
+      <p:cxnSp>
+        <p:nvCxnSpPr>
+          <p:cNvPr id="54" name="직선 연결선 53">
+            <a:extLst>
+              <a:ext uri="{FF2B5EF4-FFF2-40B4-BE49-F238E27FC236}">
+                <a16:creationId xmlns:a16="http://schemas.microsoft.com/office/drawing/2014/main" id="{706AE622-C39C-4AF9-A6C3-B1BCCCA1E09B}"/>
+              </a:ext>
+            </a:extLst>
+          </p:cNvPr>
+          <p:cNvCxnSpPr>
+            <a:cxnSpLocks/>
+            <a:stCxn id="51" idx="1"/>
+            <a:endCxn id="47" idx="3"/>
+          </p:cNvCxnSpPr>
+          <p:nvPr/>
+        </p:nvCxnSpPr>
+        <p:spPr>
+          <a:xfrm flipH="1" flipV="1">
+            <a:off x="2355428" y="3795886"/>
+            <a:ext cx="826353" cy="756084"/>
+          </a:xfrm>
+          <a:prstGeom prst="line">
+            <a:avLst/>
+          </a:prstGeom>
+          <a:ln w="28575">
+            <a:solidFill>
+              <a:schemeClr val="tx1"/>
+            </a:solidFill>
+          </a:ln>
+        </p:spPr>
+        <p:style>
+          <a:lnRef idx="1">
+            <a:schemeClr val="accent1"/>
+          </a:lnRef>
+          <a:fillRef idx="0">
+            <a:schemeClr val="accent1"/>
+          </a:fillRef>
+          <a:effectRef idx="0">
+            <a:schemeClr val="accent1"/>
+          </a:effectRef>
+          <a:fontRef idx="minor">
+            <a:schemeClr val="tx1"/>
+          </a:fontRef>
+        </p:style>
+      </p:cxnSp>
+      <p:cxnSp>
+        <p:nvCxnSpPr>
+          <p:cNvPr id="56" name="직선 연결선 55">
+            <a:extLst>
+              <a:ext uri="{FF2B5EF4-FFF2-40B4-BE49-F238E27FC236}">
+                <a16:creationId xmlns:a16="http://schemas.microsoft.com/office/drawing/2014/main" id="{17ACBE4E-89FA-44EE-9CCA-6A66D0A5F9E3}"/>
+              </a:ext>
+            </a:extLst>
+          </p:cNvPr>
+          <p:cNvCxnSpPr>
+            <a:cxnSpLocks/>
+            <a:stCxn id="52" idx="3"/>
+            <a:endCxn id="48" idx="1"/>
+          </p:cNvCxnSpPr>
+          <p:nvPr/>
+        </p:nvCxnSpPr>
+        <p:spPr>
+          <a:xfrm flipV="1">
+            <a:off x="5962219" y="3795886"/>
+            <a:ext cx="832300" cy="756084"/>
+          </a:xfrm>
+          <a:prstGeom prst="line">
+            <a:avLst/>
+          </a:prstGeom>
+          <a:ln w="28575">
+            <a:solidFill>
+              <a:schemeClr val="tx1"/>
+            </a:solidFill>
+          </a:ln>
+        </p:spPr>
+        <p:style>
+          <a:lnRef idx="1">
+            <a:schemeClr val="accent1"/>
+          </a:lnRef>
+          <a:fillRef idx="0">
+            <a:schemeClr val="accent1"/>
+          </a:fillRef>
+          <a:effectRef idx="0">
+            <a:schemeClr val="accent1"/>
+          </a:effectRef>
+          <a:fontRef idx="minor">
+            <a:schemeClr val="tx1"/>
+          </a:fontRef>
+        </p:style>
+      </p:cxnSp>
+      <p:cxnSp>
+        <p:nvCxnSpPr>
+          <p:cNvPr id="36" name="직선 연결선 35">
+            <a:extLst>
+              <a:ext uri="{FF2B5EF4-FFF2-40B4-BE49-F238E27FC236}">
+                <a16:creationId xmlns:a16="http://schemas.microsoft.com/office/drawing/2014/main" id="{6D1C6FC5-3801-4BB6-98FA-86DD71276C53}"/>
+              </a:ext>
+            </a:extLst>
+          </p:cNvPr>
+          <p:cNvCxnSpPr>
+            <a:cxnSpLocks/>
+          </p:cNvCxnSpPr>
+          <p:nvPr/>
+        </p:nvCxnSpPr>
+        <p:spPr>
+          <a:xfrm flipH="1">
+            <a:off x="2355428" y="3592593"/>
+            <a:ext cx="4439092" cy="0"/>
+          </a:xfrm>
+          <a:prstGeom prst="line">
+            <a:avLst/>
+          </a:prstGeom>
+          <a:ln w="28575">
+            <a:solidFill>
+              <a:schemeClr val="tx1"/>
+            </a:solidFill>
+          </a:ln>
+        </p:spPr>
+        <p:style>
+          <a:lnRef idx="1">
+            <a:schemeClr val="accent1"/>
+          </a:lnRef>
+          <a:fillRef idx="0">
+            <a:schemeClr val="accent1"/>
+          </a:fillRef>
+          <a:effectRef idx="0">
+            <a:schemeClr val="accent1"/>
+          </a:effectRef>
+          <a:fontRef idx="minor">
+            <a:schemeClr val="tx1"/>
+          </a:fontRef>
+        </p:style>
+      </p:cxnSp>
+    </p:spTree>
+    <p:extLst>
+      <p:ext uri="{BB962C8B-B14F-4D97-AF65-F5344CB8AC3E}">
+        <p14:creationId xmlns:p14="http://schemas.microsoft.com/office/powerpoint/2010/main" val="629166225"/>
+      </p:ext>
+    </p:extLst>
+  </p:cSld>
+  <p:clrMapOvr>
+    <a:masterClrMapping/>
+  </p:clrMapOvr>
+</p:sld>
+</file>
+
+<file path=ppt/slides/slide6.xml><?xml version="1.0" encoding="utf-8"?>
+<p:sld xmlns:a="http://schemas.openxmlformats.org/drawingml/2006/main" xmlns:r="http://schemas.openxmlformats.org/officeDocument/2006/relationships" xmlns:p="http://schemas.openxmlformats.org/presentationml/2006/main">
+  <p:cSld>
+    <p:spTree>
+      <p:nvGrpSpPr>
+        <p:cNvPr id="1" name=""/>
+        <p:cNvGrpSpPr/>
+        <p:nvPr/>
+      </p:nvGrpSpPr>
+      <p:grpSpPr>
+        <a:xfrm>
+          <a:off x="0" y="0"/>
+          <a:ext cx="0" cy="0"/>
+          <a:chOff x="0" y="0"/>
+          <a:chExt cx="0" cy="0"/>
+        </a:xfrm>
+      </p:grpSpPr>
+      <p:sp>
+        <p:nvSpPr>
+          <p:cNvPr id="6" name="제목 1"/>
+          <p:cNvSpPr>
+            <a:spLocks noGrp="1"/>
+          </p:cNvSpPr>
+          <p:nvPr>
+            <p:ph type="title"/>
+          </p:nvPr>
+        </p:nvSpPr>
+        <p:spPr>
+          <a:xfrm>
+            <a:off x="457200" y="-20538"/>
+            <a:ext cx="8229600" cy="857250"/>
+          </a:xfrm>
+        </p:spPr>
+        <p:txBody>
+          <a:bodyPr>
+            <a:normAutofit/>
+          </a:bodyPr>
+          <a:lstStyle/>
+          <a:p>
+            <a:r>
+              <a:rPr lang="en-US" altLang="ko-KR"/>
+              <a:t>Ceph</a:t>
+            </a:r>
+            <a:endParaRPr lang="ko-KR" altLang="en-US" dirty="0"/>
+          </a:p>
+        </p:txBody>
+      </p:sp>
+      <p:sp>
+        <p:nvSpPr>
+          <p:cNvPr id="14" name="모서리가 둥근 직사각형 13"/>
+          <p:cNvSpPr/>
+          <p:nvPr/>
+        </p:nvSpPr>
+        <p:spPr>
+          <a:xfrm>
+            <a:off x="35496" y="1332614"/>
+            <a:ext cx="2926777" cy="1779195"/>
+          </a:xfrm>
+          <a:prstGeom prst="roundRect">
+            <a:avLst>
+              <a:gd name="adj" fmla="val 6281"/>
+            </a:avLst>
+          </a:prstGeom>
+          <a:noFill/>
+        </p:spPr>
+        <p:style>
+          <a:lnRef idx="2">
+            <a:schemeClr val="dk1"/>
+          </a:lnRef>
+          <a:fillRef idx="1">
+            <a:schemeClr val="lt1"/>
+          </a:fillRef>
+          <a:effectRef idx="0">
+            <a:schemeClr val="dk1"/>
+          </a:effectRef>
+          <a:fontRef idx="minor">
+            <a:schemeClr val="dk1"/>
+          </a:fontRef>
+        </p:style>
+        <p:txBody>
+          <a:bodyPr rtlCol="0" anchor="t"/>
+          <a:lstStyle/>
+          <a:p>
+            <a:pPr algn="ctr"/>
+            <a:r>
+              <a:rPr lang="en-US" altLang="ko-KR" sz="1600" b="1"/>
+              <a:t>Node 01 : Monitor, OSD, Manager</a:t>
+            </a:r>
+          </a:p>
+        </p:txBody>
+      </p:sp>
+      <p:sp>
+        <p:nvSpPr>
+          <p:cNvPr id="24" name="모서리가 둥근 직사각형 23"/>
+          <p:cNvSpPr/>
+          <p:nvPr/>
+        </p:nvSpPr>
+        <p:spPr>
+          <a:xfrm>
+            <a:off x="1547181" y="2535746"/>
+            <a:ext cx="1341922" cy="504056"/>
+          </a:xfrm>
+          <a:prstGeom prst="roundRect">
+            <a:avLst>
+              <a:gd name="adj" fmla="val 11578"/>
+            </a:avLst>
+          </a:prstGeom>
+          <a:noFill/>
+        </p:spPr>
+        <p:style>
+          <a:lnRef idx="2">
+            <a:schemeClr val="dk1"/>
+          </a:lnRef>
+          <a:fillRef idx="1">
+            <a:schemeClr val="lt1"/>
+          </a:fillRef>
+          <a:effectRef idx="0">
+            <a:schemeClr val="dk1"/>
+          </a:effectRef>
+          <a:fontRef idx="minor">
+            <a:schemeClr val="dk1"/>
+          </a:fontRef>
+        </p:style>
+        <p:txBody>
+          <a:bodyPr rtlCol="0" anchor="t"/>
+          <a:lstStyle/>
+          <a:p>
+            <a:pPr algn="ctr"/>
+            <a:r>
+              <a:rPr lang="en-US" altLang="ko-KR" sz="1200"/>
+              <a:t>enp0s3</a:t>
+            </a:r>
+            <a:endParaRPr lang="en-US" altLang="ko-KR" sz="1200" dirty="0"/>
+          </a:p>
+          <a:p>
+            <a:pPr algn="ctr"/>
+            <a:r>
+              <a:rPr lang="en-US" altLang="ko-KR" sz="1200"/>
+              <a:t>10.0.0.10</a:t>
+            </a:r>
+            <a:endParaRPr lang="en-US" altLang="ko-KR" sz="1200" dirty="0"/>
+          </a:p>
+          <a:p>
+            <a:pPr algn="ctr"/>
+            <a:endParaRPr lang="ko-KR" altLang="en-US" sz="1100" dirty="0"/>
+          </a:p>
+        </p:txBody>
+      </p:sp>
+      <p:sp>
+        <p:nvSpPr>
+          <p:cNvPr id="29" name="모서리가 둥근 직사각형 13">
+            <a:extLst>
+              <a:ext uri="{FF2B5EF4-FFF2-40B4-BE49-F238E27FC236}">
+                <a16:creationId xmlns:a16="http://schemas.microsoft.com/office/drawing/2014/main" id="{CFF9E658-23F6-45A0-B280-5F33ABC9AAF8}"/>
+              </a:ext>
+            </a:extLst>
+          </p:cNvPr>
+          <p:cNvSpPr/>
+          <p:nvPr/>
+        </p:nvSpPr>
+        <p:spPr>
+          <a:xfrm>
+            <a:off x="3108612" y="1332614"/>
+            <a:ext cx="2926777" cy="1779195"/>
+          </a:xfrm>
+          <a:prstGeom prst="roundRect">
+            <a:avLst>
+              <a:gd name="adj" fmla="val 6281"/>
+            </a:avLst>
+          </a:prstGeom>
+          <a:noFill/>
+        </p:spPr>
+        <p:style>
+          <a:lnRef idx="2">
+            <a:schemeClr val="dk1"/>
+          </a:lnRef>
+          <a:fillRef idx="1">
+            <a:schemeClr val="lt1"/>
+          </a:fillRef>
+          <a:effectRef idx="0">
+            <a:schemeClr val="dk1"/>
+          </a:effectRef>
+          <a:fontRef idx="minor">
+            <a:schemeClr val="dk1"/>
+          </a:fontRef>
+        </p:style>
+        <p:txBody>
+          <a:bodyPr rtlCol="0" anchor="t"/>
+          <a:lstStyle/>
+          <a:p>
+            <a:pPr algn="ctr"/>
+            <a:r>
+              <a:rPr lang="en-US" altLang="ko-KR" sz="1600" b="1"/>
+              <a:t>Node 02 : OSD</a:t>
+            </a:r>
+          </a:p>
+          <a:p>
+            <a:pPr algn="ctr"/>
+            <a:endParaRPr lang="ko-KR" altLang="en-US" sz="1600" dirty="0"/>
+          </a:p>
+        </p:txBody>
+      </p:sp>
+      <p:sp>
+        <p:nvSpPr>
+          <p:cNvPr id="31" name="모서리가 둥근 직사각형 23">
+            <a:extLst>
+              <a:ext uri="{FF2B5EF4-FFF2-40B4-BE49-F238E27FC236}">
+                <a16:creationId xmlns:a16="http://schemas.microsoft.com/office/drawing/2014/main" id="{2B20CA45-E30B-4D1D-9B5C-7B5DF80E979E}"/>
+              </a:ext>
+            </a:extLst>
+          </p:cNvPr>
+          <p:cNvSpPr/>
+          <p:nvPr/>
+        </p:nvSpPr>
+        <p:spPr>
+          <a:xfrm>
+            <a:off x="4620297" y="2535746"/>
+            <a:ext cx="1341922" cy="504056"/>
+          </a:xfrm>
+          <a:prstGeom prst="roundRect">
+            <a:avLst>
+              <a:gd name="adj" fmla="val 11578"/>
+            </a:avLst>
+          </a:prstGeom>
+          <a:noFill/>
+        </p:spPr>
+        <p:style>
+          <a:lnRef idx="2">
+            <a:schemeClr val="dk1"/>
+          </a:lnRef>
+          <a:fillRef idx="1">
+            <a:schemeClr val="lt1"/>
+          </a:fillRef>
+          <a:effectRef idx="0">
+            <a:schemeClr val="dk1"/>
+          </a:effectRef>
+          <a:fontRef idx="minor">
+            <a:schemeClr val="dk1"/>
+          </a:fontRef>
+        </p:style>
+        <p:txBody>
+          <a:bodyPr rtlCol="0" anchor="t"/>
+          <a:lstStyle/>
+          <a:p>
+            <a:pPr algn="ctr"/>
+            <a:r>
+              <a:rPr lang="en-US" altLang="ko-KR" sz="1200"/>
+              <a:t>enp0s3</a:t>
+            </a:r>
+            <a:endParaRPr lang="en-US" altLang="ko-KR" sz="1200" dirty="0"/>
+          </a:p>
+          <a:p>
+            <a:pPr algn="ctr"/>
+            <a:r>
+              <a:rPr lang="en-US" altLang="ko-KR" sz="1200"/>
+              <a:t>10.0.0.11</a:t>
+            </a:r>
+            <a:endParaRPr lang="en-US" altLang="ko-KR" sz="1200" dirty="0"/>
+          </a:p>
+          <a:p>
+            <a:pPr algn="ctr"/>
+            <a:endParaRPr lang="ko-KR" altLang="en-US" sz="1100" dirty="0"/>
+          </a:p>
+        </p:txBody>
+      </p:sp>
+      <p:sp>
+        <p:nvSpPr>
+          <p:cNvPr id="33" name="모서리가 둥근 직사각형 13">
+            <a:extLst>
+              <a:ext uri="{FF2B5EF4-FFF2-40B4-BE49-F238E27FC236}">
+                <a16:creationId xmlns:a16="http://schemas.microsoft.com/office/drawing/2014/main" id="{32FA0D84-1649-4E93-99C7-CC8C09DE9F40}"/>
+              </a:ext>
+            </a:extLst>
+          </p:cNvPr>
+          <p:cNvSpPr/>
+          <p:nvPr/>
+        </p:nvSpPr>
+        <p:spPr>
+          <a:xfrm>
+            <a:off x="6181727" y="1332614"/>
+            <a:ext cx="2926777" cy="1779195"/>
+          </a:xfrm>
+          <a:prstGeom prst="roundRect">
+            <a:avLst>
+              <a:gd name="adj" fmla="val 6281"/>
+            </a:avLst>
+          </a:prstGeom>
+          <a:noFill/>
+        </p:spPr>
+        <p:style>
+          <a:lnRef idx="2">
+            <a:schemeClr val="dk1"/>
+          </a:lnRef>
+          <a:fillRef idx="1">
+            <a:schemeClr val="lt1"/>
+          </a:fillRef>
+          <a:effectRef idx="0">
+            <a:schemeClr val="dk1"/>
+          </a:effectRef>
+          <a:fontRef idx="minor">
+            <a:schemeClr val="dk1"/>
+          </a:fontRef>
+        </p:style>
+        <p:txBody>
+          <a:bodyPr rtlCol="0" anchor="t"/>
+          <a:lstStyle/>
+          <a:p>
+            <a:pPr algn="ctr"/>
+            <a:r>
+              <a:rPr lang="en-US" altLang="ko-KR" sz="1600" b="1"/>
+              <a:t>Node 03 : OSD</a:t>
+            </a:r>
+          </a:p>
+          <a:p>
+            <a:pPr algn="ctr"/>
+            <a:endParaRPr lang="ko-KR" altLang="en-US" sz="1600" dirty="0"/>
+          </a:p>
+        </p:txBody>
+      </p:sp>
+      <p:sp>
+        <p:nvSpPr>
+          <p:cNvPr id="35" name="모서리가 둥근 직사각형 23">
+            <a:extLst>
+              <a:ext uri="{FF2B5EF4-FFF2-40B4-BE49-F238E27FC236}">
+                <a16:creationId xmlns:a16="http://schemas.microsoft.com/office/drawing/2014/main" id="{CE133425-A3DF-4724-8339-5CFA6C4E0415}"/>
+              </a:ext>
+            </a:extLst>
+          </p:cNvPr>
+          <p:cNvSpPr/>
+          <p:nvPr/>
+        </p:nvSpPr>
+        <p:spPr>
+          <a:xfrm>
+            <a:off x="7693412" y="2535746"/>
+            <a:ext cx="1341922" cy="504056"/>
+          </a:xfrm>
+          <a:prstGeom prst="roundRect">
+            <a:avLst>
+              <a:gd name="adj" fmla="val 11578"/>
+            </a:avLst>
+          </a:prstGeom>
+          <a:noFill/>
+        </p:spPr>
+        <p:style>
+          <a:lnRef idx="2">
+            <a:schemeClr val="dk1"/>
+          </a:lnRef>
+          <a:fillRef idx="1">
+            <a:schemeClr val="lt1"/>
+          </a:fillRef>
+          <a:effectRef idx="0">
+            <a:schemeClr val="dk1"/>
+          </a:effectRef>
+          <a:fontRef idx="minor">
+            <a:schemeClr val="dk1"/>
+          </a:fontRef>
+        </p:style>
+        <p:txBody>
+          <a:bodyPr rtlCol="0" anchor="t"/>
+          <a:lstStyle/>
+          <a:p>
+            <a:pPr algn="ctr"/>
+            <a:r>
+              <a:rPr lang="en-US" altLang="ko-KR" sz="1200"/>
+              <a:t>enp0s3</a:t>
+            </a:r>
+            <a:endParaRPr lang="en-US" altLang="ko-KR" sz="1200" dirty="0"/>
+          </a:p>
+          <a:p>
+            <a:pPr algn="ctr"/>
+            <a:r>
+              <a:rPr lang="en-US" altLang="ko-KR" sz="1200"/>
+              <a:t>10.0.0.12</a:t>
+            </a:r>
+            <a:endParaRPr lang="en-US" altLang="ko-KR" sz="1200" dirty="0"/>
+          </a:p>
+          <a:p>
+            <a:pPr algn="ctr"/>
+            <a:endParaRPr lang="ko-KR" altLang="en-US" sz="1100" dirty="0"/>
+          </a:p>
+        </p:txBody>
+      </p:sp>
+      <p:cxnSp>
+        <p:nvCxnSpPr>
+          <p:cNvPr id="53" name="직선 연결선 52">
+            <a:extLst>
+              <a:ext uri="{FF2B5EF4-FFF2-40B4-BE49-F238E27FC236}">
+                <a16:creationId xmlns:a16="http://schemas.microsoft.com/office/drawing/2014/main" id="{149959EF-465C-4A3D-AA34-BE750A1217A8}"/>
+              </a:ext>
+            </a:extLst>
+          </p:cNvPr>
+          <p:cNvCxnSpPr>
+            <a:cxnSpLocks/>
+            <a:stCxn id="24" idx="2"/>
+            <a:endCxn id="20" idx="0"/>
+          </p:cNvCxnSpPr>
+          <p:nvPr/>
+        </p:nvCxnSpPr>
+        <p:spPr>
+          <a:xfrm>
+            <a:off x="2218142" y="3039802"/>
+            <a:ext cx="5426973" cy="396044"/>
+          </a:xfrm>
+          <a:prstGeom prst="line">
+            <a:avLst/>
+          </a:prstGeom>
+          <a:ln w="28575">
+            <a:solidFill>
+              <a:schemeClr val="tx1"/>
+            </a:solidFill>
+          </a:ln>
+        </p:spPr>
+        <p:style>
+          <a:lnRef idx="1">
+            <a:schemeClr val="accent1"/>
+          </a:lnRef>
+          <a:fillRef idx="0">
+            <a:schemeClr val="accent1"/>
+          </a:fillRef>
+          <a:effectRef idx="0">
+            <a:schemeClr val="accent1"/>
+          </a:effectRef>
+          <a:fontRef idx="minor">
+            <a:schemeClr val="tx1"/>
+          </a:fontRef>
+        </p:style>
+      </p:cxnSp>
+      <p:cxnSp>
+        <p:nvCxnSpPr>
+          <p:cNvPr id="57" name="직선 연결선 56">
+            <a:extLst>
+              <a:ext uri="{FF2B5EF4-FFF2-40B4-BE49-F238E27FC236}">
+                <a16:creationId xmlns:a16="http://schemas.microsoft.com/office/drawing/2014/main" id="{FB84C5C8-CE0D-4A5D-AF70-ED0B71A99464}"/>
+              </a:ext>
+            </a:extLst>
+          </p:cNvPr>
+          <p:cNvCxnSpPr>
+            <a:cxnSpLocks/>
+            <a:stCxn id="31" idx="2"/>
+            <a:endCxn id="20" idx="0"/>
+          </p:cNvCxnSpPr>
+          <p:nvPr/>
+        </p:nvCxnSpPr>
+        <p:spPr>
+          <a:xfrm>
+            <a:off x="5291258" y="3039802"/>
+            <a:ext cx="2353857" cy="396044"/>
+          </a:xfrm>
+          <a:prstGeom prst="line">
+            <a:avLst/>
+          </a:prstGeom>
+          <a:ln w="28575">
+            <a:solidFill>
+              <a:schemeClr val="tx1"/>
+            </a:solidFill>
+          </a:ln>
+        </p:spPr>
+        <p:style>
+          <a:lnRef idx="1">
+            <a:schemeClr val="accent1"/>
+          </a:lnRef>
+          <a:fillRef idx="0">
+            <a:schemeClr val="accent1"/>
+          </a:fillRef>
+          <a:effectRef idx="0">
+            <a:schemeClr val="accent1"/>
+          </a:effectRef>
+          <a:fontRef idx="minor">
+            <a:schemeClr val="tx1"/>
+          </a:fontRef>
+        </p:style>
+      </p:cxnSp>
+      <p:cxnSp>
+        <p:nvCxnSpPr>
+          <p:cNvPr id="59" name="직선 연결선 58">
+            <a:extLst>
+              <a:ext uri="{FF2B5EF4-FFF2-40B4-BE49-F238E27FC236}">
+                <a16:creationId xmlns:a16="http://schemas.microsoft.com/office/drawing/2014/main" id="{ECE875A0-34CB-48AA-9E79-A1F9FE7DCD3B}"/>
+              </a:ext>
+            </a:extLst>
+          </p:cNvPr>
+          <p:cNvCxnSpPr>
+            <a:cxnSpLocks/>
+            <a:stCxn id="35" idx="2"/>
+            <a:endCxn id="20" idx="0"/>
+          </p:cNvCxnSpPr>
+          <p:nvPr/>
+        </p:nvCxnSpPr>
+        <p:spPr>
+          <a:xfrm flipH="1">
+            <a:off x="7645115" y="3039802"/>
+            <a:ext cx="719258" cy="396044"/>
+          </a:xfrm>
+          <a:prstGeom prst="line">
+            <a:avLst/>
+          </a:prstGeom>
+          <a:ln w="28575">
+            <a:solidFill>
+              <a:schemeClr val="tx1"/>
+            </a:solidFill>
+          </a:ln>
+        </p:spPr>
+        <p:style>
+          <a:lnRef idx="1">
+            <a:schemeClr val="accent1"/>
+          </a:lnRef>
+          <a:fillRef idx="0">
+            <a:schemeClr val="accent1"/>
+          </a:fillRef>
+          <a:effectRef idx="0">
+            <a:schemeClr val="accent1"/>
+          </a:effectRef>
+          <a:fontRef idx="minor">
+            <a:schemeClr val="tx1"/>
+          </a:fontRef>
+        </p:style>
+      </p:cxnSp>
+      <p:sp>
+        <p:nvSpPr>
+          <p:cNvPr id="40" name="모서리가 둥근 직사각형 18">
+            <a:extLst>
+              <a:ext uri="{FF2B5EF4-FFF2-40B4-BE49-F238E27FC236}">
+                <a16:creationId xmlns:a16="http://schemas.microsoft.com/office/drawing/2014/main" id="{A4C7A769-F8F5-41EA-AA53-E7FA68E5D857}"/>
+              </a:ext>
+            </a:extLst>
+          </p:cNvPr>
+          <p:cNvSpPr/>
+          <p:nvPr/>
+        </p:nvSpPr>
+        <p:spPr>
+          <a:xfrm>
+            <a:off x="6254897" y="1959681"/>
+            <a:ext cx="1350348" cy="504056"/>
+          </a:xfrm>
+          <a:prstGeom prst="roundRect">
+            <a:avLst>
+              <a:gd name="adj" fmla="val 11578"/>
+            </a:avLst>
+          </a:prstGeom>
+          <a:noFill/>
+        </p:spPr>
+        <p:style>
+          <a:lnRef idx="2">
+            <a:schemeClr val="dk1"/>
+          </a:lnRef>
+          <a:fillRef idx="1">
+            <a:schemeClr val="lt1"/>
+          </a:fillRef>
+          <a:effectRef idx="0">
+            <a:schemeClr val="dk1"/>
+          </a:effectRef>
+          <a:fontRef idx="minor">
+            <a:schemeClr val="dk1"/>
+          </a:fontRef>
+        </p:style>
+        <p:txBody>
+          <a:bodyPr rtlCol="0" anchor="t"/>
+          <a:lstStyle/>
+          <a:p>
+            <a:pPr algn="ctr"/>
+            <a:r>
+              <a:rPr lang="en-US" altLang="ko-KR" sz="1200"/>
+              <a:t>/dev/mmcblk0</a:t>
+            </a:r>
+          </a:p>
+          <a:p>
+            <a:pPr algn="ctr"/>
+            <a:r>
+              <a:rPr lang="en-US" altLang="ko-KR" sz="1200"/>
+              <a:t>rootfs</a:t>
+            </a:r>
+          </a:p>
+          <a:p>
+            <a:pPr algn="ctr"/>
+            <a:endParaRPr lang="ko-KR" altLang="en-US" sz="1100" dirty="0"/>
+          </a:p>
+        </p:txBody>
+      </p:sp>
+      <p:sp>
+        <p:nvSpPr>
+          <p:cNvPr id="41" name="모서리가 둥근 직사각형 23">
+            <a:extLst>
+              <a:ext uri="{FF2B5EF4-FFF2-40B4-BE49-F238E27FC236}">
+                <a16:creationId xmlns:a16="http://schemas.microsoft.com/office/drawing/2014/main" id="{0554A4A6-08A0-46EB-A2DF-10EBAF0C01DF}"/>
+              </a:ext>
+            </a:extLst>
+          </p:cNvPr>
+          <p:cNvSpPr/>
+          <p:nvPr/>
+        </p:nvSpPr>
+        <p:spPr>
+          <a:xfrm>
+            <a:off x="7693412" y="1959681"/>
+            <a:ext cx="1341922" cy="504056"/>
+          </a:xfrm>
+          <a:prstGeom prst="roundRect">
+            <a:avLst>
+              <a:gd name="adj" fmla="val 11578"/>
+            </a:avLst>
+          </a:prstGeom>
+          <a:noFill/>
+        </p:spPr>
+        <p:style>
+          <a:lnRef idx="2">
+            <a:schemeClr val="dk1"/>
+          </a:lnRef>
+          <a:fillRef idx="1">
+            <a:schemeClr val="lt1"/>
+          </a:fillRef>
+          <a:effectRef idx="0">
+            <a:schemeClr val="dk1"/>
+          </a:effectRef>
+          <a:fontRef idx="minor">
+            <a:schemeClr val="dk1"/>
+          </a:fontRef>
+        </p:style>
+        <p:txBody>
+          <a:bodyPr rtlCol="0" anchor="t"/>
+          <a:lstStyle/>
+          <a:p>
+            <a:pPr algn="ctr"/>
+            <a:r>
+              <a:rPr lang="en-US" altLang="ko-KR" sz="1200"/>
+              <a:t>/dev/nvme0n1</a:t>
+            </a:r>
+          </a:p>
+          <a:p>
+            <a:pPr algn="ctr"/>
+            <a:r>
+              <a:rPr lang="en-US" altLang="ko-KR" sz="1200" b="1"/>
+              <a:t>Ceph Storage</a:t>
+            </a:r>
+          </a:p>
+          <a:p>
+            <a:pPr algn="ctr"/>
+            <a:endParaRPr lang="ko-KR" altLang="en-US" sz="1100" dirty="0"/>
+          </a:p>
+        </p:txBody>
+      </p:sp>
+      <p:sp>
+        <p:nvSpPr>
+          <p:cNvPr id="42" name="모서리가 둥근 직사각형 18">
+            <a:extLst>
+              <a:ext uri="{FF2B5EF4-FFF2-40B4-BE49-F238E27FC236}">
+                <a16:creationId xmlns:a16="http://schemas.microsoft.com/office/drawing/2014/main" id="{C250A369-E0E6-4B01-92E5-0D3662E0D8E2}"/>
+              </a:ext>
+            </a:extLst>
+          </p:cNvPr>
+          <p:cNvSpPr/>
+          <p:nvPr/>
+        </p:nvSpPr>
+        <p:spPr>
+          <a:xfrm>
+            <a:off x="3181781" y="1959681"/>
+            <a:ext cx="1350348" cy="504056"/>
+          </a:xfrm>
+          <a:prstGeom prst="roundRect">
+            <a:avLst>
+              <a:gd name="adj" fmla="val 11578"/>
+            </a:avLst>
+          </a:prstGeom>
+          <a:noFill/>
+        </p:spPr>
+        <p:style>
+          <a:lnRef idx="2">
+            <a:schemeClr val="dk1"/>
+          </a:lnRef>
+          <a:fillRef idx="1">
+            <a:schemeClr val="lt1"/>
+          </a:fillRef>
+          <a:effectRef idx="0">
+            <a:schemeClr val="dk1"/>
+          </a:effectRef>
+          <a:fontRef idx="minor">
+            <a:schemeClr val="dk1"/>
+          </a:fontRef>
+        </p:style>
+        <p:txBody>
+          <a:bodyPr rtlCol="0" anchor="t"/>
+          <a:lstStyle/>
+          <a:p>
+            <a:pPr algn="ctr"/>
+            <a:r>
+              <a:rPr lang="en-US" altLang="ko-KR" sz="1200"/>
+              <a:t>/dev/mmcblk0</a:t>
+            </a:r>
+          </a:p>
+          <a:p>
+            <a:pPr algn="ctr"/>
+            <a:r>
+              <a:rPr lang="en-US" altLang="ko-KR" sz="1200"/>
+              <a:t>rootfs</a:t>
+            </a:r>
+          </a:p>
+          <a:p>
+            <a:pPr algn="ctr"/>
+            <a:endParaRPr lang="ko-KR" altLang="en-US" sz="1100" dirty="0"/>
+          </a:p>
+        </p:txBody>
+      </p:sp>
+      <p:sp>
+        <p:nvSpPr>
+          <p:cNvPr id="45" name="모서리가 둥근 직사각형 23">
+            <a:extLst>
+              <a:ext uri="{FF2B5EF4-FFF2-40B4-BE49-F238E27FC236}">
+                <a16:creationId xmlns:a16="http://schemas.microsoft.com/office/drawing/2014/main" id="{366E2794-AB86-4D32-B8BD-F79CFCCF70F6}"/>
+              </a:ext>
+            </a:extLst>
+          </p:cNvPr>
+          <p:cNvSpPr/>
+          <p:nvPr/>
+        </p:nvSpPr>
+        <p:spPr>
+          <a:xfrm>
+            <a:off x="4620297" y="1959681"/>
+            <a:ext cx="1341922" cy="504056"/>
+          </a:xfrm>
+          <a:prstGeom prst="roundRect">
+            <a:avLst>
+              <a:gd name="adj" fmla="val 11578"/>
+            </a:avLst>
+          </a:prstGeom>
+          <a:noFill/>
+        </p:spPr>
+        <p:style>
+          <a:lnRef idx="2">
+            <a:schemeClr val="dk1"/>
+          </a:lnRef>
+          <a:fillRef idx="1">
+            <a:schemeClr val="lt1"/>
+          </a:fillRef>
+          <a:effectRef idx="0">
+            <a:schemeClr val="dk1"/>
+          </a:effectRef>
+          <a:fontRef idx="minor">
+            <a:schemeClr val="dk1"/>
+          </a:fontRef>
+        </p:style>
+        <p:txBody>
+          <a:bodyPr rtlCol="0" anchor="t"/>
+          <a:lstStyle/>
+          <a:p>
+            <a:pPr algn="ctr"/>
+            <a:r>
+              <a:rPr lang="en-US" altLang="ko-KR" sz="1200"/>
+              <a:t>/dev/nvme0n1</a:t>
+            </a:r>
+          </a:p>
+          <a:p>
+            <a:pPr algn="ctr"/>
+            <a:r>
+              <a:rPr lang="en-US" altLang="ko-KR" sz="1200" b="1"/>
+              <a:t>Ceph Storage</a:t>
+            </a:r>
+          </a:p>
+          <a:p>
+            <a:pPr algn="ctr"/>
+            <a:endParaRPr lang="ko-KR" altLang="en-US" sz="1100" dirty="0"/>
+          </a:p>
+        </p:txBody>
+      </p:sp>
+      <p:sp>
+        <p:nvSpPr>
+          <p:cNvPr id="46" name="모서리가 둥근 직사각형 18">
+            <a:extLst>
+              <a:ext uri="{FF2B5EF4-FFF2-40B4-BE49-F238E27FC236}">
+                <a16:creationId xmlns:a16="http://schemas.microsoft.com/office/drawing/2014/main" id="{BF18FE6C-5AF5-4459-ACB3-BFF0A64AEFA8}"/>
+              </a:ext>
+            </a:extLst>
+          </p:cNvPr>
+          <p:cNvSpPr/>
+          <p:nvPr/>
+        </p:nvSpPr>
+        <p:spPr>
+          <a:xfrm>
+            <a:off x="108665" y="1959681"/>
+            <a:ext cx="1350348" cy="504056"/>
+          </a:xfrm>
+          <a:prstGeom prst="roundRect">
+            <a:avLst>
+              <a:gd name="adj" fmla="val 11578"/>
+            </a:avLst>
+          </a:prstGeom>
+          <a:noFill/>
+        </p:spPr>
+        <p:style>
+          <a:lnRef idx="2">
+            <a:schemeClr val="dk1"/>
+          </a:lnRef>
+          <a:fillRef idx="1">
+            <a:schemeClr val="lt1"/>
+          </a:fillRef>
+          <a:effectRef idx="0">
+            <a:schemeClr val="dk1"/>
+          </a:effectRef>
+          <a:fontRef idx="minor">
+            <a:schemeClr val="dk1"/>
+          </a:fontRef>
+        </p:style>
+        <p:txBody>
+          <a:bodyPr rtlCol="0" anchor="t"/>
+          <a:lstStyle/>
+          <a:p>
+            <a:pPr algn="ctr"/>
+            <a:r>
+              <a:rPr lang="en-US" altLang="ko-KR" sz="1200"/>
+              <a:t>/dev/mmcblk0</a:t>
+            </a:r>
+          </a:p>
+          <a:p>
+            <a:pPr algn="ctr"/>
+            <a:r>
+              <a:rPr lang="en-US" altLang="ko-KR" sz="1200"/>
+              <a:t>rootfs</a:t>
+            </a:r>
+          </a:p>
+          <a:p>
+            <a:pPr algn="ctr"/>
+            <a:endParaRPr lang="ko-KR" altLang="en-US" sz="1100" dirty="0"/>
+          </a:p>
+        </p:txBody>
+      </p:sp>
+      <p:sp>
+        <p:nvSpPr>
+          <p:cNvPr id="49" name="모서리가 둥근 직사각형 23">
+            <a:extLst>
+              <a:ext uri="{FF2B5EF4-FFF2-40B4-BE49-F238E27FC236}">
+                <a16:creationId xmlns:a16="http://schemas.microsoft.com/office/drawing/2014/main" id="{762D90EE-E713-4118-B404-274184F0C85B}"/>
+              </a:ext>
+            </a:extLst>
+          </p:cNvPr>
+          <p:cNvSpPr/>
+          <p:nvPr/>
+        </p:nvSpPr>
+        <p:spPr>
+          <a:xfrm>
+            <a:off x="1547181" y="1959681"/>
+            <a:ext cx="1341922" cy="504056"/>
+          </a:xfrm>
+          <a:prstGeom prst="roundRect">
+            <a:avLst>
+              <a:gd name="adj" fmla="val 11578"/>
+            </a:avLst>
+          </a:prstGeom>
+          <a:noFill/>
+        </p:spPr>
+        <p:style>
+          <a:lnRef idx="2">
+            <a:schemeClr val="dk1"/>
+          </a:lnRef>
+          <a:fillRef idx="1">
+            <a:schemeClr val="lt1"/>
+          </a:fillRef>
+          <a:effectRef idx="0">
+            <a:schemeClr val="dk1"/>
+          </a:effectRef>
+          <a:fontRef idx="minor">
+            <a:schemeClr val="dk1"/>
+          </a:fontRef>
+        </p:style>
+        <p:txBody>
+          <a:bodyPr rtlCol="0" anchor="t"/>
+          <a:lstStyle/>
+          <a:p>
+            <a:pPr algn="ctr"/>
+            <a:r>
+              <a:rPr lang="en-US" altLang="ko-KR" sz="1200"/>
+              <a:t>/dev/nvme0n1</a:t>
+            </a:r>
+          </a:p>
+          <a:p>
+            <a:pPr algn="ctr"/>
+            <a:r>
+              <a:rPr lang="en-US" altLang="ko-KR" sz="1200" b="1"/>
+              <a:t>Ceph Storage</a:t>
+            </a:r>
+            <a:endParaRPr lang="en-US" altLang="ko-KR" sz="1200" b="1" dirty="0"/>
+          </a:p>
+          <a:p>
+            <a:pPr algn="ctr"/>
+            <a:endParaRPr lang="ko-KR" altLang="en-US" sz="1100" dirty="0"/>
+          </a:p>
+        </p:txBody>
+      </p:sp>
+      <p:sp>
+        <p:nvSpPr>
+          <p:cNvPr id="20" name="모서리가 둥근 직사각형 47">
+            <a:extLst>
+              <a:ext uri="{FF2B5EF4-FFF2-40B4-BE49-F238E27FC236}">
+                <a16:creationId xmlns:a16="http://schemas.microsoft.com/office/drawing/2014/main" id="{F24F30A6-89D1-42DA-A7E7-17E24B79E746}"/>
+              </a:ext>
+            </a:extLst>
+          </p:cNvPr>
+          <p:cNvSpPr/>
+          <p:nvPr/>
+        </p:nvSpPr>
+        <p:spPr>
+          <a:xfrm>
+            <a:off x="6804249" y="3435846"/>
+            <a:ext cx="1681732" cy="720080"/>
+          </a:xfrm>
+          <a:prstGeom prst="roundRect">
+            <a:avLst>
+              <a:gd name="adj" fmla="val 11578"/>
+            </a:avLst>
+          </a:prstGeom>
+          <a:noFill/>
+        </p:spPr>
+        <p:style>
+          <a:lnRef idx="2">
+            <a:schemeClr val="dk1"/>
+          </a:lnRef>
+          <a:fillRef idx="1">
+            <a:schemeClr val="lt1"/>
+          </a:fillRef>
+          <a:effectRef idx="0">
+            <a:schemeClr val="dk1"/>
+          </a:effectRef>
+          <a:fontRef idx="minor">
+            <a:schemeClr val="dk1"/>
+          </a:fontRef>
+        </p:style>
+        <p:txBody>
+          <a:bodyPr rtlCol="0" anchor="ctr"/>
+          <a:lstStyle/>
+          <a:p>
+            <a:pPr algn="ctr"/>
+            <a:r>
+              <a:rPr lang="en-US" altLang="ko-KR" sz="1200"/>
+              <a:t>Inner NAT Network</a:t>
+            </a:r>
+          </a:p>
+          <a:p>
+            <a:pPr algn="ctr"/>
+            <a:r>
+              <a:rPr lang="en-US" altLang="ko-KR" sz="1200"/>
+              <a:t>10.0.0.0/24</a:t>
+            </a:r>
+          </a:p>
+          <a:p>
+            <a:pPr algn="ctr"/>
+            <a:r>
+              <a:rPr lang="en-US" altLang="ko-KR" sz="1200" b="1"/>
+              <a:t>Ceph Network</a:t>
+            </a:r>
+          </a:p>
+        </p:txBody>
+      </p:sp>
+      <p:cxnSp>
+        <p:nvCxnSpPr>
+          <p:cNvPr id="28" name="직선 연결선 27">
+            <a:extLst>
+              <a:ext uri="{FF2B5EF4-FFF2-40B4-BE49-F238E27FC236}">
+                <a16:creationId xmlns:a16="http://schemas.microsoft.com/office/drawing/2014/main" id="{8FAEC469-9442-46E7-8BF7-8A019B7752A1}"/>
+              </a:ext>
+            </a:extLst>
+          </p:cNvPr>
+          <p:cNvCxnSpPr>
+            <a:cxnSpLocks/>
+            <a:stCxn id="47" idx="3"/>
+            <a:endCxn id="20" idx="1"/>
+          </p:cNvCxnSpPr>
+          <p:nvPr/>
+        </p:nvCxnSpPr>
+        <p:spPr>
+          <a:xfrm flipV="1">
+            <a:off x="5962219" y="3795886"/>
+            <a:ext cx="842030" cy="256070"/>
+          </a:xfrm>
+          <a:prstGeom prst="line">
+            <a:avLst/>
+          </a:prstGeom>
+          <a:ln w="28575">
+            <a:solidFill>
+              <a:schemeClr val="tx1"/>
+            </a:solidFill>
+          </a:ln>
+        </p:spPr>
+        <p:style>
+          <a:lnRef idx="1">
+            <a:schemeClr val="accent1"/>
+          </a:lnRef>
+          <a:fillRef idx="0">
+            <a:schemeClr val="accent1"/>
+          </a:fillRef>
+          <a:effectRef idx="0">
+            <a:schemeClr val="accent1"/>
+          </a:effectRef>
+          <a:fontRef idx="minor">
+            <a:schemeClr val="tx1"/>
+          </a:fontRef>
+        </p:style>
+      </p:cxnSp>
+      <p:sp>
+        <p:nvSpPr>
+          <p:cNvPr id="43" name="모서리가 둥근 직사각형 13">
+            <a:extLst>
+              <a:ext uri="{FF2B5EF4-FFF2-40B4-BE49-F238E27FC236}">
+                <a16:creationId xmlns:a16="http://schemas.microsoft.com/office/drawing/2014/main" id="{8ED0D173-FAA1-4C3A-8A2E-C0AF27EE759C}"/>
+              </a:ext>
+            </a:extLst>
+          </p:cNvPr>
+          <p:cNvSpPr/>
+          <p:nvPr/>
+        </p:nvSpPr>
+        <p:spPr>
+          <a:xfrm>
+            <a:off x="3108612" y="3429002"/>
+            <a:ext cx="2926777" cy="958700"/>
+          </a:xfrm>
+          <a:prstGeom prst="roundRect">
+            <a:avLst>
+              <a:gd name="adj" fmla="val 6281"/>
+            </a:avLst>
+          </a:prstGeom>
+          <a:noFill/>
+        </p:spPr>
+        <p:style>
+          <a:lnRef idx="2">
+            <a:schemeClr val="dk1"/>
+          </a:lnRef>
+          <a:fillRef idx="1">
+            <a:schemeClr val="lt1"/>
+          </a:fillRef>
+          <a:effectRef idx="0">
+            <a:schemeClr val="dk1"/>
+          </a:effectRef>
+          <a:fontRef idx="minor">
+            <a:schemeClr val="dk1"/>
+          </a:fontRef>
+        </p:style>
+        <p:txBody>
+          <a:bodyPr rtlCol="0" anchor="t"/>
+          <a:lstStyle/>
+          <a:p>
+            <a:pPr algn="ctr"/>
+            <a:r>
+              <a:rPr lang="en-US" altLang="ko-KR" sz="1600" b="1"/>
+              <a:t>Node 09 : Deploy</a:t>
+            </a:r>
+          </a:p>
+          <a:p>
+            <a:pPr algn="ctr"/>
+            <a:endParaRPr lang="ko-KR" altLang="en-US" sz="1600" dirty="0"/>
+          </a:p>
+        </p:txBody>
+      </p:sp>
+      <p:sp>
+        <p:nvSpPr>
+          <p:cNvPr id="47" name="모서리가 둥근 직사각형 23">
+            <a:extLst>
+              <a:ext uri="{FF2B5EF4-FFF2-40B4-BE49-F238E27FC236}">
+                <a16:creationId xmlns:a16="http://schemas.microsoft.com/office/drawing/2014/main" id="{53D967F2-BE56-4C56-84AC-C674528BFEAE}"/>
+              </a:ext>
+            </a:extLst>
+          </p:cNvPr>
+          <p:cNvSpPr/>
+          <p:nvPr/>
+        </p:nvSpPr>
+        <p:spPr>
+          <a:xfrm>
+            <a:off x="4620297" y="3799928"/>
+            <a:ext cx="1341922" cy="504056"/>
+          </a:xfrm>
+          <a:prstGeom prst="roundRect">
+            <a:avLst>
+              <a:gd name="adj" fmla="val 11578"/>
+            </a:avLst>
+          </a:prstGeom>
+          <a:noFill/>
+        </p:spPr>
+        <p:style>
+          <a:lnRef idx="2">
+            <a:schemeClr val="dk1"/>
+          </a:lnRef>
+          <a:fillRef idx="1">
+            <a:schemeClr val="lt1"/>
+          </a:fillRef>
+          <a:effectRef idx="0">
+            <a:schemeClr val="dk1"/>
+          </a:effectRef>
+          <a:fontRef idx="minor">
+            <a:schemeClr val="dk1"/>
+          </a:fontRef>
+        </p:style>
+        <p:txBody>
+          <a:bodyPr rtlCol="0" anchor="t"/>
+          <a:lstStyle/>
+          <a:p>
+            <a:pPr algn="ctr"/>
+            <a:r>
+              <a:rPr lang="en-US" altLang="ko-KR" sz="1200"/>
+              <a:t>eth1</a:t>
+            </a:r>
+          </a:p>
+          <a:p>
+            <a:pPr algn="ctr"/>
+            <a:r>
+              <a:rPr lang="en-US" altLang="ko-KR" sz="1200"/>
+              <a:t>10.0.0.19</a:t>
+            </a:r>
+            <a:endParaRPr lang="en-US" altLang="ko-KR" sz="1200" dirty="0"/>
+          </a:p>
+          <a:p>
+            <a:pPr algn="ctr"/>
+            <a:endParaRPr lang="ko-KR" altLang="en-US" sz="1100" dirty="0"/>
+          </a:p>
+        </p:txBody>
+      </p:sp>
+    </p:spTree>
+    <p:extLst>
+      <p:ext uri="{BB962C8B-B14F-4D97-AF65-F5344CB8AC3E}">
+        <p14:creationId xmlns:p14="http://schemas.microsoft.com/office/powerpoint/2010/main" val="2715293545"/>
+      </p:ext>
+    </p:extLst>
+  </p:cSld>
+  <p:clrMapOvr>
+    <a:masterClrMapping/>
+  </p:clrMapOvr>
+</p:sld>
+</file>
+
+<file path=ppt/slides/slide7.xml><?xml version="1.0" encoding="utf-8"?>
+<p:sld xmlns:a="http://schemas.openxmlformats.org/drawingml/2006/main" xmlns:r="http://schemas.openxmlformats.org/officeDocument/2006/relationships" xmlns:p="http://schemas.openxmlformats.org/presentationml/2006/main">
+  <p:cSld>
+    <p:spTree>
+      <p:nvGrpSpPr>
+        <p:cNvPr id="1" name=""/>
+        <p:cNvGrpSpPr/>
+        <p:nvPr/>
+      </p:nvGrpSpPr>
+      <p:grpSpPr>
+        <a:xfrm>
+          <a:off x="0" y="0"/>
+          <a:ext cx="0" cy="0"/>
+          <a:chOff x="0" y="0"/>
+          <a:chExt cx="0" cy="0"/>
+        </a:xfrm>
+      </p:grpSpPr>
+      <p:sp>
+        <p:nvSpPr>
+          <p:cNvPr id="6" name="제목 1"/>
+          <p:cNvSpPr>
+            <a:spLocks noGrp="1"/>
+          </p:cNvSpPr>
+          <p:nvPr>
+            <p:ph type="title"/>
+          </p:nvPr>
+        </p:nvSpPr>
+        <p:spPr>
+          <a:xfrm>
+            <a:off x="457200" y="-20538"/>
+            <a:ext cx="8229600" cy="857250"/>
+          </a:xfrm>
+        </p:spPr>
+        <p:txBody>
+          <a:bodyPr>
+            <a:normAutofit/>
+          </a:bodyPr>
+          <a:lstStyle/>
+          <a:p>
+            <a:r>
+              <a:rPr lang="en-US" altLang="ko-KR"/>
+              <a:t>OpenStack</a:t>
+            </a:r>
+            <a:endParaRPr lang="ko-KR" altLang="en-US" dirty="0"/>
+          </a:p>
+        </p:txBody>
+      </p:sp>
+      <p:sp>
+        <p:nvSpPr>
+          <p:cNvPr id="14" name="모서리가 둥근 직사각형 13"/>
+          <p:cNvSpPr/>
+          <p:nvPr/>
+        </p:nvSpPr>
+        <p:spPr>
+          <a:xfrm>
+            <a:off x="35496" y="1563638"/>
+            <a:ext cx="2926777" cy="1548171"/>
+          </a:xfrm>
+          <a:prstGeom prst="roundRect">
+            <a:avLst>
+              <a:gd name="adj" fmla="val 6281"/>
+            </a:avLst>
+          </a:prstGeom>
+          <a:noFill/>
+        </p:spPr>
+        <p:style>
+          <a:lnRef idx="2">
+            <a:schemeClr val="dk1"/>
+          </a:lnRef>
+          <a:fillRef idx="1">
+            <a:schemeClr val="lt1"/>
+          </a:fillRef>
+          <a:effectRef idx="0">
+            <a:schemeClr val="dk1"/>
+          </a:effectRef>
+          <a:fontRef idx="minor">
+            <a:schemeClr val="dk1"/>
+          </a:fontRef>
+        </p:style>
+        <p:txBody>
+          <a:bodyPr rtlCol="0" anchor="t"/>
+          <a:lstStyle/>
+          <a:p>
+            <a:pPr algn="ctr"/>
+            <a:r>
+              <a:rPr lang="en-US" altLang="ko-KR" sz="1600" b="1"/>
+              <a:t>Node 01 : Controller, 	Network</a:t>
+            </a:r>
+          </a:p>
+        </p:txBody>
+      </p:sp>
+      <p:sp>
+        <p:nvSpPr>
+          <p:cNvPr id="19" name="모서리가 둥근 직사각형 18"/>
+          <p:cNvSpPr/>
+          <p:nvPr/>
+        </p:nvSpPr>
+        <p:spPr>
+          <a:xfrm>
+            <a:off x="108665" y="2535746"/>
+            <a:ext cx="1350348" cy="504056"/>
+          </a:xfrm>
+          <a:prstGeom prst="roundRect">
+            <a:avLst>
+              <a:gd name="adj" fmla="val 11578"/>
+            </a:avLst>
+          </a:prstGeom>
+          <a:noFill/>
+        </p:spPr>
+        <p:style>
+          <a:lnRef idx="2">
+            <a:schemeClr val="dk1"/>
+          </a:lnRef>
+          <a:fillRef idx="1">
+            <a:schemeClr val="lt1"/>
+          </a:fillRef>
+          <a:effectRef idx="0">
+            <a:schemeClr val="dk1"/>
+          </a:effectRef>
+          <a:fontRef idx="minor">
+            <a:schemeClr val="dk1"/>
+          </a:fontRef>
+        </p:style>
+        <p:txBody>
+          <a:bodyPr rtlCol="0" anchor="ctr"/>
+          <a:lstStyle/>
+          <a:p>
+            <a:pPr algn="ctr"/>
+            <a:r>
+              <a:rPr lang="en-US" altLang="ko-KR" sz="1200"/>
+              <a:t>enp0s2</a:t>
+            </a:r>
+            <a:endParaRPr lang="en-US" altLang="ko-KR" sz="1200" dirty="0"/>
+          </a:p>
+        </p:txBody>
+      </p:sp>
+      <p:sp>
+        <p:nvSpPr>
+          <p:cNvPr id="24" name="모서리가 둥근 직사각형 23"/>
+          <p:cNvSpPr/>
+          <p:nvPr/>
+        </p:nvSpPr>
+        <p:spPr>
+          <a:xfrm>
+            <a:off x="1547181" y="2535746"/>
+            <a:ext cx="1341922" cy="504056"/>
+          </a:xfrm>
+          <a:prstGeom prst="roundRect">
+            <a:avLst>
+              <a:gd name="adj" fmla="val 11578"/>
+            </a:avLst>
+          </a:prstGeom>
+          <a:noFill/>
+        </p:spPr>
+        <p:style>
+          <a:lnRef idx="2">
+            <a:schemeClr val="dk1"/>
+          </a:lnRef>
+          <a:fillRef idx="1">
+            <a:schemeClr val="lt1"/>
+          </a:fillRef>
+          <a:effectRef idx="0">
+            <a:schemeClr val="dk1"/>
+          </a:effectRef>
+          <a:fontRef idx="minor">
+            <a:schemeClr val="dk1"/>
+          </a:fontRef>
+        </p:style>
+        <p:txBody>
+          <a:bodyPr rtlCol="0" anchor="t"/>
+          <a:lstStyle/>
+          <a:p>
+            <a:pPr algn="ctr"/>
+            <a:r>
+              <a:rPr lang="en-US" altLang="ko-KR" sz="1200"/>
+              <a:t>enp0s3</a:t>
+            </a:r>
+            <a:endParaRPr lang="en-US" altLang="ko-KR" sz="1200" dirty="0"/>
+          </a:p>
+          <a:p>
+            <a:pPr algn="ctr"/>
+            <a:r>
+              <a:rPr lang="en-US" altLang="ko-KR" sz="1200"/>
+              <a:t>10.0.0.10</a:t>
+            </a:r>
+            <a:endParaRPr lang="en-US" altLang="ko-KR" sz="1200" dirty="0"/>
+          </a:p>
+          <a:p>
+            <a:pPr algn="ctr"/>
+            <a:endParaRPr lang="ko-KR" altLang="en-US" sz="1100" dirty="0"/>
+          </a:p>
+        </p:txBody>
+      </p:sp>
+      <p:sp>
+        <p:nvSpPr>
+          <p:cNvPr id="29" name="모서리가 둥근 직사각형 13">
+            <a:extLst>
+              <a:ext uri="{FF2B5EF4-FFF2-40B4-BE49-F238E27FC236}">
+                <a16:creationId xmlns:a16="http://schemas.microsoft.com/office/drawing/2014/main" id="{CFF9E658-23F6-45A0-B280-5F33ABC9AAF8}"/>
+              </a:ext>
+            </a:extLst>
+          </p:cNvPr>
+          <p:cNvSpPr/>
+          <p:nvPr/>
+        </p:nvSpPr>
+        <p:spPr>
+          <a:xfrm>
+            <a:off x="3108612" y="1563638"/>
+            <a:ext cx="2926777" cy="1548171"/>
+          </a:xfrm>
+          <a:prstGeom prst="roundRect">
+            <a:avLst>
+              <a:gd name="adj" fmla="val 6281"/>
+            </a:avLst>
+          </a:prstGeom>
+          <a:noFill/>
+        </p:spPr>
+        <p:style>
+          <a:lnRef idx="2">
+            <a:schemeClr val="dk1"/>
+          </a:lnRef>
+          <a:fillRef idx="1">
+            <a:schemeClr val="lt1"/>
+          </a:fillRef>
+          <a:effectRef idx="0">
+            <a:schemeClr val="dk1"/>
+          </a:effectRef>
+          <a:fontRef idx="minor">
+            <a:schemeClr val="dk1"/>
+          </a:fontRef>
+        </p:style>
+        <p:txBody>
+          <a:bodyPr rtlCol="0" anchor="t"/>
+          <a:lstStyle/>
+          <a:p>
+            <a:pPr algn="ctr"/>
+            <a:r>
+              <a:rPr lang="en-US" altLang="ko-KR" sz="1600" b="1"/>
+              <a:t>Node 02 : Compute</a:t>
+            </a:r>
+          </a:p>
+          <a:p>
+            <a:pPr algn="ctr"/>
+            <a:endParaRPr lang="ko-KR" altLang="en-US" sz="1600" dirty="0"/>
+          </a:p>
+        </p:txBody>
+      </p:sp>
+      <p:sp>
+        <p:nvSpPr>
+          <p:cNvPr id="30" name="모서리가 둥근 직사각형 18">
+            <a:extLst>
+              <a:ext uri="{FF2B5EF4-FFF2-40B4-BE49-F238E27FC236}">
+                <a16:creationId xmlns:a16="http://schemas.microsoft.com/office/drawing/2014/main" id="{179755E0-978F-410D-B265-06B3F3BB3500}"/>
+              </a:ext>
+            </a:extLst>
+          </p:cNvPr>
+          <p:cNvSpPr/>
+          <p:nvPr/>
+        </p:nvSpPr>
+        <p:spPr>
+          <a:xfrm>
+            <a:off x="3181781" y="2535746"/>
+            <a:ext cx="1350348" cy="504056"/>
+          </a:xfrm>
+          <a:prstGeom prst="roundRect">
+            <a:avLst>
+              <a:gd name="adj" fmla="val 11578"/>
+            </a:avLst>
+          </a:prstGeom>
+          <a:noFill/>
+        </p:spPr>
+        <p:style>
+          <a:lnRef idx="2">
+            <a:schemeClr val="dk1"/>
+          </a:lnRef>
+          <a:fillRef idx="1">
+            <a:schemeClr val="lt1"/>
+          </a:fillRef>
+          <a:effectRef idx="0">
+            <a:schemeClr val="dk1"/>
+          </a:effectRef>
+          <a:fontRef idx="minor">
+            <a:schemeClr val="dk1"/>
+          </a:fontRef>
+        </p:style>
+        <p:txBody>
+          <a:bodyPr rtlCol="0" anchor="ctr"/>
+          <a:lstStyle/>
+          <a:p>
+            <a:pPr algn="ctr"/>
+            <a:r>
+              <a:rPr lang="en-US" altLang="ko-KR" sz="1200"/>
+              <a:t>enp0s2</a:t>
+            </a:r>
+            <a:endParaRPr lang="en-US" altLang="ko-KR" sz="1200" dirty="0"/>
+          </a:p>
+        </p:txBody>
+      </p:sp>
+      <p:sp>
+        <p:nvSpPr>
+          <p:cNvPr id="31" name="모서리가 둥근 직사각형 23">
+            <a:extLst>
+              <a:ext uri="{FF2B5EF4-FFF2-40B4-BE49-F238E27FC236}">
+                <a16:creationId xmlns:a16="http://schemas.microsoft.com/office/drawing/2014/main" id="{2B20CA45-E30B-4D1D-9B5C-7B5DF80E979E}"/>
+              </a:ext>
+            </a:extLst>
+          </p:cNvPr>
+          <p:cNvSpPr/>
+          <p:nvPr/>
+        </p:nvSpPr>
+        <p:spPr>
+          <a:xfrm>
+            <a:off x="4620297" y="2535746"/>
+            <a:ext cx="1341922" cy="504056"/>
+          </a:xfrm>
+          <a:prstGeom prst="roundRect">
+            <a:avLst>
+              <a:gd name="adj" fmla="val 11578"/>
+            </a:avLst>
+          </a:prstGeom>
+          <a:noFill/>
+        </p:spPr>
+        <p:style>
+          <a:lnRef idx="2">
+            <a:schemeClr val="dk1"/>
+          </a:lnRef>
+          <a:fillRef idx="1">
+            <a:schemeClr val="lt1"/>
+          </a:fillRef>
+          <a:effectRef idx="0">
+            <a:schemeClr val="dk1"/>
+          </a:effectRef>
+          <a:fontRef idx="minor">
+            <a:schemeClr val="dk1"/>
+          </a:fontRef>
+        </p:style>
+        <p:txBody>
+          <a:bodyPr rtlCol="0" anchor="t"/>
+          <a:lstStyle/>
+          <a:p>
+            <a:pPr algn="ctr"/>
+            <a:r>
+              <a:rPr lang="en-US" altLang="ko-KR" sz="1200"/>
+              <a:t>enp0s3</a:t>
+            </a:r>
+            <a:endParaRPr lang="en-US" altLang="ko-KR" sz="1200" dirty="0"/>
+          </a:p>
+          <a:p>
+            <a:pPr algn="ctr"/>
+            <a:r>
+              <a:rPr lang="en-US" altLang="ko-KR" sz="1200"/>
+              <a:t>10.0.0.11</a:t>
+            </a:r>
+            <a:endParaRPr lang="en-US" altLang="ko-KR" sz="1200" dirty="0"/>
+          </a:p>
+          <a:p>
+            <a:pPr algn="ctr"/>
+            <a:endParaRPr lang="ko-KR" altLang="en-US" sz="1100" dirty="0"/>
+          </a:p>
+        </p:txBody>
+      </p:sp>
+      <p:sp>
+        <p:nvSpPr>
+          <p:cNvPr id="33" name="모서리가 둥근 직사각형 13">
+            <a:extLst>
+              <a:ext uri="{FF2B5EF4-FFF2-40B4-BE49-F238E27FC236}">
+                <a16:creationId xmlns:a16="http://schemas.microsoft.com/office/drawing/2014/main" id="{32FA0D84-1649-4E93-99C7-CC8C09DE9F40}"/>
+              </a:ext>
+            </a:extLst>
+          </p:cNvPr>
+          <p:cNvSpPr/>
+          <p:nvPr/>
+        </p:nvSpPr>
+        <p:spPr>
+          <a:xfrm>
+            <a:off x="6181727" y="1563638"/>
+            <a:ext cx="2926777" cy="1548171"/>
+          </a:xfrm>
+          <a:prstGeom prst="roundRect">
+            <a:avLst>
+              <a:gd name="adj" fmla="val 6281"/>
+            </a:avLst>
+          </a:prstGeom>
+          <a:noFill/>
+        </p:spPr>
+        <p:style>
+          <a:lnRef idx="2">
+            <a:schemeClr val="dk1"/>
+          </a:lnRef>
+          <a:fillRef idx="1">
+            <a:schemeClr val="lt1"/>
+          </a:fillRef>
+          <a:effectRef idx="0">
+            <a:schemeClr val="dk1"/>
+          </a:effectRef>
+          <a:fontRef idx="minor">
+            <a:schemeClr val="dk1"/>
+          </a:fontRef>
+        </p:style>
+        <p:txBody>
+          <a:bodyPr rtlCol="0" anchor="t"/>
+          <a:lstStyle/>
+          <a:p>
+            <a:pPr algn="ctr"/>
+            <a:r>
+              <a:rPr lang="en-US" altLang="ko-KR" sz="1600" b="1"/>
+              <a:t>Node 03 : Compute</a:t>
+            </a:r>
+          </a:p>
+          <a:p>
+            <a:pPr algn="ctr"/>
+            <a:endParaRPr lang="ko-KR" altLang="en-US" sz="1600" dirty="0"/>
+          </a:p>
+        </p:txBody>
+      </p:sp>
+      <p:sp>
+        <p:nvSpPr>
+          <p:cNvPr id="34" name="모서리가 둥근 직사각형 18">
+            <a:extLst>
+              <a:ext uri="{FF2B5EF4-FFF2-40B4-BE49-F238E27FC236}">
+                <a16:creationId xmlns:a16="http://schemas.microsoft.com/office/drawing/2014/main" id="{26F7F766-C795-40E1-8025-59E338CADCB8}"/>
+              </a:ext>
+            </a:extLst>
+          </p:cNvPr>
+          <p:cNvSpPr/>
+          <p:nvPr/>
+        </p:nvSpPr>
+        <p:spPr>
+          <a:xfrm>
+            <a:off x="6254897" y="2535746"/>
+            <a:ext cx="1350348" cy="504056"/>
+          </a:xfrm>
+          <a:prstGeom prst="roundRect">
+            <a:avLst>
+              <a:gd name="adj" fmla="val 11578"/>
+            </a:avLst>
+          </a:prstGeom>
+          <a:noFill/>
+        </p:spPr>
+        <p:style>
+          <a:lnRef idx="2">
+            <a:schemeClr val="dk1"/>
+          </a:lnRef>
+          <a:fillRef idx="1">
+            <a:schemeClr val="lt1"/>
+          </a:fillRef>
+          <a:effectRef idx="0">
+            <a:schemeClr val="dk1"/>
+          </a:effectRef>
+          <a:fontRef idx="minor">
+            <a:schemeClr val="dk1"/>
+          </a:fontRef>
+        </p:style>
+        <p:txBody>
+          <a:bodyPr rtlCol="0" anchor="ctr"/>
+          <a:lstStyle/>
+          <a:p>
+            <a:pPr algn="ctr"/>
+            <a:r>
+              <a:rPr lang="en-US" altLang="ko-KR" sz="1200"/>
+              <a:t>enp0s2</a:t>
+            </a:r>
+            <a:endParaRPr lang="en-US" altLang="ko-KR" sz="1200" dirty="0"/>
+          </a:p>
+        </p:txBody>
+      </p:sp>
+      <p:sp>
+        <p:nvSpPr>
+          <p:cNvPr id="35" name="모서리가 둥근 직사각형 23">
+            <a:extLst>
+              <a:ext uri="{FF2B5EF4-FFF2-40B4-BE49-F238E27FC236}">
+                <a16:creationId xmlns:a16="http://schemas.microsoft.com/office/drawing/2014/main" id="{CE133425-A3DF-4724-8339-5CFA6C4E0415}"/>
+              </a:ext>
+            </a:extLst>
+          </p:cNvPr>
+          <p:cNvSpPr/>
+          <p:nvPr/>
+        </p:nvSpPr>
+        <p:spPr>
+          <a:xfrm>
+            <a:off x="7693412" y="2535746"/>
+            <a:ext cx="1341922" cy="504056"/>
+          </a:xfrm>
+          <a:prstGeom prst="roundRect">
+            <a:avLst>
+              <a:gd name="adj" fmla="val 11578"/>
+            </a:avLst>
+          </a:prstGeom>
+          <a:noFill/>
+        </p:spPr>
+        <p:style>
+          <a:lnRef idx="2">
+            <a:schemeClr val="dk1"/>
+          </a:lnRef>
+          <a:fillRef idx="1">
+            <a:schemeClr val="lt1"/>
+          </a:fillRef>
+          <a:effectRef idx="0">
+            <a:schemeClr val="dk1"/>
+          </a:effectRef>
+          <a:fontRef idx="minor">
+            <a:schemeClr val="dk1"/>
+          </a:fontRef>
+        </p:style>
+        <p:txBody>
+          <a:bodyPr rtlCol="0" anchor="t"/>
+          <a:lstStyle/>
+          <a:p>
+            <a:pPr algn="ctr"/>
+            <a:r>
+              <a:rPr lang="en-US" altLang="ko-KR" sz="1200"/>
+              <a:t>enp0s3</a:t>
+            </a:r>
+            <a:endParaRPr lang="en-US" altLang="ko-KR" sz="1200" dirty="0"/>
+          </a:p>
+          <a:p>
+            <a:pPr algn="ctr"/>
+            <a:r>
+              <a:rPr lang="en-US" altLang="ko-KR" sz="1200"/>
+              <a:t>10.0.0.12</a:t>
+            </a:r>
+            <a:endParaRPr lang="en-US" altLang="ko-KR" sz="1200" dirty="0"/>
+          </a:p>
+          <a:p>
+            <a:pPr algn="ctr"/>
+            <a:endParaRPr lang="ko-KR" altLang="en-US" sz="1100" dirty="0"/>
+          </a:p>
+        </p:txBody>
+      </p:sp>
+      <p:cxnSp>
+        <p:nvCxnSpPr>
+          <p:cNvPr id="37" name="직선 연결선 36">
+            <a:extLst>
+              <a:ext uri="{FF2B5EF4-FFF2-40B4-BE49-F238E27FC236}">
+                <a16:creationId xmlns:a16="http://schemas.microsoft.com/office/drawing/2014/main" id="{B51BA3EC-5B06-4C3F-84DA-6012337062A5}"/>
+              </a:ext>
+            </a:extLst>
+          </p:cNvPr>
+          <p:cNvCxnSpPr>
+            <a:cxnSpLocks/>
+            <a:stCxn id="19" idx="2"/>
+            <a:endCxn id="26" idx="0"/>
+          </p:cNvCxnSpPr>
+          <p:nvPr/>
+        </p:nvCxnSpPr>
+        <p:spPr>
+          <a:xfrm>
+            <a:off x="783839" y="3039802"/>
+            <a:ext cx="720992" cy="396044"/>
+          </a:xfrm>
+          <a:prstGeom prst="line">
+            <a:avLst/>
+          </a:prstGeom>
+          <a:ln w="28575">
+            <a:solidFill>
+              <a:schemeClr val="tx1"/>
+            </a:solidFill>
+          </a:ln>
+        </p:spPr>
+        <p:style>
+          <a:lnRef idx="1">
+            <a:schemeClr val="accent1"/>
+          </a:lnRef>
+          <a:fillRef idx="0">
+            <a:schemeClr val="accent1"/>
+          </a:fillRef>
+          <a:effectRef idx="0">
+            <a:schemeClr val="accent1"/>
+          </a:effectRef>
+          <a:fontRef idx="minor">
+            <a:schemeClr val="tx1"/>
+          </a:fontRef>
+        </p:style>
+      </p:cxnSp>
+      <p:cxnSp>
+        <p:nvCxnSpPr>
+          <p:cNvPr id="43" name="직선 연결선 42">
+            <a:extLst>
+              <a:ext uri="{FF2B5EF4-FFF2-40B4-BE49-F238E27FC236}">
+                <a16:creationId xmlns:a16="http://schemas.microsoft.com/office/drawing/2014/main" id="{D166F931-E4AF-47A5-8E66-DA86BB53BAEF}"/>
+              </a:ext>
+            </a:extLst>
+          </p:cNvPr>
+          <p:cNvCxnSpPr>
+            <a:cxnSpLocks/>
+            <a:stCxn id="30" idx="2"/>
+            <a:endCxn id="26" idx="0"/>
+          </p:cNvCxnSpPr>
+          <p:nvPr/>
+        </p:nvCxnSpPr>
+        <p:spPr>
+          <a:xfrm flipH="1">
+            <a:off x="1504831" y="3039802"/>
+            <a:ext cx="2352124" cy="396044"/>
+          </a:xfrm>
+          <a:prstGeom prst="line">
+            <a:avLst/>
+          </a:prstGeom>
+          <a:ln w="28575">
+            <a:solidFill>
+              <a:schemeClr val="tx1"/>
+            </a:solidFill>
+          </a:ln>
+        </p:spPr>
+        <p:style>
+          <a:lnRef idx="1">
+            <a:schemeClr val="accent1"/>
+          </a:lnRef>
+          <a:fillRef idx="0">
+            <a:schemeClr val="accent1"/>
+          </a:fillRef>
+          <a:effectRef idx="0">
+            <a:schemeClr val="accent1"/>
+          </a:effectRef>
+          <a:fontRef idx="minor">
+            <a:schemeClr val="tx1"/>
+          </a:fontRef>
+        </p:style>
+      </p:cxnSp>
+      <p:cxnSp>
+        <p:nvCxnSpPr>
+          <p:cNvPr id="44" name="직선 연결선 43">
+            <a:extLst>
+              <a:ext uri="{FF2B5EF4-FFF2-40B4-BE49-F238E27FC236}">
+                <a16:creationId xmlns:a16="http://schemas.microsoft.com/office/drawing/2014/main" id="{795051FC-8211-4660-970C-D8907CA0FFF5}"/>
+              </a:ext>
+            </a:extLst>
+          </p:cNvPr>
+          <p:cNvCxnSpPr>
+            <a:cxnSpLocks/>
+            <a:stCxn id="34" idx="2"/>
+            <a:endCxn id="26" idx="0"/>
+          </p:cNvCxnSpPr>
+          <p:nvPr/>
+        </p:nvCxnSpPr>
+        <p:spPr>
+          <a:xfrm flipH="1">
+            <a:off x="1504831" y="3039802"/>
+            <a:ext cx="5425240" cy="396044"/>
+          </a:xfrm>
+          <a:prstGeom prst="line">
+            <a:avLst/>
+          </a:prstGeom>
+          <a:ln w="28575">
+            <a:solidFill>
+              <a:schemeClr val="tx1"/>
+            </a:solidFill>
+          </a:ln>
+        </p:spPr>
+        <p:style>
+          <a:lnRef idx="1">
+            <a:schemeClr val="accent1"/>
+          </a:lnRef>
+          <a:fillRef idx="0">
+            <a:schemeClr val="accent1"/>
+          </a:fillRef>
+          <a:effectRef idx="0">
+            <a:schemeClr val="accent1"/>
+          </a:effectRef>
+          <a:fontRef idx="minor">
+            <a:schemeClr val="tx1"/>
+          </a:fontRef>
+        </p:style>
+      </p:cxnSp>
+      <p:cxnSp>
+        <p:nvCxnSpPr>
+          <p:cNvPr id="53" name="직선 연결선 52">
+            <a:extLst>
+              <a:ext uri="{FF2B5EF4-FFF2-40B4-BE49-F238E27FC236}">
+                <a16:creationId xmlns:a16="http://schemas.microsoft.com/office/drawing/2014/main" id="{149959EF-465C-4A3D-AA34-BE750A1217A8}"/>
+              </a:ext>
+            </a:extLst>
+          </p:cNvPr>
+          <p:cNvCxnSpPr>
+            <a:cxnSpLocks/>
+            <a:stCxn id="24" idx="2"/>
+            <a:endCxn id="27" idx="0"/>
+          </p:cNvCxnSpPr>
+          <p:nvPr/>
+        </p:nvCxnSpPr>
+        <p:spPr>
+          <a:xfrm>
+            <a:off x="2218142" y="3039802"/>
+            <a:ext cx="5426973" cy="396044"/>
+          </a:xfrm>
+          <a:prstGeom prst="line">
+            <a:avLst/>
+          </a:prstGeom>
+          <a:ln w="28575">
+            <a:solidFill>
+              <a:schemeClr val="tx1"/>
+            </a:solidFill>
+          </a:ln>
+        </p:spPr>
+        <p:style>
+          <a:lnRef idx="1">
+            <a:schemeClr val="accent1"/>
+          </a:lnRef>
+          <a:fillRef idx="0">
+            <a:schemeClr val="accent1"/>
+          </a:fillRef>
+          <a:effectRef idx="0">
+            <a:schemeClr val="accent1"/>
+          </a:effectRef>
+          <a:fontRef idx="minor">
+            <a:schemeClr val="tx1"/>
+          </a:fontRef>
+        </p:style>
+      </p:cxnSp>
+      <p:cxnSp>
+        <p:nvCxnSpPr>
+          <p:cNvPr id="57" name="직선 연결선 56">
+            <a:extLst>
+              <a:ext uri="{FF2B5EF4-FFF2-40B4-BE49-F238E27FC236}">
+                <a16:creationId xmlns:a16="http://schemas.microsoft.com/office/drawing/2014/main" id="{FB84C5C8-CE0D-4A5D-AF70-ED0B71A99464}"/>
+              </a:ext>
+            </a:extLst>
+          </p:cNvPr>
+          <p:cNvCxnSpPr>
+            <a:cxnSpLocks/>
+            <a:stCxn id="31" idx="2"/>
+            <a:endCxn id="27" idx="0"/>
+          </p:cNvCxnSpPr>
+          <p:nvPr/>
+        </p:nvCxnSpPr>
+        <p:spPr>
+          <a:xfrm>
+            <a:off x="5291258" y="3039802"/>
+            <a:ext cx="2353857" cy="396044"/>
+          </a:xfrm>
+          <a:prstGeom prst="line">
+            <a:avLst/>
+          </a:prstGeom>
+          <a:ln w="28575">
+            <a:solidFill>
+              <a:schemeClr val="tx1"/>
+            </a:solidFill>
+          </a:ln>
+        </p:spPr>
+        <p:style>
+          <a:lnRef idx="1">
+            <a:schemeClr val="accent1"/>
+          </a:lnRef>
+          <a:fillRef idx="0">
+            <a:schemeClr val="accent1"/>
+          </a:fillRef>
+          <a:effectRef idx="0">
+            <a:schemeClr val="accent1"/>
+          </a:effectRef>
+          <a:fontRef idx="minor">
+            <a:schemeClr val="tx1"/>
+          </a:fontRef>
+        </p:style>
+      </p:cxnSp>
+      <p:cxnSp>
+        <p:nvCxnSpPr>
+          <p:cNvPr id="59" name="직선 연결선 58">
+            <a:extLst>
+              <a:ext uri="{FF2B5EF4-FFF2-40B4-BE49-F238E27FC236}">
+                <a16:creationId xmlns:a16="http://schemas.microsoft.com/office/drawing/2014/main" id="{ECE875A0-34CB-48AA-9E79-A1F9FE7DCD3B}"/>
+              </a:ext>
+            </a:extLst>
+          </p:cNvPr>
+          <p:cNvCxnSpPr>
+            <a:cxnSpLocks/>
+            <a:stCxn id="35" idx="2"/>
+            <a:endCxn id="27" idx="0"/>
+          </p:cNvCxnSpPr>
+          <p:nvPr/>
+        </p:nvCxnSpPr>
+        <p:spPr>
+          <a:xfrm flipH="1">
+            <a:off x="7645115" y="3039802"/>
+            <a:ext cx="719258" cy="396044"/>
+          </a:xfrm>
+          <a:prstGeom prst="line">
+            <a:avLst/>
+          </a:prstGeom>
+          <a:ln w="28575">
+            <a:solidFill>
+              <a:schemeClr val="tx1"/>
+            </a:solidFill>
+          </a:ln>
+        </p:spPr>
+        <p:style>
+          <a:lnRef idx="1">
+            <a:schemeClr val="accent1"/>
+          </a:lnRef>
+          <a:fillRef idx="0">
+            <a:schemeClr val="accent1"/>
+          </a:fillRef>
+          <a:effectRef idx="0">
+            <a:schemeClr val="accent1"/>
+          </a:effectRef>
+          <a:fontRef idx="minor">
+            <a:schemeClr val="tx1"/>
+          </a:fontRef>
+        </p:style>
+      </p:cxnSp>
+      <p:sp>
+        <p:nvSpPr>
+          <p:cNvPr id="40" name="모서리가 둥근 직사각형 18">
+            <a:extLst>
+              <a:ext uri="{FF2B5EF4-FFF2-40B4-BE49-F238E27FC236}">
+                <a16:creationId xmlns:a16="http://schemas.microsoft.com/office/drawing/2014/main" id="{A4C7A769-F8F5-41EA-AA53-E7FA68E5D857}"/>
+              </a:ext>
+            </a:extLst>
+          </p:cNvPr>
+          <p:cNvSpPr/>
+          <p:nvPr/>
+        </p:nvSpPr>
+        <p:spPr>
+          <a:xfrm>
+            <a:off x="6254897" y="1959681"/>
+            <a:ext cx="1350348" cy="504056"/>
+          </a:xfrm>
+          <a:prstGeom prst="roundRect">
+            <a:avLst>
+              <a:gd name="adj" fmla="val 11578"/>
+            </a:avLst>
+          </a:prstGeom>
+          <a:noFill/>
+        </p:spPr>
+        <p:style>
+          <a:lnRef idx="2">
+            <a:schemeClr val="dk1"/>
+          </a:lnRef>
+          <a:fillRef idx="1">
+            <a:schemeClr val="lt1"/>
+          </a:fillRef>
+          <a:effectRef idx="0">
+            <a:schemeClr val="dk1"/>
+          </a:effectRef>
+          <a:fontRef idx="minor">
+            <a:schemeClr val="dk1"/>
+          </a:fontRef>
+        </p:style>
+        <p:txBody>
+          <a:bodyPr rtlCol="0" anchor="t"/>
+          <a:lstStyle/>
+          <a:p>
+            <a:pPr algn="ctr"/>
+            <a:r>
+              <a:rPr lang="en-US" altLang="ko-KR" sz="1200"/>
+              <a:t>/dev/mmcblk0</a:t>
+            </a:r>
+          </a:p>
+          <a:p>
+            <a:pPr algn="ctr"/>
+            <a:r>
+              <a:rPr lang="en-US" altLang="ko-KR" sz="1200"/>
+              <a:t>rootfs</a:t>
+            </a:r>
+          </a:p>
+          <a:p>
+            <a:pPr algn="ctr"/>
+            <a:endParaRPr lang="ko-KR" altLang="en-US" sz="1100" dirty="0"/>
+          </a:p>
+        </p:txBody>
+      </p:sp>
+      <p:sp>
+        <p:nvSpPr>
+          <p:cNvPr id="42" name="모서리가 둥근 직사각형 18">
+            <a:extLst>
+              <a:ext uri="{FF2B5EF4-FFF2-40B4-BE49-F238E27FC236}">
+                <a16:creationId xmlns:a16="http://schemas.microsoft.com/office/drawing/2014/main" id="{C250A369-E0E6-4B01-92E5-0D3662E0D8E2}"/>
+              </a:ext>
+            </a:extLst>
+          </p:cNvPr>
+          <p:cNvSpPr/>
+          <p:nvPr/>
+        </p:nvSpPr>
+        <p:spPr>
+          <a:xfrm>
+            <a:off x="3181781" y="1959681"/>
+            <a:ext cx="1350348" cy="504056"/>
+          </a:xfrm>
+          <a:prstGeom prst="roundRect">
+            <a:avLst>
+              <a:gd name="adj" fmla="val 11578"/>
+            </a:avLst>
+          </a:prstGeom>
+          <a:noFill/>
+        </p:spPr>
+        <p:style>
+          <a:lnRef idx="2">
+            <a:schemeClr val="dk1"/>
+          </a:lnRef>
+          <a:fillRef idx="1">
+            <a:schemeClr val="lt1"/>
+          </a:fillRef>
+          <a:effectRef idx="0">
+            <a:schemeClr val="dk1"/>
+          </a:effectRef>
+          <a:fontRef idx="minor">
+            <a:schemeClr val="dk1"/>
+          </a:fontRef>
+        </p:style>
+        <p:txBody>
+          <a:bodyPr rtlCol="0" anchor="t"/>
+          <a:lstStyle/>
+          <a:p>
+            <a:pPr algn="ctr"/>
+            <a:r>
+              <a:rPr lang="en-US" altLang="ko-KR" sz="1200"/>
+              <a:t>/dev/mmcblk0</a:t>
+            </a:r>
+          </a:p>
+          <a:p>
+            <a:pPr algn="ctr"/>
+            <a:r>
+              <a:rPr lang="en-US" altLang="ko-KR" sz="1200"/>
+              <a:t>rootfs</a:t>
+            </a:r>
+          </a:p>
+          <a:p>
+            <a:pPr algn="ctr"/>
+            <a:endParaRPr lang="ko-KR" altLang="en-US" sz="1100" dirty="0"/>
+          </a:p>
+        </p:txBody>
+      </p:sp>
+      <p:sp>
+        <p:nvSpPr>
+          <p:cNvPr id="46" name="모서리가 둥근 직사각형 18">
+            <a:extLst>
+              <a:ext uri="{FF2B5EF4-FFF2-40B4-BE49-F238E27FC236}">
+                <a16:creationId xmlns:a16="http://schemas.microsoft.com/office/drawing/2014/main" id="{BF18FE6C-5AF5-4459-ACB3-BFF0A64AEFA8}"/>
+              </a:ext>
+            </a:extLst>
+          </p:cNvPr>
+          <p:cNvSpPr/>
+          <p:nvPr/>
+        </p:nvSpPr>
+        <p:spPr>
+          <a:xfrm>
+            <a:off x="108665" y="1959681"/>
+            <a:ext cx="1350348" cy="504056"/>
+          </a:xfrm>
+          <a:prstGeom prst="roundRect">
+            <a:avLst>
+              <a:gd name="adj" fmla="val 11578"/>
+            </a:avLst>
+          </a:prstGeom>
+          <a:noFill/>
+        </p:spPr>
+        <p:style>
+          <a:lnRef idx="2">
+            <a:schemeClr val="dk1"/>
+          </a:lnRef>
+          <a:fillRef idx="1">
+            <a:schemeClr val="lt1"/>
+          </a:fillRef>
+          <a:effectRef idx="0">
+            <a:schemeClr val="dk1"/>
+          </a:effectRef>
+          <a:fontRef idx="minor">
+            <a:schemeClr val="dk1"/>
+          </a:fontRef>
+        </p:style>
+        <p:txBody>
+          <a:bodyPr rtlCol="0" anchor="t"/>
+          <a:lstStyle/>
+          <a:p>
+            <a:pPr algn="ctr"/>
+            <a:r>
+              <a:rPr lang="en-US" altLang="ko-KR" sz="1200"/>
+              <a:t>/dev/mmcblk0</a:t>
+            </a:r>
+          </a:p>
+          <a:p>
+            <a:pPr algn="ctr"/>
+            <a:r>
+              <a:rPr lang="en-US" altLang="ko-KR" sz="1200"/>
+              <a:t>rootfs</a:t>
+            </a:r>
+          </a:p>
+          <a:p>
+            <a:pPr algn="ctr"/>
+            <a:endParaRPr lang="ko-KR" altLang="en-US" sz="1100" dirty="0"/>
+          </a:p>
+        </p:txBody>
+      </p:sp>
+      <p:sp>
+        <p:nvSpPr>
+          <p:cNvPr id="26" name="모서리가 둥근 직사각형 46">
+            <a:extLst>
+              <a:ext uri="{FF2B5EF4-FFF2-40B4-BE49-F238E27FC236}">
+                <a16:creationId xmlns:a16="http://schemas.microsoft.com/office/drawing/2014/main" id="{C7A1AC2C-2616-40F9-9982-3294ADE3BC84}"/>
+              </a:ext>
+            </a:extLst>
+          </p:cNvPr>
+          <p:cNvSpPr/>
+          <p:nvPr/>
+        </p:nvSpPr>
+        <p:spPr>
+          <a:xfrm>
+            <a:off x="654234" y="3435846"/>
+            <a:ext cx="1701194" cy="1008112"/>
+          </a:xfrm>
+          <a:prstGeom prst="roundRect">
+            <a:avLst>
+              <a:gd name="adj" fmla="val 11578"/>
+            </a:avLst>
+          </a:prstGeom>
+          <a:noFill/>
+        </p:spPr>
+        <p:style>
+          <a:lnRef idx="2">
+            <a:schemeClr val="dk1"/>
+          </a:lnRef>
+          <a:fillRef idx="1">
+            <a:schemeClr val="lt1"/>
+          </a:fillRef>
+          <a:effectRef idx="0">
+            <a:schemeClr val="dk1"/>
+          </a:effectRef>
+          <a:fontRef idx="minor">
+            <a:schemeClr val="dk1"/>
+          </a:fontRef>
+        </p:style>
+        <p:txBody>
+          <a:bodyPr rtlCol="0" anchor="ctr"/>
+          <a:lstStyle/>
+          <a:p>
+            <a:pPr algn="ctr"/>
+            <a:r>
+              <a:rPr lang="en-US" altLang="ko-KR" sz="1200"/>
+              <a:t>Outter NAT Network</a:t>
+            </a:r>
+          </a:p>
+          <a:p>
+            <a:pPr algn="ctr"/>
+            <a:r>
+              <a:rPr lang="en-US" altLang="ko-KR" sz="1200"/>
+              <a:t>192.168.0.0/24</a:t>
+            </a:r>
+          </a:p>
+          <a:p>
+            <a:pPr algn="ctr"/>
+            <a:r>
+              <a:rPr lang="en-US" altLang="ko-KR" sz="1200" b="1"/>
+              <a:t>Floating</a:t>
+            </a:r>
+          </a:p>
+          <a:p>
+            <a:pPr algn="ctr"/>
+            <a:r>
+              <a:rPr lang="en-US" altLang="ko-KR" sz="1200" b="1"/>
+              <a:t>192.168.0.200~224</a:t>
+            </a:r>
+          </a:p>
+          <a:p>
+            <a:pPr algn="ctr"/>
+            <a:r>
+              <a:rPr lang="en-US" altLang="ko-KR" sz="1200" b="1"/>
+              <a:t>External Network</a:t>
+            </a:r>
+          </a:p>
+        </p:txBody>
+      </p:sp>
+      <p:sp>
+        <p:nvSpPr>
+          <p:cNvPr id="27" name="모서리가 둥근 직사각형 47">
+            <a:extLst>
+              <a:ext uri="{FF2B5EF4-FFF2-40B4-BE49-F238E27FC236}">
+                <a16:creationId xmlns:a16="http://schemas.microsoft.com/office/drawing/2014/main" id="{E74D4F21-35EB-42BE-995F-AB83B6AA94FE}"/>
+              </a:ext>
+            </a:extLst>
+          </p:cNvPr>
+          <p:cNvSpPr/>
+          <p:nvPr/>
+        </p:nvSpPr>
+        <p:spPr>
+          <a:xfrm>
+            <a:off x="6794519" y="3435846"/>
+            <a:ext cx="1701192" cy="720080"/>
+          </a:xfrm>
+          <a:prstGeom prst="roundRect">
+            <a:avLst>
+              <a:gd name="adj" fmla="val 11578"/>
+            </a:avLst>
+          </a:prstGeom>
+          <a:noFill/>
+        </p:spPr>
+        <p:style>
+          <a:lnRef idx="2">
+            <a:schemeClr val="dk1"/>
+          </a:lnRef>
+          <a:fillRef idx="1">
+            <a:schemeClr val="lt1"/>
+          </a:fillRef>
+          <a:effectRef idx="0">
+            <a:schemeClr val="dk1"/>
+          </a:effectRef>
+          <a:fontRef idx="minor">
+            <a:schemeClr val="dk1"/>
+          </a:fontRef>
+        </p:style>
+        <p:txBody>
+          <a:bodyPr rtlCol="0" anchor="ctr"/>
+          <a:lstStyle/>
+          <a:p>
+            <a:pPr algn="ctr"/>
+            <a:r>
+              <a:rPr lang="en-US" altLang="ko-KR" sz="1200"/>
+              <a:t>Inner NAT Network</a:t>
+            </a:r>
+          </a:p>
+          <a:p>
+            <a:pPr algn="ctr"/>
+            <a:r>
+              <a:rPr lang="en-US" altLang="ko-KR" sz="1200"/>
+              <a:t>10.0.0.0/24</a:t>
+            </a:r>
+          </a:p>
+          <a:p>
+            <a:pPr algn="ctr"/>
+            <a:r>
+              <a:rPr lang="en-US" altLang="ko-KR" sz="1200" b="1"/>
+              <a:t>Guest/Mgmt</a:t>
+            </a:r>
+          </a:p>
+        </p:txBody>
+      </p:sp>
+      <p:cxnSp>
+        <p:nvCxnSpPr>
+          <p:cNvPr id="28" name="직선 연결선 27">
+            <a:extLst>
+              <a:ext uri="{FF2B5EF4-FFF2-40B4-BE49-F238E27FC236}">
+                <a16:creationId xmlns:a16="http://schemas.microsoft.com/office/drawing/2014/main" id="{A16D2354-32C5-408B-9ADC-A7AAE12858B8}"/>
+              </a:ext>
+            </a:extLst>
+          </p:cNvPr>
+          <p:cNvCxnSpPr>
+            <a:cxnSpLocks/>
+            <a:stCxn id="26" idx="2"/>
+            <a:endCxn id="32" idx="3"/>
+          </p:cNvCxnSpPr>
+          <p:nvPr/>
+        </p:nvCxnSpPr>
+        <p:spPr>
+          <a:xfrm flipH="1">
+            <a:off x="1498884" y="4443958"/>
+            <a:ext cx="5947" cy="105336"/>
+          </a:xfrm>
+          <a:prstGeom prst="line">
+            <a:avLst/>
+          </a:prstGeom>
+          <a:ln w="28575">
+            <a:solidFill>
+              <a:schemeClr val="tx1"/>
+            </a:solidFill>
+          </a:ln>
+        </p:spPr>
+        <p:style>
+          <a:lnRef idx="1">
+            <a:schemeClr val="accent1"/>
+          </a:lnRef>
+          <a:fillRef idx="0">
+            <a:schemeClr val="accent1"/>
+          </a:fillRef>
+          <a:effectRef idx="0">
+            <a:schemeClr val="accent1"/>
+          </a:effectRef>
+          <a:fontRef idx="minor">
+            <a:schemeClr val="tx1"/>
+          </a:fontRef>
+        </p:style>
+      </p:cxnSp>
+      <p:sp>
+        <p:nvSpPr>
+          <p:cNvPr id="32" name="구름 31">
+            <a:extLst>
+              <a:ext uri="{FF2B5EF4-FFF2-40B4-BE49-F238E27FC236}">
+                <a16:creationId xmlns:a16="http://schemas.microsoft.com/office/drawing/2014/main" id="{3311E2FB-EBA2-424E-BF9D-6CD4BB8E29B4}"/>
+              </a:ext>
+            </a:extLst>
+          </p:cNvPr>
+          <p:cNvSpPr/>
+          <p:nvPr/>
+        </p:nvSpPr>
+        <p:spPr>
+          <a:xfrm>
+            <a:off x="840365" y="4515966"/>
+            <a:ext cx="1317037" cy="582910"/>
+          </a:xfrm>
+          <a:prstGeom prst="cloud">
+            <a:avLst/>
+          </a:prstGeom>
+        </p:spPr>
+        <p:style>
+          <a:lnRef idx="2">
+            <a:schemeClr val="dk1"/>
+          </a:lnRef>
+          <a:fillRef idx="1">
+            <a:schemeClr val="lt1"/>
+          </a:fillRef>
+          <a:effectRef idx="0">
+            <a:schemeClr val="dk1"/>
+          </a:effectRef>
+          <a:fontRef idx="minor">
+            <a:schemeClr val="dk1"/>
+          </a:fontRef>
+        </p:style>
+        <p:txBody>
+          <a:bodyPr rtlCol="0" anchor="ctr"/>
+          <a:lstStyle/>
+          <a:p>
+            <a:pPr algn="ctr"/>
+            <a:r>
+              <a:rPr lang="en-US" altLang="ko-KR" sz="1200"/>
+              <a:t>Public</a:t>
+            </a:r>
+          </a:p>
+          <a:p>
+            <a:pPr algn="ctr"/>
+            <a:r>
+              <a:rPr lang="en-US" altLang="ko-KR" sz="1200"/>
+              <a:t>Network</a:t>
+            </a:r>
+            <a:endParaRPr lang="ko-KR" altLang="en-US" sz="1200"/>
+          </a:p>
+        </p:txBody>
+      </p:sp>
+      <p:cxnSp>
+        <p:nvCxnSpPr>
+          <p:cNvPr id="45" name="직선 연결선 44">
+            <a:extLst>
+              <a:ext uri="{FF2B5EF4-FFF2-40B4-BE49-F238E27FC236}">
+                <a16:creationId xmlns:a16="http://schemas.microsoft.com/office/drawing/2014/main" id="{8478B812-B4FF-4903-97A5-89A79756740B}"/>
+              </a:ext>
+            </a:extLst>
+          </p:cNvPr>
+          <p:cNvCxnSpPr>
+            <a:cxnSpLocks/>
+            <a:stCxn id="62" idx="1"/>
+            <a:endCxn id="26" idx="3"/>
+          </p:cNvCxnSpPr>
+          <p:nvPr/>
+        </p:nvCxnSpPr>
+        <p:spPr>
+          <a:xfrm flipH="1" flipV="1">
+            <a:off x="2355428" y="3939902"/>
+            <a:ext cx="826353" cy="661441"/>
+          </a:xfrm>
+          <a:prstGeom prst="line">
+            <a:avLst/>
+          </a:prstGeom>
+          <a:ln w="28575">
+            <a:solidFill>
+              <a:schemeClr val="tx1"/>
+            </a:solidFill>
+          </a:ln>
+        </p:spPr>
+        <p:style>
+          <a:lnRef idx="1">
+            <a:schemeClr val="accent1"/>
+          </a:lnRef>
+          <a:fillRef idx="0">
+            <a:schemeClr val="accent1"/>
+          </a:fillRef>
+          <a:effectRef idx="0">
+            <a:schemeClr val="accent1"/>
+          </a:effectRef>
+          <a:fontRef idx="minor">
+            <a:schemeClr val="tx1"/>
+          </a:fontRef>
+        </p:style>
+      </p:cxnSp>
+      <p:cxnSp>
+        <p:nvCxnSpPr>
+          <p:cNvPr id="49" name="직선 연결선 48">
+            <a:extLst>
+              <a:ext uri="{FF2B5EF4-FFF2-40B4-BE49-F238E27FC236}">
+                <a16:creationId xmlns:a16="http://schemas.microsoft.com/office/drawing/2014/main" id="{6539BEB2-FC5E-4F52-A0DB-8F74D77ADA1C}"/>
+              </a:ext>
+            </a:extLst>
+          </p:cNvPr>
+          <p:cNvCxnSpPr>
+            <a:cxnSpLocks/>
+            <a:stCxn id="63" idx="3"/>
+            <a:endCxn id="27" idx="1"/>
+          </p:cNvCxnSpPr>
+          <p:nvPr/>
+        </p:nvCxnSpPr>
+        <p:spPr>
+          <a:xfrm flipV="1">
+            <a:off x="5962219" y="3795886"/>
+            <a:ext cx="832300" cy="805457"/>
+          </a:xfrm>
+          <a:prstGeom prst="line">
+            <a:avLst/>
+          </a:prstGeom>
+          <a:ln w="28575">
+            <a:solidFill>
+              <a:schemeClr val="tx1"/>
+            </a:solidFill>
+          </a:ln>
+        </p:spPr>
+        <p:style>
+          <a:lnRef idx="1">
+            <a:schemeClr val="accent1"/>
+          </a:lnRef>
+          <a:fillRef idx="0">
+            <a:schemeClr val="accent1"/>
+          </a:fillRef>
+          <a:effectRef idx="0">
+            <a:schemeClr val="accent1"/>
+          </a:effectRef>
+          <a:fontRef idx="minor">
+            <a:schemeClr val="tx1"/>
+          </a:fontRef>
+        </p:style>
+      </p:cxnSp>
+      <p:sp>
+        <p:nvSpPr>
+          <p:cNvPr id="60" name="모서리가 둥근 직사각형 13">
+            <a:extLst>
+              <a:ext uri="{FF2B5EF4-FFF2-40B4-BE49-F238E27FC236}">
+                <a16:creationId xmlns:a16="http://schemas.microsoft.com/office/drawing/2014/main" id="{8103D3A5-E9C3-470D-93FE-85E27EF79DA5}"/>
+              </a:ext>
+            </a:extLst>
+          </p:cNvPr>
+          <p:cNvSpPr/>
+          <p:nvPr/>
+        </p:nvSpPr>
+        <p:spPr>
+          <a:xfrm>
+            <a:off x="3108612" y="3723878"/>
+            <a:ext cx="2926777" cy="1206794"/>
+          </a:xfrm>
+          <a:prstGeom prst="roundRect">
+            <a:avLst>
+              <a:gd name="adj" fmla="val 6281"/>
+            </a:avLst>
+          </a:prstGeom>
+          <a:noFill/>
+        </p:spPr>
+        <p:style>
+          <a:lnRef idx="2">
+            <a:schemeClr val="dk1"/>
+          </a:lnRef>
+          <a:fillRef idx="1">
+            <a:schemeClr val="lt1"/>
+          </a:fillRef>
+          <a:effectRef idx="0">
+            <a:schemeClr val="dk1"/>
+          </a:effectRef>
+          <a:fontRef idx="minor">
+            <a:schemeClr val="dk1"/>
+          </a:fontRef>
+        </p:style>
+        <p:txBody>
+          <a:bodyPr rtlCol="0" anchor="t"/>
+          <a:lstStyle/>
+          <a:p>
+            <a:pPr algn="ctr"/>
+            <a:r>
+              <a:rPr lang="en-US" altLang="ko-KR" sz="1600" b="1"/>
+              <a:t>Node 09 : Monitoring, Deploy</a:t>
+            </a:r>
+          </a:p>
+          <a:p>
+            <a:pPr algn="ctr"/>
+            <a:endParaRPr lang="ko-KR" altLang="en-US" sz="1600" dirty="0"/>
+          </a:p>
+        </p:txBody>
+      </p:sp>
+      <p:sp>
+        <p:nvSpPr>
+          <p:cNvPr id="62" name="모서리가 둥근 직사각형 18">
+            <a:extLst>
+              <a:ext uri="{FF2B5EF4-FFF2-40B4-BE49-F238E27FC236}">
+                <a16:creationId xmlns:a16="http://schemas.microsoft.com/office/drawing/2014/main" id="{A84CE373-FB40-4D26-9432-AB4C5FF79705}"/>
+              </a:ext>
+            </a:extLst>
+          </p:cNvPr>
+          <p:cNvSpPr/>
+          <p:nvPr/>
+        </p:nvSpPr>
+        <p:spPr>
+          <a:xfrm>
+            <a:off x="3181781" y="4349315"/>
+            <a:ext cx="1350348" cy="504056"/>
+          </a:xfrm>
+          <a:prstGeom prst="roundRect">
+            <a:avLst>
+              <a:gd name="adj" fmla="val 11578"/>
+            </a:avLst>
+          </a:prstGeom>
+          <a:noFill/>
+        </p:spPr>
+        <p:style>
+          <a:lnRef idx="2">
+            <a:schemeClr val="dk1"/>
+          </a:lnRef>
+          <a:fillRef idx="1">
+            <a:schemeClr val="lt1"/>
+          </a:fillRef>
+          <a:effectRef idx="0">
+            <a:schemeClr val="dk1"/>
+          </a:effectRef>
+          <a:fontRef idx="minor">
+            <a:schemeClr val="dk1"/>
+          </a:fontRef>
+        </p:style>
+        <p:txBody>
+          <a:bodyPr rtlCol="0" anchor="t"/>
+          <a:lstStyle/>
+          <a:p>
+            <a:pPr algn="ctr"/>
+            <a:r>
+              <a:rPr lang="en-US" altLang="ko-KR" sz="1200"/>
+              <a:t>eth0</a:t>
+            </a:r>
+          </a:p>
+          <a:p>
+            <a:pPr algn="ctr"/>
+            <a:r>
+              <a:rPr lang="en-US" altLang="ko-KR" sz="1200"/>
+              <a:t>192.168.0.39</a:t>
+            </a:r>
+            <a:endParaRPr lang="en-US" altLang="ko-KR" sz="1200" dirty="0"/>
+          </a:p>
+          <a:p>
+            <a:pPr algn="ctr"/>
+            <a:endParaRPr lang="ko-KR" altLang="en-US" sz="1100" dirty="0"/>
+          </a:p>
+        </p:txBody>
+      </p:sp>
+      <p:sp>
+        <p:nvSpPr>
+          <p:cNvPr id="63" name="모서리가 둥근 직사각형 23">
+            <a:extLst>
+              <a:ext uri="{FF2B5EF4-FFF2-40B4-BE49-F238E27FC236}">
+                <a16:creationId xmlns:a16="http://schemas.microsoft.com/office/drawing/2014/main" id="{C9DFD470-45B7-4B50-92A0-51876C25008A}"/>
+              </a:ext>
+            </a:extLst>
+          </p:cNvPr>
+          <p:cNvSpPr/>
+          <p:nvPr/>
+        </p:nvSpPr>
+        <p:spPr>
+          <a:xfrm>
+            <a:off x="4620297" y="4349315"/>
+            <a:ext cx="1341922" cy="504056"/>
+          </a:xfrm>
+          <a:prstGeom prst="roundRect">
+            <a:avLst>
+              <a:gd name="adj" fmla="val 11578"/>
+            </a:avLst>
+          </a:prstGeom>
+          <a:noFill/>
+        </p:spPr>
+        <p:style>
+          <a:lnRef idx="2">
+            <a:schemeClr val="dk1"/>
+          </a:lnRef>
+          <a:fillRef idx="1">
+            <a:schemeClr val="lt1"/>
+          </a:fillRef>
+          <a:effectRef idx="0">
+            <a:schemeClr val="dk1"/>
+          </a:effectRef>
+          <a:fontRef idx="minor">
+            <a:schemeClr val="dk1"/>
+          </a:fontRef>
+        </p:style>
+        <p:txBody>
+          <a:bodyPr rtlCol="0" anchor="t"/>
+          <a:lstStyle/>
+          <a:p>
+            <a:pPr algn="ctr"/>
+            <a:r>
+              <a:rPr lang="en-US" altLang="ko-KR" sz="1200"/>
+              <a:t>eth1</a:t>
+            </a:r>
+          </a:p>
+          <a:p>
+            <a:pPr algn="ctr"/>
+            <a:r>
+              <a:rPr lang="en-US" altLang="ko-KR" sz="1200"/>
+              <a:t>10.0.0.19</a:t>
+            </a:r>
+            <a:endParaRPr lang="en-US" altLang="ko-KR" sz="1200" dirty="0"/>
+          </a:p>
+          <a:p>
+            <a:pPr algn="ctr"/>
+            <a:endParaRPr lang="ko-KR" altLang="en-US" sz="1100" dirty="0"/>
+          </a:p>
+        </p:txBody>
+      </p:sp>
+      <p:cxnSp>
+        <p:nvCxnSpPr>
+          <p:cNvPr id="36" name="직선 연결선 35">
+            <a:extLst>
+              <a:ext uri="{FF2B5EF4-FFF2-40B4-BE49-F238E27FC236}">
+                <a16:creationId xmlns:a16="http://schemas.microsoft.com/office/drawing/2014/main" id="{ED36DA6D-4BA9-4D56-8249-A6BA5AD3EC63}"/>
+              </a:ext>
+            </a:extLst>
+          </p:cNvPr>
+          <p:cNvCxnSpPr>
+            <a:cxnSpLocks/>
+          </p:cNvCxnSpPr>
+          <p:nvPr/>
+        </p:nvCxnSpPr>
+        <p:spPr>
+          <a:xfrm flipH="1">
+            <a:off x="2355428" y="3592593"/>
+            <a:ext cx="4439092" cy="0"/>
+          </a:xfrm>
+          <a:prstGeom prst="line">
+            <a:avLst/>
+          </a:prstGeom>
+          <a:ln w="28575">
+            <a:solidFill>
+              <a:schemeClr val="tx1"/>
+            </a:solidFill>
+          </a:ln>
+        </p:spPr>
+        <p:style>
+          <a:lnRef idx="1">
+            <a:schemeClr val="accent1"/>
+          </a:lnRef>
+          <a:fillRef idx="0">
+            <a:schemeClr val="accent1"/>
+          </a:fillRef>
+          <a:effectRef idx="0">
+            <a:schemeClr val="accent1"/>
+          </a:effectRef>
+          <a:fontRef idx="minor">
+            <a:schemeClr val="tx1"/>
+          </a:fontRef>
+        </p:style>
+      </p:cxnSp>
+    </p:spTree>
+    <p:extLst>
+      <p:ext uri="{BB962C8B-B14F-4D97-AF65-F5344CB8AC3E}">
+        <p14:creationId xmlns:p14="http://schemas.microsoft.com/office/powerpoint/2010/main" val="3350824169"/>
       </p:ext>
     </p:extLst>
   </p:cSld>

--- a/images/record/ODROID-H2_Cluster_Build/ODROID-H2_Cluster_Build.pptx
+++ b/images/record/ODROID-H2_Cluster_Build/ODROID-H2_Cluster_Build.pptx
@@ -219,7 +219,7 @@
           <a:p>
             <a:fld id="{6CD5550B-26C4-49A9-A5BA-636EF7BE6CE9}" type="datetimeFigureOut">
               <a:rPr lang="ko-KR" altLang="en-US" smtClean="0"/>
-              <a:t>2019-07-15</a:t>
+              <a:t>2019-07-16</a:t>
             </a:fld>
             <a:endParaRPr lang="ko-KR" altLang="en-US"/>
           </a:p>
@@ -1169,7 +1169,7 @@
           <a:p>
             <a:fld id="{FB30EDBD-1C2D-4C1E-B459-B60219FAB484}" type="datetimeFigureOut">
               <a:rPr lang="ko-KR" altLang="en-US" smtClean="0"/>
-              <a:t>2019-07-15</a:t>
+              <a:t>2019-07-16</a:t>
             </a:fld>
             <a:endParaRPr lang="ko-KR" altLang="en-US"/>
           </a:p>
@@ -1332,7 +1332,7 @@
           <a:p>
             <a:fld id="{FB30EDBD-1C2D-4C1E-B459-B60219FAB484}" type="datetimeFigureOut">
               <a:rPr lang="ko-KR" altLang="en-US" smtClean="0"/>
-              <a:t>2019-07-15</a:t>
+              <a:t>2019-07-16</a:t>
             </a:fld>
             <a:endParaRPr lang="ko-KR" altLang="en-US"/>
           </a:p>
@@ -1505,7 +1505,7 @@
           <a:p>
             <a:fld id="{FB30EDBD-1C2D-4C1E-B459-B60219FAB484}" type="datetimeFigureOut">
               <a:rPr lang="ko-KR" altLang="en-US" smtClean="0"/>
-              <a:t>2019-07-15</a:t>
+              <a:t>2019-07-16</a:t>
             </a:fld>
             <a:endParaRPr lang="ko-KR" altLang="en-US"/>
           </a:p>
@@ -1668,7 +1668,7 @@
           <a:p>
             <a:fld id="{FB30EDBD-1C2D-4C1E-B459-B60219FAB484}" type="datetimeFigureOut">
               <a:rPr lang="ko-KR" altLang="en-US" smtClean="0"/>
-              <a:t>2019-07-15</a:t>
+              <a:t>2019-07-16</a:t>
             </a:fld>
             <a:endParaRPr lang="ko-KR" altLang="en-US"/>
           </a:p>
@@ -1908,7 +1908,7 @@
           <a:p>
             <a:fld id="{FB30EDBD-1C2D-4C1E-B459-B60219FAB484}" type="datetimeFigureOut">
               <a:rPr lang="ko-KR" altLang="en-US" smtClean="0"/>
-              <a:t>2019-07-15</a:t>
+              <a:t>2019-07-16</a:t>
             </a:fld>
             <a:endParaRPr lang="ko-KR" altLang="en-US"/>
           </a:p>
@@ -2188,7 +2188,7 @@
           <a:p>
             <a:fld id="{FB30EDBD-1C2D-4C1E-B459-B60219FAB484}" type="datetimeFigureOut">
               <a:rPr lang="ko-KR" altLang="en-US" smtClean="0"/>
-              <a:t>2019-07-15</a:t>
+              <a:t>2019-07-16</a:t>
             </a:fld>
             <a:endParaRPr lang="ko-KR" altLang="en-US"/>
           </a:p>
@@ -2602,7 +2602,7 @@
           <a:p>
             <a:fld id="{FB30EDBD-1C2D-4C1E-B459-B60219FAB484}" type="datetimeFigureOut">
               <a:rPr lang="ko-KR" altLang="en-US" smtClean="0"/>
-              <a:t>2019-07-15</a:t>
+              <a:t>2019-07-16</a:t>
             </a:fld>
             <a:endParaRPr lang="ko-KR" altLang="en-US"/>
           </a:p>
@@ -2714,7 +2714,7 @@
           <a:p>
             <a:fld id="{FB30EDBD-1C2D-4C1E-B459-B60219FAB484}" type="datetimeFigureOut">
               <a:rPr lang="ko-KR" altLang="en-US" smtClean="0"/>
-              <a:t>2019-07-15</a:t>
+              <a:t>2019-07-16</a:t>
             </a:fld>
             <a:endParaRPr lang="ko-KR" altLang="en-US"/>
           </a:p>
@@ -2804,7 +2804,7 @@
           <a:p>
             <a:fld id="{FB30EDBD-1C2D-4C1E-B459-B60219FAB484}" type="datetimeFigureOut">
               <a:rPr lang="ko-KR" altLang="en-US" smtClean="0"/>
-              <a:t>2019-07-15</a:t>
+              <a:t>2019-07-16</a:t>
             </a:fld>
             <a:endParaRPr lang="ko-KR" altLang="en-US"/>
           </a:p>
@@ -3074,7 +3074,7 @@
           <a:p>
             <a:fld id="{FB30EDBD-1C2D-4C1E-B459-B60219FAB484}" type="datetimeFigureOut">
               <a:rPr lang="ko-KR" altLang="en-US" smtClean="0"/>
-              <a:t>2019-07-15</a:t>
+              <a:t>2019-07-16</a:t>
             </a:fld>
             <a:endParaRPr lang="ko-KR" altLang="en-US"/>
           </a:p>
@@ -3321,7 +3321,7 @@
           <a:p>
             <a:fld id="{FB30EDBD-1C2D-4C1E-B459-B60219FAB484}" type="datetimeFigureOut">
               <a:rPr lang="ko-KR" altLang="en-US" smtClean="0"/>
-              <a:t>2019-07-15</a:t>
+              <a:t>2019-07-16</a:t>
             </a:fld>
             <a:endParaRPr lang="ko-KR" altLang="en-US"/>
           </a:p>
@@ -3527,7 +3527,7 @@
           <a:p>
             <a:fld id="{FB30EDBD-1C2D-4C1E-B459-B60219FAB484}" type="datetimeFigureOut">
               <a:rPr lang="ko-KR" altLang="en-US" smtClean="0"/>
-              <a:t>2019-07-15</a:t>
+              <a:t>2019-07-16</a:t>
             </a:fld>
             <a:endParaRPr lang="ko-KR" altLang="en-US"/>
           </a:p>
@@ -5582,15 +5582,15 @@
           <a:p>
             <a:pPr algn="ctr"/>
             <a:r>
-              <a:rPr lang="en-US" altLang="ko-KR" sz="1100"/>
+              <a:rPr lang="en-US" altLang="ko-KR" sz="950"/>
+              <a:t>enx88366cf9f9ed</a:t>
+            </a:r>
+          </a:p>
+          <a:p>
+            <a:pPr algn="ctr"/>
+            <a:r>
+              <a:rPr lang="en-US" altLang="ko-KR" sz="1050"/>
               <a:t>1Gbps</a:t>
-            </a:r>
-          </a:p>
-          <a:p>
-            <a:pPr algn="ctr"/>
-            <a:r>
-              <a:rPr lang="en-US" altLang="ko-KR" sz="1100"/>
-              <a:t>192.168.0.30</a:t>
             </a:r>
           </a:p>
         </p:txBody>
@@ -7797,8 +7797,8 @@
           <a:p>
             <a:pPr algn="ctr"/>
             <a:r>
-              <a:rPr lang="en-US" altLang="ko-KR" sz="1100"/>
-              <a:t>192.168.0.30</a:t>
+              <a:rPr lang="en-US" altLang="ko-KR" sz="950"/>
+              <a:t>enx88366cf9f9ed</a:t>
             </a:r>
           </a:p>
         </p:txBody>
